--- a/01-Powerpoint-presentation/PowerpointPresentation.pptx
+++ b/01-Powerpoint-presentation/PowerpointPresentation.pptx
@@ -7,33 +7,36 @@
     <p:sldMasterId id="2147483753" r:id="rId3"/>
   </p:sldMasterIdLst>
   <p:notesMasterIdLst>
-    <p:notesMasterId r:id="rId25"/>
+    <p:notesMasterId r:id="rId28"/>
   </p:notesMasterIdLst>
   <p:handoutMasterIdLst>
-    <p:handoutMasterId r:id="rId26"/>
+    <p:handoutMasterId r:id="rId29"/>
   </p:handoutMasterIdLst>
   <p:sldIdLst>
     <p:sldId id="866" r:id="rId4"/>
     <p:sldId id="868" r:id="rId5"/>
     <p:sldId id="870" r:id="rId6"/>
     <p:sldId id="867" r:id="rId7"/>
-    <p:sldId id="892" r:id="rId8"/>
-    <p:sldId id="895" r:id="rId9"/>
-    <p:sldId id="896" r:id="rId10"/>
-    <p:sldId id="897" r:id="rId11"/>
-    <p:sldId id="898" r:id="rId12"/>
-    <p:sldId id="811" r:id="rId13"/>
-    <p:sldId id="877" r:id="rId14"/>
-    <p:sldId id="879" r:id="rId15"/>
-    <p:sldId id="881" r:id="rId16"/>
-    <p:sldId id="882" r:id="rId17"/>
-    <p:sldId id="883" r:id="rId18"/>
-    <p:sldId id="884" r:id="rId19"/>
-    <p:sldId id="885" r:id="rId20"/>
-    <p:sldId id="886" r:id="rId21"/>
-    <p:sldId id="887" r:id="rId22"/>
-    <p:sldId id="889" r:id="rId23"/>
-    <p:sldId id="894" r:id="rId24"/>
+    <p:sldId id="811" r:id="rId8"/>
+    <p:sldId id="901" r:id="rId9"/>
+    <p:sldId id="900" r:id="rId10"/>
+    <p:sldId id="892" r:id="rId11"/>
+    <p:sldId id="895" r:id="rId12"/>
+    <p:sldId id="896" r:id="rId13"/>
+    <p:sldId id="897" r:id="rId14"/>
+    <p:sldId id="898" r:id="rId15"/>
+    <p:sldId id="899" r:id="rId16"/>
+    <p:sldId id="877" r:id="rId17"/>
+    <p:sldId id="879" r:id="rId18"/>
+    <p:sldId id="881" r:id="rId19"/>
+    <p:sldId id="882" r:id="rId20"/>
+    <p:sldId id="883" r:id="rId21"/>
+    <p:sldId id="884" r:id="rId22"/>
+    <p:sldId id="885" r:id="rId23"/>
+    <p:sldId id="886" r:id="rId24"/>
+    <p:sldId id="887" r:id="rId25"/>
+    <p:sldId id="889" r:id="rId26"/>
+    <p:sldId id="894" r:id="rId27"/>
   </p:sldIdLst>
   <p:sldSz cx="12192000" cy="6858000"/>
   <p:notesSz cx="6858000" cy="9144000"/>
@@ -141,12 +144,15 @@
             <p14:sldId id="868"/>
             <p14:sldId id="870"/>
             <p14:sldId id="867"/>
+            <p14:sldId id="811"/>
+            <p14:sldId id="901"/>
+            <p14:sldId id="900"/>
             <p14:sldId id="892"/>
             <p14:sldId id="895"/>
             <p14:sldId id="896"/>
             <p14:sldId id="897"/>
             <p14:sldId id="898"/>
-            <p14:sldId id="811"/>
+            <p14:sldId id="899"/>
             <p14:sldId id="877"/>
             <p14:sldId id="879"/>
             <p14:sldId id="881"/>
@@ -6343,14 +6349,9 @@
           <a:lstStyle/>
           <a:p>
             <a:r>
-              <a:rPr lang="en-US" sz="1200">
-                <a:solidFill>
-                  <a:prstClr val="black"/>
-                </a:solidFill>
-              </a:rPr>
-              <a:t>© Copyright Showeet.com – Creative &amp; Free PowerPoint Templates</a:t>
+              <a:rPr lang="fr-FR" noProof="0" dirty="0"/>
+              <a:t>Page d’accueil</a:t>
             </a:r>
-            <a:endParaRPr lang="en-US"/>
           </a:p>
         </p:txBody>
       </p:sp>
@@ -6474,7 +6475,7 @@
     </p:spTree>
     <p:extLst>
       <p:ext uri="{BB962C8B-B14F-4D97-AF65-F5344CB8AC3E}">
-        <p14:creationId xmlns:p14="http://schemas.microsoft.com/office/powerpoint/2010/main" val="117351488"/>
+        <p14:creationId xmlns:p14="http://schemas.microsoft.com/office/powerpoint/2010/main" val="3584205330"/>
       </p:ext>
     </p:extLst>
   </p:cSld>
@@ -6528,23 +6529,6 @@
           <a:bodyPr/>
           <a:lstStyle/>
           <a:p>
-            <a:pPr marL="0" marR="0" lvl="0" indent="0" algn="l" defTabSz="914354" rtl="0" eaLnBrk="1" fontAlgn="auto" latinLnBrk="0" hangingPunct="1">
-              <a:lnSpc>
-                <a:spcPct val="100000"/>
-              </a:lnSpc>
-              <a:spcBef>
-                <a:spcPts val="0"/>
-              </a:spcBef>
-              <a:spcAft>
-                <a:spcPts val="0"/>
-              </a:spcAft>
-              <a:buClrTx/>
-              <a:buSzTx/>
-              <a:buFontTx/>
-              <a:buNone/>
-              <a:tabLst/>
-              <a:defRPr/>
-            </a:pPr>
             <a:r>
               <a:rPr lang="en-US" sz="1200">
                 <a:solidFill>
@@ -6553,6 +6537,7 @@
               </a:rPr>
               <a:t>© Copyright Showeet.com – Creative &amp; Free PowerPoint Templates</a:t>
             </a:r>
+            <a:endParaRPr lang="en-US"/>
           </a:p>
         </p:txBody>
       </p:sp>
@@ -6583,7 +6568,7 @@
     </p:spTree>
     <p:extLst>
       <p:ext uri="{BB962C8B-B14F-4D97-AF65-F5344CB8AC3E}">
-        <p14:creationId xmlns:p14="http://schemas.microsoft.com/office/powerpoint/2010/main" val="3712232617"/>
+        <p14:creationId xmlns:p14="http://schemas.microsoft.com/office/powerpoint/2010/main" val="3552511973"/>
       </p:ext>
     </p:extLst>
   </p:cSld>
@@ -6676,7 +6661,7 @@
     </p:spTree>
     <p:extLst>
       <p:ext uri="{BB962C8B-B14F-4D97-AF65-F5344CB8AC3E}">
-        <p14:creationId xmlns:p14="http://schemas.microsoft.com/office/powerpoint/2010/main" val="768886820"/>
+        <p14:creationId xmlns:p14="http://schemas.microsoft.com/office/powerpoint/2010/main" val="372831945"/>
       </p:ext>
     </p:extLst>
   </p:cSld>
@@ -6769,7 +6754,7 @@
     </p:spTree>
     <p:extLst>
       <p:ext uri="{BB962C8B-B14F-4D97-AF65-F5344CB8AC3E}">
-        <p14:creationId xmlns:p14="http://schemas.microsoft.com/office/powerpoint/2010/main" val="3574797035"/>
+        <p14:creationId xmlns:p14="http://schemas.microsoft.com/office/powerpoint/2010/main" val="324157143"/>
       </p:ext>
     </p:extLst>
   </p:cSld>
@@ -6823,6 +6808,23 @@
           <a:bodyPr/>
           <a:lstStyle/>
           <a:p>
+            <a:pPr marL="0" marR="0" lvl="0" indent="0" algn="l" defTabSz="914354" rtl="0" eaLnBrk="1" fontAlgn="auto" latinLnBrk="0" hangingPunct="1">
+              <a:lnSpc>
+                <a:spcPct val="100000"/>
+              </a:lnSpc>
+              <a:spcBef>
+                <a:spcPts val="0"/>
+              </a:spcBef>
+              <a:spcAft>
+                <a:spcPts val="0"/>
+              </a:spcAft>
+              <a:buClrTx/>
+              <a:buSzTx/>
+              <a:buFontTx/>
+              <a:buNone/>
+              <a:tabLst/>
+              <a:defRPr/>
+            </a:pPr>
             <a:r>
               <a:rPr lang="en-US" sz="1200">
                 <a:solidFill>
@@ -6831,7 +6833,6 @@
               </a:rPr>
               <a:t>© Copyright Showeet.com – Creative &amp; Free PowerPoint Templates</a:t>
             </a:r>
-            <a:endParaRPr lang="en-US"/>
           </a:p>
         </p:txBody>
       </p:sp>
@@ -6862,7 +6863,7 @@
     </p:spTree>
     <p:extLst>
       <p:ext uri="{BB962C8B-B14F-4D97-AF65-F5344CB8AC3E}">
-        <p14:creationId xmlns:p14="http://schemas.microsoft.com/office/powerpoint/2010/main" val="2069290823"/>
+        <p14:creationId xmlns:p14="http://schemas.microsoft.com/office/powerpoint/2010/main" val="3712232617"/>
       </p:ext>
     </p:extLst>
   </p:cSld>
@@ -6955,7 +6956,7 @@
     </p:spTree>
     <p:extLst>
       <p:ext uri="{BB962C8B-B14F-4D97-AF65-F5344CB8AC3E}">
-        <p14:creationId xmlns:p14="http://schemas.microsoft.com/office/powerpoint/2010/main" val="3206035147"/>
+        <p14:creationId xmlns:p14="http://schemas.microsoft.com/office/powerpoint/2010/main" val="768886820"/>
       </p:ext>
     </p:extLst>
   </p:cSld>
@@ -7048,7 +7049,7 @@
     </p:spTree>
     <p:extLst>
       <p:ext uri="{BB962C8B-B14F-4D97-AF65-F5344CB8AC3E}">
-        <p14:creationId xmlns:p14="http://schemas.microsoft.com/office/powerpoint/2010/main" val="3828291125"/>
+        <p14:creationId xmlns:p14="http://schemas.microsoft.com/office/powerpoint/2010/main" val="3574797035"/>
       </p:ext>
     </p:extLst>
   </p:cSld>
@@ -7102,23 +7103,6 @@
           <a:bodyPr/>
           <a:lstStyle/>
           <a:p>
-            <a:pPr marL="0" marR="0" lvl="0" indent="0" algn="l" defTabSz="914400" rtl="0" eaLnBrk="1" fontAlgn="auto" latinLnBrk="0" hangingPunct="1">
-              <a:lnSpc>
-                <a:spcPct val="100000"/>
-              </a:lnSpc>
-              <a:spcBef>
-                <a:spcPts val="0"/>
-              </a:spcBef>
-              <a:spcAft>
-                <a:spcPts val="0"/>
-              </a:spcAft>
-              <a:buClrTx/>
-              <a:buSzTx/>
-              <a:buFontTx/>
-              <a:buNone/>
-              <a:tabLst/>
-              <a:defRPr/>
-            </a:pPr>
             <a:r>
               <a:rPr lang="en-US" sz="1200">
                 <a:solidFill>
@@ -7127,6 +7111,7 @@
               </a:rPr>
               <a:t>© Copyright Showeet.com – Creative &amp; Free PowerPoint Templates</a:t>
             </a:r>
+            <a:endParaRPr lang="en-US"/>
           </a:p>
         </p:txBody>
       </p:sp>
@@ -7145,78 +7130,19 @@
           <a:bodyPr/>
           <a:lstStyle/>
           <a:p>
-            <a:pPr marL="0" marR="0" lvl="0" indent="0" algn="r" defTabSz="914400" rtl="0" eaLnBrk="1" fontAlgn="auto" latinLnBrk="0" hangingPunct="1">
-              <a:lnSpc>
-                <a:spcPct val="100000"/>
-              </a:lnSpc>
-              <a:spcBef>
-                <a:spcPts val="0"/>
-              </a:spcBef>
-              <a:spcAft>
-                <a:spcPts val="0"/>
-              </a:spcAft>
-              <a:buClrTx/>
-              <a:buSzTx/>
-              <a:buFontTx/>
-              <a:buNone/>
-              <a:tabLst/>
-              <a:defRPr/>
-            </a:pPr>
-            <a:fld id="{06BEB3AE-8E34-4534-922B-E380FB565A43}" type="slidenum">
-              <a:rPr kumimoji="0" lang="en-US" sz="1200" b="0" i="0" u="none" strike="noStrike" kern="1200" cap="none" spc="0" normalizeH="0" baseline="0" noProof="0" smtClean="0">
-                <a:ln>
-                  <a:noFill/>
-                </a:ln>
-                <a:solidFill>
-                  <a:prstClr val="black"/>
-                </a:solidFill>
-                <a:effectLst/>
-                <a:uLnTx/>
-                <a:uFillTx/>
-                <a:latin typeface="Calibri" panose="020F0502020204030204"/>
-                <a:ea typeface="+mn-ea"/>
-                <a:cs typeface="+mn-cs"/>
-              </a:rPr>
-              <a:pPr marL="0" marR="0" lvl="0" indent="0" algn="r" defTabSz="914400" rtl="0" eaLnBrk="1" fontAlgn="auto" latinLnBrk="0" hangingPunct="1">
-                <a:lnSpc>
-                  <a:spcPct val="100000"/>
-                </a:lnSpc>
-                <a:spcBef>
-                  <a:spcPts val="0"/>
-                </a:spcBef>
-                <a:spcAft>
-                  <a:spcPts val="0"/>
-                </a:spcAft>
-                <a:buClrTx/>
-                <a:buSzTx/>
-                <a:buFontTx/>
-                <a:buNone/>
-                <a:tabLst/>
-                <a:defRPr/>
-              </a:pPr>
+            <a:fld id="{2CA3AB2B-189A-4C92-A457-C6A3833631A7}" type="slidenum">
+              <a:rPr lang="en-US" smtClean="0"/>
+              <a:pPr/>
               <a:t>17</a:t>
             </a:fld>
-            <a:endParaRPr kumimoji="0" lang="en-US" sz="1200" b="0" i="0" u="none" strike="noStrike" kern="1200" cap="none" spc="0" normalizeH="0" baseline="0" noProof="0">
-              <a:ln>
-                <a:noFill/>
-              </a:ln>
-              <a:solidFill>
-                <a:prstClr val="black"/>
-              </a:solidFill>
-              <a:effectLst/>
-              <a:uLnTx/>
-              <a:uFillTx/>
-              <a:latin typeface="Calibri" panose="020F0502020204030204"/>
-              <a:ea typeface="+mn-ea"/>
-              <a:cs typeface="+mn-cs"/>
-            </a:endParaRPr>
+            <a:endParaRPr lang="en-US"/>
           </a:p>
         </p:txBody>
       </p:sp>
     </p:spTree>
     <p:extLst>
       <p:ext uri="{BB962C8B-B14F-4D97-AF65-F5344CB8AC3E}">
-        <p14:creationId xmlns:p14="http://schemas.microsoft.com/office/powerpoint/2010/main" val="3325128512"/>
+        <p14:creationId xmlns:p14="http://schemas.microsoft.com/office/powerpoint/2010/main" val="2069290823"/>
       </p:ext>
     </p:extLst>
   </p:cSld>
@@ -7270,23 +7196,6 @@
           <a:bodyPr/>
           <a:lstStyle/>
           <a:p>
-            <a:pPr marL="0" marR="0" lvl="0" indent="0" algn="l" defTabSz="914400" rtl="0" eaLnBrk="1" fontAlgn="auto" latinLnBrk="0" hangingPunct="1">
-              <a:lnSpc>
-                <a:spcPct val="100000"/>
-              </a:lnSpc>
-              <a:spcBef>
-                <a:spcPts val="0"/>
-              </a:spcBef>
-              <a:spcAft>
-                <a:spcPts val="0"/>
-              </a:spcAft>
-              <a:buClrTx/>
-              <a:buSzTx/>
-              <a:buFontTx/>
-              <a:buNone/>
-              <a:tabLst/>
-              <a:defRPr/>
-            </a:pPr>
             <a:r>
               <a:rPr lang="en-US" sz="1200">
                 <a:solidFill>
@@ -7295,6 +7204,7 @@
               </a:rPr>
               <a:t>© Copyright Showeet.com – Creative &amp; Free PowerPoint Templates</a:t>
             </a:r>
+            <a:endParaRPr lang="en-US"/>
           </a:p>
         </p:txBody>
       </p:sp>
@@ -7313,78 +7223,19 @@
           <a:bodyPr/>
           <a:lstStyle/>
           <a:p>
-            <a:pPr marL="0" marR="0" lvl="0" indent="0" algn="r" defTabSz="914400" rtl="0" eaLnBrk="1" fontAlgn="auto" latinLnBrk="0" hangingPunct="1">
-              <a:lnSpc>
-                <a:spcPct val="100000"/>
-              </a:lnSpc>
-              <a:spcBef>
-                <a:spcPts val="0"/>
-              </a:spcBef>
-              <a:spcAft>
-                <a:spcPts val="0"/>
-              </a:spcAft>
-              <a:buClrTx/>
-              <a:buSzTx/>
-              <a:buFontTx/>
-              <a:buNone/>
-              <a:tabLst/>
-              <a:defRPr/>
-            </a:pPr>
-            <a:fld id="{06BEB3AE-8E34-4534-922B-E380FB565A43}" type="slidenum">
-              <a:rPr kumimoji="0" lang="en-US" sz="1200" b="0" i="0" u="none" strike="noStrike" kern="1200" cap="none" spc="0" normalizeH="0" baseline="0" noProof="0" smtClean="0">
-                <a:ln>
-                  <a:noFill/>
-                </a:ln>
-                <a:solidFill>
-                  <a:prstClr val="black"/>
-                </a:solidFill>
-                <a:effectLst/>
-                <a:uLnTx/>
-                <a:uFillTx/>
-                <a:latin typeface="Calibri" panose="020F0502020204030204"/>
-                <a:ea typeface="+mn-ea"/>
-                <a:cs typeface="+mn-cs"/>
-              </a:rPr>
-              <a:pPr marL="0" marR="0" lvl="0" indent="0" algn="r" defTabSz="914400" rtl="0" eaLnBrk="1" fontAlgn="auto" latinLnBrk="0" hangingPunct="1">
-                <a:lnSpc>
-                  <a:spcPct val="100000"/>
-                </a:lnSpc>
-                <a:spcBef>
-                  <a:spcPts val="0"/>
-                </a:spcBef>
-                <a:spcAft>
-                  <a:spcPts val="0"/>
-                </a:spcAft>
-                <a:buClrTx/>
-                <a:buSzTx/>
-                <a:buFontTx/>
-                <a:buNone/>
-                <a:tabLst/>
-                <a:defRPr/>
-              </a:pPr>
+            <a:fld id="{2CA3AB2B-189A-4C92-A457-C6A3833631A7}" type="slidenum">
+              <a:rPr lang="en-US" smtClean="0"/>
+              <a:pPr/>
               <a:t>18</a:t>
             </a:fld>
-            <a:endParaRPr kumimoji="0" lang="en-US" sz="1200" b="0" i="0" u="none" strike="noStrike" kern="1200" cap="none" spc="0" normalizeH="0" baseline="0" noProof="0">
-              <a:ln>
-                <a:noFill/>
-              </a:ln>
-              <a:solidFill>
-                <a:prstClr val="black"/>
-              </a:solidFill>
-              <a:effectLst/>
-              <a:uLnTx/>
-              <a:uFillTx/>
-              <a:latin typeface="Calibri" panose="020F0502020204030204"/>
-              <a:ea typeface="+mn-ea"/>
-              <a:cs typeface="+mn-cs"/>
-            </a:endParaRPr>
+            <a:endParaRPr lang="en-US"/>
           </a:p>
         </p:txBody>
       </p:sp>
     </p:spTree>
     <p:extLst>
       <p:ext uri="{BB962C8B-B14F-4D97-AF65-F5344CB8AC3E}">
-        <p14:creationId xmlns:p14="http://schemas.microsoft.com/office/powerpoint/2010/main" val="1862392583"/>
+        <p14:creationId xmlns:p14="http://schemas.microsoft.com/office/powerpoint/2010/main" val="3206035147"/>
       </p:ext>
     </p:extLst>
   </p:cSld>
@@ -7438,23 +7289,6 @@
           <a:bodyPr/>
           <a:lstStyle/>
           <a:p>
-            <a:pPr marL="0" marR="0" lvl="0" indent="0" algn="l" defTabSz="914400" rtl="0" eaLnBrk="1" fontAlgn="auto" latinLnBrk="0" hangingPunct="1">
-              <a:lnSpc>
-                <a:spcPct val="100000"/>
-              </a:lnSpc>
-              <a:spcBef>
-                <a:spcPts val="0"/>
-              </a:spcBef>
-              <a:spcAft>
-                <a:spcPts val="0"/>
-              </a:spcAft>
-              <a:buClrTx/>
-              <a:buSzTx/>
-              <a:buFontTx/>
-              <a:buNone/>
-              <a:tabLst/>
-              <a:defRPr/>
-            </a:pPr>
             <a:r>
               <a:rPr lang="en-US" sz="1200">
                 <a:solidFill>
@@ -7463,6 +7297,7 @@
               </a:rPr>
               <a:t>© Copyright Showeet.com – Creative &amp; Free PowerPoint Templates</a:t>
             </a:r>
+            <a:endParaRPr lang="en-US"/>
           </a:p>
         </p:txBody>
       </p:sp>
@@ -7481,78 +7316,19 @@
           <a:bodyPr/>
           <a:lstStyle/>
           <a:p>
-            <a:pPr marL="0" marR="0" lvl="0" indent="0" algn="r" defTabSz="914400" rtl="0" eaLnBrk="1" fontAlgn="auto" latinLnBrk="0" hangingPunct="1">
-              <a:lnSpc>
-                <a:spcPct val="100000"/>
-              </a:lnSpc>
-              <a:spcBef>
-                <a:spcPts val="0"/>
-              </a:spcBef>
-              <a:spcAft>
-                <a:spcPts val="0"/>
-              </a:spcAft>
-              <a:buClrTx/>
-              <a:buSzTx/>
-              <a:buFontTx/>
-              <a:buNone/>
-              <a:tabLst/>
-              <a:defRPr/>
-            </a:pPr>
-            <a:fld id="{06BEB3AE-8E34-4534-922B-E380FB565A43}" type="slidenum">
-              <a:rPr kumimoji="0" lang="en-US" sz="1200" b="0" i="0" u="none" strike="noStrike" kern="1200" cap="none" spc="0" normalizeH="0" baseline="0" noProof="0" smtClean="0">
-                <a:ln>
-                  <a:noFill/>
-                </a:ln>
-                <a:solidFill>
-                  <a:prstClr val="black"/>
-                </a:solidFill>
-                <a:effectLst/>
-                <a:uLnTx/>
-                <a:uFillTx/>
-                <a:latin typeface="Calibri" panose="020F0502020204030204"/>
-                <a:ea typeface="+mn-ea"/>
-                <a:cs typeface="+mn-cs"/>
-              </a:rPr>
-              <a:pPr marL="0" marR="0" lvl="0" indent="0" algn="r" defTabSz="914400" rtl="0" eaLnBrk="1" fontAlgn="auto" latinLnBrk="0" hangingPunct="1">
-                <a:lnSpc>
-                  <a:spcPct val="100000"/>
-                </a:lnSpc>
-                <a:spcBef>
-                  <a:spcPts val="0"/>
-                </a:spcBef>
-                <a:spcAft>
-                  <a:spcPts val="0"/>
-                </a:spcAft>
-                <a:buClrTx/>
-                <a:buSzTx/>
-                <a:buFontTx/>
-                <a:buNone/>
-                <a:tabLst/>
-                <a:defRPr/>
-              </a:pPr>
+            <a:fld id="{2CA3AB2B-189A-4C92-A457-C6A3833631A7}" type="slidenum">
+              <a:rPr lang="en-US" smtClean="0"/>
+              <a:pPr/>
               <a:t>19</a:t>
             </a:fld>
-            <a:endParaRPr kumimoji="0" lang="en-US" sz="1200" b="0" i="0" u="none" strike="noStrike" kern="1200" cap="none" spc="0" normalizeH="0" baseline="0" noProof="0">
-              <a:ln>
-                <a:noFill/>
-              </a:ln>
-              <a:solidFill>
-                <a:prstClr val="black"/>
-              </a:solidFill>
-              <a:effectLst/>
-              <a:uLnTx/>
-              <a:uFillTx/>
-              <a:latin typeface="Calibri" panose="020F0502020204030204"/>
-              <a:ea typeface="+mn-ea"/>
-              <a:cs typeface="+mn-cs"/>
-            </a:endParaRPr>
+            <a:endParaRPr lang="en-US"/>
           </a:p>
         </p:txBody>
       </p:sp>
     </p:spTree>
     <p:extLst>
       <p:ext uri="{BB962C8B-B14F-4D97-AF65-F5344CB8AC3E}">
-        <p14:creationId xmlns:p14="http://schemas.microsoft.com/office/powerpoint/2010/main" val="1457261396"/>
+        <p14:creationId xmlns:p14="http://schemas.microsoft.com/office/powerpoint/2010/main" val="3828291125"/>
       </p:ext>
     </p:extLst>
   </p:cSld>
@@ -7607,14 +7383,14 @@
           <a:lstStyle/>
           <a:p>
             <a:r>
-              <a:rPr lang="en-US" sz="1200">
+              <a:rPr lang="fr-FR" sz="1200" noProof="0" dirty="0">
                 <a:solidFill>
                   <a:prstClr val="black"/>
                 </a:solidFill>
               </a:rPr>
-              <a:t>© Copyright Showeet.com – Creative &amp; Free PowerPoint Templates</a:t>
+              <a:t>Page de bienvenue </a:t>
             </a:r>
-            <a:endParaRPr lang="en-US"/>
+            <a:endParaRPr lang="fr-FR" noProof="0" dirty="0"/>
           </a:p>
         </p:txBody>
       </p:sp>
@@ -7813,6 +7589,510 @@
     </p:spTree>
     <p:extLst>
       <p:ext uri="{BB962C8B-B14F-4D97-AF65-F5344CB8AC3E}">
+        <p14:creationId xmlns:p14="http://schemas.microsoft.com/office/powerpoint/2010/main" val="3325128512"/>
+      </p:ext>
+    </p:extLst>
+  </p:cSld>
+  <p:clrMapOvr>
+    <a:masterClrMapping/>
+  </p:clrMapOvr>
+</p:notes>
+</file>
+
+<file path=ppt/notesSlides/notesSlide21.xml><?xml version="1.0" encoding="utf-8"?>
+<p:notes xmlns:a="http://schemas.openxmlformats.org/drawingml/2006/main" xmlns:r="http://schemas.openxmlformats.org/officeDocument/2006/relationships" xmlns:p="http://schemas.openxmlformats.org/presentationml/2006/main">
+  <p:cSld>
+    <p:spTree>
+      <p:nvGrpSpPr>
+        <p:cNvPr id="1" name=""/>
+        <p:cNvGrpSpPr/>
+        <p:nvPr/>
+      </p:nvGrpSpPr>
+      <p:grpSpPr>
+        <a:xfrm>
+          <a:off x="0" y="0"/>
+          <a:ext cx="0" cy="0"/>
+          <a:chOff x="0" y="0"/>
+          <a:chExt cx="0" cy="0"/>
+        </a:xfrm>
+      </p:grpSpPr>
+      <p:sp>
+        <p:nvSpPr>
+          <p:cNvPr id="2" name="Slide Image Placeholder 1"/>
+          <p:cNvSpPr>
+            <a:spLocks noGrp="1" noRot="1" noChangeAspect="1"/>
+          </p:cNvSpPr>
+          <p:nvPr>
+            <p:ph type="sldImg"/>
+          </p:nvPr>
+        </p:nvSpPr>
+        <p:spPr/>
+      </p:sp>
+      <p:sp>
+        <p:nvSpPr>
+          <p:cNvPr id="3" name="Notes Placeholder 2"/>
+          <p:cNvSpPr>
+            <a:spLocks noGrp="1"/>
+          </p:cNvSpPr>
+          <p:nvPr>
+            <p:ph type="body" idx="1"/>
+          </p:nvPr>
+        </p:nvSpPr>
+        <p:spPr/>
+        <p:txBody>
+          <a:bodyPr/>
+          <a:lstStyle/>
+          <a:p>
+            <a:pPr marL="0" marR="0" lvl="0" indent="0" algn="l" defTabSz="914400" rtl="0" eaLnBrk="1" fontAlgn="auto" latinLnBrk="0" hangingPunct="1">
+              <a:lnSpc>
+                <a:spcPct val="100000"/>
+              </a:lnSpc>
+              <a:spcBef>
+                <a:spcPts val="0"/>
+              </a:spcBef>
+              <a:spcAft>
+                <a:spcPts val="0"/>
+              </a:spcAft>
+              <a:buClrTx/>
+              <a:buSzTx/>
+              <a:buFontTx/>
+              <a:buNone/>
+              <a:tabLst/>
+              <a:defRPr/>
+            </a:pPr>
+            <a:r>
+              <a:rPr lang="en-US" sz="1200">
+                <a:solidFill>
+                  <a:prstClr val="black"/>
+                </a:solidFill>
+              </a:rPr>
+              <a:t>© Copyright Showeet.com – Creative &amp; Free PowerPoint Templates</a:t>
+            </a:r>
+          </a:p>
+        </p:txBody>
+      </p:sp>
+      <p:sp>
+        <p:nvSpPr>
+          <p:cNvPr id="4" name="Slide Number Placeholder 3"/>
+          <p:cNvSpPr>
+            <a:spLocks noGrp="1"/>
+          </p:cNvSpPr>
+          <p:nvPr>
+            <p:ph type="sldNum" sz="quarter" idx="10"/>
+          </p:nvPr>
+        </p:nvSpPr>
+        <p:spPr/>
+        <p:txBody>
+          <a:bodyPr/>
+          <a:lstStyle/>
+          <a:p>
+            <a:pPr marL="0" marR="0" lvl="0" indent="0" algn="r" defTabSz="914400" rtl="0" eaLnBrk="1" fontAlgn="auto" latinLnBrk="0" hangingPunct="1">
+              <a:lnSpc>
+                <a:spcPct val="100000"/>
+              </a:lnSpc>
+              <a:spcBef>
+                <a:spcPts val="0"/>
+              </a:spcBef>
+              <a:spcAft>
+                <a:spcPts val="0"/>
+              </a:spcAft>
+              <a:buClrTx/>
+              <a:buSzTx/>
+              <a:buFontTx/>
+              <a:buNone/>
+              <a:tabLst/>
+              <a:defRPr/>
+            </a:pPr>
+            <a:fld id="{06BEB3AE-8E34-4534-922B-E380FB565A43}" type="slidenum">
+              <a:rPr kumimoji="0" lang="en-US" sz="1200" b="0" i="0" u="none" strike="noStrike" kern="1200" cap="none" spc="0" normalizeH="0" baseline="0" noProof="0" smtClean="0">
+                <a:ln>
+                  <a:noFill/>
+                </a:ln>
+                <a:solidFill>
+                  <a:prstClr val="black"/>
+                </a:solidFill>
+                <a:effectLst/>
+                <a:uLnTx/>
+                <a:uFillTx/>
+                <a:latin typeface="Calibri" panose="020F0502020204030204"/>
+                <a:ea typeface="+mn-ea"/>
+                <a:cs typeface="+mn-cs"/>
+              </a:rPr>
+              <a:pPr marL="0" marR="0" lvl="0" indent="0" algn="r" defTabSz="914400" rtl="0" eaLnBrk="1" fontAlgn="auto" latinLnBrk="0" hangingPunct="1">
+                <a:lnSpc>
+                  <a:spcPct val="100000"/>
+                </a:lnSpc>
+                <a:spcBef>
+                  <a:spcPts val="0"/>
+                </a:spcBef>
+                <a:spcAft>
+                  <a:spcPts val="0"/>
+                </a:spcAft>
+                <a:buClrTx/>
+                <a:buSzTx/>
+                <a:buFontTx/>
+                <a:buNone/>
+                <a:tabLst/>
+                <a:defRPr/>
+              </a:pPr>
+              <a:t>21</a:t>
+            </a:fld>
+            <a:endParaRPr kumimoji="0" lang="en-US" sz="1200" b="0" i="0" u="none" strike="noStrike" kern="1200" cap="none" spc="0" normalizeH="0" baseline="0" noProof="0">
+              <a:ln>
+                <a:noFill/>
+              </a:ln>
+              <a:solidFill>
+                <a:prstClr val="black"/>
+              </a:solidFill>
+              <a:effectLst/>
+              <a:uLnTx/>
+              <a:uFillTx/>
+              <a:latin typeface="Calibri" panose="020F0502020204030204"/>
+              <a:ea typeface="+mn-ea"/>
+              <a:cs typeface="+mn-cs"/>
+            </a:endParaRPr>
+          </a:p>
+        </p:txBody>
+      </p:sp>
+    </p:spTree>
+    <p:extLst>
+      <p:ext uri="{BB962C8B-B14F-4D97-AF65-F5344CB8AC3E}">
+        <p14:creationId xmlns:p14="http://schemas.microsoft.com/office/powerpoint/2010/main" val="1862392583"/>
+      </p:ext>
+    </p:extLst>
+  </p:cSld>
+  <p:clrMapOvr>
+    <a:masterClrMapping/>
+  </p:clrMapOvr>
+</p:notes>
+</file>
+
+<file path=ppt/notesSlides/notesSlide22.xml><?xml version="1.0" encoding="utf-8"?>
+<p:notes xmlns:a="http://schemas.openxmlformats.org/drawingml/2006/main" xmlns:r="http://schemas.openxmlformats.org/officeDocument/2006/relationships" xmlns:p="http://schemas.openxmlformats.org/presentationml/2006/main">
+  <p:cSld>
+    <p:spTree>
+      <p:nvGrpSpPr>
+        <p:cNvPr id="1" name=""/>
+        <p:cNvGrpSpPr/>
+        <p:nvPr/>
+      </p:nvGrpSpPr>
+      <p:grpSpPr>
+        <a:xfrm>
+          <a:off x="0" y="0"/>
+          <a:ext cx="0" cy="0"/>
+          <a:chOff x="0" y="0"/>
+          <a:chExt cx="0" cy="0"/>
+        </a:xfrm>
+      </p:grpSpPr>
+      <p:sp>
+        <p:nvSpPr>
+          <p:cNvPr id="2" name="Slide Image Placeholder 1"/>
+          <p:cNvSpPr>
+            <a:spLocks noGrp="1" noRot="1" noChangeAspect="1"/>
+          </p:cNvSpPr>
+          <p:nvPr>
+            <p:ph type="sldImg"/>
+          </p:nvPr>
+        </p:nvSpPr>
+        <p:spPr/>
+      </p:sp>
+      <p:sp>
+        <p:nvSpPr>
+          <p:cNvPr id="3" name="Notes Placeholder 2"/>
+          <p:cNvSpPr>
+            <a:spLocks noGrp="1"/>
+          </p:cNvSpPr>
+          <p:nvPr>
+            <p:ph type="body" idx="1"/>
+          </p:nvPr>
+        </p:nvSpPr>
+        <p:spPr/>
+        <p:txBody>
+          <a:bodyPr/>
+          <a:lstStyle/>
+          <a:p>
+            <a:pPr marL="0" marR="0" lvl="0" indent="0" algn="l" defTabSz="914400" rtl="0" eaLnBrk="1" fontAlgn="auto" latinLnBrk="0" hangingPunct="1">
+              <a:lnSpc>
+                <a:spcPct val="100000"/>
+              </a:lnSpc>
+              <a:spcBef>
+                <a:spcPts val="0"/>
+              </a:spcBef>
+              <a:spcAft>
+                <a:spcPts val="0"/>
+              </a:spcAft>
+              <a:buClrTx/>
+              <a:buSzTx/>
+              <a:buFontTx/>
+              <a:buNone/>
+              <a:tabLst/>
+              <a:defRPr/>
+            </a:pPr>
+            <a:r>
+              <a:rPr lang="en-US" sz="1200">
+                <a:solidFill>
+                  <a:prstClr val="black"/>
+                </a:solidFill>
+              </a:rPr>
+              <a:t>© Copyright Showeet.com – Creative &amp; Free PowerPoint Templates</a:t>
+            </a:r>
+          </a:p>
+        </p:txBody>
+      </p:sp>
+      <p:sp>
+        <p:nvSpPr>
+          <p:cNvPr id="4" name="Slide Number Placeholder 3"/>
+          <p:cNvSpPr>
+            <a:spLocks noGrp="1"/>
+          </p:cNvSpPr>
+          <p:nvPr>
+            <p:ph type="sldNum" sz="quarter" idx="10"/>
+          </p:nvPr>
+        </p:nvSpPr>
+        <p:spPr/>
+        <p:txBody>
+          <a:bodyPr/>
+          <a:lstStyle/>
+          <a:p>
+            <a:pPr marL="0" marR="0" lvl="0" indent="0" algn="r" defTabSz="914400" rtl="0" eaLnBrk="1" fontAlgn="auto" latinLnBrk="0" hangingPunct="1">
+              <a:lnSpc>
+                <a:spcPct val="100000"/>
+              </a:lnSpc>
+              <a:spcBef>
+                <a:spcPts val="0"/>
+              </a:spcBef>
+              <a:spcAft>
+                <a:spcPts val="0"/>
+              </a:spcAft>
+              <a:buClrTx/>
+              <a:buSzTx/>
+              <a:buFontTx/>
+              <a:buNone/>
+              <a:tabLst/>
+              <a:defRPr/>
+            </a:pPr>
+            <a:fld id="{06BEB3AE-8E34-4534-922B-E380FB565A43}" type="slidenum">
+              <a:rPr kumimoji="0" lang="en-US" sz="1200" b="0" i="0" u="none" strike="noStrike" kern="1200" cap="none" spc="0" normalizeH="0" baseline="0" noProof="0" smtClean="0">
+                <a:ln>
+                  <a:noFill/>
+                </a:ln>
+                <a:solidFill>
+                  <a:prstClr val="black"/>
+                </a:solidFill>
+                <a:effectLst/>
+                <a:uLnTx/>
+                <a:uFillTx/>
+                <a:latin typeface="Calibri" panose="020F0502020204030204"/>
+                <a:ea typeface="+mn-ea"/>
+                <a:cs typeface="+mn-cs"/>
+              </a:rPr>
+              <a:pPr marL="0" marR="0" lvl="0" indent="0" algn="r" defTabSz="914400" rtl="0" eaLnBrk="1" fontAlgn="auto" latinLnBrk="0" hangingPunct="1">
+                <a:lnSpc>
+                  <a:spcPct val="100000"/>
+                </a:lnSpc>
+                <a:spcBef>
+                  <a:spcPts val="0"/>
+                </a:spcBef>
+                <a:spcAft>
+                  <a:spcPts val="0"/>
+                </a:spcAft>
+                <a:buClrTx/>
+                <a:buSzTx/>
+                <a:buFontTx/>
+                <a:buNone/>
+                <a:tabLst/>
+                <a:defRPr/>
+              </a:pPr>
+              <a:t>22</a:t>
+            </a:fld>
+            <a:endParaRPr kumimoji="0" lang="en-US" sz="1200" b="0" i="0" u="none" strike="noStrike" kern="1200" cap="none" spc="0" normalizeH="0" baseline="0" noProof="0">
+              <a:ln>
+                <a:noFill/>
+              </a:ln>
+              <a:solidFill>
+                <a:prstClr val="black"/>
+              </a:solidFill>
+              <a:effectLst/>
+              <a:uLnTx/>
+              <a:uFillTx/>
+              <a:latin typeface="Calibri" panose="020F0502020204030204"/>
+              <a:ea typeface="+mn-ea"/>
+              <a:cs typeface="+mn-cs"/>
+            </a:endParaRPr>
+          </a:p>
+        </p:txBody>
+      </p:sp>
+    </p:spTree>
+    <p:extLst>
+      <p:ext uri="{BB962C8B-B14F-4D97-AF65-F5344CB8AC3E}">
+        <p14:creationId xmlns:p14="http://schemas.microsoft.com/office/powerpoint/2010/main" val="1457261396"/>
+      </p:ext>
+    </p:extLst>
+  </p:cSld>
+  <p:clrMapOvr>
+    <a:masterClrMapping/>
+  </p:clrMapOvr>
+</p:notes>
+</file>
+
+<file path=ppt/notesSlides/notesSlide23.xml><?xml version="1.0" encoding="utf-8"?>
+<p:notes xmlns:a="http://schemas.openxmlformats.org/drawingml/2006/main" xmlns:r="http://schemas.openxmlformats.org/officeDocument/2006/relationships" xmlns:p="http://schemas.openxmlformats.org/presentationml/2006/main">
+  <p:cSld>
+    <p:spTree>
+      <p:nvGrpSpPr>
+        <p:cNvPr id="1" name=""/>
+        <p:cNvGrpSpPr/>
+        <p:nvPr/>
+      </p:nvGrpSpPr>
+      <p:grpSpPr>
+        <a:xfrm>
+          <a:off x="0" y="0"/>
+          <a:ext cx="0" cy="0"/>
+          <a:chOff x="0" y="0"/>
+          <a:chExt cx="0" cy="0"/>
+        </a:xfrm>
+      </p:grpSpPr>
+      <p:sp>
+        <p:nvSpPr>
+          <p:cNvPr id="2" name="Slide Image Placeholder 1"/>
+          <p:cNvSpPr>
+            <a:spLocks noGrp="1" noRot="1" noChangeAspect="1"/>
+          </p:cNvSpPr>
+          <p:nvPr>
+            <p:ph type="sldImg"/>
+          </p:nvPr>
+        </p:nvSpPr>
+        <p:spPr/>
+      </p:sp>
+      <p:sp>
+        <p:nvSpPr>
+          <p:cNvPr id="3" name="Notes Placeholder 2"/>
+          <p:cNvSpPr>
+            <a:spLocks noGrp="1"/>
+          </p:cNvSpPr>
+          <p:nvPr>
+            <p:ph type="body" idx="1"/>
+          </p:nvPr>
+        </p:nvSpPr>
+        <p:spPr/>
+        <p:txBody>
+          <a:bodyPr/>
+          <a:lstStyle/>
+          <a:p>
+            <a:pPr marL="0" marR="0" lvl="0" indent="0" algn="l" defTabSz="914400" rtl="0" eaLnBrk="1" fontAlgn="auto" latinLnBrk="0" hangingPunct="1">
+              <a:lnSpc>
+                <a:spcPct val="100000"/>
+              </a:lnSpc>
+              <a:spcBef>
+                <a:spcPts val="0"/>
+              </a:spcBef>
+              <a:spcAft>
+                <a:spcPts val="0"/>
+              </a:spcAft>
+              <a:buClrTx/>
+              <a:buSzTx/>
+              <a:buFontTx/>
+              <a:buNone/>
+              <a:tabLst/>
+              <a:defRPr/>
+            </a:pPr>
+            <a:r>
+              <a:rPr lang="en-US" sz="1200">
+                <a:solidFill>
+                  <a:prstClr val="black"/>
+                </a:solidFill>
+              </a:rPr>
+              <a:t>© Copyright Showeet.com – Creative &amp; Free PowerPoint Templates</a:t>
+            </a:r>
+          </a:p>
+        </p:txBody>
+      </p:sp>
+      <p:sp>
+        <p:nvSpPr>
+          <p:cNvPr id="4" name="Slide Number Placeholder 3"/>
+          <p:cNvSpPr>
+            <a:spLocks noGrp="1"/>
+          </p:cNvSpPr>
+          <p:nvPr>
+            <p:ph type="sldNum" sz="quarter" idx="10"/>
+          </p:nvPr>
+        </p:nvSpPr>
+        <p:spPr/>
+        <p:txBody>
+          <a:bodyPr/>
+          <a:lstStyle/>
+          <a:p>
+            <a:pPr marL="0" marR="0" lvl="0" indent="0" algn="r" defTabSz="914400" rtl="0" eaLnBrk="1" fontAlgn="auto" latinLnBrk="0" hangingPunct="1">
+              <a:lnSpc>
+                <a:spcPct val="100000"/>
+              </a:lnSpc>
+              <a:spcBef>
+                <a:spcPts val="0"/>
+              </a:spcBef>
+              <a:spcAft>
+                <a:spcPts val="0"/>
+              </a:spcAft>
+              <a:buClrTx/>
+              <a:buSzTx/>
+              <a:buFontTx/>
+              <a:buNone/>
+              <a:tabLst/>
+              <a:defRPr/>
+            </a:pPr>
+            <a:fld id="{06BEB3AE-8E34-4534-922B-E380FB565A43}" type="slidenum">
+              <a:rPr kumimoji="0" lang="en-US" sz="1200" b="0" i="0" u="none" strike="noStrike" kern="1200" cap="none" spc="0" normalizeH="0" baseline="0" noProof="0" smtClean="0">
+                <a:ln>
+                  <a:noFill/>
+                </a:ln>
+                <a:solidFill>
+                  <a:prstClr val="black"/>
+                </a:solidFill>
+                <a:effectLst/>
+                <a:uLnTx/>
+                <a:uFillTx/>
+                <a:latin typeface="Calibri" panose="020F0502020204030204"/>
+                <a:ea typeface="+mn-ea"/>
+                <a:cs typeface="+mn-cs"/>
+              </a:rPr>
+              <a:pPr marL="0" marR="0" lvl="0" indent="0" algn="r" defTabSz="914400" rtl="0" eaLnBrk="1" fontAlgn="auto" latinLnBrk="0" hangingPunct="1">
+                <a:lnSpc>
+                  <a:spcPct val="100000"/>
+                </a:lnSpc>
+                <a:spcBef>
+                  <a:spcPts val="0"/>
+                </a:spcBef>
+                <a:spcAft>
+                  <a:spcPts val="0"/>
+                </a:spcAft>
+                <a:buClrTx/>
+                <a:buSzTx/>
+                <a:buFontTx/>
+                <a:buNone/>
+                <a:tabLst/>
+                <a:defRPr/>
+              </a:pPr>
+              <a:t>23</a:t>
+            </a:fld>
+            <a:endParaRPr kumimoji="0" lang="en-US" sz="1200" b="0" i="0" u="none" strike="noStrike" kern="1200" cap="none" spc="0" normalizeH="0" baseline="0" noProof="0">
+              <a:ln>
+                <a:noFill/>
+              </a:ln>
+              <a:solidFill>
+                <a:prstClr val="black"/>
+              </a:solidFill>
+              <a:effectLst/>
+              <a:uLnTx/>
+              <a:uFillTx/>
+              <a:latin typeface="Calibri" panose="020F0502020204030204"/>
+              <a:ea typeface="+mn-ea"/>
+              <a:cs typeface="+mn-cs"/>
+            </a:endParaRPr>
+          </a:p>
+        </p:txBody>
+      </p:sp>
+    </p:spTree>
+    <p:extLst>
+      <p:ext uri="{BB962C8B-B14F-4D97-AF65-F5344CB8AC3E}">
         <p14:creationId xmlns:p14="http://schemas.microsoft.com/office/powerpoint/2010/main" val="2390194218"/>
       </p:ext>
     </p:extLst>
@@ -7823,7 +8103,7 @@
 </p:notes>
 </file>
 
-<file path=ppt/notesSlides/notesSlide21.xml><?xml version="1.0" encoding="utf-8"?>
+<file path=ppt/notesSlides/notesSlide24.xml><?xml version="1.0" encoding="utf-8"?>
 <p:notes xmlns:a="http://schemas.openxmlformats.org/drawingml/2006/main" xmlns:r="http://schemas.openxmlformats.org/officeDocument/2006/relationships" xmlns:p="http://schemas.openxmlformats.org/presentationml/2006/main">
   <p:cSld>
     <p:spTree>
@@ -7897,7 +8177,7 @@
             <a:fld id="{2CA3AB2B-189A-4C92-A457-C6A3833631A7}" type="slidenum">
               <a:rPr lang="en-US" smtClean="0"/>
               <a:pPr/>
-              <a:t>21</a:t>
+              <a:t>24</a:t>
             </a:fld>
             <a:endParaRPr lang="en-US"/>
           </a:p>
@@ -7961,14 +8241,10 @@
           <a:lstStyle/>
           <a:p>
             <a:r>
-              <a:rPr lang="en-US" sz="1200">
-                <a:solidFill>
-                  <a:prstClr val="black"/>
-                </a:solidFill>
-              </a:rPr>
-              <a:t>© Copyright Showeet.com – Creative &amp; Free PowerPoint Templates</a:t>
+              <a:rPr lang="en-US" dirty="0" err="1"/>
+              <a:t>Sommaire</a:t>
             </a:r>
-            <a:endParaRPr lang="en-US"/>
+            <a:endParaRPr lang="en-US" dirty="0"/>
           </a:p>
         </p:txBody>
       </p:sp>
@@ -8054,14 +8330,14 @@
           <a:lstStyle/>
           <a:p>
             <a:r>
-              <a:rPr lang="en-US" sz="1200">
+              <a:rPr lang="fr-FR" sz="1200" noProof="0" dirty="0">
                 <a:solidFill>
                   <a:prstClr val="black"/>
                 </a:solidFill>
               </a:rPr>
-              <a:t>© Copyright Showeet.com – Creative &amp; Free PowerPoint Templates</a:t>
+              <a:t>Premier chapitre : Quels problèmes cherchons nous à résoudre ?</a:t>
             </a:r>
-            <a:endParaRPr lang="en-US"/>
+            <a:endParaRPr lang="fr-FR" noProof="0" dirty="0"/>
           </a:p>
         </p:txBody>
       </p:sp>
@@ -8147,14 +8423,15 @@
           <a:lstStyle/>
           <a:p>
             <a:r>
-              <a:rPr lang="en-US" sz="1200">
-                <a:solidFill>
-                  <a:prstClr val="black"/>
-                </a:solidFill>
-              </a:rPr>
-              <a:t>© Copyright Showeet.com – Creative &amp; Free PowerPoint Templates</a:t>
+              <a:rPr lang="fr-FR" dirty="0"/>
+              <a:t>Prenons Word comme exemple. La barre d’outil est équipée d’un ensemble de boutons qui permettent d’effectuer diverses opérations dans l’éditeur. On peut donc imaginer une classe Bouton qui peut être utilisée pour les boutons de la barre d’outils ou pour les boutons génériques des différentes boîtes de dialogue.</a:t>
             </a:r>
-            <a:endParaRPr lang="en-US"/>
+          </a:p>
+          <a:p>
+            <a:endParaRPr lang="fr-FR" dirty="0"/>
+          </a:p>
+          <a:p>
+            <a:endParaRPr lang="en-US" dirty="0"/>
           </a:p>
         </p:txBody>
       </p:sp>
@@ -8185,7 +8462,7 @@
     </p:spTree>
     <p:extLst>
       <p:ext uri="{BB962C8B-B14F-4D97-AF65-F5344CB8AC3E}">
-        <p14:creationId xmlns:p14="http://schemas.microsoft.com/office/powerpoint/2010/main" val="590651591"/>
+        <p14:creationId xmlns:p14="http://schemas.microsoft.com/office/powerpoint/2010/main" val="117351488"/>
       </p:ext>
     </p:extLst>
   </p:cSld>
@@ -8240,14 +8517,39 @@
           <a:lstStyle/>
           <a:p>
             <a:r>
-              <a:rPr lang="en-US" sz="1200">
+              <a:rPr lang="fr-FR" b="0" i="0" dirty="0">
                 <a:solidFill>
-                  <a:prstClr val="black"/>
+                  <a:srgbClr val="444444"/>
                 </a:solidFill>
+                <a:effectLst/>
+                <a:latin typeface="PT Sans"/>
               </a:rPr>
-              <a:t>© Copyright Showeet.com – Creative &amp; Free PowerPoint Templates</a:t>
+              <a:t>Ces boutons se ressemblent, mais ils sont censés effectuer des actions différentes. On peut imagine que le plus simple serait de créer des classes enfant qui hériteraient de la classe </a:t>
             </a:r>
-            <a:endParaRPr lang="en-US"/>
+            <a:r>
+              <a:rPr lang="fr-FR" b="0" i="0">
+                <a:solidFill>
+                  <a:srgbClr val="444444"/>
+                </a:solidFill>
+                <a:effectLst/>
+                <a:latin typeface="PT Sans"/>
+              </a:rPr>
+              <a:t>Bouton.Ces</a:t>
+            </a:r>
+            <a:r>
+              <a:rPr lang="fr-FR" b="0" i="0" dirty="0">
+                <a:solidFill>
+                  <a:srgbClr val="444444"/>
+                </a:solidFill>
+                <a:effectLst/>
+                <a:latin typeface="PT Sans"/>
+              </a:rPr>
+              <a:t> sous-classes vont contenir le code exécuté lors d’un clic sur un bouton.</a:t>
+            </a:r>
+            <a:endParaRPr lang="fr-FR" dirty="0"/>
+          </a:p>
+          <a:p>
+            <a:endParaRPr lang="en-US" dirty="0"/>
           </a:p>
         </p:txBody>
       </p:sp>
@@ -8278,7 +8580,7 @@
     </p:spTree>
     <p:extLst>
       <p:ext uri="{BB962C8B-B14F-4D97-AF65-F5344CB8AC3E}">
-        <p14:creationId xmlns:p14="http://schemas.microsoft.com/office/powerpoint/2010/main" val="852387929"/>
+        <p14:creationId xmlns:p14="http://schemas.microsoft.com/office/powerpoint/2010/main" val="1921687789"/>
       </p:ext>
     </p:extLst>
   </p:cSld>
@@ -8371,7 +8673,7 @@
     </p:spTree>
     <p:extLst>
       <p:ext uri="{BB962C8B-B14F-4D97-AF65-F5344CB8AC3E}">
-        <p14:creationId xmlns:p14="http://schemas.microsoft.com/office/powerpoint/2010/main" val="3584205330"/>
+        <p14:creationId xmlns:p14="http://schemas.microsoft.com/office/powerpoint/2010/main" val="1346694715"/>
       </p:ext>
     </p:extLst>
   </p:cSld>
@@ -8464,7 +8766,7 @@
     </p:spTree>
     <p:extLst>
       <p:ext uri="{BB962C8B-B14F-4D97-AF65-F5344CB8AC3E}">
-        <p14:creationId xmlns:p14="http://schemas.microsoft.com/office/powerpoint/2010/main" val="3552511973"/>
+        <p14:creationId xmlns:p14="http://schemas.microsoft.com/office/powerpoint/2010/main" val="590651591"/>
       </p:ext>
     </p:extLst>
   </p:cSld>
@@ -8557,7 +8859,7 @@
     </p:spTree>
     <p:extLst>
       <p:ext uri="{BB962C8B-B14F-4D97-AF65-F5344CB8AC3E}">
-        <p14:creationId xmlns:p14="http://schemas.microsoft.com/office/powerpoint/2010/main" val="372831945"/>
+        <p14:creationId xmlns:p14="http://schemas.microsoft.com/office/powerpoint/2010/main" val="852387929"/>
       </p:ext>
     </p:extLst>
   </p:cSld>
@@ -8570,14 +8872,6 @@
 <file path=ppt/slideLayouts/slideLayout1.xml><?xml version="1.0" encoding="utf-8"?>
 <p:sldLayout xmlns:a="http://schemas.openxmlformats.org/drawingml/2006/main" xmlns:r="http://schemas.openxmlformats.org/officeDocument/2006/relationships" xmlns:p="http://schemas.openxmlformats.org/presentationml/2006/main" type="title" preserve="1">
   <p:cSld name="Title Slide 1">
-    <p:bg>
-      <p:bgPr>
-        <a:solidFill>
-          <a:schemeClr val="accent1"/>
-        </a:solidFill>
-        <a:effectLst/>
-      </p:bgPr>
-    </p:bg>
     <p:spTree>
       <p:nvGrpSpPr>
         <p:cNvPr id="1" name=""/>
@@ -9568,14 +9862,6 @@
 <file path=ppt/slideLayouts/slideLayout10.xml><?xml version="1.0" encoding="utf-8"?>
 <p:sldLayout xmlns:a="http://schemas.openxmlformats.org/drawingml/2006/main" xmlns:r="http://schemas.openxmlformats.org/officeDocument/2006/relationships" xmlns:p="http://schemas.openxmlformats.org/presentationml/2006/main" preserve="1" userDrawn="1">
   <p:cSld name="2_Section Header">
-    <p:bg>
-      <p:bgPr>
-        <a:solidFill>
-          <a:schemeClr val="accent1"/>
-        </a:solidFill>
-        <a:effectLst/>
-      </p:bgPr>
-    </p:bg>
     <p:spTree>
       <p:nvGrpSpPr>
         <p:cNvPr id="1" name=""/>
@@ -10595,14 +10881,6 @@
 <file path=ppt/slideLayouts/slideLayout11.xml><?xml version="1.0" encoding="utf-8"?>
 <p:sldLayout xmlns:a="http://schemas.openxmlformats.org/drawingml/2006/main" xmlns:r="http://schemas.openxmlformats.org/officeDocument/2006/relationships" xmlns:p="http://schemas.openxmlformats.org/presentationml/2006/main" preserve="1" userDrawn="1">
   <p:cSld name="Section Header 2 w Photo">
-    <p:bg>
-      <p:bgPr>
-        <a:solidFill>
-          <a:schemeClr val="accent1"/>
-        </a:solidFill>
-        <a:effectLst/>
-      </p:bgPr>
-    </p:bg>
     <p:spTree>
       <p:nvGrpSpPr>
         <p:cNvPr id="1" name=""/>
@@ -11629,14 +11907,6 @@
 <file path=ppt/slideLayouts/slideLayout12.xml><?xml version="1.0" encoding="utf-8"?>
 <p:sldLayout xmlns:a="http://schemas.openxmlformats.org/drawingml/2006/main" xmlns:r="http://schemas.openxmlformats.org/officeDocument/2006/relationships" xmlns:p="http://schemas.openxmlformats.org/presentationml/2006/main" preserve="1" userDrawn="1">
   <p:cSld name="Section Header 2 w Photo (bis)">
-    <p:bg>
-      <p:bgPr>
-        <a:solidFill>
-          <a:schemeClr val="accent1"/>
-        </a:solidFill>
-        <a:effectLst/>
-      </p:bgPr>
-    </p:bg>
     <p:spTree>
       <p:nvGrpSpPr>
         <p:cNvPr id="1" name=""/>
@@ -12663,14 +12933,6 @@
 <file path=ppt/slideLayouts/slideLayout13.xml><?xml version="1.0" encoding="utf-8"?>
 <p:sldLayout xmlns:a="http://schemas.openxmlformats.org/drawingml/2006/main" xmlns:r="http://schemas.openxmlformats.org/officeDocument/2006/relationships" xmlns:p="http://schemas.openxmlformats.org/presentationml/2006/main" preserve="1" userDrawn="1">
   <p:cSld name="Quote">
-    <p:bg>
-      <p:bgPr>
-        <a:solidFill>
-          <a:schemeClr val="accent1"/>
-        </a:solidFill>
-        <a:effectLst/>
-      </p:bgPr>
-    </p:bg>
     <p:spTree>
       <p:nvGrpSpPr>
         <p:cNvPr id="1" name=""/>
@@ -19748,14 +20010,6 @@
 <file path=ppt/slideLayouts/slideLayout5.xml><?xml version="1.0" encoding="utf-8"?>
 <p:sldLayout xmlns:a="http://schemas.openxmlformats.org/drawingml/2006/main" xmlns:r="http://schemas.openxmlformats.org/officeDocument/2006/relationships" xmlns:p="http://schemas.openxmlformats.org/presentationml/2006/main" preserve="1" userDrawn="1">
   <p:cSld name="Title and Content w Number (Dark)">
-    <p:bg>
-      <p:bgPr>
-        <a:solidFill>
-          <a:schemeClr val="accent1"/>
-        </a:solidFill>
-        <a:effectLst/>
-      </p:bgPr>
-    </p:bg>
     <p:spTree>
       <p:nvGrpSpPr>
         <p:cNvPr id="1" name=""/>
@@ -23074,14 +23328,6 @@
 <file path=ppt/slideLayouts/slideLayout8.xml><?xml version="1.0" encoding="utf-8"?>
 <p:sldLayout xmlns:a="http://schemas.openxmlformats.org/drawingml/2006/main" xmlns:r="http://schemas.openxmlformats.org/officeDocument/2006/relationships" xmlns:p="http://schemas.openxmlformats.org/presentationml/2006/main" preserve="1" userDrawn="1">
   <p:cSld name="Section Header (Dark)">
-    <p:bg>
-      <p:bgPr>
-        <a:solidFill>
-          <a:schemeClr val="accent1"/>
-        </a:solidFill>
-        <a:effectLst/>
-      </p:bgPr>
-    </p:bg>
     <p:spTree>
       <p:nvGrpSpPr>
         <p:cNvPr id="1" name=""/>
@@ -24230,14 +24476,6 @@
 <file path=ppt/slideLayouts/slideLayout9.xml><?xml version="1.0" encoding="utf-8"?>
 <p:sldLayout xmlns:a="http://schemas.openxmlformats.org/drawingml/2006/main" xmlns:r="http://schemas.openxmlformats.org/officeDocument/2006/relationships" xmlns:p="http://schemas.openxmlformats.org/presentationml/2006/main" preserve="1" userDrawn="1">
   <p:cSld name="Section Header w Photo (Dark)">
-    <p:bg>
-      <p:bgPr>
-        <a:solidFill>
-          <a:schemeClr val="accent1"/>
-        </a:solidFill>
-        <a:effectLst/>
-      </p:bgPr>
-    </p:bg>
     <p:spTree>
       <p:nvGrpSpPr>
         <p:cNvPr id="1" name=""/>
@@ -27063,6 +27301,399 @@
       </p:grpSpPr>
       <p:sp>
         <p:nvSpPr>
+          <p:cNvPr id="2" name="Title 1"/>
+          <p:cNvSpPr>
+            <a:spLocks noGrp="1"/>
+          </p:cNvSpPr>
+          <p:nvPr>
+            <p:ph type="title"/>
+          </p:nvPr>
+        </p:nvSpPr>
+        <p:spPr/>
+        <p:txBody>
+          <a:bodyPr/>
+          <a:lstStyle/>
+          <a:p>
+            <a:r>
+              <a:rPr lang="fr-FR" dirty="0"/>
+              <a:t>Présentation d’une </a:t>
+            </a:r>
+            <a:br>
+              <a:rPr lang="fr-FR" dirty="0"/>
+            </a:br>
+            <a:r>
+              <a:rPr lang="fr-FR" dirty="0"/>
+              <a:t>petite implémentation</a:t>
+            </a:r>
+          </a:p>
+        </p:txBody>
+      </p:sp>
+      <p:sp>
+        <p:nvSpPr>
+          <p:cNvPr id="16" name="Text Placeholder 15"/>
+          <p:cNvSpPr>
+            <a:spLocks noGrp="1"/>
+          </p:cNvSpPr>
+          <p:nvPr>
+            <p:ph type="body" idx="1"/>
+          </p:nvPr>
+        </p:nvSpPr>
+        <p:spPr/>
+        <p:txBody>
+          <a:bodyPr>
+            <a:noAutofit/>
+          </a:bodyPr>
+          <a:lstStyle/>
+          <a:p>
+            <a:r>
+              <a:rPr lang="fr-FR" dirty="0"/>
+              <a:t>Microsoft Word peut trembler !</a:t>
+            </a:r>
+          </a:p>
+        </p:txBody>
+      </p:sp>
+      <p:sp>
+        <p:nvSpPr>
+          <p:cNvPr id="38" name="Date Placeholder 37">
+            <a:extLst>
+              <a:ext uri="{FF2B5EF4-FFF2-40B4-BE49-F238E27FC236}">
+                <a16:creationId xmlns:a16="http://schemas.microsoft.com/office/drawing/2014/main" id="{214893A6-5453-4772-A5C3-6E8247B9F7F7}"/>
+              </a:ext>
+            </a:extLst>
+          </p:cNvPr>
+          <p:cNvSpPr>
+            <a:spLocks noGrp="1"/>
+          </p:cNvSpPr>
+          <p:nvPr>
+            <p:ph type="dt" sz="half" idx="10"/>
+          </p:nvPr>
+        </p:nvSpPr>
+        <p:spPr/>
+        <p:txBody>
+          <a:bodyPr/>
+          <a:lstStyle/>
+          <a:p>
+            <a:r>
+              <a:rPr lang="fr-FR"/>
+              <a:t>04 février 2021</a:t>
+            </a:r>
+            <a:endParaRPr lang="en-US"/>
+          </a:p>
+        </p:txBody>
+      </p:sp>
+      <p:sp>
+        <p:nvSpPr>
+          <p:cNvPr id="39" name="Footer Placeholder 38">
+            <a:extLst>
+              <a:ext uri="{FF2B5EF4-FFF2-40B4-BE49-F238E27FC236}">
+                <a16:creationId xmlns:a16="http://schemas.microsoft.com/office/drawing/2014/main" id="{19A88EA5-E6FB-4BFB-9421-CB6C4447B890}"/>
+              </a:ext>
+            </a:extLst>
+          </p:cNvPr>
+          <p:cNvSpPr>
+            <a:spLocks noGrp="1"/>
+          </p:cNvSpPr>
+          <p:nvPr>
+            <p:ph type="ftr" sz="quarter" idx="11"/>
+          </p:nvPr>
+        </p:nvSpPr>
+        <p:spPr/>
+        <p:txBody>
+          <a:bodyPr/>
+          <a:lstStyle/>
+          <a:p>
+            <a:r>
+              <a:rPr lang="fr-FR"/>
+              <a:t>Command &amp; Memento - Aurélien BOUDIER</a:t>
+            </a:r>
+            <a:endParaRPr lang="en-US"/>
+          </a:p>
+        </p:txBody>
+      </p:sp>
+    </p:spTree>
+    <p:extLst>
+      <p:ext uri="{BB962C8B-B14F-4D97-AF65-F5344CB8AC3E}">
+        <p14:creationId xmlns:p14="http://schemas.microsoft.com/office/powerpoint/2010/main" val="2565046013"/>
+      </p:ext>
+    </p:extLst>
+  </p:cSld>
+  <p:clrMapOvr>
+    <a:masterClrMapping/>
+  </p:clrMapOvr>
+</p:sld>
+</file>
+
+<file path=ppt/slides/slide11.xml><?xml version="1.0" encoding="utf-8"?>
+<p:sld xmlns:a="http://schemas.openxmlformats.org/drawingml/2006/main" xmlns:r="http://schemas.openxmlformats.org/officeDocument/2006/relationships" xmlns:p="http://schemas.openxmlformats.org/presentationml/2006/main">
+  <p:cSld>
+    <p:spTree>
+      <p:nvGrpSpPr>
+        <p:cNvPr id="1" name=""/>
+        <p:cNvGrpSpPr/>
+        <p:nvPr/>
+      </p:nvGrpSpPr>
+      <p:grpSpPr>
+        <a:xfrm>
+          <a:off x="0" y="0"/>
+          <a:ext cx="0" cy="0"/>
+          <a:chOff x="0" y="0"/>
+          <a:chExt cx="0" cy="0"/>
+        </a:xfrm>
+      </p:grpSpPr>
+      <p:sp>
+        <p:nvSpPr>
+          <p:cNvPr id="2" name="Title 1"/>
+          <p:cNvSpPr>
+            <a:spLocks noGrp="1"/>
+          </p:cNvSpPr>
+          <p:nvPr>
+            <p:ph type="title"/>
+          </p:nvPr>
+        </p:nvSpPr>
+        <p:spPr/>
+        <p:txBody>
+          <a:bodyPr/>
+          <a:lstStyle/>
+          <a:p>
+            <a:r>
+              <a:rPr lang="fr-FR" dirty="0"/>
+              <a:t>Diagrammes génériques</a:t>
+            </a:r>
+          </a:p>
+        </p:txBody>
+      </p:sp>
+      <p:sp>
+        <p:nvSpPr>
+          <p:cNvPr id="38" name="Date Placeholder 37">
+            <a:extLst>
+              <a:ext uri="{FF2B5EF4-FFF2-40B4-BE49-F238E27FC236}">
+                <a16:creationId xmlns:a16="http://schemas.microsoft.com/office/drawing/2014/main" id="{214893A6-5453-4772-A5C3-6E8247B9F7F7}"/>
+              </a:ext>
+            </a:extLst>
+          </p:cNvPr>
+          <p:cNvSpPr>
+            <a:spLocks noGrp="1"/>
+          </p:cNvSpPr>
+          <p:nvPr>
+            <p:ph type="dt" sz="half" idx="10"/>
+          </p:nvPr>
+        </p:nvSpPr>
+        <p:spPr/>
+        <p:txBody>
+          <a:bodyPr/>
+          <a:lstStyle/>
+          <a:p>
+            <a:r>
+              <a:rPr lang="fr-FR"/>
+              <a:t>04 février 2021</a:t>
+            </a:r>
+            <a:endParaRPr lang="en-US"/>
+          </a:p>
+        </p:txBody>
+      </p:sp>
+      <p:sp>
+        <p:nvSpPr>
+          <p:cNvPr id="39" name="Footer Placeholder 38">
+            <a:extLst>
+              <a:ext uri="{FF2B5EF4-FFF2-40B4-BE49-F238E27FC236}">
+                <a16:creationId xmlns:a16="http://schemas.microsoft.com/office/drawing/2014/main" id="{19A88EA5-E6FB-4BFB-9421-CB6C4447B890}"/>
+              </a:ext>
+            </a:extLst>
+          </p:cNvPr>
+          <p:cNvSpPr>
+            <a:spLocks noGrp="1"/>
+          </p:cNvSpPr>
+          <p:nvPr>
+            <p:ph type="ftr" sz="quarter" idx="11"/>
+          </p:nvPr>
+        </p:nvSpPr>
+        <p:spPr/>
+        <p:txBody>
+          <a:bodyPr/>
+          <a:lstStyle/>
+          <a:p>
+            <a:r>
+              <a:rPr lang="fr-FR"/>
+              <a:t>Command &amp; Memento - Aurélien BOUDIER</a:t>
+            </a:r>
+            <a:endParaRPr lang="en-US"/>
+          </a:p>
+        </p:txBody>
+      </p:sp>
+    </p:spTree>
+    <p:extLst>
+      <p:ext uri="{BB962C8B-B14F-4D97-AF65-F5344CB8AC3E}">
+        <p14:creationId xmlns:p14="http://schemas.microsoft.com/office/powerpoint/2010/main" val="2376558637"/>
+      </p:ext>
+    </p:extLst>
+  </p:cSld>
+  <p:clrMapOvr>
+    <a:masterClrMapping/>
+  </p:clrMapOvr>
+</p:sld>
+</file>
+
+<file path=ppt/slides/slide12.xml><?xml version="1.0" encoding="utf-8"?>
+<p:sld xmlns:a="http://schemas.openxmlformats.org/drawingml/2006/main" xmlns:r="http://schemas.openxmlformats.org/officeDocument/2006/relationships" xmlns:p="http://schemas.openxmlformats.org/presentationml/2006/main">
+  <p:cSld>
+    <p:spTree>
+      <p:nvGrpSpPr>
+        <p:cNvPr id="1" name=""/>
+        <p:cNvGrpSpPr/>
+        <p:nvPr/>
+      </p:nvGrpSpPr>
+      <p:grpSpPr>
+        <a:xfrm>
+          <a:off x="0" y="0"/>
+          <a:ext cx="0" cy="0"/>
+          <a:chOff x="0" y="0"/>
+          <a:chExt cx="0" cy="0"/>
+        </a:xfrm>
+      </p:grpSpPr>
+      <p:sp>
+        <p:nvSpPr>
+          <p:cNvPr id="2" name="Title 1"/>
+          <p:cNvSpPr>
+            <a:spLocks noGrp="1"/>
+          </p:cNvSpPr>
+          <p:nvPr>
+            <p:ph type="title"/>
+          </p:nvPr>
+        </p:nvSpPr>
+        <p:spPr/>
+        <p:txBody>
+          <a:bodyPr/>
+          <a:lstStyle/>
+          <a:p>
+            <a:r>
+              <a:rPr lang="fr-FR" dirty="0"/>
+              <a:t>Avantages &amp; </a:t>
+            </a:r>
+            <a:br>
+              <a:rPr lang="fr-FR" dirty="0"/>
+            </a:br>
+            <a:r>
+              <a:rPr lang="fr-FR" dirty="0"/>
+              <a:t>désavantages</a:t>
+            </a:r>
+          </a:p>
+        </p:txBody>
+      </p:sp>
+      <p:sp>
+        <p:nvSpPr>
+          <p:cNvPr id="16" name="Text Placeholder 15"/>
+          <p:cNvSpPr>
+            <a:spLocks noGrp="1"/>
+          </p:cNvSpPr>
+          <p:nvPr>
+            <p:ph type="body" idx="1"/>
+          </p:nvPr>
+        </p:nvSpPr>
+        <p:spPr/>
+        <p:txBody>
+          <a:bodyPr>
+            <a:noAutofit/>
+          </a:bodyPr>
+          <a:lstStyle/>
+          <a:p>
+            <a:r>
+              <a:rPr lang="fr-FR" dirty="0"/>
+              <a:t>Tout avantage a ses inconvénients et réciproquement</a:t>
+            </a:r>
+            <a:endParaRPr lang="en-US" dirty="0"/>
+          </a:p>
+        </p:txBody>
+      </p:sp>
+      <p:sp>
+        <p:nvSpPr>
+          <p:cNvPr id="38" name="Date Placeholder 37">
+            <a:extLst>
+              <a:ext uri="{FF2B5EF4-FFF2-40B4-BE49-F238E27FC236}">
+                <a16:creationId xmlns:a16="http://schemas.microsoft.com/office/drawing/2014/main" id="{214893A6-5453-4772-A5C3-6E8247B9F7F7}"/>
+              </a:ext>
+            </a:extLst>
+          </p:cNvPr>
+          <p:cNvSpPr>
+            <a:spLocks noGrp="1"/>
+          </p:cNvSpPr>
+          <p:nvPr>
+            <p:ph type="dt" sz="half" idx="10"/>
+          </p:nvPr>
+        </p:nvSpPr>
+        <p:spPr/>
+        <p:txBody>
+          <a:bodyPr/>
+          <a:lstStyle/>
+          <a:p>
+            <a:r>
+              <a:rPr lang="fr-FR"/>
+              <a:t>04 février 2021</a:t>
+            </a:r>
+            <a:endParaRPr lang="en-US"/>
+          </a:p>
+        </p:txBody>
+      </p:sp>
+      <p:sp>
+        <p:nvSpPr>
+          <p:cNvPr id="39" name="Footer Placeholder 38">
+            <a:extLst>
+              <a:ext uri="{FF2B5EF4-FFF2-40B4-BE49-F238E27FC236}">
+                <a16:creationId xmlns:a16="http://schemas.microsoft.com/office/drawing/2014/main" id="{19A88EA5-E6FB-4BFB-9421-CB6C4447B890}"/>
+              </a:ext>
+            </a:extLst>
+          </p:cNvPr>
+          <p:cNvSpPr>
+            <a:spLocks noGrp="1"/>
+          </p:cNvSpPr>
+          <p:nvPr>
+            <p:ph type="ftr" sz="quarter" idx="11"/>
+          </p:nvPr>
+        </p:nvSpPr>
+        <p:spPr/>
+        <p:txBody>
+          <a:bodyPr/>
+          <a:lstStyle/>
+          <a:p>
+            <a:r>
+              <a:rPr lang="fr-FR"/>
+              <a:t>Command &amp; Memento - Aurélien BOUDIER</a:t>
+            </a:r>
+            <a:endParaRPr lang="en-US"/>
+          </a:p>
+        </p:txBody>
+      </p:sp>
+    </p:spTree>
+    <p:extLst>
+      <p:ext uri="{BB962C8B-B14F-4D97-AF65-F5344CB8AC3E}">
+        <p14:creationId xmlns:p14="http://schemas.microsoft.com/office/powerpoint/2010/main" val="3633152721"/>
+      </p:ext>
+    </p:extLst>
+  </p:cSld>
+  <p:clrMapOvr>
+    <a:masterClrMapping/>
+  </p:clrMapOvr>
+</p:sld>
+</file>
+
+<file path=ppt/slides/slide13.xml><?xml version="1.0" encoding="utf-8"?>
+<p:sld xmlns:a="http://schemas.openxmlformats.org/drawingml/2006/main" xmlns:r="http://schemas.openxmlformats.org/officeDocument/2006/relationships" xmlns:p="http://schemas.openxmlformats.org/presentationml/2006/main">
+  <p:cSld>
+    <p:spTree>
+      <p:nvGrpSpPr>
+        <p:cNvPr id="1" name=""/>
+        <p:cNvGrpSpPr/>
+        <p:nvPr/>
+      </p:nvGrpSpPr>
+      <p:grpSpPr>
+        <a:xfrm>
+          <a:off x="0" y="0"/>
+          <a:ext cx="0" cy="0"/>
+          <a:chOff x="0" y="0"/>
+          <a:chExt cx="0" cy="0"/>
+        </a:xfrm>
+      </p:grpSpPr>
+      <p:sp>
+        <p:nvSpPr>
           <p:cNvPr id="7" name="Title 6"/>
           <p:cNvSpPr>
             <a:spLocks noGrp="1"/>
@@ -27079,11 +27710,11 @@
           <a:lstStyle/>
           <a:p>
             <a:r>
-              <a:rPr lang="en-US"/>
+              <a:rPr lang="en-US" dirty="0"/>
               <a:t>Use a title with </a:t>
             </a:r>
             <a:r>
-              <a:rPr lang="en-US">
+              <a:rPr lang="en-US" dirty="0">
                 <a:solidFill>
                   <a:schemeClr val="accent2"/>
                 </a:solidFill>
@@ -27091,11 +27722,11 @@
               <a:t>specific</a:t>
             </a:r>
             <a:r>
-              <a:rPr lang="en-US"/>
+              <a:rPr lang="en-US" dirty="0"/>
               <a:t> &amp; </a:t>
             </a:r>
             <a:r>
-              <a:rPr lang="en-US">
+              <a:rPr lang="en-US" dirty="0">
                 <a:solidFill>
                   <a:schemeClr val="accent2"/>
                 </a:solidFill>
@@ -27103,7 +27734,7 @@
               <a:t>relevant</a:t>
             </a:r>
             <a:r>
-              <a:rPr lang="en-US"/>
+              <a:rPr lang="en-US" dirty="0"/>
               <a:t> (only) content</a:t>
             </a:r>
           </a:p>
@@ -27128,11 +27759,11 @@
           <a:p>
             <a:pPr marL="511175" indent="-511175"/>
             <a:r>
-              <a:rPr lang="en-US"/>
+              <a:rPr lang="en-US" dirty="0"/>
               <a:t>People </a:t>
             </a:r>
             <a:r>
-              <a:rPr lang="en-US" cap="all">
+              <a:rPr lang="en-US" cap="all" dirty="0">
                 <a:solidFill>
                   <a:schemeClr val="accent3"/>
                 </a:solidFill>
@@ -27140,18 +27771,18 @@
               <a:t>can’t</a:t>
             </a:r>
             <a:r>
-              <a:rPr lang="en-US"/>
+              <a:rPr lang="en-US" dirty="0"/>
               <a:t> listen while reading your slide.</a:t>
             </a:r>
           </a:p>
           <a:p>
             <a:pPr marL="511175" indent="-511175"/>
             <a:r>
-              <a:rPr lang="en-US"/>
+              <a:rPr lang="en-US" dirty="0"/>
               <a:t>Always stick to the </a:t>
             </a:r>
             <a:r>
-              <a:rPr lang="en-US">
+              <a:rPr lang="en-US" dirty="0">
                 <a:solidFill>
                   <a:schemeClr val="accent3"/>
                 </a:solidFill>
@@ -27159,18 +27790,18 @@
               <a:t>most important </a:t>
             </a:r>
             <a:r>
-              <a:rPr lang="en-US"/>
+              <a:rPr lang="en-US" dirty="0"/>
               <a:t>message.</a:t>
             </a:r>
           </a:p>
           <a:p>
             <a:pPr marL="511175" indent="-511175"/>
             <a:r>
-              <a:rPr lang="en-US"/>
+              <a:rPr lang="en-US" dirty="0"/>
               <a:t>Less is more… be </a:t>
             </a:r>
             <a:r>
-              <a:rPr lang="en-US" cap="all">
+              <a:rPr lang="en-US" cap="all" dirty="0">
                 <a:solidFill>
                   <a:schemeClr val="accent3"/>
                 </a:solidFill>
@@ -27178,18 +27809,18 @@
               <a:t>concise</a:t>
             </a:r>
             <a:r>
-              <a:rPr lang="en-US"/>
+              <a:rPr lang="en-US" dirty="0"/>
               <a:t>.</a:t>
             </a:r>
           </a:p>
           <a:p>
             <a:pPr marL="511175" indent="-511175"/>
             <a:r>
-              <a:rPr lang="en-US"/>
+              <a:rPr lang="en-US" dirty="0"/>
               <a:t>And don’t kill your presentation with too many bullet point slides. Use </a:t>
             </a:r>
             <a:r>
-              <a:rPr lang="en-US" cap="all">
+              <a:rPr lang="en-US" cap="all" dirty="0">
                 <a:solidFill>
                   <a:schemeClr val="accent3"/>
                 </a:solidFill>
@@ -27197,7 +27828,7 @@
               <a:t>visuals</a:t>
             </a:r>
             <a:r>
-              <a:rPr lang="en-US"/>
+              <a:rPr lang="en-US" dirty="0"/>
               <a:t> instead!</a:t>
             </a:r>
           </a:p>
@@ -27280,7 +27911,7 @@
     </p:spTree>
     <p:extLst>
       <p:ext uri="{BB962C8B-B14F-4D97-AF65-F5344CB8AC3E}">
-        <p14:creationId xmlns:p14="http://schemas.microsoft.com/office/powerpoint/2010/main" val="3593433705"/>
+        <p14:creationId xmlns:p14="http://schemas.microsoft.com/office/powerpoint/2010/main" val="2551747364"/>
       </p:ext>
     </p:extLst>
   </p:cSld>
@@ -27290,7 +27921,7 @@
 </p:sld>
 </file>
 
-<file path=ppt/slides/slide11.xml><?xml version="1.0" encoding="utf-8"?>
+<file path=ppt/slides/slide14.xml><?xml version="1.0" encoding="utf-8"?>
 <p:sld xmlns:a="http://schemas.openxmlformats.org/drawingml/2006/main" xmlns:r="http://schemas.openxmlformats.org/officeDocument/2006/relationships" xmlns:p="http://schemas.openxmlformats.org/presentationml/2006/main">
   <p:cSld>
     <p:spTree>
@@ -27527,7 +28158,7 @@
 </p:sld>
 </file>
 
-<file path=ppt/slides/slide12.xml><?xml version="1.0" encoding="utf-8"?>
+<file path=ppt/slides/slide15.xml><?xml version="1.0" encoding="utf-8"?>
 <p:sld xmlns:a="http://schemas.openxmlformats.org/drawingml/2006/main" xmlns:r="http://schemas.openxmlformats.org/officeDocument/2006/relationships" xmlns:p="http://schemas.openxmlformats.org/presentationml/2006/main">
   <p:cSld>
     <p:spTree>
@@ -27740,7 +28371,7 @@
 </p:sld>
 </file>
 
-<file path=ppt/slides/slide13.xml><?xml version="1.0" encoding="utf-8"?>
+<file path=ppt/slides/slide16.xml><?xml version="1.0" encoding="utf-8"?>
 <p:sld xmlns:a="http://schemas.openxmlformats.org/drawingml/2006/main" xmlns:r="http://schemas.openxmlformats.org/officeDocument/2006/relationships" xmlns:p="http://schemas.openxmlformats.org/presentationml/2006/main">
   <p:cSld>
     <p:spTree>
@@ -27873,10 +28504,10 @@
       </p:sp>
       <p:sp>
         <p:nvSpPr>
-          <p:cNvPr id="3" name="Picture Placeholder 2">
+          <p:cNvPr id="13" name="Espace réservé pour une image  12">
             <a:extLst>
               <a:ext uri="{FF2B5EF4-FFF2-40B4-BE49-F238E27FC236}">
-                <a16:creationId xmlns:a16="http://schemas.microsoft.com/office/drawing/2014/main" id="{D175E2E4-98BD-4E7E-9A6B-2A222F0B7111}"/>
+                <a16:creationId xmlns:a16="http://schemas.microsoft.com/office/drawing/2014/main" id="{B35C2CA8-FE75-4B19-A6B3-988067F60AF8}"/>
               </a:ext>
             </a:extLst>
           </p:cNvPr>
@@ -27902,7 +28533,7 @@
 </p:sld>
 </file>
 
-<file path=ppt/slides/slide14.xml><?xml version="1.0" encoding="utf-8"?>
+<file path=ppt/slides/slide17.xml><?xml version="1.0" encoding="utf-8"?>
 <p:sld xmlns:a="http://schemas.openxmlformats.org/drawingml/2006/main" xmlns:r="http://schemas.openxmlformats.org/officeDocument/2006/relationships" xmlns:p="http://schemas.openxmlformats.org/presentationml/2006/main">
   <p:cSld>
     <p:spTree>
@@ -28046,7 +28677,7 @@
 </p:sld>
 </file>
 
-<file path=ppt/slides/slide15.xml><?xml version="1.0" encoding="utf-8"?>
+<file path=ppt/slides/slide18.xml><?xml version="1.0" encoding="utf-8"?>
 <p:sld xmlns:a="http://schemas.openxmlformats.org/drawingml/2006/main" xmlns:r="http://schemas.openxmlformats.org/officeDocument/2006/relationships" xmlns:p="http://schemas.openxmlformats.org/presentationml/2006/main">
   <p:cSld>
     <p:spTree>
@@ -28200,7 +28831,7 @@
 </p:sld>
 </file>
 
-<file path=ppt/slides/slide16.xml><?xml version="1.0" encoding="utf-8"?>
+<file path=ppt/slides/slide19.xml><?xml version="1.0" encoding="utf-8"?>
 <p:sld xmlns:a="http://schemas.openxmlformats.org/drawingml/2006/main" xmlns:r="http://schemas.openxmlformats.org/officeDocument/2006/relationships" xmlns:p="http://schemas.openxmlformats.org/presentationml/2006/main">
   <p:cSld>
     <p:spTree>
@@ -31174,7 +31805,141 @@
 </p:sld>
 </file>
 
-<file path=ppt/slides/slide17.xml><?xml version="1.0" encoding="utf-8"?>
+<file path=ppt/slides/slide2.xml><?xml version="1.0" encoding="utf-8"?>
+<p:sld xmlns:a="http://schemas.openxmlformats.org/drawingml/2006/main" xmlns:r="http://schemas.openxmlformats.org/officeDocument/2006/relationships" xmlns:p="http://schemas.openxmlformats.org/presentationml/2006/main">
+  <p:cSld>
+    <p:spTree>
+      <p:nvGrpSpPr>
+        <p:cNvPr id="1" name=""/>
+        <p:cNvGrpSpPr/>
+        <p:nvPr/>
+      </p:nvGrpSpPr>
+      <p:grpSpPr>
+        <a:xfrm>
+          <a:off x="0" y="0"/>
+          <a:ext cx="0" cy="0"/>
+          <a:chOff x="0" y="0"/>
+          <a:chExt cx="0" cy="0"/>
+        </a:xfrm>
+      </p:grpSpPr>
+      <p:sp>
+        <p:nvSpPr>
+          <p:cNvPr id="2" name="Title 1"/>
+          <p:cNvSpPr>
+            <a:spLocks noGrp="1"/>
+          </p:cNvSpPr>
+          <p:nvPr>
+            <p:ph type="title"/>
+          </p:nvPr>
+        </p:nvSpPr>
+        <p:spPr/>
+        <p:txBody>
+          <a:bodyPr/>
+          <a:lstStyle/>
+          <a:p>
+            <a:r>
+              <a:rPr lang="en-US" dirty="0"/>
+              <a:t>Welcome !</a:t>
+            </a:r>
+          </a:p>
+        </p:txBody>
+      </p:sp>
+      <p:sp>
+        <p:nvSpPr>
+          <p:cNvPr id="16" name="Text Placeholder 15"/>
+          <p:cNvSpPr>
+            <a:spLocks noGrp="1"/>
+          </p:cNvSpPr>
+          <p:nvPr>
+            <p:ph type="body" idx="1"/>
+          </p:nvPr>
+        </p:nvSpPr>
+        <p:spPr/>
+        <p:txBody>
+          <a:bodyPr>
+            <a:noAutofit/>
+          </a:bodyPr>
+          <a:lstStyle/>
+          <a:p>
+            <a:r>
+              <a:rPr lang="fr-FR" dirty="0"/>
+              <a:t>Merci pour votre présence</a:t>
+            </a:r>
+          </a:p>
+        </p:txBody>
+      </p:sp>
+      <p:sp>
+        <p:nvSpPr>
+          <p:cNvPr id="38" name="Date Placeholder 37">
+            <a:extLst>
+              <a:ext uri="{FF2B5EF4-FFF2-40B4-BE49-F238E27FC236}">
+                <a16:creationId xmlns:a16="http://schemas.microsoft.com/office/drawing/2014/main" id="{214893A6-5453-4772-A5C3-6E8247B9F7F7}"/>
+              </a:ext>
+            </a:extLst>
+          </p:cNvPr>
+          <p:cNvSpPr>
+            <a:spLocks noGrp="1"/>
+          </p:cNvSpPr>
+          <p:nvPr>
+            <p:ph type="dt" sz="half" idx="10"/>
+          </p:nvPr>
+        </p:nvSpPr>
+        <p:spPr/>
+        <p:txBody>
+          <a:bodyPr/>
+          <a:lstStyle/>
+          <a:p>
+            <a:r>
+              <a:rPr lang="fr-FR"/>
+              <a:t>04 février 2021</a:t>
+            </a:r>
+            <a:endParaRPr lang="en-US"/>
+          </a:p>
+        </p:txBody>
+      </p:sp>
+      <p:sp>
+        <p:nvSpPr>
+          <p:cNvPr id="39" name="Footer Placeholder 38">
+            <a:extLst>
+              <a:ext uri="{FF2B5EF4-FFF2-40B4-BE49-F238E27FC236}">
+                <a16:creationId xmlns:a16="http://schemas.microsoft.com/office/drawing/2014/main" id="{19A88EA5-E6FB-4BFB-9421-CB6C4447B890}"/>
+              </a:ext>
+            </a:extLst>
+          </p:cNvPr>
+          <p:cNvSpPr>
+            <a:spLocks noGrp="1"/>
+          </p:cNvSpPr>
+          <p:nvPr>
+            <p:ph type="ftr" sz="quarter" idx="11"/>
+          </p:nvPr>
+        </p:nvSpPr>
+        <p:spPr/>
+        <p:txBody>
+          <a:bodyPr/>
+          <a:lstStyle/>
+          <a:p>
+            <a:r>
+              <a:rPr lang="fr-FR"/>
+              <a:t>Command &amp; Memento - Aurélien BOUDIER</a:t>
+            </a:r>
+            <a:endParaRPr lang="en-US"/>
+          </a:p>
+        </p:txBody>
+      </p:sp>
+    </p:spTree>
+    <p:extLst>
+      <p:ext uri="{BB962C8B-B14F-4D97-AF65-F5344CB8AC3E}">
+        <p14:creationId xmlns:p14="http://schemas.microsoft.com/office/powerpoint/2010/main" val="289086864"/>
+      </p:ext>
+    </p:extLst>
+  </p:cSld>
+  <p:clrMapOvr>
+    <a:masterClrMapping/>
+  </p:clrMapOvr>
+</p:sld>
+</file>
+
+<file path=ppt/slides/slide20.xml><?xml version="1.0" encoding="utf-8"?>
 <p:sld xmlns:a="http://schemas.openxmlformats.org/drawingml/2006/main" xmlns:r="http://schemas.openxmlformats.org/officeDocument/2006/relationships" xmlns:p="http://schemas.openxmlformats.org/presentationml/2006/main">
   <p:cSld>
     <p:spTree>
@@ -31349,7 +32114,7 @@
 </p:sld>
 </file>
 
-<file path=ppt/slides/slide18.xml><?xml version="1.0" encoding="utf-8"?>
+<file path=ppt/slides/slide21.xml><?xml version="1.0" encoding="utf-8"?>
 <p:sld xmlns:a="http://schemas.openxmlformats.org/drawingml/2006/main" xmlns:r="http://schemas.openxmlformats.org/officeDocument/2006/relationships" xmlns:p="http://schemas.openxmlformats.org/presentationml/2006/main">
   <p:cSld>
     <p:spTree>
@@ -31600,7 +32365,7 @@
 </p:sld>
 </file>
 
-<file path=ppt/slides/slide19.xml><?xml version="1.0" encoding="utf-8"?>
+<file path=ppt/slides/slide22.xml><?xml version="1.0" encoding="utf-8"?>
 <p:sld xmlns:a="http://schemas.openxmlformats.org/drawingml/2006/main" xmlns:r="http://schemas.openxmlformats.org/officeDocument/2006/relationships" xmlns:p="http://schemas.openxmlformats.org/presentationml/2006/main">
   <p:cSld>
     <p:spTree>
@@ -32725,141 +33490,7 @@
 </p:sld>
 </file>
 
-<file path=ppt/slides/slide2.xml><?xml version="1.0" encoding="utf-8"?>
-<p:sld xmlns:a="http://schemas.openxmlformats.org/drawingml/2006/main" xmlns:r="http://schemas.openxmlformats.org/officeDocument/2006/relationships" xmlns:p="http://schemas.openxmlformats.org/presentationml/2006/main">
-  <p:cSld>
-    <p:spTree>
-      <p:nvGrpSpPr>
-        <p:cNvPr id="1" name=""/>
-        <p:cNvGrpSpPr/>
-        <p:nvPr/>
-      </p:nvGrpSpPr>
-      <p:grpSpPr>
-        <a:xfrm>
-          <a:off x="0" y="0"/>
-          <a:ext cx="0" cy="0"/>
-          <a:chOff x="0" y="0"/>
-          <a:chExt cx="0" cy="0"/>
-        </a:xfrm>
-      </p:grpSpPr>
-      <p:sp>
-        <p:nvSpPr>
-          <p:cNvPr id="2" name="Title 1"/>
-          <p:cNvSpPr>
-            <a:spLocks noGrp="1"/>
-          </p:cNvSpPr>
-          <p:nvPr>
-            <p:ph type="title"/>
-          </p:nvPr>
-        </p:nvSpPr>
-        <p:spPr/>
-        <p:txBody>
-          <a:bodyPr/>
-          <a:lstStyle/>
-          <a:p>
-            <a:r>
-              <a:rPr lang="en-US" dirty="0"/>
-              <a:t>Welcome !</a:t>
-            </a:r>
-          </a:p>
-        </p:txBody>
-      </p:sp>
-      <p:sp>
-        <p:nvSpPr>
-          <p:cNvPr id="16" name="Text Placeholder 15"/>
-          <p:cNvSpPr>
-            <a:spLocks noGrp="1"/>
-          </p:cNvSpPr>
-          <p:nvPr>
-            <p:ph type="body" idx="1"/>
-          </p:nvPr>
-        </p:nvSpPr>
-        <p:spPr/>
-        <p:txBody>
-          <a:bodyPr>
-            <a:noAutofit/>
-          </a:bodyPr>
-          <a:lstStyle/>
-          <a:p>
-            <a:r>
-              <a:rPr lang="fr-FR" dirty="0"/>
-              <a:t>Merci pour votre présence</a:t>
-            </a:r>
-          </a:p>
-        </p:txBody>
-      </p:sp>
-      <p:sp>
-        <p:nvSpPr>
-          <p:cNvPr id="38" name="Date Placeholder 37">
-            <a:extLst>
-              <a:ext uri="{FF2B5EF4-FFF2-40B4-BE49-F238E27FC236}">
-                <a16:creationId xmlns:a16="http://schemas.microsoft.com/office/drawing/2014/main" id="{214893A6-5453-4772-A5C3-6E8247B9F7F7}"/>
-              </a:ext>
-            </a:extLst>
-          </p:cNvPr>
-          <p:cNvSpPr>
-            <a:spLocks noGrp="1"/>
-          </p:cNvSpPr>
-          <p:nvPr>
-            <p:ph type="dt" sz="half" idx="10"/>
-          </p:nvPr>
-        </p:nvSpPr>
-        <p:spPr/>
-        <p:txBody>
-          <a:bodyPr/>
-          <a:lstStyle/>
-          <a:p>
-            <a:r>
-              <a:rPr lang="fr-FR"/>
-              <a:t>04 février 2021</a:t>
-            </a:r>
-            <a:endParaRPr lang="en-US"/>
-          </a:p>
-        </p:txBody>
-      </p:sp>
-      <p:sp>
-        <p:nvSpPr>
-          <p:cNvPr id="39" name="Footer Placeholder 38">
-            <a:extLst>
-              <a:ext uri="{FF2B5EF4-FFF2-40B4-BE49-F238E27FC236}">
-                <a16:creationId xmlns:a16="http://schemas.microsoft.com/office/drawing/2014/main" id="{19A88EA5-E6FB-4BFB-9421-CB6C4447B890}"/>
-              </a:ext>
-            </a:extLst>
-          </p:cNvPr>
-          <p:cNvSpPr>
-            <a:spLocks noGrp="1"/>
-          </p:cNvSpPr>
-          <p:nvPr>
-            <p:ph type="ftr" sz="quarter" idx="11"/>
-          </p:nvPr>
-        </p:nvSpPr>
-        <p:spPr/>
-        <p:txBody>
-          <a:bodyPr/>
-          <a:lstStyle/>
-          <a:p>
-            <a:r>
-              <a:rPr lang="fr-FR"/>
-              <a:t>Command &amp; Memento - Aurélien BOUDIER</a:t>
-            </a:r>
-            <a:endParaRPr lang="en-US"/>
-          </a:p>
-        </p:txBody>
-      </p:sp>
-    </p:spTree>
-    <p:extLst>
-      <p:ext uri="{BB962C8B-B14F-4D97-AF65-F5344CB8AC3E}">
-        <p14:creationId xmlns:p14="http://schemas.microsoft.com/office/powerpoint/2010/main" val="289086864"/>
-      </p:ext>
-    </p:extLst>
-  </p:cSld>
-  <p:clrMapOvr>
-    <a:masterClrMapping/>
-  </p:clrMapOvr>
-</p:sld>
-</file>
-
-<file path=ppt/slides/slide20.xml><?xml version="1.0" encoding="utf-8"?>
+<file path=ppt/slides/slide23.xml><?xml version="1.0" encoding="utf-8"?>
 <p:sld xmlns:a="http://schemas.openxmlformats.org/drawingml/2006/main" xmlns:r="http://schemas.openxmlformats.org/officeDocument/2006/relationships" xmlns:p="http://schemas.openxmlformats.org/presentationml/2006/main">
   <p:cSld>
     <p:spTree>
@@ -37979,7 +38610,7 @@
 </p:sld>
 </file>
 
-<file path=ppt/slides/slide21.xml><?xml version="1.0" encoding="utf-8"?>
+<file path=ppt/slides/slide24.xml><?xml version="1.0" encoding="utf-8"?>
 <p:sld xmlns:a="http://schemas.openxmlformats.org/drawingml/2006/main" xmlns:r="http://schemas.openxmlformats.org/officeDocument/2006/relationships" xmlns:p="http://schemas.openxmlformats.org/presentationml/2006/main">
   <p:cSld>
     <p:spTree>
@@ -43255,11 +43886,7 @@
           <a:p>
             <a:r>
               <a:rPr lang="fr-FR" dirty="0"/>
-              <a:t>Il n’y a pas de problème, il n’y a que des </a:t>
-            </a:r>
-            <a:r>
-              <a:rPr lang="fr-FR"/>
-              <a:t>solutions !</a:t>
+              <a:t>Il n’y a pas de problème, il n’y a que des solutions !</a:t>
             </a:r>
             <a:endParaRPr lang="fr-FR" dirty="0">
               <a:solidFill>
@@ -43344,6 +43971,1403 @@
 </file>
 
 <file path=ppt/slides/slide5.xml><?xml version="1.0" encoding="utf-8"?>
+<p:sld xmlns:a="http://schemas.openxmlformats.org/drawingml/2006/main" xmlns:r="http://schemas.openxmlformats.org/officeDocument/2006/relationships" xmlns:p="http://schemas.openxmlformats.org/presentationml/2006/main">
+  <p:cSld>
+    <p:bg>
+      <p:bgPr>
+        <a:solidFill>
+          <a:srgbClr val="403551"/>
+        </a:solidFill>
+        <a:effectLst/>
+      </p:bgPr>
+    </p:bg>
+    <p:spTree>
+      <p:nvGrpSpPr>
+        <p:cNvPr id="1" name=""/>
+        <p:cNvGrpSpPr/>
+        <p:nvPr/>
+      </p:nvGrpSpPr>
+      <p:grpSpPr>
+        <a:xfrm>
+          <a:off x="0" y="0"/>
+          <a:ext cx="0" cy="0"/>
+          <a:chOff x="0" y="0"/>
+          <a:chExt cx="0" cy="0"/>
+        </a:xfrm>
+      </p:grpSpPr>
+      <p:sp>
+        <p:nvSpPr>
+          <p:cNvPr id="3" name="Date Placeholder 2"/>
+          <p:cNvSpPr>
+            <a:spLocks noGrp="1"/>
+          </p:cNvSpPr>
+          <p:nvPr>
+            <p:ph type="dt" sz="half" idx="10"/>
+          </p:nvPr>
+        </p:nvSpPr>
+        <p:spPr/>
+        <p:txBody>
+          <a:bodyPr/>
+          <a:lstStyle/>
+          <a:p>
+            <a:r>
+              <a:rPr lang="fr-FR"/>
+              <a:t>04 février 2021</a:t>
+            </a:r>
+            <a:endParaRPr lang="en-US"/>
+          </a:p>
+        </p:txBody>
+      </p:sp>
+      <p:pic>
+        <p:nvPicPr>
+          <p:cNvPr id="9" name="Image 8">
+            <a:extLst>
+              <a:ext uri="{FF2B5EF4-FFF2-40B4-BE49-F238E27FC236}">
+                <a16:creationId xmlns:a16="http://schemas.microsoft.com/office/drawing/2014/main" id="{79A96D39-353D-4A6E-8A56-7B8BFBEE319E}"/>
+              </a:ext>
+            </a:extLst>
+          </p:cNvPr>
+          <p:cNvPicPr>
+            <a:picLocks noChangeAspect="1"/>
+          </p:cNvPicPr>
+          <p:nvPr/>
+        </p:nvPicPr>
+        <p:blipFill rotWithShape="1">
+          <a:blip r:embed="rId3"/>
+          <a:srcRect l="650"/>
+          <a:stretch/>
+        </p:blipFill>
+        <p:spPr>
+          <a:xfrm>
+            <a:off x="2927648" y="620688"/>
+            <a:ext cx="7416824" cy="5621003"/>
+          </a:xfrm>
+          <a:prstGeom prst="rect">
+            <a:avLst/>
+          </a:prstGeom>
+          <a:ln w="12700" cap="sq">
+            <a:solidFill>
+              <a:schemeClr val="bg1"/>
+            </a:solidFill>
+            <a:miter lim="800000"/>
+          </a:ln>
+          <a:effectLst>
+            <a:outerShdw blurRad="57150" dist="50800" dir="2700000" algn="tl" rotWithShape="0">
+              <a:srgbClr val="000000">
+                <a:alpha val="40000"/>
+              </a:srgbClr>
+            </a:outerShdw>
+          </a:effectLst>
+        </p:spPr>
+      </p:pic>
+      <p:sp>
+        <p:nvSpPr>
+          <p:cNvPr id="4" name="Footer Placeholder 3"/>
+          <p:cNvSpPr>
+            <a:spLocks noGrp="1"/>
+          </p:cNvSpPr>
+          <p:nvPr>
+            <p:ph type="ftr" sz="quarter" idx="11"/>
+          </p:nvPr>
+        </p:nvSpPr>
+        <p:spPr/>
+        <p:txBody>
+          <a:bodyPr/>
+          <a:lstStyle/>
+          <a:p>
+            <a:r>
+              <a:rPr lang="fr-FR"/>
+              <a:t>Command &amp; Memento - Aurélien BOUDIER</a:t>
+            </a:r>
+            <a:endParaRPr lang="en-US"/>
+          </a:p>
+        </p:txBody>
+      </p:sp>
+      <p:sp>
+        <p:nvSpPr>
+          <p:cNvPr id="11" name="Text Placeholder 10">
+            <a:extLst>
+              <a:ext uri="{FF2B5EF4-FFF2-40B4-BE49-F238E27FC236}">
+                <a16:creationId xmlns:a16="http://schemas.microsoft.com/office/drawing/2014/main" id="{2A6E9779-5059-4C5A-A10E-A924E6ADE536}"/>
+              </a:ext>
+            </a:extLst>
+          </p:cNvPr>
+          <p:cNvSpPr>
+            <a:spLocks noGrp="1"/>
+          </p:cNvSpPr>
+          <p:nvPr>
+            <p:ph type="body" sz="quarter" idx="13"/>
+          </p:nvPr>
+        </p:nvSpPr>
+        <p:spPr/>
+        <p:txBody>
+          <a:bodyPr/>
+          <a:lstStyle/>
+          <a:p>
+            <a:r>
+              <a:rPr lang="en-US"/>
+              <a:t>01</a:t>
+            </a:r>
+          </a:p>
+        </p:txBody>
+      </p:sp>
+      <p:sp>
+        <p:nvSpPr>
+          <p:cNvPr id="16" name="Rectangle 15">
+            <a:extLst>
+              <a:ext uri="{FF2B5EF4-FFF2-40B4-BE49-F238E27FC236}">
+                <a16:creationId xmlns:a16="http://schemas.microsoft.com/office/drawing/2014/main" id="{02FE2F8A-5573-449E-ADF3-395AC529DC51}"/>
+              </a:ext>
+            </a:extLst>
+          </p:cNvPr>
+          <p:cNvSpPr/>
+          <p:nvPr/>
+        </p:nvSpPr>
+        <p:spPr>
+          <a:xfrm>
+            <a:off x="3359696" y="1479500"/>
+            <a:ext cx="288032" cy="288032"/>
+          </a:xfrm>
+          <a:prstGeom prst="rect">
+            <a:avLst/>
+          </a:prstGeom>
+          <a:noFill/>
+          <a:ln w="38100">
+            <a:solidFill>
+              <a:srgbClr val="FF0000"/>
+            </a:solidFill>
+          </a:ln>
+        </p:spPr>
+        <p:style>
+          <a:lnRef idx="2">
+            <a:schemeClr val="accent2">
+              <a:shade val="50000"/>
+            </a:schemeClr>
+          </a:lnRef>
+          <a:fillRef idx="1">
+            <a:schemeClr val="accent2"/>
+          </a:fillRef>
+          <a:effectRef idx="0">
+            <a:schemeClr val="accent2"/>
+          </a:effectRef>
+          <a:fontRef idx="minor">
+            <a:schemeClr val="lt1"/>
+          </a:fontRef>
+        </p:style>
+        <p:txBody>
+          <a:bodyPr rtlCol="0" anchor="ctr"/>
+          <a:lstStyle/>
+          <a:p>
+            <a:pPr algn="ctr"/>
+            <a:endParaRPr lang="fr-FR">
+              <a:ln>
+                <a:solidFill>
+                  <a:srgbClr val="FF0000"/>
+                </a:solidFill>
+              </a:ln>
+            </a:endParaRPr>
+          </a:p>
+        </p:txBody>
+      </p:sp>
+      <p:sp>
+        <p:nvSpPr>
+          <p:cNvPr id="17" name="Rectangle 16">
+            <a:extLst>
+              <a:ext uri="{FF2B5EF4-FFF2-40B4-BE49-F238E27FC236}">
+                <a16:creationId xmlns:a16="http://schemas.microsoft.com/office/drawing/2014/main" id="{F53C4020-3A74-4C81-8089-58998639B126}"/>
+              </a:ext>
+            </a:extLst>
+          </p:cNvPr>
+          <p:cNvSpPr/>
+          <p:nvPr/>
+        </p:nvSpPr>
+        <p:spPr>
+          <a:xfrm>
+            <a:off x="3719736" y="1479500"/>
+            <a:ext cx="432048" cy="288032"/>
+          </a:xfrm>
+          <a:prstGeom prst="rect">
+            <a:avLst/>
+          </a:prstGeom>
+          <a:noFill/>
+          <a:ln w="38100">
+            <a:solidFill>
+              <a:srgbClr val="FF0000"/>
+            </a:solidFill>
+          </a:ln>
+        </p:spPr>
+        <p:style>
+          <a:lnRef idx="2">
+            <a:schemeClr val="accent2">
+              <a:shade val="50000"/>
+            </a:schemeClr>
+          </a:lnRef>
+          <a:fillRef idx="1">
+            <a:schemeClr val="accent2"/>
+          </a:fillRef>
+          <a:effectRef idx="0">
+            <a:schemeClr val="accent2"/>
+          </a:effectRef>
+          <a:fontRef idx="minor">
+            <a:schemeClr val="lt1"/>
+          </a:fontRef>
+        </p:style>
+        <p:txBody>
+          <a:bodyPr rtlCol="0" anchor="ctr"/>
+          <a:lstStyle/>
+          <a:p>
+            <a:pPr algn="ctr"/>
+            <a:endParaRPr lang="fr-FR">
+              <a:ln>
+                <a:solidFill>
+                  <a:srgbClr val="FF0000"/>
+                </a:solidFill>
+              </a:ln>
+            </a:endParaRPr>
+          </a:p>
+        </p:txBody>
+      </p:sp>
+      <p:sp>
+        <p:nvSpPr>
+          <p:cNvPr id="18" name="Rectangle 17">
+            <a:extLst>
+              <a:ext uri="{FF2B5EF4-FFF2-40B4-BE49-F238E27FC236}">
+                <a16:creationId xmlns:a16="http://schemas.microsoft.com/office/drawing/2014/main" id="{3117BCBE-A714-4E77-8123-4E979288A02E}"/>
+              </a:ext>
+            </a:extLst>
+          </p:cNvPr>
+          <p:cNvSpPr/>
+          <p:nvPr/>
+        </p:nvSpPr>
+        <p:spPr>
+          <a:xfrm>
+            <a:off x="4295800" y="1479500"/>
+            <a:ext cx="432048" cy="288032"/>
+          </a:xfrm>
+          <a:prstGeom prst="rect">
+            <a:avLst/>
+          </a:prstGeom>
+          <a:noFill/>
+          <a:ln w="38100">
+            <a:solidFill>
+              <a:srgbClr val="FF0000"/>
+            </a:solidFill>
+          </a:ln>
+        </p:spPr>
+        <p:style>
+          <a:lnRef idx="2">
+            <a:schemeClr val="accent2">
+              <a:shade val="50000"/>
+            </a:schemeClr>
+          </a:lnRef>
+          <a:fillRef idx="1">
+            <a:schemeClr val="accent2"/>
+          </a:fillRef>
+          <a:effectRef idx="0">
+            <a:schemeClr val="accent2"/>
+          </a:effectRef>
+          <a:fontRef idx="minor">
+            <a:schemeClr val="lt1"/>
+          </a:fontRef>
+        </p:style>
+        <p:txBody>
+          <a:bodyPr rtlCol="0" anchor="ctr"/>
+          <a:lstStyle/>
+          <a:p>
+            <a:pPr algn="ctr"/>
+            <a:endParaRPr lang="fr-FR">
+              <a:ln>
+                <a:solidFill>
+                  <a:srgbClr val="FF0000"/>
+                </a:solidFill>
+              </a:ln>
+            </a:endParaRPr>
+          </a:p>
+        </p:txBody>
+      </p:sp>
+      <p:sp>
+        <p:nvSpPr>
+          <p:cNvPr id="19" name="Rectangle 18">
+            <a:extLst>
+              <a:ext uri="{FF2B5EF4-FFF2-40B4-BE49-F238E27FC236}">
+                <a16:creationId xmlns:a16="http://schemas.microsoft.com/office/drawing/2014/main" id="{B600A74D-3C95-4E83-8F51-00A6BEE7529F}"/>
+              </a:ext>
+            </a:extLst>
+          </p:cNvPr>
+          <p:cNvSpPr/>
+          <p:nvPr/>
+        </p:nvSpPr>
+        <p:spPr>
+          <a:xfrm>
+            <a:off x="5012138" y="1479500"/>
+            <a:ext cx="432048" cy="288032"/>
+          </a:xfrm>
+          <a:prstGeom prst="rect">
+            <a:avLst/>
+          </a:prstGeom>
+          <a:noFill/>
+          <a:ln w="38100">
+            <a:solidFill>
+              <a:srgbClr val="FF0000"/>
+            </a:solidFill>
+          </a:ln>
+        </p:spPr>
+        <p:style>
+          <a:lnRef idx="2">
+            <a:schemeClr val="accent2">
+              <a:shade val="50000"/>
+            </a:schemeClr>
+          </a:lnRef>
+          <a:fillRef idx="1">
+            <a:schemeClr val="accent2"/>
+          </a:fillRef>
+          <a:effectRef idx="0">
+            <a:schemeClr val="accent2"/>
+          </a:effectRef>
+          <a:fontRef idx="minor">
+            <a:schemeClr val="lt1"/>
+          </a:fontRef>
+        </p:style>
+        <p:txBody>
+          <a:bodyPr rtlCol="0" anchor="ctr"/>
+          <a:lstStyle/>
+          <a:p>
+            <a:pPr algn="ctr"/>
+            <a:endParaRPr lang="fr-FR">
+              <a:ln>
+                <a:solidFill>
+                  <a:srgbClr val="FF0000"/>
+                </a:solidFill>
+              </a:ln>
+            </a:endParaRPr>
+          </a:p>
+        </p:txBody>
+      </p:sp>
+      <p:sp>
+        <p:nvSpPr>
+          <p:cNvPr id="20" name="Rectangle 19">
+            <a:extLst>
+              <a:ext uri="{FF2B5EF4-FFF2-40B4-BE49-F238E27FC236}">
+                <a16:creationId xmlns:a16="http://schemas.microsoft.com/office/drawing/2014/main" id="{91D9F728-00FD-4234-A3D7-B590385CA33B}"/>
+              </a:ext>
+            </a:extLst>
+          </p:cNvPr>
+          <p:cNvSpPr/>
+          <p:nvPr/>
+        </p:nvSpPr>
+        <p:spPr>
+          <a:xfrm>
+            <a:off x="5858241" y="1479500"/>
+            <a:ext cx="250157" cy="288032"/>
+          </a:xfrm>
+          <a:prstGeom prst="rect">
+            <a:avLst/>
+          </a:prstGeom>
+          <a:noFill/>
+          <a:ln w="38100">
+            <a:solidFill>
+              <a:srgbClr val="FF0000"/>
+            </a:solidFill>
+          </a:ln>
+        </p:spPr>
+        <p:style>
+          <a:lnRef idx="2">
+            <a:schemeClr val="accent2">
+              <a:shade val="50000"/>
+            </a:schemeClr>
+          </a:lnRef>
+          <a:fillRef idx="1">
+            <a:schemeClr val="accent2"/>
+          </a:fillRef>
+          <a:effectRef idx="0">
+            <a:schemeClr val="accent2"/>
+          </a:effectRef>
+          <a:fontRef idx="minor">
+            <a:schemeClr val="lt1"/>
+          </a:fontRef>
+        </p:style>
+        <p:txBody>
+          <a:bodyPr rtlCol="0" anchor="ctr"/>
+          <a:lstStyle/>
+          <a:p>
+            <a:pPr algn="ctr"/>
+            <a:endParaRPr lang="fr-FR">
+              <a:ln>
+                <a:solidFill>
+                  <a:srgbClr val="FF0000"/>
+                </a:solidFill>
+              </a:ln>
+            </a:endParaRPr>
+          </a:p>
+        </p:txBody>
+      </p:sp>
+      <p:sp>
+        <p:nvSpPr>
+          <p:cNvPr id="21" name="Rectangle : coins arrondis 20">
+            <a:extLst>
+              <a:ext uri="{FF2B5EF4-FFF2-40B4-BE49-F238E27FC236}">
+                <a16:creationId xmlns:a16="http://schemas.microsoft.com/office/drawing/2014/main" id="{993CA520-1185-4879-AF06-8A16040D8FD0}"/>
+              </a:ext>
+            </a:extLst>
+          </p:cNvPr>
+          <p:cNvSpPr/>
+          <p:nvPr/>
+        </p:nvSpPr>
+        <p:spPr>
+          <a:xfrm>
+            <a:off x="3060852" y="3462615"/>
+            <a:ext cx="2952328" cy="2883939"/>
+          </a:xfrm>
+          <a:prstGeom prst="roundRect">
+            <a:avLst>
+              <a:gd name="adj" fmla="val 5007"/>
+            </a:avLst>
+          </a:prstGeom>
+          <a:solidFill>
+            <a:schemeClr val="bg1"/>
+          </a:solidFill>
+          <a:ln w="38100">
+            <a:solidFill>
+              <a:srgbClr val="FF0000"/>
+            </a:solidFill>
+          </a:ln>
+        </p:spPr>
+        <p:style>
+          <a:lnRef idx="2">
+            <a:schemeClr val="accent1">
+              <a:shade val="50000"/>
+            </a:schemeClr>
+          </a:lnRef>
+          <a:fillRef idx="1">
+            <a:schemeClr val="accent1"/>
+          </a:fillRef>
+          <a:effectRef idx="0">
+            <a:schemeClr val="accent1"/>
+          </a:effectRef>
+          <a:fontRef idx="minor">
+            <a:schemeClr val="lt1"/>
+          </a:fontRef>
+        </p:style>
+        <p:txBody>
+          <a:bodyPr rtlCol="0" anchor="ctr"/>
+          <a:lstStyle/>
+          <a:p>
+            <a:pPr algn="ctr"/>
+            <a:endParaRPr lang="fr-FR"/>
+          </a:p>
+        </p:txBody>
+      </p:sp>
+      <p:grpSp>
+        <p:nvGrpSpPr>
+          <p:cNvPr id="99" name="Groupe 98">
+            <a:extLst>
+              <a:ext uri="{FF2B5EF4-FFF2-40B4-BE49-F238E27FC236}">
+                <a16:creationId xmlns:a16="http://schemas.microsoft.com/office/drawing/2014/main" id="{9A7704FB-2E69-40B2-A563-649E2EA32CE3}"/>
+              </a:ext>
+            </a:extLst>
+          </p:cNvPr>
+          <p:cNvGrpSpPr/>
+          <p:nvPr/>
+        </p:nvGrpSpPr>
+        <p:grpSpPr>
+          <a:xfrm>
+            <a:off x="3060852" y="1767532"/>
+            <a:ext cx="2952328" cy="4579021"/>
+            <a:chOff x="3060852" y="1767532"/>
+            <a:chExt cx="2952328" cy="4579021"/>
+          </a:xfrm>
+        </p:grpSpPr>
+        <p:sp>
+          <p:nvSpPr>
+            <p:cNvPr id="63" name="Rectangle : coins arrondis 62">
+              <a:extLst>
+                <a:ext uri="{FF2B5EF4-FFF2-40B4-BE49-F238E27FC236}">
+                  <a16:creationId xmlns:a16="http://schemas.microsoft.com/office/drawing/2014/main" id="{84B22BC2-1B60-4153-8402-76AA53926AC8}"/>
+                </a:ext>
+              </a:extLst>
+            </p:cNvPr>
+            <p:cNvSpPr/>
+            <p:nvPr/>
+          </p:nvSpPr>
+          <p:spPr>
+            <a:xfrm>
+              <a:off x="3071664" y="3460949"/>
+              <a:ext cx="2941516" cy="653356"/>
+            </a:xfrm>
+            <a:prstGeom prst="roundRect">
+              <a:avLst>
+                <a:gd name="adj" fmla="val 16533"/>
+              </a:avLst>
+            </a:prstGeom>
+            <a:solidFill>
+              <a:srgbClr val="F9BE75"/>
+            </a:solidFill>
+            <a:ln w="38100">
+              <a:solidFill>
+                <a:srgbClr val="FF0000"/>
+              </a:solidFill>
+            </a:ln>
+          </p:spPr>
+          <p:style>
+            <a:lnRef idx="2">
+              <a:schemeClr val="accent1">
+                <a:shade val="50000"/>
+              </a:schemeClr>
+            </a:lnRef>
+            <a:fillRef idx="1">
+              <a:schemeClr val="accent1"/>
+            </a:fillRef>
+            <a:effectRef idx="0">
+              <a:schemeClr val="accent1"/>
+            </a:effectRef>
+            <a:fontRef idx="minor">
+              <a:schemeClr val="lt1"/>
+            </a:fontRef>
+          </p:style>
+          <p:txBody>
+            <a:bodyPr rtlCol="0" anchor="ctr"/>
+            <a:lstStyle/>
+            <a:p>
+              <a:pPr algn="ctr"/>
+              <a:r>
+                <a:rPr lang="fr-FR" sz="2800" b="1" dirty="0">
+                  <a:solidFill>
+                    <a:srgbClr val="FF0000"/>
+                  </a:solidFill>
+                </a:rPr>
+                <a:t>Bouton</a:t>
+              </a:r>
+              <a:endParaRPr lang="fr-FR" b="1" dirty="0">
+                <a:solidFill>
+                  <a:srgbClr val="FF0000"/>
+                </a:solidFill>
+              </a:endParaRPr>
+            </a:p>
+          </p:txBody>
+        </p:sp>
+        <p:sp>
+          <p:nvSpPr>
+            <p:cNvPr id="65" name="Rectangle : avec coins arrondis en haut 64">
+              <a:extLst>
+                <a:ext uri="{FF2B5EF4-FFF2-40B4-BE49-F238E27FC236}">
+                  <a16:creationId xmlns:a16="http://schemas.microsoft.com/office/drawing/2014/main" id="{E46113E3-61B7-4921-A146-509285FF67F1}"/>
+                </a:ext>
+              </a:extLst>
+            </p:cNvPr>
+            <p:cNvSpPr/>
+            <p:nvPr/>
+          </p:nvSpPr>
+          <p:spPr>
+            <a:xfrm rot="10800000">
+              <a:off x="3060852" y="4054676"/>
+              <a:ext cx="2941516" cy="576064"/>
+            </a:xfrm>
+            <a:prstGeom prst="round2SameRect">
+              <a:avLst/>
+            </a:prstGeom>
+            <a:solidFill>
+              <a:schemeClr val="accent3">
+                <a:lumMod val="40000"/>
+                <a:lumOff val="60000"/>
+              </a:schemeClr>
+            </a:solidFill>
+            <a:ln w="38100">
+              <a:solidFill>
+                <a:srgbClr val="FF0000"/>
+              </a:solidFill>
+            </a:ln>
+          </p:spPr>
+          <p:style>
+            <a:lnRef idx="2">
+              <a:schemeClr val="accent1">
+                <a:shade val="50000"/>
+              </a:schemeClr>
+            </a:lnRef>
+            <a:fillRef idx="1">
+              <a:schemeClr val="accent1"/>
+            </a:fillRef>
+            <a:effectRef idx="0">
+              <a:schemeClr val="accent1"/>
+            </a:effectRef>
+            <a:fontRef idx="minor">
+              <a:schemeClr val="lt1"/>
+            </a:fontRef>
+          </p:style>
+          <p:txBody>
+            <a:bodyPr rtlCol="0" anchor="t"/>
+            <a:lstStyle/>
+            <a:p>
+              <a:pPr algn="r"/>
+              <a:r>
+                <a:rPr lang="fr-FR" sz="2000" dirty="0">
+                  <a:solidFill>
+                    <a:srgbClr val="FF0000"/>
+                  </a:solidFill>
+                </a:rPr>
+                <a:t>…</a:t>
+              </a:r>
+            </a:p>
+          </p:txBody>
+        </p:sp>
+        <p:sp>
+          <p:nvSpPr>
+            <p:cNvPr id="66" name="Rectangle : avec coins arrondis en haut 65">
+              <a:extLst>
+                <a:ext uri="{FF2B5EF4-FFF2-40B4-BE49-F238E27FC236}">
+                  <a16:creationId xmlns:a16="http://schemas.microsoft.com/office/drawing/2014/main" id="{68E94ADF-E8AF-4E49-AB06-BE393FD5DBFC}"/>
+                </a:ext>
+              </a:extLst>
+            </p:cNvPr>
+            <p:cNvSpPr/>
+            <p:nvPr/>
+          </p:nvSpPr>
+          <p:spPr>
+            <a:xfrm rot="10800000">
+              <a:off x="3061613" y="4630741"/>
+              <a:ext cx="2941516" cy="576064"/>
+            </a:xfrm>
+            <a:prstGeom prst="round2SameRect">
+              <a:avLst/>
+            </a:prstGeom>
+            <a:solidFill>
+              <a:schemeClr val="accent3">
+                <a:lumMod val="40000"/>
+                <a:lumOff val="60000"/>
+              </a:schemeClr>
+            </a:solidFill>
+            <a:ln w="38100">
+              <a:solidFill>
+                <a:srgbClr val="FF0000"/>
+              </a:solidFill>
+            </a:ln>
+          </p:spPr>
+          <p:style>
+            <a:lnRef idx="2">
+              <a:schemeClr val="accent1">
+                <a:shade val="50000"/>
+              </a:schemeClr>
+            </a:lnRef>
+            <a:fillRef idx="1">
+              <a:schemeClr val="accent1"/>
+            </a:fillRef>
+            <a:effectRef idx="0">
+              <a:schemeClr val="accent1"/>
+            </a:effectRef>
+            <a:fontRef idx="minor">
+              <a:schemeClr val="lt1"/>
+            </a:fontRef>
+          </p:style>
+          <p:txBody>
+            <a:bodyPr rtlCol="0" anchor="t"/>
+            <a:lstStyle/>
+            <a:p>
+              <a:pPr algn="r"/>
+              <a:r>
+                <a:rPr lang="fr-FR" sz="2000" dirty="0">
+                  <a:solidFill>
+                    <a:srgbClr val="FF0000"/>
+                  </a:solidFill>
+                </a:rPr>
+                <a:t>…</a:t>
+              </a:r>
+            </a:p>
+          </p:txBody>
+        </p:sp>
+        <p:sp>
+          <p:nvSpPr>
+            <p:cNvPr id="68" name="Rectangle : avec coins arrondis en haut 67">
+              <a:extLst>
+                <a:ext uri="{FF2B5EF4-FFF2-40B4-BE49-F238E27FC236}">
+                  <a16:creationId xmlns:a16="http://schemas.microsoft.com/office/drawing/2014/main" id="{C571F321-4329-4398-B251-E6C7ACF769DB}"/>
+                </a:ext>
+              </a:extLst>
+            </p:cNvPr>
+            <p:cNvSpPr/>
+            <p:nvPr/>
+          </p:nvSpPr>
+          <p:spPr>
+            <a:xfrm rot="10800000">
+              <a:off x="3061244" y="5201148"/>
+              <a:ext cx="2941516" cy="576064"/>
+            </a:xfrm>
+            <a:prstGeom prst="round2SameRect">
+              <a:avLst/>
+            </a:prstGeom>
+            <a:solidFill>
+              <a:schemeClr val="accent3">
+                <a:lumMod val="40000"/>
+                <a:lumOff val="60000"/>
+              </a:schemeClr>
+            </a:solidFill>
+            <a:ln w="38100">
+              <a:solidFill>
+                <a:srgbClr val="FF0000"/>
+              </a:solidFill>
+            </a:ln>
+          </p:spPr>
+          <p:style>
+            <a:lnRef idx="2">
+              <a:schemeClr val="accent1">
+                <a:shade val="50000"/>
+              </a:schemeClr>
+            </a:lnRef>
+            <a:fillRef idx="1">
+              <a:schemeClr val="accent1"/>
+            </a:fillRef>
+            <a:effectRef idx="0">
+              <a:schemeClr val="accent1"/>
+            </a:effectRef>
+            <a:fontRef idx="minor">
+              <a:schemeClr val="lt1"/>
+            </a:fontRef>
+          </p:style>
+          <p:txBody>
+            <a:bodyPr rtlCol="0" anchor="t"/>
+            <a:lstStyle/>
+            <a:p>
+              <a:pPr algn="r"/>
+              <a:r>
+                <a:rPr lang="fr-FR" sz="2000" dirty="0">
+                  <a:solidFill>
+                    <a:srgbClr val="FF0000"/>
+                  </a:solidFill>
+                </a:rPr>
+                <a:t>…</a:t>
+              </a:r>
+            </a:p>
+          </p:txBody>
+        </p:sp>
+        <p:sp>
+          <p:nvSpPr>
+            <p:cNvPr id="69" name="Rectangle : avec coins arrondis en haut 68">
+              <a:extLst>
+                <a:ext uri="{FF2B5EF4-FFF2-40B4-BE49-F238E27FC236}">
+                  <a16:creationId xmlns:a16="http://schemas.microsoft.com/office/drawing/2014/main" id="{4BE24246-BBC6-4EBB-8CE8-146B84906F4E}"/>
+                </a:ext>
+              </a:extLst>
+            </p:cNvPr>
+            <p:cNvSpPr/>
+            <p:nvPr/>
+          </p:nvSpPr>
+          <p:spPr>
+            <a:xfrm rot="10800000">
+              <a:off x="3071664" y="5770489"/>
+              <a:ext cx="2941516" cy="576064"/>
+            </a:xfrm>
+            <a:prstGeom prst="round2SameRect">
+              <a:avLst/>
+            </a:prstGeom>
+            <a:solidFill>
+              <a:schemeClr val="accent3">
+                <a:lumMod val="40000"/>
+                <a:lumOff val="60000"/>
+              </a:schemeClr>
+            </a:solidFill>
+            <a:ln w="38100">
+              <a:solidFill>
+                <a:srgbClr val="FF0000"/>
+              </a:solidFill>
+            </a:ln>
+          </p:spPr>
+          <p:style>
+            <a:lnRef idx="2">
+              <a:schemeClr val="accent1">
+                <a:shade val="50000"/>
+              </a:schemeClr>
+            </a:lnRef>
+            <a:fillRef idx="1">
+              <a:schemeClr val="accent1"/>
+            </a:fillRef>
+            <a:effectRef idx="0">
+              <a:schemeClr val="accent1"/>
+            </a:effectRef>
+            <a:fontRef idx="minor">
+              <a:schemeClr val="lt1"/>
+            </a:fontRef>
+          </p:style>
+          <p:txBody>
+            <a:bodyPr rtlCol="0" anchor="t"/>
+            <a:lstStyle/>
+            <a:p>
+              <a:pPr algn="r"/>
+              <a:r>
+                <a:rPr lang="fr-FR" sz="2000" dirty="0">
+                  <a:solidFill>
+                    <a:srgbClr val="FF0000"/>
+                  </a:solidFill>
+                </a:rPr>
+                <a:t>…</a:t>
+              </a:r>
+            </a:p>
+          </p:txBody>
+        </p:sp>
+        <p:cxnSp>
+          <p:nvCxnSpPr>
+            <p:cNvPr id="71" name="Connecteur droit avec flèche 70">
+              <a:extLst>
+                <a:ext uri="{FF2B5EF4-FFF2-40B4-BE49-F238E27FC236}">
+                  <a16:creationId xmlns:a16="http://schemas.microsoft.com/office/drawing/2014/main" id="{E7A680E4-9119-4B8B-B050-0FE2F7941C85}"/>
+                </a:ext>
+              </a:extLst>
+            </p:cNvPr>
+            <p:cNvCxnSpPr>
+              <a:cxnSpLocks/>
+              <a:stCxn id="16" idx="2"/>
+            </p:cNvCxnSpPr>
+            <p:nvPr/>
+          </p:nvCxnSpPr>
+          <p:spPr>
+            <a:xfrm>
+              <a:off x="3503712" y="1767532"/>
+              <a:ext cx="378033" cy="1663657"/>
+            </a:xfrm>
+            <a:prstGeom prst="straightConnector1">
+              <a:avLst/>
+            </a:prstGeom>
+            <a:ln w="28575">
+              <a:solidFill>
+                <a:srgbClr val="FF0000"/>
+              </a:solidFill>
+              <a:tailEnd type="triangle"/>
+            </a:ln>
+          </p:spPr>
+          <p:style>
+            <a:lnRef idx="1">
+              <a:schemeClr val="accent1"/>
+            </a:lnRef>
+            <a:fillRef idx="0">
+              <a:schemeClr val="accent1"/>
+            </a:fillRef>
+            <a:effectRef idx="0">
+              <a:schemeClr val="accent1"/>
+            </a:effectRef>
+            <a:fontRef idx="minor">
+              <a:schemeClr val="tx1"/>
+            </a:fontRef>
+          </p:style>
+        </p:cxnSp>
+        <p:cxnSp>
+          <p:nvCxnSpPr>
+            <p:cNvPr id="73" name="Connecteur droit avec flèche 72">
+              <a:extLst>
+                <a:ext uri="{FF2B5EF4-FFF2-40B4-BE49-F238E27FC236}">
+                  <a16:creationId xmlns:a16="http://schemas.microsoft.com/office/drawing/2014/main" id="{D14E0DC2-9876-46FE-ACCA-321FC77F11B2}"/>
+                </a:ext>
+              </a:extLst>
+            </p:cNvPr>
+            <p:cNvCxnSpPr>
+              <a:cxnSpLocks/>
+              <a:stCxn id="17" idx="2"/>
+            </p:cNvCxnSpPr>
+            <p:nvPr/>
+          </p:nvCxnSpPr>
+          <p:spPr>
+            <a:xfrm>
+              <a:off x="3935760" y="1767532"/>
+              <a:ext cx="223490" cy="1667818"/>
+            </a:xfrm>
+            <a:prstGeom prst="straightConnector1">
+              <a:avLst/>
+            </a:prstGeom>
+            <a:ln w="28575">
+              <a:solidFill>
+                <a:srgbClr val="FF0000"/>
+              </a:solidFill>
+              <a:tailEnd type="triangle"/>
+            </a:ln>
+          </p:spPr>
+          <p:style>
+            <a:lnRef idx="1">
+              <a:schemeClr val="accent1"/>
+            </a:lnRef>
+            <a:fillRef idx="0">
+              <a:schemeClr val="accent1"/>
+            </a:fillRef>
+            <a:effectRef idx="0">
+              <a:schemeClr val="accent1"/>
+            </a:effectRef>
+            <a:fontRef idx="minor">
+              <a:schemeClr val="tx1"/>
+            </a:fontRef>
+          </p:style>
+        </p:cxnSp>
+        <p:cxnSp>
+          <p:nvCxnSpPr>
+            <p:cNvPr id="75" name="Connecteur droit avec flèche 74">
+              <a:extLst>
+                <a:ext uri="{FF2B5EF4-FFF2-40B4-BE49-F238E27FC236}">
+                  <a16:creationId xmlns:a16="http://schemas.microsoft.com/office/drawing/2014/main" id="{CABBFA43-C4E1-4E97-A5F8-95AA68AF34E2}"/>
+                </a:ext>
+              </a:extLst>
+            </p:cNvPr>
+            <p:cNvCxnSpPr>
+              <a:cxnSpLocks/>
+              <a:stCxn id="18" idx="2"/>
+            </p:cNvCxnSpPr>
+            <p:nvPr/>
+          </p:nvCxnSpPr>
+          <p:spPr>
+            <a:xfrm>
+              <a:off x="4511824" y="1767532"/>
+              <a:ext cx="30597" cy="1656184"/>
+            </a:xfrm>
+            <a:prstGeom prst="straightConnector1">
+              <a:avLst/>
+            </a:prstGeom>
+            <a:ln w="28575">
+              <a:solidFill>
+                <a:srgbClr val="FF0000"/>
+              </a:solidFill>
+              <a:tailEnd type="triangle"/>
+            </a:ln>
+          </p:spPr>
+          <p:style>
+            <a:lnRef idx="1">
+              <a:schemeClr val="accent1"/>
+            </a:lnRef>
+            <a:fillRef idx="0">
+              <a:schemeClr val="accent1"/>
+            </a:fillRef>
+            <a:effectRef idx="0">
+              <a:schemeClr val="accent1"/>
+            </a:effectRef>
+            <a:fontRef idx="minor">
+              <a:schemeClr val="tx1"/>
+            </a:fontRef>
+          </p:style>
+        </p:cxnSp>
+        <p:cxnSp>
+          <p:nvCxnSpPr>
+            <p:cNvPr id="77" name="Connecteur droit avec flèche 76">
+              <a:extLst>
+                <a:ext uri="{FF2B5EF4-FFF2-40B4-BE49-F238E27FC236}">
+                  <a16:creationId xmlns:a16="http://schemas.microsoft.com/office/drawing/2014/main" id="{FF06BE32-3BF2-4BBB-9D30-D5FACF6B7D45}"/>
+                </a:ext>
+              </a:extLst>
+            </p:cNvPr>
+            <p:cNvCxnSpPr>
+              <a:cxnSpLocks/>
+              <a:stCxn id="19" idx="2"/>
+            </p:cNvCxnSpPr>
+            <p:nvPr/>
+          </p:nvCxnSpPr>
+          <p:spPr>
+            <a:xfrm flipH="1">
+              <a:off x="4889857" y="1767532"/>
+              <a:ext cx="338305" cy="1656184"/>
+            </a:xfrm>
+            <a:prstGeom prst="straightConnector1">
+              <a:avLst/>
+            </a:prstGeom>
+            <a:ln w="28575">
+              <a:solidFill>
+                <a:srgbClr val="FF0000"/>
+              </a:solidFill>
+              <a:tailEnd type="triangle"/>
+            </a:ln>
+          </p:spPr>
+          <p:style>
+            <a:lnRef idx="1">
+              <a:schemeClr val="accent1"/>
+            </a:lnRef>
+            <a:fillRef idx="0">
+              <a:schemeClr val="accent1"/>
+            </a:fillRef>
+            <a:effectRef idx="0">
+              <a:schemeClr val="accent1"/>
+            </a:effectRef>
+            <a:fontRef idx="minor">
+              <a:schemeClr val="tx1"/>
+            </a:fontRef>
+          </p:style>
+        </p:cxnSp>
+        <p:cxnSp>
+          <p:nvCxnSpPr>
+            <p:cNvPr id="80" name="Connecteur droit avec flèche 79">
+              <a:extLst>
+                <a:ext uri="{FF2B5EF4-FFF2-40B4-BE49-F238E27FC236}">
+                  <a16:creationId xmlns:a16="http://schemas.microsoft.com/office/drawing/2014/main" id="{1937FE95-6BBD-4D6B-98FF-9F147A163737}"/>
+                </a:ext>
+              </a:extLst>
+            </p:cNvPr>
+            <p:cNvCxnSpPr>
+              <a:cxnSpLocks/>
+              <a:stCxn id="20" idx="2"/>
+            </p:cNvCxnSpPr>
+            <p:nvPr/>
+          </p:nvCxnSpPr>
+          <p:spPr>
+            <a:xfrm flipH="1">
+              <a:off x="5228162" y="1767532"/>
+              <a:ext cx="755158" cy="1663657"/>
+            </a:xfrm>
+            <a:prstGeom prst="straightConnector1">
+              <a:avLst/>
+            </a:prstGeom>
+            <a:ln w="28575">
+              <a:solidFill>
+                <a:srgbClr val="FF0000"/>
+              </a:solidFill>
+              <a:tailEnd type="triangle"/>
+            </a:ln>
+          </p:spPr>
+          <p:style>
+            <a:lnRef idx="1">
+              <a:schemeClr val="accent1"/>
+            </a:lnRef>
+            <a:fillRef idx="0">
+              <a:schemeClr val="accent1"/>
+            </a:fillRef>
+            <a:effectRef idx="0">
+              <a:schemeClr val="accent1"/>
+            </a:effectRef>
+            <a:fontRef idx="minor">
+              <a:schemeClr val="tx1"/>
+            </a:fontRef>
+          </p:style>
+        </p:cxnSp>
+      </p:grpSp>
+    </p:spTree>
+    <p:extLst>
+      <p:ext uri="{BB962C8B-B14F-4D97-AF65-F5344CB8AC3E}">
+        <p14:creationId xmlns:p14="http://schemas.microsoft.com/office/powerpoint/2010/main" val="3593433705"/>
+      </p:ext>
+    </p:extLst>
+  </p:cSld>
+  <p:clrMapOvr>
+    <a:masterClrMapping/>
+  </p:clrMapOvr>
+</p:sld>
+</file>
+
+<file path=ppt/slides/slide6.xml><?xml version="1.0" encoding="utf-8"?>
+<p:sld xmlns:a="http://schemas.openxmlformats.org/drawingml/2006/main" xmlns:r="http://schemas.openxmlformats.org/officeDocument/2006/relationships" xmlns:p="http://schemas.openxmlformats.org/presentationml/2006/main">
+  <p:cSld>
+    <p:bg>
+      <p:bgPr>
+        <a:solidFill>
+          <a:srgbClr val="403551"/>
+        </a:solidFill>
+        <a:effectLst/>
+      </p:bgPr>
+    </p:bg>
+    <p:spTree>
+      <p:nvGrpSpPr>
+        <p:cNvPr id="1" name=""/>
+        <p:cNvGrpSpPr/>
+        <p:nvPr/>
+      </p:nvGrpSpPr>
+      <p:grpSpPr>
+        <a:xfrm>
+          <a:off x="0" y="0"/>
+          <a:ext cx="0" cy="0"/>
+          <a:chOff x="0" y="0"/>
+          <a:chExt cx="0" cy="0"/>
+        </a:xfrm>
+      </p:grpSpPr>
+      <p:sp>
+        <p:nvSpPr>
+          <p:cNvPr id="3" name="Date Placeholder 2"/>
+          <p:cNvSpPr>
+            <a:spLocks noGrp="1"/>
+          </p:cNvSpPr>
+          <p:nvPr>
+            <p:ph type="dt" sz="half" idx="10"/>
+          </p:nvPr>
+        </p:nvSpPr>
+        <p:spPr/>
+        <p:txBody>
+          <a:bodyPr/>
+          <a:lstStyle/>
+          <a:p>
+            <a:r>
+              <a:rPr lang="fr-FR"/>
+              <a:t>04 février 2021</a:t>
+            </a:r>
+            <a:endParaRPr lang="en-US"/>
+          </a:p>
+        </p:txBody>
+      </p:sp>
+      <p:sp>
+        <p:nvSpPr>
+          <p:cNvPr id="4" name="Footer Placeholder 3"/>
+          <p:cNvSpPr>
+            <a:spLocks noGrp="1"/>
+          </p:cNvSpPr>
+          <p:nvPr>
+            <p:ph type="ftr" sz="quarter" idx="11"/>
+          </p:nvPr>
+        </p:nvSpPr>
+        <p:spPr>
+          <a:xfrm>
+            <a:off x="3359696" y="5713275"/>
+            <a:ext cx="4114800" cy="365125"/>
+          </a:xfrm>
+        </p:spPr>
+        <p:txBody>
+          <a:bodyPr/>
+          <a:lstStyle/>
+          <a:p>
+            <a:r>
+              <a:rPr lang="fr-FR"/>
+              <a:t>Command &amp; Memento - Aurélien BOUDIER</a:t>
+            </a:r>
+            <a:endParaRPr lang="en-US"/>
+          </a:p>
+        </p:txBody>
+      </p:sp>
+      <p:sp>
+        <p:nvSpPr>
+          <p:cNvPr id="11" name="Text Placeholder 10">
+            <a:extLst>
+              <a:ext uri="{FF2B5EF4-FFF2-40B4-BE49-F238E27FC236}">
+                <a16:creationId xmlns:a16="http://schemas.microsoft.com/office/drawing/2014/main" id="{2A6E9779-5059-4C5A-A10E-A924E6ADE536}"/>
+              </a:ext>
+            </a:extLst>
+          </p:cNvPr>
+          <p:cNvSpPr>
+            <a:spLocks noGrp="1"/>
+          </p:cNvSpPr>
+          <p:nvPr>
+            <p:ph type="body" sz="quarter" idx="13"/>
+          </p:nvPr>
+        </p:nvSpPr>
+        <p:spPr/>
+        <p:txBody>
+          <a:bodyPr/>
+          <a:lstStyle/>
+          <a:p>
+            <a:r>
+              <a:rPr lang="en-US"/>
+              <a:t>01</a:t>
+            </a:r>
+          </a:p>
+        </p:txBody>
+      </p:sp>
+      <p:pic>
+        <p:nvPicPr>
+          <p:cNvPr id="2050" name="Picture 2">
+            <a:extLst>
+              <a:ext uri="{FF2B5EF4-FFF2-40B4-BE49-F238E27FC236}">
+                <a16:creationId xmlns:a16="http://schemas.microsoft.com/office/drawing/2014/main" id="{4EA016E1-5AEB-4C35-85A9-2691218D44AF}"/>
+              </a:ext>
+            </a:extLst>
+          </p:cNvPr>
+          <p:cNvPicPr>
+            <a:picLocks noChangeAspect="1" noChangeArrowheads="1"/>
+          </p:cNvPicPr>
+          <p:nvPr/>
+        </p:nvPicPr>
+        <p:blipFill>
+          <a:blip r:embed="rId3">
+            <a:extLst>
+              <a:ext uri="{28A0092B-C50C-407E-A947-70E740481C1C}">
+                <a14:useLocalDpi xmlns:a14="http://schemas.microsoft.com/office/drawing/2010/main" val="0"/>
+              </a:ext>
+            </a:extLst>
+          </a:blip>
+          <a:srcRect/>
+          <a:stretch>
+            <a:fillRect/>
+          </a:stretch>
+        </p:blipFill>
+        <p:spPr bwMode="auto">
+          <a:xfrm>
+            <a:off x="2286000" y="1619250"/>
+            <a:ext cx="7620000" cy="3619500"/>
+          </a:xfrm>
+          <a:prstGeom prst="rect">
+            <a:avLst/>
+          </a:prstGeom>
+          <a:noFill/>
+          <a:extLst>
+            <a:ext uri="{909E8E84-426E-40DD-AFC4-6F175D3DCCD1}">
+              <a14:hiddenFill xmlns:a14="http://schemas.microsoft.com/office/drawing/2010/main">
+                <a:solidFill>
+                  <a:srgbClr val="FFFFFF"/>
+                </a:solidFill>
+              </a14:hiddenFill>
+            </a:ext>
+          </a:extLst>
+        </p:spPr>
+      </p:pic>
+    </p:spTree>
+    <p:extLst>
+      <p:ext uri="{BB962C8B-B14F-4D97-AF65-F5344CB8AC3E}">
+        <p14:creationId xmlns:p14="http://schemas.microsoft.com/office/powerpoint/2010/main" val="2765386768"/>
+      </p:ext>
+    </p:extLst>
+  </p:cSld>
+  <p:clrMapOvr>
+    <a:masterClrMapping/>
+  </p:clrMapOvr>
+</p:sld>
+</file>
+
+<file path=ppt/slides/slide7.xml><?xml version="1.0" encoding="utf-8"?>
+<p:sld xmlns:a="http://schemas.openxmlformats.org/drawingml/2006/main" xmlns:r="http://schemas.openxmlformats.org/officeDocument/2006/relationships" xmlns:p="http://schemas.openxmlformats.org/presentationml/2006/main">
+  <p:cSld>
+    <p:spTree>
+      <p:nvGrpSpPr>
+        <p:cNvPr id="1" name=""/>
+        <p:cNvGrpSpPr/>
+        <p:nvPr/>
+      </p:nvGrpSpPr>
+      <p:grpSpPr>
+        <a:xfrm>
+          <a:off x="0" y="0"/>
+          <a:ext cx="0" cy="0"/>
+          <a:chOff x="0" y="0"/>
+          <a:chExt cx="0" cy="0"/>
+        </a:xfrm>
+      </p:grpSpPr>
+      <p:sp>
+        <p:nvSpPr>
+          <p:cNvPr id="3" name="Date Placeholder 2"/>
+          <p:cNvSpPr>
+            <a:spLocks noGrp="1"/>
+          </p:cNvSpPr>
+          <p:nvPr>
+            <p:ph type="dt" sz="half" idx="10"/>
+          </p:nvPr>
+        </p:nvSpPr>
+        <p:spPr/>
+        <p:txBody>
+          <a:bodyPr/>
+          <a:lstStyle/>
+          <a:p>
+            <a:r>
+              <a:rPr lang="fr-FR"/>
+              <a:t>04 février 2021</a:t>
+            </a:r>
+            <a:endParaRPr lang="en-US"/>
+          </a:p>
+        </p:txBody>
+      </p:sp>
+      <p:sp>
+        <p:nvSpPr>
+          <p:cNvPr id="4" name="Footer Placeholder 3"/>
+          <p:cNvSpPr>
+            <a:spLocks noGrp="1"/>
+          </p:cNvSpPr>
+          <p:nvPr>
+            <p:ph type="ftr" sz="quarter" idx="11"/>
+          </p:nvPr>
+        </p:nvSpPr>
+        <p:spPr/>
+        <p:txBody>
+          <a:bodyPr/>
+          <a:lstStyle/>
+          <a:p>
+            <a:r>
+              <a:rPr lang="fr-FR"/>
+              <a:t>Command &amp; Memento - Aurélien BOUDIER</a:t>
+            </a:r>
+            <a:endParaRPr lang="en-US"/>
+          </a:p>
+        </p:txBody>
+      </p:sp>
+      <p:sp>
+        <p:nvSpPr>
+          <p:cNvPr id="11" name="Text Placeholder 10">
+            <a:extLst>
+              <a:ext uri="{FF2B5EF4-FFF2-40B4-BE49-F238E27FC236}">
+                <a16:creationId xmlns:a16="http://schemas.microsoft.com/office/drawing/2014/main" id="{2A6E9779-5059-4C5A-A10E-A924E6ADE536}"/>
+              </a:ext>
+            </a:extLst>
+          </p:cNvPr>
+          <p:cNvSpPr>
+            <a:spLocks noGrp="1"/>
+          </p:cNvSpPr>
+          <p:nvPr>
+            <p:ph type="body" sz="quarter" idx="13"/>
+          </p:nvPr>
+        </p:nvSpPr>
+        <p:spPr/>
+        <p:txBody>
+          <a:bodyPr/>
+          <a:lstStyle/>
+          <a:p>
+            <a:r>
+              <a:rPr lang="en-US"/>
+              <a:t>01</a:t>
+            </a:r>
+          </a:p>
+        </p:txBody>
+      </p:sp>
+      <p:pic>
+        <p:nvPicPr>
+          <p:cNvPr id="9" name="Image 8">
+            <a:extLst>
+              <a:ext uri="{FF2B5EF4-FFF2-40B4-BE49-F238E27FC236}">
+                <a16:creationId xmlns:a16="http://schemas.microsoft.com/office/drawing/2014/main" id="{79A96D39-353D-4A6E-8A56-7B8BFBEE319E}"/>
+              </a:ext>
+            </a:extLst>
+          </p:cNvPr>
+          <p:cNvPicPr>
+            <a:picLocks noChangeAspect="1"/>
+          </p:cNvPicPr>
+          <p:nvPr/>
+        </p:nvPicPr>
+        <p:blipFill rotWithShape="1">
+          <a:blip r:embed="rId3"/>
+          <a:srcRect l="5473" r="14469"/>
+          <a:stretch/>
+        </p:blipFill>
+        <p:spPr>
+          <a:xfrm>
+            <a:off x="5735960" y="491297"/>
+            <a:ext cx="5976664" cy="5621003"/>
+          </a:xfrm>
+          <a:prstGeom prst="rect">
+            <a:avLst/>
+          </a:prstGeom>
+        </p:spPr>
+      </p:pic>
+      <p:pic>
+        <p:nvPicPr>
+          <p:cNvPr id="15" name="Image 14">
+            <a:extLst>
+              <a:ext uri="{FF2B5EF4-FFF2-40B4-BE49-F238E27FC236}">
+                <a16:creationId xmlns:a16="http://schemas.microsoft.com/office/drawing/2014/main" id="{A2E02B67-370C-48FA-8942-F9580F5D0152}"/>
+              </a:ext>
+            </a:extLst>
+          </p:cNvPr>
+          <p:cNvPicPr>
+            <a:picLocks noChangeAspect="1"/>
+          </p:cNvPicPr>
+          <p:nvPr/>
+        </p:nvPicPr>
+        <p:blipFill>
+          <a:blip r:embed="rId4"/>
+          <a:stretch>
+            <a:fillRect/>
+          </a:stretch>
+        </p:blipFill>
+        <p:spPr>
+          <a:xfrm>
+            <a:off x="695400" y="1726664"/>
+            <a:ext cx="3964182" cy="4118525"/>
+          </a:xfrm>
+          <a:prstGeom prst="rect">
+            <a:avLst/>
+          </a:prstGeom>
+        </p:spPr>
+      </p:pic>
+    </p:spTree>
+    <p:extLst>
+      <p:ext uri="{BB962C8B-B14F-4D97-AF65-F5344CB8AC3E}">
+        <p14:creationId xmlns:p14="http://schemas.microsoft.com/office/powerpoint/2010/main" val="19207291"/>
+      </p:ext>
+    </p:extLst>
+  </p:cSld>
+  <p:clrMapOvr>
+    <a:masterClrMapping/>
+  </p:clrMapOvr>
+</p:sld>
+</file>
+
+<file path=ppt/slides/slide8.xml><?xml version="1.0" encoding="utf-8"?>
 <p:sld xmlns:a="http://schemas.openxmlformats.org/drawingml/2006/main" xmlns:r="http://schemas.openxmlformats.org/officeDocument/2006/relationships" xmlns:p="http://schemas.openxmlformats.org/presentationml/2006/main">
   <p:cSld>
     <p:spTree>
@@ -43484,7 +45508,7 @@
 </p:sld>
 </file>
 
-<file path=ppt/slides/slide6.xml><?xml version="1.0" encoding="utf-8"?>
+<file path=ppt/slides/slide9.xml><?xml version="1.0" encoding="utf-8"?>
 <p:sld xmlns:a="http://schemas.openxmlformats.org/drawingml/2006/main" xmlns:r="http://schemas.openxmlformats.org/officeDocument/2006/relationships" xmlns:p="http://schemas.openxmlformats.org/presentationml/2006/main">
   <p:cSld>
     <p:spTree>
@@ -43616,399 +45640,6 @@
     <p:extLst>
       <p:ext uri="{BB962C8B-B14F-4D97-AF65-F5344CB8AC3E}">
         <p14:creationId xmlns:p14="http://schemas.microsoft.com/office/powerpoint/2010/main" val="3399286523"/>
-      </p:ext>
-    </p:extLst>
-  </p:cSld>
-  <p:clrMapOvr>
-    <a:masterClrMapping/>
-  </p:clrMapOvr>
-</p:sld>
-</file>
-
-<file path=ppt/slides/slide7.xml><?xml version="1.0" encoding="utf-8"?>
-<p:sld xmlns:a="http://schemas.openxmlformats.org/drawingml/2006/main" xmlns:r="http://schemas.openxmlformats.org/officeDocument/2006/relationships" xmlns:p="http://schemas.openxmlformats.org/presentationml/2006/main">
-  <p:cSld>
-    <p:spTree>
-      <p:nvGrpSpPr>
-        <p:cNvPr id="1" name=""/>
-        <p:cNvGrpSpPr/>
-        <p:nvPr/>
-      </p:nvGrpSpPr>
-      <p:grpSpPr>
-        <a:xfrm>
-          <a:off x="0" y="0"/>
-          <a:ext cx="0" cy="0"/>
-          <a:chOff x="0" y="0"/>
-          <a:chExt cx="0" cy="0"/>
-        </a:xfrm>
-      </p:grpSpPr>
-      <p:sp>
-        <p:nvSpPr>
-          <p:cNvPr id="2" name="Title 1"/>
-          <p:cNvSpPr>
-            <a:spLocks noGrp="1"/>
-          </p:cNvSpPr>
-          <p:nvPr>
-            <p:ph type="title"/>
-          </p:nvPr>
-        </p:nvSpPr>
-        <p:spPr/>
-        <p:txBody>
-          <a:bodyPr/>
-          <a:lstStyle/>
-          <a:p>
-            <a:r>
-              <a:rPr lang="fr-FR" dirty="0"/>
-              <a:t>Présentation d’une </a:t>
-            </a:r>
-            <a:br>
-              <a:rPr lang="fr-FR" dirty="0"/>
-            </a:br>
-            <a:r>
-              <a:rPr lang="fr-FR" dirty="0"/>
-              <a:t>petite implémentation</a:t>
-            </a:r>
-          </a:p>
-        </p:txBody>
-      </p:sp>
-      <p:sp>
-        <p:nvSpPr>
-          <p:cNvPr id="16" name="Text Placeholder 15"/>
-          <p:cNvSpPr>
-            <a:spLocks noGrp="1"/>
-          </p:cNvSpPr>
-          <p:nvPr>
-            <p:ph type="body" idx="1"/>
-          </p:nvPr>
-        </p:nvSpPr>
-        <p:spPr/>
-        <p:txBody>
-          <a:bodyPr>
-            <a:noAutofit/>
-          </a:bodyPr>
-          <a:lstStyle/>
-          <a:p>
-            <a:r>
-              <a:rPr lang="fr-FR" dirty="0"/>
-              <a:t>Microsoft Word peut trembler !</a:t>
-            </a:r>
-          </a:p>
-        </p:txBody>
-      </p:sp>
-      <p:sp>
-        <p:nvSpPr>
-          <p:cNvPr id="38" name="Date Placeholder 37">
-            <a:extLst>
-              <a:ext uri="{FF2B5EF4-FFF2-40B4-BE49-F238E27FC236}">
-                <a16:creationId xmlns:a16="http://schemas.microsoft.com/office/drawing/2014/main" id="{214893A6-5453-4772-A5C3-6E8247B9F7F7}"/>
-              </a:ext>
-            </a:extLst>
-          </p:cNvPr>
-          <p:cNvSpPr>
-            <a:spLocks noGrp="1"/>
-          </p:cNvSpPr>
-          <p:nvPr>
-            <p:ph type="dt" sz="half" idx="10"/>
-          </p:nvPr>
-        </p:nvSpPr>
-        <p:spPr/>
-        <p:txBody>
-          <a:bodyPr/>
-          <a:lstStyle/>
-          <a:p>
-            <a:r>
-              <a:rPr lang="fr-FR"/>
-              <a:t>04 février 2021</a:t>
-            </a:r>
-            <a:endParaRPr lang="en-US"/>
-          </a:p>
-        </p:txBody>
-      </p:sp>
-      <p:sp>
-        <p:nvSpPr>
-          <p:cNvPr id="39" name="Footer Placeholder 38">
-            <a:extLst>
-              <a:ext uri="{FF2B5EF4-FFF2-40B4-BE49-F238E27FC236}">
-                <a16:creationId xmlns:a16="http://schemas.microsoft.com/office/drawing/2014/main" id="{19A88EA5-E6FB-4BFB-9421-CB6C4447B890}"/>
-              </a:ext>
-            </a:extLst>
-          </p:cNvPr>
-          <p:cNvSpPr>
-            <a:spLocks noGrp="1"/>
-          </p:cNvSpPr>
-          <p:nvPr>
-            <p:ph type="ftr" sz="quarter" idx="11"/>
-          </p:nvPr>
-        </p:nvSpPr>
-        <p:spPr/>
-        <p:txBody>
-          <a:bodyPr/>
-          <a:lstStyle/>
-          <a:p>
-            <a:r>
-              <a:rPr lang="fr-FR"/>
-              <a:t>Command &amp; Memento - Aurélien BOUDIER</a:t>
-            </a:r>
-            <a:endParaRPr lang="en-US"/>
-          </a:p>
-        </p:txBody>
-      </p:sp>
-    </p:spTree>
-    <p:extLst>
-      <p:ext uri="{BB962C8B-B14F-4D97-AF65-F5344CB8AC3E}">
-        <p14:creationId xmlns:p14="http://schemas.microsoft.com/office/powerpoint/2010/main" val="2565046013"/>
-      </p:ext>
-    </p:extLst>
-  </p:cSld>
-  <p:clrMapOvr>
-    <a:masterClrMapping/>
-  </p:clrMapOvr>
-</p:sld>
-</file>
-
-<file path=ppt/slides/slide8.xml><?xml version="1.0" encoding="utf-8"?>
-<p:sld xmlns:a="http://schemas.openxmlformats.org/drawingml/2006/main" xmlns:r="http://schemas.openxmlformats.org/officeDocument/2006/relationships" xmlns:p="http://schemas.openxmlformats.org/presentationml/2006/main">
-  <p:cSld>
-    <p:spTree>
-      <p:nvGrpSpPr>
-        <p:cNvPr id="1" name=""/>
-        <p:cNvGrpSpPr/>
-        <p:nvPr/>
-      </p:nvGrpSpPr>
-      <p:grpSpPr>
-        <a:xfrm>
-          <a:off x="0" y="0"/>
-          <a:ext cx="0" cy="0"/>
-          <a:chOff x="0" y="0"/>
-          <a:chExt cx="0" cy="0"/>
-        </a:xfrm>
-      </p:grpSpPr>
-      <p:sp>
-        <p:nvSpPr>
-          <p:cNvPr id="2" name="Title 1"/>
-          <p:cNvSpPr>
-            <a:spLocks noGrp="1"/>
-          </p:cNvSpPr>
-          <p:nvPr>
-            <p:ph type="title"/>
-          </p:nvPr>
-        </p:nvSpPr>
-        <p:spPr/>
-        <p:txBody>
-          <a:bodyPr/>
-          <a:lstStyle/>
-          <a:p>
-            <a:r>
-              <a:rPr lang="fr-FR" dirty="0"/>
-              <a:t>Diagrammes génériques</a:t>
-            </a:r>
-          </a:p>
-        </p:txBody>
-      </p:sp>
-      <p:sp>
-        <p:nvSpPr>
-          <p:cNvPr id="38" name="Date Placeholder 37">
-            <a:extLst>
-              <a:ext uri="{FF2B5EF4-FFF2-40B4-BE49-F238E27FC236}">
-                <a16:creationId xmlns:a16="http://schemas.microsoft.com/office/drawing/2014/main" id="{214893A6-5453-4772-A5C3-6E8247B9F7F7}"/>
-              </a:ext>
-            </a:extLst>
-          </p:cNvPr>
-          <p:cNvSpPr>
-            <a:spLocks noGrp="1"/>
-          </p:cNvSpPr>
-          <p:nvPr>
-            <p:ph type="dt" sz="half" idx="10"/>
-          </p:nvPr>
-        </p:nvSpPr>
-        <p:spPr/>
-        <p:txBody>
-          <a:bodyPr/>
-          <a:lstStyle/>
-          <a:p>
-            <a:r>
-              <a:rPr lang="fr-FR"/>
-              <a:t>04 février 2021</a:t>
-            </a:r>
-            <a:endParaRPr lang="en-US"/>
-          </a:p>
-        </p:txBody>
-      </p:sp>
-      <p:sp>
-        <p:nvSpPr>
-          <p:cNvPr id="39" name="Footer Placeholder 38">
-            <a:extLst>
-              <a:ext uri="{FF2B5EF4-FFF2-40B4-BE49-F238E27FC236}">
-                <a16:creationId xmlns:a16="http://schemas.microsoft.com/office/drawing/2014/main" id="{19A88EA5-E6FB-4BFB-9421-CB6C4447B890}"/>
-              </a:ext>
-            </a:extLst>
-          </p:cNvPr>
-          <p:cNvSpPr>
-            <a:spLocks noGrp="1"/>
-          </p:cNvSpPr>
-          <p:nvPr>
-            <p:ph type="ftr" sz="quarter" idx="11"/>
-          </p:nvPr>
-        </p:nvSpPr>
-        <p:spPr/>
-        <p:txBody>
-          <a:bodyPr/>
-          <a:lstStyle/>
-          <a:p>
-            <a:r>
-              <a:rPr lang="fr-FR"/>
-              <a:t>Command &amp; Memento - Aurélien BOUDIER</a:t>
-            </a:r>
-            <a:endParaRPr lang="en-US"/>
-          </a:p>
-        </p:txBody>
-      </p:sp>
-    </p:spTree>
-    <p:extLst>
-      <p:ext uri="{BB962C8B-B14F-4D97-AF65-F5344CB8AC3E}">
-        <p14:creationId xmlns:p14="http://schemas.microsoft.com/office/powerpoint/2010/main" val="2376558637"/>
-      </p:ext>
-    </p:extLst>
-  </p:cSld>
-  <p:clrMapOvr>
-    <a:masterClrMapping/>
-  </p:clrMapOvr>
-</p:sld>
-</file>
-
-<file path=ppt/slides/slide9.xml><?xml version="1.0" encoding="utf-8"?>
-<p:sld xmlns:a="http://schemas.openxmlformats.org/drawingml/2006/main" xmlns:r="http://schemas.openxmlformats.org/officeDocument/2006/relationships" xmlns:p="http://schemas.openxmlformats.org/presentationml/2006/main">
-  <p:cSld>
-    <p:spTree>
-      <p:nvGrpSpPr>
-        <p:cNvPr id="1" name=""/>
-        <p:cNvGrpSpPr/>
-        <p:nvPr/>
-      </p:nvGrpSpPr>
-      <p:grpSpPr>
-        <a:xfrm>
-          <a:off x="0" y="0"/>
-          <a:ext cx="0" cy="0"/>
-          <a:chOff x="0" y="0"/>
-          <a:chExt cx="0" cy="0"/>
-        </a:xfrm>
-      </p:grpSpPr>
-      <p:sp>
-        <p:nvSpPr>
-          <p:cNvPr id="2" name="Title 1"/>
-          <p:cNvSpPr>
-            <a:spLocks noGrp="1"/>
-          </p:cNvSpPr>
-          <p:nvPr>
-            <p:ph type="title"/>
-          </p:nvPr>
-        </p:nvSpPr>
-        <p:spPr/>
-        <p:txBody>
-          <a:bodyPr/>
-          <a:lstStyle/>
-          <a:p>
-            <a:r>
-              <a:rPr lang="fr-FR" dirty="0"/>
-              <a:t>Avantages &amp; </a:t>
-            </a:r>
-            <a:br>
-              <a:rPr lang="fr-FR" dirty="0"/>
-            </a:br>
-            <a:r>
-              <a:rPr lang="fr-FR" dirty="0"/>
-              <a:t>désavantages</a:t>
-            </a:r>
-          </a:p>
-        </p:txBody>
-      </p:sp>
-      <p:sp>
-        <p:nvSpPr>
-          <p:cNvPr id="16" name="Text Placeholder 15"/>
-          <p:cNvSpPr>
-            <a:spLocks noGrp="1"/>
-          </p:cNvSpPr>
-          <p:nvPr>
-            <p:ph type="body" idx="1"/>
-          </p:nvPr>
-        </p:nvSpPr>
-        <p:spPr/>
-        <p:txBody>
-          <a:bodyPr>
-            <a:noAutofit/>
-          </a:bodyPr>
-          <a:lstStyle/>
-          <a:p>
-            <a:r>
-              <a:rPr lang="fr-FR" dirty="0"/>
-              <a:t>Tout avantage a ses inconvénients et réciproquement</a:t>
-            </a:r>
-            <a:endParaRPr lang="en-US" dirty="0"/>
-          </a:p>
-        </p:txBody>
-      </p:sp>
-      <p:sp>
-        <p:nvSpPr>
-          <p:cNvPr id="38" name="Date Placeholder 37">
-            <a:extLst>
-              <a:ext uri="{FF2B5EF4-FFF2-40B4-BE49-F238E27FC236}">
-                <a16:creationId xmlns:a16="http://schemas.microsoft.com/office/drawing/2014/main" id="{214893A6-5453-4772-A5C3-6E8247B9F7F7}"/>
-              </a:ext>
-            </a:extLst>
-          </p:cNvPr>
-          <p:cNvSpPr>
-            <a:spLocks noGrp="1"/>
-          </p:cNvSpPr>
-          <p:nvPr>
-            <p:ph type="dt" sz="half" idx="10"/>
-          </p:nvPr>
-        </p:nvSpPr>
-        <p:spPr/>
-        <p:txBody>
-          <a:bodyPr/>
-          <a:lstStyle/>
-          <a:p>
-            <a:r>
-              <a:rPr lang="fr-FR"/>
-              <a:t>04 février 2021</a:t>
-            </a:r>
-            <a:endParaRPr lang="en-US"/>
-          </a:p>
-        </p:txBody>
-      </p:sp>
-      <p:sp>
-        <p:nvSpPr>
-          <p:cNvPr id="39" name="Footer Placeholder 38">
-            <a:extLst>
-              <a:ext uri="{FF2B5EF4-FFF2-40B4-BE49-F238E27FC236}">
-                <a16:creationId xmlns:a16="http://schemas.microsoft.com/office/drawing/2014/main" id="{19A88EA5-E6FB-4BFB-9421-CB6C4447B890}"/>
-              </a:ext>
-            </a:extLst>
-          </p:cNvPr>
-          <p:cNvSpPr>
-            <a:spLocks noGrp="1"/>
-          </p:cNvSpPr>
-          <p:nvPr>
-            <p:ph type="ftr" sz="quarter" idx="11"/>
-          </p:nvPr>
-        </p:nvSpPr>
-        <p:spPr/>
-        <p:txBody>
-          <a:bodyPr/>
-          <a:lstStyle/>
-          <a:p>
-            <a:r>
-              <a:rPr lang="fr-FR"/>
-              <a:t>Command &amp; Memento - Aurélien BOUDIER</a:t>
-            </a:r>
-            <a:endParaRPr lang="en-US"/>
-          </a:p>
-        </p:txBody>
-      </p:sp>
-    </p:spTree>
-    <p:extLst>
-      <p:ext uri="{BB962C8B-B14F-4D97-AF65-F5344CB8AC3E}">
-        <p14:creationId xmlns:p14="http://schemas.microsoft.com/office/powerpoint/2010/main" val="3633152721"/>
       </p:ext>
     </p:extLst>
   </p:cSld>

--- a/01-Powerpoint-presentation/PowerpointPresentation.pptx
+++ b/01-Powerpoint-presentation/PowerpointPresentation.pptx
@@ -7,10 +7,10 @@
     <p:sldMasterId id="2147483753" r:id="rId3"/>
   </p:sldMasterIdLst>
   <p:notesMasterIdLst>
-    <p:notesMasterId r:id="rId28"/>
+    <p:notesMasterId r:id="rId30"/>
   </p:notesMasterIdLst>
   <p:handoutMasterIdLst>
-    <p:handoutMasterId r:id="rId29"/>
+    <p:handoutMasterId r:id="rId31"/>
   </p:handoutMasterIdLst>
   <p:sldIdLst>
     <p:sldId id="866" r:id="rId4"/>
@@ -20,23 +20,25 @@
     <p:sldId id="811" r:id="rId8"/>
     <p:sldId id="901" r:id="rId9"/>
     <p:sldId id="900" r:id="rId10"/>
-    <p:sldId id="892" r:id="rId11"/>
-    <p:sldId id="895" r:id="rId12"/>
-    <p:sldId id="896" r:id="rId13"/>
-    <p:sldId id="897" r:id="rId14"/>
-    <p:sldId id="898" r:id="rId15"/>
-    <p:sldId id="899" r:id="rId16"/>
-    <p:sldId id="877" r:id="rId17"/>
-    <p:sldId id="879" r:id="rId18"/>
-    <p:sldId id="881" r:id="rId19"/>
-    <p:sldId id="882" r:id="rId20"/>
-    <p:sldId id="883" r:id="rId21"/>
-    <p:sldId id="884" r:id="rId22"/>
-    <p:sldId id="885" r:id="rId23"/>
-    <p:sldId id="886" r:id="rId24"/>
-    <p:sldId id="887" r:id="rId25"/>
-    <p:sldId id="889" r:id="rId26"/>
-    <p:sldId id="894" r:id="rId27"/>
+    <p:sldId id="902" r:id="rId11"/>
+    <p:sldId id="903" r:id="rId12"/>
+    <p:sldId id="892" r:id="rId13"/>
+    <p:sldId id="895" r:id="rId14"/>
+    <p:sldId id="896" r:id="rId15"/>
+    <p:sldId id="897" r:id="rId16"/>
+    <p:sldId id="898" r:id="rId17"/>
+    <p:sldId id="899" r:id="rId18"/>
+    <p:sldId id="877" r:id="rId19"/>
+    <p:sldId id="879" r:id="rId20"/>
+    <p:sldId id="881" r:id="rId21"/>
+    <p:sldId id="882" r:id="rId22"/>
+    <p:sldId id="883" r:id="rId23"/>
+    <p:sldId id="884" r:id="rId24"/>
+    <p:sldId id="885" r:id="rId25"/>
+    <p:sldId id="886" r:id="rId26"/>
+    <p:sldId id="887" r:id="rId27"/>
+    <p:sldId id="889" r:id="rId28"/>
+    <p:sldId id="894" r:id="rId29"/>
   </p:sldIdLst>
   <p:sldSz cx="12192000" cy="6858000"/>
   <p:notesSz cx="6858000" cy="9144000"/>
@@ -147,6 +149,8 @@
             <p14:sldId id="811"/>
             <p14:sldId id="901"/>
             <p14:sldId id="900"/>
+            <p14:sldId id="902"/>
+            <p14:sldId id="903"/>
             <p14:sldId id="892"/>
             <p14:sldId id="895"/>
             <p14:sldId id="896"/>
@@ -5866,7 +5870,7 @@
             <a:fld id="{EA33B4B9-AFB0-43EB-82AF-ED70AC262E4F}" type="datetimeFigureOut">
               <a:rPr lang="en-US" smtClean="0"/>
               <a:pPr/>
-              <a:t>2/3/2021</a:t>
+              <a:t>2/6/2021</a:t>
             </a:fld>
             <a:endParaRPr lang="en-US"/>
           </a:p>
@@ -6034,7 +6038,7 @@
             <a:fld id="{3D31E77A-DD07-4A76-801D-B4BF4990C412}" type="datetimeFigureOut">
               <a:rPr lang="en-US" smtClean="0"/>
               <a:pPr/>
-              <a:t>2/3/2021</a:t>
+              <a:t>2/6/2021</a:t>
             </a:fld>
             <a:endParaRPr lang="en-US"/>
           </a:p>
@@ -6475,7 +6479,7 @@
     </p:spTree>
     <p:extLst>
       <p:ext uri="{BB962C8B-B14F-4D97-AF65-F5344CB8AC3E}">
-        <p14:creationId xmlns:p14="http://schemas.microsoft.com/office/powerpoint/2010/main" val="3584205330"/>
+        <p14:creationId xmlns:p14="http://schemas.microsoft.com/office/powerpoint/2010/main" val="590651591"/>
       </p:ext>
     </p:extLst>
   </p:cSld>
@@ -6568,7 +6572,7 @@
     </p:spTree>
     <p:extLst>
       <p:ext uri="{BB962C8B-B14F-4D97-AF65-F5344CB8AC3E}">
-        <p14:creationId xmlns:p14="http://schemas.microsoft.com/office/powerpoint/2010/main" val="3552511973"/>
+        <p14:creationId xmlns:p14="http://schemas.microsoft.com/office/powerpoint/2010/main" val="852387929"/>
       </p:ext>
     </p:extLst>
   </p:cSld>
@@ -6623,14 +6627,14 @@
           <a:lstStyle/>
           <a:p>
             <a:r>
-              <a:rPr lang="en-US" sz="1200">
+              <a:rPr lang="en-US" sz="1200" dirty="0">
                 <a:solidFill>
                   <a:prstClr val="black"/>
                 </a:solidFill>
               </a:rPr>
               <a:t>© Copyright Showeet.com – Creative &amp; Free PowerPoint Templates</a:t>
             </a:r>
-            <a:endParaRPr lang="en-US"/>
+            <a:endParaRPr lang="en-US" dirty="0"/>
           </a:p>
         </p:txBody>
       </p:sp>
@@ -6661,7 +6665,7 @@
     </p:spTree>
     <p:extLst>
       <p:ext uri="{BB962C8B-B14F-4D97-AF65-F5344CB8AC3E}">
-        <p14:creationId xmlns:p14="http://schemas.microsoft.com/office/powerpoint/2010/main" val="372831945"/>
+        <p14:creationId xmlns:p14="http://schemas.microsoft.com/office/powerpoint/2010/main" val="3584205330"/>
       </p:ext>
     </p:extLst>
   </p:cSld>
@@ -6754,7 +6758,7 @@
     </p:spTree>
     <p:extLst>
       <p:ext uri="{BB962C8B-B14F-4D97-AF65-F5344CB8AC3E}">
-        <p14:creationId xmlns:p14="http://schemas.microsoft.com/office/powerpoint/2010/main" val="324157143"/>
+        <p14:creationId xmlns:p14="http://schemas.microsoft.com/office/powerpoint/2010/main" val="3552511973"/>
       </p:ext>
     </p:extLst>
   </p:cSld>
@@ -6808,23 +6812,6 @@
           <a:bodyPr/>
           <a:lstStyle/>
           <a:p>
-            <a:pPr marL="0" marR="0" lvl="0" indent="0" algn="l" defTabSz="914354" rtl="0" eaLnBrk="1" fontAlgn="auto" latinLnBrk="0" hangingPunct="1">
-              <a:lnSpc>
-                <a:spcPct val="100000"/>
-              </a:lnSpc>
-              <a:spcBef>
-                <a:spcPts val="0"/>
-              </a:spcBef>
-              <a:spcAft>
-                <a:spcPts val="0"/>
-              </a:spcAft>
-              <a:buClrTx/>
-              <a:buSzTx/>
-              <a:buFontTx/>
-              <a:buNone/>
-              <a:tabLst/>
-              <a:defRPr/>
-            </a:pPr>
             <a:r>
               <a:rPr lang="en-US" sz="1200">
                 <a:solidFill>
@@ -6833,6 +6820,7 @@
               </a:rPr>
               <a:t>© Copyright Showeet.com – Creative &amp; Free PowerPoint Templates</a:t>
             </a:r>
+            <a:endParaRPr lang="en-US"/>
           </a:p>
         </p:txBody>
       </p:sp>
@@ -6863,7 +6851,7 @@
     </p:spTree>
     <p:extLst>
       <p:ext uri="{BB962C8B-B14F-4D97-AF65-F5344CB8AC3E}">
-        <p14:creationId xmlns:p14="http://schemas.microsoft.com/office/powerpoint/2010/main" val="3712232617"/>
+        <p14:creationId xmlns:p14="http://schemas.microsoft.com/office/powerpoint/2010/main" val="372831945"/>
       </p:ext>
     </p:extLst>
   </p:cSld>
@@ -6956,7 +6944,7 @@
     </p:spTree>
     <p:extLst>
       <p:ext uri="{BB962C8B-B14F-4D97-AF65-F5344CB8AC3E}">
-        <p14:creationId xmlns:p14="http://schemas.microsoft.com/office/powerpoint/2010/main" val="768886820"/>
+        <p14:creationId xmlns:p14="http://schemas.microsoft.com/office/powerpoint/2010/main" val="324157143"/>
       </p:ext>
     </p:extLst>
   </p:cSld>
@@ -7010,6 +6998,23 @@
           <a:bodyPr/>
           <a:lstStyle/>
           <a:p>
+            <a:pPr marL="0" marR="0" lvl="0" indent="0" algn="l" defTabSz="914354" rtl="0" eaLnBrk="1" fontAlgn="auto" latinLnBrk="0" hangingPunct="1">
+              <a:lnSpc>
+                <a:spcPct val="100000"/>
+              </a:lnSpc>
+              <a:spcBef>
+                <a:spcPts val="0"/>
+              </a:spcBef>
+              <a:spcAft>
+                <a:spcPts val="0"/>
+              </a:spcAft>
+              <a:buClrTx/>
+              <a:buSzTx/>
+              <a:buFontTx/>
+              <a:buNone/>
+              <a:tabLst/>
+              <a:defRPr/>
+            </a:pPr>
             <a:r>
               <a:rPr lang="en-US" sz="1200">
                 <a:solidFill>
@@ -7018,7 +7023,6 @@
               </a:rPr>
               <a:t>© Copyright Showeet.com – Creative &amp; Free PowerPoint Templates</a:t>
             </a:r>
-            <a:endParaRPr lang="en-US"/>
           </a:p>
         </p:txBody>
       </p:sp>
@@ -7049,7 +7053,7 @@
     </p:spTree>
     <p:extLst>
       <p:ext uri="{BB962C8B-B14F-4D97-AF65-F5344CB8AC3E}">
-        <p14:creationId xmlns:p14="http://schemas.microsoft.com/office/powerpoint/2010/main" val="3574797035"/>
+        <p14:creationId xmlns:p14="http://schemas.microsoft.com/office/powerpoint/2010/main" val="3712232617"/>
       </p:ext>
     </p:extLst>
   </p:cSld>
@@ -7142,7 +7146,7 @@
     </p:spTree>
     <p:extLst>
       <p:ext uri="{BB962C8B-B14F-4D97-AF65-F5344CB8AC3E}">
-        <p14:creationId xmlns:p14="http://schemas.microsoft.com/office/powerpoint/2010/main" val="2069290823"/>
+        <p14:creationId xmlns:p14="http://schemas.microsoft.com/office/powerpoint/2010/main" val="768886820"/>
       </p:ext>
     </p:extLst>
   </p:cSld>
@@ -7235,7 +7239,7 @@
     </p:spTree>
     <p:extLst>
       <p:ext uri="{BB962C8B-B14F-4D97-AF65-F5344CB8AC3E}">
-        <p14:creationId xmlns:p14="http://schemas.microsoft.com/office/powerpoint/2010/main" val="3206035147"/>
+        <p14:creationId xmlns:p14="http://schemas.microsoft.com/office/powerpoint/2010/main" val="3574797035"/>
       </p:ext>
     </p:extLst>
   </p:cSld>
@@ -7328,7 +7332,7 @@
     </p:spTree>
     <p:extLst>
       <p:ext uri="{BB962C8B-B14F-4D97-AF65-F5344CB8AC3E}">
-        <p14:creationId xmlns:p14="http://schemas.microsoft.com/office/powerpoint/2010/main" val="3828291125"/>
+        <p14:creationId xmlns:p14="http://schemas.microsoft.com/office/powerpoint/2010/main" val="2069290823"/>
       </p:ext>
     </p:extLst>
   </p:cSld>
@@ -7475,23 +7479,6 @@
           <a:bodyPr/>
           <a:lstStyle/>
           <a:p>
-            <a:pPr marL="0" marR="0" lvl="0" indent="0" algn="l" defTabSz="914400" rtl="0" eaLnBrk="1" fontAlgn="auto" latinLnBrk="0" hangingPunct="1">
-              <a:lnSpc>
-                <a:spcPct val="100000"/>
-              </a:lnSpc>
-              <a:spcBef>
-                <a:spcPts val="0"/>
-              </a:spcBef>
-              <a:spcAft>
-                <a:spcPts val="0"/>
-              </a:spcAft>
-              <a:buClrTx/>
-              <a:buSzTx/>
-              <a:buFontTx/>
-              <a:buNone/>
-              <a:tabLst/>
-              <a:defRPr/>
-            </a:pPr>
             <a:r>
               <a:rPr lang="en-US" sz="1200">
                 <a:solidFill>
@@ -7500,6 +7487,7 @@
               </a:rPr>
               <a:t>© Copyright Showeet.com – Creative &amp; Free PowerPoint Templates</a:t>
             </a:r>
+            <a:endParaRPr lang="en-US"/>
           </a:p>
         </p:txBody>
       </p:sp>
@@ -7518,78 +7506,19 @@
           <a:bodyPr/>
           <a:lstStyle/>
           <a:p>
-            <a:pPr marL="0" marR="0" lvl="0" indent="0" algn="r" defTabSz="914400" rtl="0" eaLnBrk="1" fontAlgn="auto" latinLnBrk="0" hangingPunct="1">
-              <a:lnSpc>
-                <a:spcPct val="100000"/>
-              </a:lnSpc>
-              <a:spcBef>
-                <a:spcPts val="0"/>
-              </a:spcBef>
-              <a:spcAft>
-                <a:spcPts val="0"/>
-              </a:spcAft>
-              <a:buClrTx/>
-              <a:buSzTx/>
-              <a:buFontTx/>
-              <a:buNone/>
-              <a:tabLst/>
-              <a:defRPr/>
-            </a:pPr>
-            <a:fld id="{06BEB3AE-8E34-4534-922B-E380FB565A43}" type="slidenum">
-              <a:rPr kumimoji="0" lang="en-US" sz="1200" b="0" i="0" u="none" strike="noStrike" kern="1200" cap="none" spc="0" normalizeH="0" baseline="0" noProof="0" smtClean="0">
-                <a:ln>
-                  <a:noFill/>
-                </a:ln>
-                <a:solidFill>
-                  <a:prstClr val="black"/>
-                </a:solidFill>
-                <a:effectLst/>
-                <a:uLnTx/>
-                <a:uFillTx/>
-                <a:latin typeface="Calibri" panose="020F0502020204030204"/>
-                <a:ea typeface="+mn-ea"/>
-                <a:cs typeface="+mn-cs"/>
-              </a:rPr>
-              <a:pPr marL="0" marR="0" lvl="0" indent="0" algn="r" defTabSz="914400" rtl="0" eaLnBrk="1" fontAlgn="auto" latinLnBrk="0" hangingPunct="1">
-                <a:lnSpc>
-                  <a:spcPct val="100000"/>
-                </a:lnSpc>
-                <a:spcBef>
-                  <a:spcPts val="0"/>
-                </a:spcBef>
-                <a:spcAft>
-                  <a:spcPts val="0"/>
-                </a:spcAft>
-                <a:buClrTx/>
-                <a:buSzTx/>
-                <a:buFontTx/>
-                <a:buNone/>
-                <a:tabLst/>
-                <a:defRPr/>
-              </a:pPr>
+            <a:fld id="{2CA3AB2B-189A-4C92-A457-C6A3833631A7}" type="slidenum">
+              <a:rPr lang="en-US" smtClean="0"/>
+              <a:pPr/>
               <a:t>20</a:t>
             </a:fld>
-            <a:endParaRPr kumimoji="0" lang="en-US" sz="1200" b="0" i="0" u="none" strike="noStrike" kern="1200" cap="none" spc="0" normalizeH="0" baseline="0" noProof="0">
-              <a:ln>
-                <a:noFill/>
-              </a:ln>
-              <a:solidFill>
-                <a:prstClr val="black"/>
-              </a:solidFill>
-              <a:effectLst/>
-              <a:uLnTx/>
-              <a:uFillTx/>
-              <a:latin typeface="Calibri" panose="020F0502020204030204"/>
-              <a:ea typeface="+mn-ea"/>
-              <a:cs typeface="+mn-cs"/>
-            </a:endParaRPr>
+            <a:endParaRPr lang="en-US"/>
           </a:p>
         </p:txBody>
       </p:sp>
     </p:spTree>
     <p:extLst>
       <p:ext uri="{BB962C8B-B14F-4D97-AF65-F5344CB8AC3E}">
-        <p14:creationId xmlns:p14="http://schemas.microsoft.com/office/powerpoint/2010/main" val="3325128512"/>
+        <p14:creationId xmlns:p14="http://schemas.microsoft.com/office/powerpoint/2010/main" val="3206035147"/>
       </p:ext>
     </p:extLst>
   </p:cSld>
@@ -7643,23 +7572,6 @@
           <a:bodyPr/>
           <a:lstStyle/>
           <a:p>
-            <a:pPr marL="0" marR="0" lvl="0" indent="0" algn="l" defTabSz="914400" rtl="0" eaLnBrk="1" fontAlgn="auto" latinLnBrk="0" hangingPunct="1">
-              <a:lnSpc>
-                <a:spcPct val="100000"/>
-              </a:lnSpc>
-              <a:spcBef>
-                <a:spcPts val="0"/>
-              </a:spcBef>
-              <a:spcAft>
-                <a:spcPts val="0"/>
-              </a:spcAft>
-              <a:buClrTx/>
-              <a:buSzTx/>
-              <a:buFontTx/>
-              <a:buNone/>
-              <a:tabLst/>
-              <a:defRPr/>
-            </a:pPr>
             <a:r>
               <a:rPr lang="en-US" sz="1200">
                 <a:solidFill>
@@ -7668,6 +7580,7 @@
               </a:rPr>
               <a:t>© Copyright Showeet.com – Creative &amp; Free PowerPoint Templates</a:t>
             </a:r>
+            <a:endParaRPr lang="en-US"/>
           </a:p>
         </p:txBody>
       </p:sp>
@@ -7686,78 +7599,19 @@
           <a:bodyPr/>
           <a:lstStyle/>
           <a:p>
-            <a:pPr marL="0" marR="0" lvl="0" indent="0" algn="r" defTabSz="914400" rtl="0" eaLnBrk="1" fontAlgn="auto" latinLnBrk="0" hangingPunct="1">
-              <a:lnSpc>
-                <a:spcPct val="100000"/>
-              </a:lnSpc>
-              <a:spcBef>
-                <a:spcPts val="0"/>
-              </a:spcBef>
-              <a:spcAft>
-                <a:spcPts val="0"/>
-              </a:spcAft>
-              <a:buClrTx/>
-              <a:buSzTx/>
-              <a:buFontTx/>
-              <a:buNone/>
-              <a:tabLst/>
-              <a:defRPr/>
-            </a:pPr>
-            <a:fld id="{06BEB3AE-8E34-4534-922B-E380FB565A43}" type="slidenum">
-              <a:rPr kumimoji="0" lang="en-US" sz="1200" b="0" i="0" u="none" strike="noStrike" kern="1200" cap="none" spc="0" normalizeH="0" baseline="0" noProof="0" smtClean="0">
-                <a:ln>
-                  <a:noFill/>
-                </a:ln>
-                <a:solidFill>
-                  <a:prstClr val="black"/>
-                </a:solidFill>
-                <a:effectLst/>
-                <a:uLnTx/>
-                <a:uFillTx/>
-                <a:latin typeface="Calibri" panose="020F0502020204030204"/>
-                <a:ea typeface="+mn-ea"/>
-                <a:cs typeface="+mn-cs"/>
-              </a:rPr>
-              <a:pPr marL="0" marR="0" lvl="0" indent="0" algn="r" defTabSz="914400" rtl="0" eaLnBrk="1" fontAlgn="auto" latinLnBrk="0" hangingPunct="1">
-                <a:lnSpc>
-                  <a:spcPct val="100000"/>
-                </a:lnSpc>
-                <a:spcBef>
-                  <a:spcPts val="0"/>
-                </a:spcBef>
-                <a:spcAft>
-                  <a:spcPts val="0"/>
-                </a:spcAft>
-                <a:buClrTx/>
-                <a:buSzTx/>
-                <a:buFontTx/>
-                <a:buNone/>
-                <a:tabLst/>
-                <a:defRPr/>
-              </a:pPr>
+            <a:fld id="{2CA3AB2B-189A-4C92-A457-C6A3833631A7}" type="slidenum">
+              <a:rPr lang="en-US" smtClean="0"/>
+              <a:pPr/>
               <a:t>21</a:t>
             </a:fld>
-            <a:endParaRPr kumimoji="0" lang="en-US" sz="1200" b="0" i="0" u="none" strike="noStrike" kern="1200" cap="none" spc="0" normalizeH="0" baseline="0" noProof="0">
-              <a:ln>
-                <a:noFill/>
-              </a:ln>
-              <a:solidFill>
-                <a:prstClr val="black"/>
-              </a:solidFill>
-              <a:effectLst/>
-              <a:uLnTx/>
-              <a:uFillTx/>
-              <a:latin typeface="Calibri" panose="020F0502020204030204"/>
-              <a:ea typeface="+mn-ea"/>
-              <a:cs typeface="+mn-cs"/>
-            </a:endParaRPr>
+            <a:endParaRPr lang="en-US"/>
           </a:p>
         </p:txBody>
       </p:sp>
     </p:spTree>
     <p:extLst>
       <p:ext uri="{BB962C8B-B14F-4D97-AF65-F5344CB8AC3E}">
-        <p14:creationId xmlns:p14="http://schemas.microsoft.com/office/powerpoint/2010/main" val="1862392583"/>
+        <p14:creationId xmlns:p14="http://schemas.microsoft.com/office/powerpoint/2010/main" val="3828291125"/>
       </p:ext>
     </p:extLst>
   </p:cSld>
@@ -7925,7 +7779,7 @@
     </p:spTree>
     <p:extLst>
       <p:ext uri="{BB962C8B-B14F-4D97-AF65-F5344CB8AC3E}">
-        <p14:creationId xmlns:p14="http://schemas.microsoft.com/office/powerpoint/2010/main" val="1457261396"/>
+        <p14:creationId xmlns:p14="http://schemas.microsoft.com/office/powerpoint/2010/main" val="3325128512"/>
       </p:ext>
     </p:extLst>
   </p:cSld>
@@ -8093,6 +7947,342 @@
     </p:spTree>
     <p:extLst>
       <p:ext uri="{BB962C8B-B14F-4D97-AF65-F5344CB8AC3E}">
+        <p14:creationId xmlns:p14="http://schemas.microsoft.com/office/powerpoint/2010/main" val="1862392583"/>
+      </p:ext>
+    </p:extLst>
+  </p:cSld>
+  <p:clrMapOvr>
+    <a:masterClrMapping/>
+  </p:clrMapOvr>
+</p:notes>
+</file>
+
+<file path=ppt/notesSlides/notesSlide24.xml><?xml version="1.0" encoding="utf-8"?>
+<p:notes xmlns:a="http://schemas.openxmlformats.org/drawingml/2006/main" xmlns:r="http://schemas.openxmlformats.org/officeDocument/2006/relationships" xmlns:p="http://schemas.openxmlformats.org/presentationml/2006/main">
+  <p:cSld>
+    <p:spTree>
+      <p:nvGrpSpPr>
+        <p:cNvPr id="1" name=""/>
+        <p:cNvGrpSpPr/>
+        <p:nvPr/>
+      </p:nvGrpSpPr>
+      <p:grpSpPr>
+        <a:xfrm>
+          <a:off x="0" y="0"/>
+          <a:ext cx="0" cy="0"/>
+          <a:chOff x="0" y="0"/>
+          <a:chExt cx="0" cy="0"/>
+        </a:xfrm>
+      </p:grpSpPr>
+      <p:sp>
+        <p:nvSpPr>
+          <p:cNvPr id="2" name="Slide Image Placeholder 1"/>
+          <p:cNvSpPr>
+            <a:spLocks noGrp="1" noRot="1" noChangeAspect="1"/>
+          </p:cNvSpPr>
+          <p:nvPr>
+            <p:ph type="sldImg"/>
+          </p:nvPr>
+        </p:nvSpPr>
+        <p:spPr/>
+      </p:sp>
+      <p:sp>
+        <p:nvSpPr>
+          <p:cNvPr id="3" name="Notes Placeholder 2"/>
+          <p:cNvSpPr>
+            <a:spLocks noGrp="1"/>
+          </p:cNvSpPr>
+          <p:nvPr>
+            <p:ph type="body" idx="1"/>
+          </p:nvPr>
+        </p:nvSpPr>
+        <p:spPr/>
+        <p:txBody>
+          <a:bodyPr/>
+          <a:lstStyle/>
+          <a:p>
+            <a:pPr marL="0" marR="0" lvl="0" indent="0" algn="l" defTabSz="914400" rtl="0" eaLnBrk="1" fontAlgn="auto" latinLnBrk="0" hangingPunct="1">
+              <a:lnSpc>
+                <a:spcPct val="100000"/>
+              </a:lnSpc>
+              <a:spcBef>
+                <a:spcPts val="0"/>
+              </a:spcBef>
+              <a:spcAft>
+                <a:spcPts val="0"/>
+              </a:spcAft>
+              <a:buClrTx/>
+              <a:buSzTx/>
+              <a:buFontTx/>
+              <a:buNone/>
+              <a:tabLst/>
+              <a:defRPr/>
+            </a:pPr>
+            <a:r>
+              <a:rPr lang="en-US" sz="1200">
+                <a:solidFill>
+                  <a:prstClr val="black"/>
+                </a:solidFill>
+              </a:rPr>
+              <a:t>© Copyright Showeet.com – Creative &amp; Free PowerPoint Templates</a:t>
+            </a:r>
+          </a:p>
+        </p:txBody>
+      </p:sp>
+      <p:sp>
+        <p:nvSpPr>
+          <p:cNvPr id="4" name="Slide Number Placeholder 3"/>
+          <p:cNvSpPr>
+            <a:spLocks noGrp="1"/>
+          </p:cNvSpPr>
+          <p:nvPr>
+            <p:ph type="sldNum" sz="quarter" idx="10"/>
+          </p:nvPr>
+        </p:nvSpPr>
+        <p:spPr/>
+        <p:txBody>
+          <a:bodyPr/>
+          <a:lstStyle/>
+          <a:p>
+            <a:pPr marL="0" marR="0" lvl="0" indent="0" algn="r" defTabSz="914400" rtl="0" eaLnBrk="1" fontAlgn="auto" latinLnBrk="0" hangingPunct="1">
+              <a:lnSpc>
+                <a:spcPct val="100000"/>
+              </a:lnSpc>
+              <a:spcBef>
+                <a:spcPts val="0"/>
+              </a:spcBef>
+              <a:spcAft>
+                <a:spcPts val="0"/>
+              </a:spcAft>
+              <a:buClrTx/>
+              <a:buSzTx/>
+              <a:buFontTx/>
+              <a:buNone/>
+              <a:tabLst/>
+              <a:defRPr/>
+            </a:pPr>
+            <a:fld id="{06BEB3AE-8E34-4534-922B-E380FB565A43}" type="slidenum">
+              <a:rPr kumimoji="0" lang="en-US" sz="1200" b="0" i="0" u="none" strike="noStrike" kern="1200" cap="none" spc="0" normalizeH="0" baseline="0" noProof="0" smtClean="0">
+                <a:ln>
+                  <a:noFill/>
+                </a:ln>
+                <a:solidFill>
+                  <a:prstClr val="black"/>
+                </a:solidFill>
+                <a:effectLst/>
+                <a:uLnTx/>
+                <a:uFillTx/>
+                <a:latin typeface="Calibri" panose="020F0502020204030204"/>
+                <a:ea typeface="+mn-ea"/>
+                <a:cs typeface="+mn-cs"/>
+              </a:rPr>
+              <a:pPr marL="0" marR="0" lvl="0" indent="0" algn="r" defTabSz="914400" rtl="0" eaLnBrk="1" fontAlgn="auto" latinLnBrk="0" hangingPunct="1">
+                <a:lnSpc>
+                  <a:spcPct val="100000"/>
+                </a:lnSpc>
+                <a:spcBef>
+                  <a:spcPts val="0"/>
+                </a:spcBef>
+                <a:spcAft>
+                  <a:spcPts val="0"/>
+                </a:spcAft>
+                <a:buClrTx/>
+                <a:buSzTx/>
+                <a:buFontTx/>
+                <a:buNone/>
+                <a:tabLst/>
+                <a:defRPr/>
+              </a:pPr>
+              <a:t>24</a:t>
+            </a:fld>
+            <a:endParaRPr kumimoji="0" lang="en-US" sz="1200" b="0" i="0" u="none" strike="noStrike" kern="1200" cap="none" spc="0" normalizeH="0" baseline="0" noProof="0">
+              <a:ln>
+                <a:noFill/>
+              </a:ln>
+              <a:solidFill>
+                <a:prstClr val="black"/>
+              </a:solidFill>
+              <a:effectLst/>
+              <a:uLnTx/>
+              <a:uFillTx/>
+              <a:latin typeface="Calibri" panose="020F0502020204030204"/>
+              <a:ea typeface="+mn-ea"/>
+              <a:cs typeface="+mn-cs"/>
+            </a:endParaRPr>
+          </a:p>
+        </p:txBody>
+      </p:sp>
+    </p:spTree>
+    <p:extLst>
+      <p:ext uri="{BB962C8B-B14F-4D97-AF65-F5344CB8AC3E}">
+        <p14:creationId xmlns:p14="http://schemas.microsoft.com/office/powerpoint/2010/main" val="1457261396"/>
+      </p:ext>
+    </p:extLst>
+  </p:cSld>
+  <p:clrMapOvr>
+    <a:masterClrMapping/>
+  </p:clrMapOvr>
+</p:notes>
+</file>
+
+<file path=ppt/notesSlides/notesSlide25.xml><?xml version="1.0" encoding="utf-8"?>
+<p:notes xmlns:a="http://schemas.openxmlformats.org/drawingml/2006/main" xmlns:r="http://schemas.openxmlformats.org/officeDocument/2006/relationships" xmlns:p="http://schemas.openxmlformats.org/presentationml/2006/main">
+  <p:cSld>
+    <p:spTree>
+      <p:nvGrpSpPr>
+        <p:cNvPr id="1" name=""/>
+        <p:cNvGrpSpPr/>
+        <p:nvPr/>
+      </p:nvGrpSpPr>
+      <p:grpSpPr>
+        <a:xfrm>
+          <a:off x="0" y="0"/>
+          <a:ext cx="0" cy="0"/>
+          <a:chOff x="0" y="0"/>
+          <a:chExt cx="0" cy="0"/>
+        </a:xfrm>
+      </p:grpSpPr>
+      <p:sp>
+        <p:nvSpPr>
+          <p:cNvPr id="2" name="Slide Image Placeholder 1"/>
+          <p:cNvSpPr>
+            <a:spLocks noGrp="1" noRot="1" noChangeAspect="1"/>
+          </p:cNvSpPr>
+          <p:nvPr>
+            <p:ph type="sldImg"/>
+          </p:nvPr>
+        </p:nvSpPr>
+        <p:spPr/>
+      </p:sp>
+      <p:sp>
+        <p:nvSpPr>
+          <p:cNvPr id="3" name="Notes Placeholder 2"/>
+          <p:cNvSpPr>
+            <a:spLocks noGrp="1"/>
+          </p:cNvSpPr>
+          <p:nvPr>
+            <p:ph type="body" idx="1"/>
+          </p:nvPr>
+        </p:nvSpPr>
+        <p:spPr/>
+        <p:txBody>
+          <a:bodyPr/>
+          <a:lstStyle/>
+          <a:p>
+            <a:pPr marL="0" marR="0" lvl="0" indent="0" algn="l" defTabSz="914400" rtl="0" eaLnBrk="1" fontAlgn="auto" latinLnBrk="0" hangingPunct="1">
+              <a:lnSpc>
+                <a:spcPct val="100000"/>
+              </a:lnSpc>
+              <a:spcBef>
+                <a:spcPts val="0"/>
+              </a:spcBef>
+              <a:spcAft>
+                <a:spcPts val="0"/>
+              </a:spcAft>
+              <a:buClrTx/>
+              <a:buSzTx/>
+              <a:buFontTx/>
+              <a:buNone/>
+              <a:tabLst/>
+              <a:defRPr/>
+            </a:pPr>
+            <a:r>
+              <a:rPr lang="en-US" sz="1200">
+                <a:solidFill>
+                  <a:prstClr val="black"/>
+                </a:solidFill>
+              </a:rPr>
+              <a:t>© Copyright Showeet.com – Creative &amp; Free PowerPoint Templates</a:t>
+            </a:r>
+          </a:p>
+        </p:txBody>
+      </p:sp>
+      <p:sp>
+        <p:nvSpPr>
+          <p:cNvPr id="4" name="Slide Number Placeholder 3"/>
+          <p:cNvSpPr>
+            <a:spLocks noGrp="1"/>
+          </p:cNvSpPr>
+          <p:nvPr>
+            <p:ph type="sldNum" sz="quarter" idx="10"/>
+          </p:nvPr>
+        </p:nvSpPr>
+        <p:spPr/>
+        <p:txBody>
+          <a:bodyPr/>
+          <a:lstStyle/>
+          <a:p>
+            <a:pPr marL="0" marR="0" lvl="0" indent="0" algn="r" defTabSz="914400" rtl="0" eaLnBrk="1" fontAlgn="auto" latinLnBrk="0" hangingPunct="1">
+              <a:lnSpc>
+                <a:spcPct val="100000"/>
+              </a:lnSpc>
+              <a:spcBef>
+                <a:spcPts val="0"/>
+              </a:spcBef>
+              <a:spcAft>
+                <a:spcPts val="0"/>
+              </a:spcAft>
+              <a:buClrTx/>
+              <a:buSzTx/>
+              <a:buFontTx/>
+              <a:buNone/>
+              <a:tabLst/>
+              <a:defRPr/>
+            </a:pPr>
+            <a:fld id="{06BEB3AE-8E34-4534-922B-E380FB565A43}" type="slidenum">
+              <a:rPr kumimoji="0" lang="en-US" sz="1200" b="0" i="0" u="none" strike="noStrike" kern="1200" cap="none" spc="0" normalizeH="0" baseline="0" noProof="0" smtClean="0">
+                <a:ln>
+                  <a:noFill/>
+                </a:ln>
+                <a:solidFill>
+                  <a:prstClr val="black"/>
+                </a:solidFill>
+                <a:effectLst/>
+                <a:uLnTx/>
+                <a:uFillTx/>
+                <a:latin typeface="Calibri" panose="020F0502020204030204"/>
+                <a:ea typeface="+mn-ea"/>
+                <a:cs typeface="+mn-cs"/>
+              </a:rPr>
+              <a:pPr marL="0" marR="0" lvl="0" indent="0" algn="r" defTabSz="914400" rtl="0" eaLnBrk="1" fontAlgn="auto" latinLnBrk="0" hangingPunct="1">
+                <a:lnSpc>
+                  <a:spcPct val="100000"/>
+                </a:lnSpc>
+                <a:spcBef>
+                  <a:spcPts val="0"/>
+                </a:spcBef>
+                <a:spcAft>
+                  <a:spcPts val="0"/>
+                </a:spcAft>
+                <a:buClrTx/>
+                <a:buSzTx/>
+                <a:buFontTx/>
+                <a:buNone/>
+                <a:tabLst/>
+                <a:defRPr/>
+              </a:pPr>
+              <a:t>25</a:t>
+            </a:fld>
+            <a:endParaRPr kumimoji="0" lang="en-US" sz="1200" b="0" i="0" u="none" strike="noStrike" kern="1200" cap="none" spc="0" normalizeH="0" baseline="0" noProof="0">
+              <a:ln>
+                <a:noFill/>
+              </a:ln>
+              <a:solidFill>
+                <a:prstClr val="black"/>
+              </a:solidFill>
+              <a:effectLst/>
+              <a:uLnTx/>
+              <a:uFillTx/>
+              <a:latin typeface="Calibri" panose="020F0502020204030204"/>
+              <a:ea typeface="+mn-ea"/>
+              <a:cs typeface="+mn-cs"/>
+            </a:endParaRPr>
+          </a:p>
+        </p:txBody>
+      </p:sp>
+    </p:spTree>
+    <p:extLst>
+      <p:ext uri="{BB962C8B-B14F-4D97-AF65-F5344CB8AC3E}">
         <p14:creationId xmlns:p14="http://schemas.microsoft.com/office/powerpoint/2010/main" val="2390194218"/>
       </p:ext>
     </p:extLst>
@@ -8103,7 +8293,7 @@
 </p:notes>
 </file>
 
-<file path=ppt/notesSlides/notesSlide24.xml><?xml version="1.0" encoding="utf-8"?>
+<file path=ppt/notesSlides/notesSlide26.xml><?xml version="1.0" encoding="utf-8"?>
 <p:notes xmlns:a="http://schemas.openxmlformats.org/drawingml/2006/main" xmlns:r="http://schemas.openxmlformats.org/officeDocument/2006/relationships" xmlns:p="http://schemas.openxmlformats.org/presentationml/2006/main">
   <p:cSld>
     <p:spTree>
@@ -8177,7 +8367,7 @@
             <a:fld id="{2CA3AB2B-189A-4C92-A457-C6A3833631A7}" type="slidenum">
               <a:rPr lang="en-US" smtClean="0"/>
               <a:pPr/>
-              <a:t>24</a:t>
+              <a:t>26</a:t>
             </a:fld>
             <a:endParaRPr lang="en-US"/>
           </a:p>
@@ -8524,31 +8714,32 @@
                 <a:effectLst/>
                 <a:latin typeface="PT Sans"/>
               </a:rPr>
-              <a:t>Ces boutons se ressemblent, mais ils sont censés effectuer des actions différentes. On peut imagine que le plus simple serait de créer des classes enfant qui hériteraient de la classe </a:t>
+              <a:t>Ces boutons se ressemblent, mais ils sont censés effectuer des actions différentes. On peut imaginer que le plus simple serait de créer des classes enfants qui hériteraient de la classe Bouton. Ces classes enfants vont contenir le code exécuté lors d’un clic sur un bouton.</a:t>
             </a:r>
-            <a:r>
-              <a:rPr lang="fr-FR" b="0" i="0">
-                <a:solidFill>
-                  <a:srgbClr val="444444"/>
-                </a:solidFill>
-                <a:effectLst/>
-                <a:latin typeface="PT Sans"/>
-              </a:rPr>
-              <a:t>Bouton.Ces</a:t>
-            </a:r>
-            <a:r>
-              <a:rPr lang="fr-FR" b="0" i="0" dirty="0">
-                <a:solidFill>
-                  <a:srgbClr val="444444"/>
-                </a:solidFill>
-                <a:effectLst/>
-                <a:latin typeface="PT Sans"/>
-              </a:rPr>
-              <a:t> sous-classes vont contenir le code exécuté lors d’un clic sur un bouton.</a:t>
-            </a:r>
+          </a:p>
+          <a:p>
             <a:endParaRPr lang="fr-FR" dirty="0"/>
           </a:p>
           <a:p>
+            <a:r>
+              <a:rPr lang="fr-FR" dirty="0"/>
+              <a:t>On peut remarquer que cette approche comporte pas mal de défauts! </a:t>
+            </a:r>
+          </a:p>
+          <a:p>
+            <a:r>
+              <a:rPr lang="fr-FR" dirty="0"/>
+              <a:t>D’abord, on crée énormément de classes filles. A chaque modification de la classe Bouton, on augmente les risques de créer des effets de bords non désirés sur les classes qui en héritent. </a:t>
+            </a:r>
+          </a:p>
+          <a:p>
+            <a:endParaRPr lang="fr-FR" dirty="0"/>
+          </a:p>
+          <a:p>
+            <a:r>
+              <a:rPr lang="fr-FR" dirty="0"/>
+              <a:t>Du coup, notre interface graphique devient un peu trop dépendante du code volatile de la logique métier.</a:t>
+            </a:r>
             <a:endParaRPr lang="en-US" dirty="0"/>
           </a:p>
         </p:txBody>
@@ -8635,14 +8826,34 @@
           <a:lstStyle/>
           <a:p>
             <a:r>
-              <a:rPr lang="en-US" sz="1200">
+              <a:rPr lang="fr-FR" sz="1200" dirty="0">
                 <a:solidFill>
                   <a:prstClr val="black"/>
                 </a:solidFill>
               </a:rPr>
-              <a:t>© Copyright Showeet.com – Creative &amp; Free PowerPoint Templates</a:t>
+              <a:t>Second défaut majeur, certaines opérations doivent être appelées depuis différents endroits. Par exemple, pour mettre en gras du texte.</a:t>
             </a:r>
-            <a:endParaRPr lang="en-US"/>
+          </a:p>
+          <a:p>
+            <a:r>
+              <a:rPr lang="fr-FR" sz="1200" dirty="0">
+                <a:solidFill>
+                  <a:prstClr val="black"/>
+                </a:solidFill>
+              </a:rPr>
+              <a:t>Si nous n’avions qu’une barre d’outils, il n’y aurait aucun problème à implémenter les différentes actions dans les classes filles du bouton correspondantes. </a:t>
+            </a:r>
+          </a:p>
+          <a:p>
+            <a:r>
+              <a:rPr lang="fr-FR" sz="1200" dirty="0">
+                <a:solidFill>
+                  <a:prstClr val="black"/>
+                </a:solidFill>
+              </a:rPr>
+              <a:t>Mais ici, on peut voir que pour mettre du texte en gras, on peut utiliser 4 biais différents (au minimum) On devrait donc dupliquer le code de ces actions dans plusieurs classes ou rendre les menus dépendants des boutons, ce qui serait encore pire !</a:t>
+            </a:r>
+            <a:endParaRPr lang="en-US" dirty="0"/>
           </a:p>
         </p:txBody>
       </p:sp>
@@ -8728,14 +8939,9 @@
           <a:lstStyle/>
           <a:p>
             <a:r>
-              <a:rPr lang="en-US" sz="1200">
-                <a:solidFill>
-                  <a:prstClr val="black"/>
-                </a:solidFill>
-              </a:rPr>
-              <a:t>© Copyright Showeet.com – Creative &amp; Free PowerPoint Templates</a:t>
+              <a:rPr lang="fr-FR" noProof="0" dirty="0"/>
+              <a:t>Nous allons donc aborder les solutions plus tard dans la présentation !</a:t>
             </a:r>
-            <a:endParaRPr lang="en-US"/>
           </a:p>
         </p:txBody>
       </p:sp>
@@ -8766,7 +8972,7 @@
     </p:spTree>
     <p:extLst>
       <p:ext uri="{BB962C8B-B14F-4D97-AF65-F5344CB8AC3E}">
-        <p14:creationId xmlns:p14="http://schemas.microsoft.com/office/powerpoint/2010/main" val="590651591"/>
+        <p14:creationId xmlns:p14="http://schemas.microsoft.com/office/powerpoint/2010/main" val="1294863691"/>
       </p:ext>
     </p:extLst>
   </p:cSld>
@@ -8821,14 +9027,17 @@
           <a:lstStyle/>
           <a:p>
             <a:r>
-              <a:rPr lang="en-US" sz="1200">
-                <a:solidFill>
-                  <a:prstClr val="black"/>
-                </a:solidFill>
-              </a:rPr>
-              <a:t>© Copyright Showeet.com – Creative &amp; Free PowerPoint Templates</a:t>
+              <a:rPr lang="fr-FR" dirty="0"/>
+              <a:t>On repart </a:t>
             </a:r>
-            <a:endParaRPr lang="en-US"/>
+            <a:r>
+              <a:rPr lang="fr-FR"/>
+              <a:t>sur Word !</a:t>
+            </a:r>
+            <a:endParaRPr lang="fr-FR" dirty="0"/>
+          </a:p>
+          <a:p>
+            <a:endParaRPr lang="en-US" dirty="0"/>
           </a:p>
         </p:txBody>
       </p:sp>
@@ -8859,7 +9068,7 @@
     </p:spTree>
     <p:extLst>
       <p:ext uri="{BB962C8B-B14F-4D97-AF65-F5344CB8AC3E}">
-        <p14:creationId xmlns:p14="http://schemas.microsoft.com/office/powerpoint/2010/main" val="852387929"/>
+        <p14:creationId xmlns:p14="http://schemas.microsoft.com/office/powerpoint/2010/main" val="1429421734"/>
       </p:ext>
     </p:extLst>
   </p:cSld>
@@ -27285,6 +27494,304 @@
 <file path=ppt/slides/slide10.xml><?xml version="1.0" encoding="utf-8"?>
 <p:sld xmlns:a="http://schemas.openxmlformats.org/drawingml/2006/main" xmlns:r="http://schemas.openxmlformats.org/officeDocument/2006/relationships" xmlns:p="http://schemas.openxmlformats.org/presentationml/2006/main">
   <p:cSld>
+    <p:bg>
+      <p:bgPr>
+        <a:solidFill>
+          <a:srgbClr val="403551"/>
+        </a:solidFill>
+        <a:effectLst/>
+      </p:bgPr>
+    </p:bg>
+    <p:spTree>
+      <p:nvGrpSpPr>
+        <p:cNvPr id="1" name=""/>
+        <p:cNvGrpSpPr/>
+        <p:nvPr/>
+      </p:nvGrpSpPr>
+      <p:grpSpPr>
+        <a:xfrm>
+          <a:off x="0" y="0"/>
+          <a:ext cx="0" cy="0"/>
+          <a:chOff x="0" y="0"/>
+          <a:chExt cx="0" cy="0"/>
+        </a:xfrm>
+      </p:grpSpPr>
+      <p:sp>
+        <p:nvSpPr>
+          <p:cNvPr id="2" name="Title 1"/>
+          <p:cNvSpPr>
+            <a:spLocks noGrp="1"/>
+          </p:cNvSpPr>
+          <p:nvPr>
+            <p:ph type="title"/>
+          </p:nvPr>
+        </p:nvSpPr>
+        <p:spPr/>
+        <p:txBody>
+          <a:bodyPr/>
+          <a:lstStyle/>
+          <a:p>
+            <a:r>
+              <a:rPr lang="fr-FR" dirty="0"/>
+              <a:t>Présentation du </a:t>
+            </a:r>
+            <a:br>
+              <a:rPr lang="fr-FR" dirty="0"/>
+            </a:br>
+            <a:r>
+              <a:rPr lang="fr-FR" dirty="0"/>
+              <a:t>pattern command</a:t>
+            </a:r>
+          </a:p>
+        </p:txBody>
+      </p:sp>
+      <p:sp>
+        <p:nvSpPr>
+          <p:cNvPr id="16" name="Text Placeholder 15"/>
+          <p:cNvSpPr>
+            <a:spLocks noGrp="1"/>
+          </p:cNvSpPr>
+          <p:nvPr>
+            <p:ph type="body" idx="1"/>
+          </p:nvPr>
+        </p:nvSpPr>
+        <p:spPr/>
+        <p:txBody>
+          <a:bodyPr>
+            <a:noAutofit/>
+          </a:bodyPr>
+          <a:lstStyle/>
+          <a:p>
+            <a:r>
+              <a:rPr lang="fr-FR" dirty="0"/>
+              <a:t>« Cuisine, une sauvegarde pour la 4 s’il vous plait ! »</a:t>
+            </a:r>
+          </a:p>
+        </p:txBody>
+      </p:sp>
+      <p:sp>
+        <p:nvSpPr>
+          <p:cNvPr id="38" name="Date Placeholder 37">
+            <a:extLst>
+              <a:ext uri="{FF2B5EF4-FFF2-40B4-BE49-F238E27FC236}">
+                <a16:creationId xmlns:a16="http://schemas.microsoft.com/office/drawing/2014/main" id="{214893A6-5453-4772-A5C3-6E8247B9F7F7}"/>
+              </a:ext>
+            </a:extLst>
+          </p:cNvPr>
+          <p:cNvSpPr>
+            <a:spLocks noGrp="1"/>
+          </p:cNvSpPr>
+          <p:nvPr>
+            <p:ph type="dt" sz="half" idx="10"/>
+          </p:nvPr>
+        </p:nvSpPr>
+        <p:spPr/>
+        <p:txBody>
+          <a:bodyPr/>
+          <a:lstStyle/>
+          <a:p>
+            <a:r>
+              <a:rPr lang="fr-FR"/>
+              <a:t>04 février 2021</a:t>
+            </a:r>
+            <a:endParaRPr lang="en-US"/>
+          </a:p>
+        </p:txBody>
+      </p:sp>
+      <p:sp>
+        <p:nvSpPr>
+          <p:cNvPr id="39" name="Footer Placeholder 38">
+            <a:extLst>
+              <a:ext uri="{FF2B5EF4-FFF2-40B4-BE49-F238E27FC236}">
+                <a16:creationId xmlns:a16="http://schemas.microsoft.com/office/drawing/2014/main" id="{19A88EA5-E6FB-4BFB-9421-CB6C4447B890}"/>
+              </a:ext>
+            </a:extLst>
+          </p:cNvPr>
+          <p:cNvSpPr>
+            <a:spLocks noGrp="1"/>
+          </p:cNvSpPr>
+          <p:nvPr>
+            <p:ph type="ftr" sz="quarter" idx="11"/>
+          </p:nvPr>
+        </p:nvSpPr>
+        <p:spPr/>
+        <p:txBody>
+          <a:bodyPr/>
+          <a:lstStyle/>
+          <a:p>
+            <a:r>
+              <a:rPr lang="fr-FR"/>
+              <a:t>Command &amp; Memento - Aurélien BOUDIER</a:t>
+            </a:r>
+            <a:endParaRPr lang="en-US"/>
+          </a:p>
+        </p:txBody>
+      </p:sp>
+    </p:spTree>
+    <p:extLst>
+      <p:ext uri="{BB962C8B-B14F-4D97-AF65-F5344CB8AC3E}">
+        <p14:creationId xmlns:p14="http://schemas.microsoft.com/office/powerpoint/2010/main" val="2194463738"/>
+      </p:ext>
+    </p:extLst>
+  </p:cSld>
+  <p:clrMapOvr>
+    <a:masterClrMapping/>
+  </p:clrMapOvr>
+</p:sld>
+</file>
+
+<file path=ppt/slides/slide11.xml><?xml version="1.0" encoding="utf-8"?>
+<p:sld xmlns:a="http://schemas.openxmlformats.org/drawingml/2006/main" xmlns:r="http://schemas.openxmlformats.org/officeDocument/2006/relationships" xmlns:p="http://schemas.openxmlformats.org/presentationml/2006/main">
+  <p:cSld>
+    <p:spTree>
+      <p:nvGrpSpPr>
+        <p:cNvPr id="1" name=""/>
+        <p:cNvGrpSpPr/>
+        <p:nvPr/>
+      </p:nvGrpSpPr>
+      <p:grpSpPr>
+        <a:xfrm>
+          <a:off x="0" y="0"/>
+          <a:ext cx="0" cy="0"/>
+          <a:chOff x="0" y="0"/>
+          <a:chExt cx="0" cy="0"/>
+        </a:xfrm>
+      </p:grpSpPr>
+      <p:sp>
+        <p:nvSpPr>
+          <p:cNvPr id="2" name="Title 1"/>
+          <p:cNvSpPr>
+            <a:spLocks noGrp="1"/>
+          </p:cNvSpPr>
+          <p:nvPr>
+            <p:ph type="title"/>
+          </p:nvPr>
+        </p:nvSpPr>
+        <p:spPr/>
+        <p:txBody>
+          <a:bodyPr/>
+          <a:lstStyle/>
+          <a:p>
+            <a:r>
+              <a:rPr lang="fr-FR" dirty="0"/>
+              <a:t>Présentation du </a:t>
+            </a:r>
+            <a:br>
+              <a:rPr lang="fr-FR" dirty="0"/>
+            </a:br>
+            <a:r>
+              <a:rPr lang="fr-FR" dirty="0"/>
+              <a:t>pattern memento</a:t>
+            </a:r>
+          </a:p>
+        </p:txBody>
+      </p:sp>
+      <p:sp>
+        <p:nvSpPr>
+          <p:cNvPr id="16" name="Text Placeholder 15"/>
+          <p:cNvSpPr>
+            <a:spLocks noGrp="1"/>
+          </p:cNvSpPr>
+          <p:nvPr>
+            <p:ph type="body" idx="1"/>
+          </p:nvPr>
+        </p:nvSpPr>
+        <p:spPr/>
+        <p:txBody>
+          <a:bodyPr>
+            <a:noAutofit/>
+          </a:bodyPr>
+          <a:lstStyle/>
+          <a:p>
+            <a:r>
+              <a:rPr lang="fr-FR" dirty="0"/>
+              <a:t>La mémoire est mère de la sagesse !</a:t>
+            </a:r>
+          </a:p>
+        </p:txBody>
+      </p:sp>
+      <p:sp>
+        <p:nvSpPr>
+          <p:cNvPr id="38" name="Date Placeholder 37">
+            <a:extLst>
+              <a:ext uri="{FF2B5EF4-FFF2-40B4-BE49-F238E27FC236}">
+                <a16:creationId xmlns:a16="http://schemas.microsoft.com/office/drawing/2014/main" id="{214893A6-5453-4772-A5C3-6E8247B9F7F7}"/>
+              </a:ext>
+            </a:extLst>
+          </p:cNvPr>
+          <p:cNvSpPr>
+            <a:spLocks noGrp="1"/>
+          </p:cNvSpPr>
+          <p:nvPr>
+            <p:ph type="dt" sz="half" idx="10"/>
+          </p:nvPr>
+        </p:nvSpPr>
+        <p:spPr/>
+        <p:txBody>
+          <a:bodyPr/>
+          <a:lstStyle/>
+          <a:p>
+            <a:r>
+              <a:rPr lang="fr-FR"/>
+              <a:t>04 février 2021</a:t>
+            </a:r>
+            <a:endParaRPr lang="en-US"/>
+          </a:p>
+        </p:txBody>
+      </p:sp>
+      <p:sp>
+        <p:nvSpPr>
+          <p:cNvPr id="39" name="Footer Placeholder 38">
+            <a:extLst>
+              <a:ext uri="{FF2B5EF4-FFF2-40B4-BE49-F238E27FC236}">
+                <a16:creationId xmlns:a16="http://schemas.microsoft.com/office/drawing/2014/main" id="{19A88EA5-E6FB-4BFB-9421-CB6C4447B890}"/>
+              </a:ext>
+            </a:extLst>
+          </p:cNvPr>
+          <p:cNvSpPr>
+            <a:spLocks noGrp="1"/>
+          </p:cNvSpPr>
+          <p:nvPr>
+            <p:ph type="ftr" sz="quarter" idx="11"/>
+          </p:nvPr>
+        </p:nvSpPr>
+        <p:spPr/>
+        <p:txBody>
+          <a:bodyPr/>
+          <a:lstStyle/>
+          <a:p>
+            <a:r>
+              <a:rPr lang="fr-FR"/>
+              <a:t>Command &amp; Memento - Aurélien BOUDIER</a:t>
+            </a:r>
+            <a:endParaRPr lang="en-US"/>
+          </a:p>
+        </p:txBody>
+      </p:sp>
+    </p:spTree>
+    <p:extLst>
+      <p:ext uri="{BB962C8B-B14F-4D97-AF65-F5344CB8AC3E}">
+        <p14:creationId xmlns:p14="http://schemas.microsoft.com/office/powerpoint/2010/main" val="3399286523"/>
+      </p:ext>
+    </p:extLst>
+  </p:cSld>
+  <p:clrMapOvr>
+    <a:masterClrMapping/>
+  </p:clrMapOvr>
+</p:sld>
+</file>
+
+<file path=ppt/slides/slide12.xml><?xml version="1.0" encoding="utf-8"?>
+<p:sld xmlns:a="http://schemas.openxmlformats.org/drawingml/2006/main" xmlns:r="http://schemas.openxmlformats.org/officeDocument/2006/relationships" xmlns:p="http://schemas.openxmlformats.org/presentationml/2006/main">
+  <p:cSld>
+    <p:bg>
+      <p:bgPr>
+        <a:solidFill>
+          <a:srgbClr val="403551"/>
+        </a:solidFill>
+        <a:effectLst/>
+      </p:bgPr>
+    </p:bg>
     <p:spTree>
       <p:nvGrpSpPr>
         <p:cNvPr id="1" name=""/>
@@ -27423,7 +27930,7 @@
 </p:sld>
 </file>
 
-<file path=ppt/slides/slide11.xml><?xml version="1.0" encoding="utf-8"?>
+<file path=ppt/slides/slide13.xml><?xml version="1.0" encoding="utf-8"?>
 <p:sld xmlns:a="http://schemas.openxmlformats.org/drawingml/2006/main" xmlns:r="http://schemas.openxmlformats.org/officeDocument/2006/relationships" xmlns:p="http://schemas.openxmlformats.org/presentationml/2006/main">
   <p:cSld>
     <p:spTree>
@@ -27533,7 +28040,7 @@
 </p:sld>
 </file>
 
-<file path=ppt/slides/slide12.xml><?xml version="1.0" encoding="utf-8"?>
+<file path=ppt/slides/slide14.xml><?xml version="1.0" encoding="utf-8"?>
 <p:sld xmlns:a="http://schemas.openxmlformats.org/drawingml/2006/main" xmlns:r="http://schemas.openxmlformats.org/officeDocument/2006/relationships" xmlns:p="http://schemas.openxmlformats.org/presentationml/2006/main">
   <p:cSld>
     <p:spTree>
@@ -27675,7 +28182,7 @@
 </p:sld>
 </file>
 
-<file path=ppt/slides/slide13.xml><?xml version="1.0" encoding="utf-8"?>
+<file path=ppt/slides/slide15.xml><?xml version="1.0" encoding="utf-8"?>
 <p:sld xmlns:a="http://schemas.openxmlformats.org/drawingml/2006/main" xmlns:r="http://schemas.openxmlformats.org/officeDocument/2006/relationships" xmlns:p="http://schemas.openxmlformats.org/presentationml/2006/main">
   <p:cSld>
     <p:spTree>
@@ -27921,7 +28428,7 @@
 </p:sld>
 </file>
 
-<file path=ppt/slides/slide14.xml><?xml version="1.0" encoding="utf-8"?>
+<file path=ppt/slides/slide16.xml><?xml version="1.0" encoding="utf-8"?>
 <p:sld xmlns:a="http://schemas.openxmlformats.org/drawingml/2006/main" xmlns:r="http://schemas.openxmlformats.org/officeDocument/2006/relationships" xmlns:p="http://schemas.openxmlformats.org/presentationml/2006/main">
   <p:cSld>
     <p:spTree>
@@ -28158,7 +28665,7 @@
 </p:sld>
 </file>
 
-<file path=ppt/slides/slide15.xml><?xml version="1.0" encoding="utf-8"?>
+<file path=ppt/slides/slide17.xml><?xml version="1.0" encoding="utf-8"?>
 <p:sld xmlns:a="http://schemas.openxmlformats.org/drawingml/2006/main" xmlns:r="http://schemas.openxmlformats.org/officeDocument/2006/relationships" xmlns:p="http://schemas.openxmlformats.org/presentationml/2006/main">
   <p:cSld>
     <p:spTree>
@@ -28371,7 +28878,7 @@
 </p:sld>
 </file>
 
-<file path=ppt/slides/slide16.xml><?xml version="1.0" encoding="utf-8"?>
+<file path=ppt/slides/slide18.xml><?xml version="1.0" encoding="utf-8"?>
 <p:sld xmlns:a="http://schemas.openxmlformats.org/drawingml/2006/main" xmlns:r="http://schemas.openxmlformats.org/officeDocument/2006/relationships" xmlns:p="http://schemas.openxmlformats.org/presentationml/2006/main">
   <p:cSld>
     <p:spTree>
@@ -28533,7 +29040,7 @@
 </p:sld>
 </file>
 
-<file path=ppt/slides/slide17.xml><?xml version="1.0" encoding="utf-8"?>
+<file path=ppt/slides/slide19.xml><?xml version="1.0" encoding="utf-8"?>
 <p:sld xmlns:a="http://schemas.openxmlformats.org/drawingml/2006/main" xmlns:r="http://schemas.openxmlformats.org/officeDocument/2006/relationships" xmlns:p="http://schemas.openxmlformats.org/presentationml/2006/main">
   <p:cSld>
     <p:spTree>
@@ -28677,7 +29184,141 @@
 </p:sld>
 </file>
 
-<file path=ppt/slides/slide18.xml><?xml version="1.0" encoding="utf-8"?>
+<file path=ppt/slides/slide2.xml><?xml version="1.0" encoding="utf-8"?>
+<p:sld xmlns:a="http://schemas.openxmlformats.org/drawingml/2006/main" xmlns:r="http://schemas.openxmlformats.org/officeDocument/2006/relationships" xmlns:p="http://schemas.openxmlformats.org/presentationml/2006/main">
+  <p:cSld>
+    <p:spTree>
+      <p:nvGrpSpPr>
+        <p:cNvPr id="1" name=""/>
+        <p:cNvGrpSpPr/>
+        <p:nvPr/>
+      </p:nvGrpSpPr>
+      <p:grpSpPr>
+        <a:xfrm>
+          <a:off x="0" y="0"/>
+          <a:ext cx="0" cy="0"/>
+          <a:chOff x="0" y="0"/>
+          <a:chExt cx="0" cy="0"/>
+        </a:xfrm>
+      </p:grpSpPr>
+      <p:sp>
+        <p:nvSpPr>
+          <p:cNvPr id="2" name="Title 1"/>
+          <p:cNvSpPr>
+            <a:spLocks noGrp="1"/>
+          </p:cNvSpPr>
+          <p:nvPr>
+            <p:ph type="title"/>
+          </p:nvPr>
+        </p:nvSpPr>
+        <p:spPr/>
+        <p:txBody>
+          <a:bodyPr/>
+          <a:lstStyle/>
+          <a:p>
+            <a:r>
+              <a:rPr lang="en-US" dirty="0"/>
+              <a:t>Welcome !</a:t>
+            </a:r>
+          </a:p>
+        </p:txBody>
+      </p:sp>
+      <p:sp>
+        <p:nvSpPr>
+          <p:cNvPr id="16" name="Text Placeholder 15"/>
+          <p:cNvSpPr>
+            <a:spLocks noGrp="1"/>
+          </p:cNvSpPr>
+          <p:nvPr>
+            <p:ph type="body" idx="1"/>
+          </p:nvPr>
+        </p:nvSpPr>
+        <p:spPr/>
+        <p:txBody>
+          <a:bodyPr>
+            <a:noAutofit/>
+          </a:bodyPr>
+          <a:lstStyle/>
+          <a:p>
+            <a:r>
+              <a:rPr lang="fr-FR" dirty="0"/>
+              <a:t>Merci pour votre présence</a:t>
+            </a:r>
+          </a:p>
+        </p:txBody>
+      </p:sp>
+      <p:sp>
+        <p:nvSpPr>
+          <p:cNvPr id="38" name="Date Placeholder 37">
+            <a:extLst>
+              <a:ext uri="{FF2B5EF4-FFF2-40B4-BE49-F238E27FC236}">
+                <a16:creationId xmlns:a16="http://schemas.microsoft.com/office/drawing/2014/main" id="{214893A6-5453-4772-A5C3-6E8247B9F7F7}"/>
+              </a:ext>
+            </a:extLst>
+          </p:cNvPr>
+          <p:cNvSpPr>
+            <a:spLocks noGrp="1"/>
+          </p:cNvSpPr>
+          <p:nvPr>
+            <p:ph type="dt" sz="half" idx="10"/>
+          </p:nvPr>
+        </p:nvSpPr>
+        <p:spPr/>
+        <p:txBody>
+          <a:bodyPr/>
+          <a:lstStyle/>
+          <a:p>
+            <a:r>
+              <a:rPr lang="fr-FR"/>
+              <a:t>04 février 2021</a:t>
+            </a:r>
+            <a:endParaRPr lang="en-US"/>
+          </a:p>
+        </p:txBody>
+      </p:sp>
+      <p:sp>
+        <p:nvSpPr>
+          <p:cNvPr id="39" name="Footer Placeholder 38">
+            <a:extLst>
+              <a:ext uri="{FF2B5EF4-FFF2-40B4-BE49-F238E27FC236}">
+                <a16:creationId xmlns:a16="http://schemas.microsoft.com/office/drawing/2014/main" id="{19A88EA5-E6FB-4BFB-9421-CB6C4447B890}"/>
+              </a:ext>
+            </a:extLst>
+          </p:cNvPr>
+          <p:cNvSpPr>
+            <a:spLocks noGrp="1"/>
+          </p:cNvSpPr>
+          <p:nvPr>
+            <p:ph type="ftr" sz="quarter" idx="11"/>
+          </p:nvPr>
+        </p:nvSpPr>
+        <p:spPr/>
+        <p:txBody>
+          <a:bodyPr/>
+          <a:lstStyle/>
+          <a:p>
+            <a:r>
+              <a:rPr lang="fr-FR"/>
+              <a:t>Command &amp; Memento - Aurélien BOUDIER</a:t>
+            </a:r>
+            <a:endParaRPr lang="en-US"/>
+          </a:p>
+        </p:txBody>
+      </p:sp>
+    </p:spTree>
+    <p:extLst>
+      <p:ext uri="{BB962C8B-B14F-4D97-AF65-F5344CB8AC3E}">
+        <p14:creationId xmlns:p14="http://schemas.microsoft.com/office/powerpoint/2010/main" val="289086864"/>
+      </p:ext>
+    </p:extLst>
+  </p:cSld>
+  <p:clrMapOvr>
+    <a:masterClrMapping/>
+  </p:clrMapOvr>
+</p:sld>
+</file>
+
+<file path=ppt/slides/slide20.xml><?xml version="1.0" encoding="utf-8"?>
 <p:sld xmlns:a="http://schemas.openxmlformats.org/drawingml/2006/main" xmlns:r="http://schemas.openxmlformats.org/officeDocument/2006/relationships" xmlns:p="http://schemas.openxmlformats.org/presentationml/2006/main">
   <p:cSld>
     <p:spTree>
@@ -28831,7 +29472,7 @@
 </p:sld>
 </file>
 
-<file path=ppt/slides/slide19.xml><?xml version="1.0" encoding="utf-8"?>
+<file path=ppt/slides/slide21.xml><?xml version="1.0" encoding="utf-8"?>
 <p:sld xmlns:a="http://schemas.openxmlformats.org/drawingml/2006/main" xmlns:r="http://schemas.openxmlformats.org/officeDocument/2006/relationships" xmlns:p="http://schemas.openxmlformats.org/presentationml/2006/main">
   <p:cSld>
     <p:spTree>
@@ -31805,141 +32446,7 @@
 </p:sld>
 </file>
 
-<file path=ppt/slides/slide2.xml><?xml version="1.0" encoding="utf-8"?>
-<p:sld xmlns:a="http://schemas.openxmlformats.org/drawingml/2006/main" xmlns:r="http://schemas.openxmlformats.org/officeDocument/2006/relationships" xmlns:p="http://schemas.openxmlformats.org/presentationml/2006/main">
-  <p:cSld>
-    <p:spTree>
-      <p:nvGrpSpPr>
-        <p:cNvPr id="1" name=""/>
-        <p:cNvGrpSpPr/>
-        <p:nvPr/>
-      </p:nvGrpSpPr>
-      <p:grpSpPr>
-        <a:xfrm>
-          <a:off x="0" y="0"/>
-          <a:ext cx="0" cy="0"/>
-          <a:chOff x="0" y="0"/>
-          <a:chExt cx="0" cy="0"/>
-        </a:xfrm>
-      </p:grpSpPr>
-      <p:sp>
-        <p:nvSpPr>
-          <p:cNvPr id="2" name="Title 1"/>
-          <p:cNvSpPr>
-            <a:spLocks noGrp="1"/>
-          </p:cNvSpPr>
-          <p:nvPr>
-            <p:ph type="title"/>
-          </p:nvPr>
-        </p:nvSpPr>
-        <p:spPr/>
-        <p:txBody>
-          <a:bodyPr/>
-          <a:lstStyle/>
-          <a:p>
-            <a:r>
-              <a:rPr lang="en-US" dirty="0"/>
-              <a:t>Welcome !</a:t>
-            </a:r>
-          </a:p>
-        </p:txBody>
-      </p:sp>
-      <p:sp>
-        <p:nvSpPr>
-          <p:cNvPr id="16" name="Text Placeholder 15"/>
-          <p:cNvSpPr>
-            <a:spLocks noGrp="1"/>
-          </p:cNvSpPr>
-          <p:nvPr>
-            <p:ph type="body" idx="1"/>
-          </p:nvPr>
-        </p:nvSpPr>
-        <p:spPr/>
-        <p:txBody>
-          <a:bodyPr>
-            <a:noAutofit/>
-          </a:bodyPr>
-          <a:lstStyle/>
-          <a:p>
-            <a:r>
-              <a:rPr lang="fr-FR" dirty="0"/>
-              <a:t>Merci pour votre présence</a:t>
-            </a:r>
-          </a:p>
-        </p:txBody>
-      </p:sp>
-      <p:sp>
-        <p:nvSpPr>
-          <p:cNvPr id="38" name="Date Placeholder 37">
-            <a:extLst>
-              <a:ext uri="{FF2B5EF4-FFF2-40B4-BE49-F238E27FC236}">
-                <a16:creationId xmlns:a16="http://schemas.microsoft.com/office/drawing/2014/main" id="{214893A6-5453-4772-A5C3-6E8247B9F7F7}"/>
-              </a:ext>
-            </a:extLst>
-          </p:cNvPr>
-          <p:cNvSpPr>
-            <a:spLocks noGrp="1"/>
-          </p:cNvSpPr>
-          <p:nvPr>
-            <p:ph type="dt" sz="half" idx="10"/>
-          </p:nvPr>
-        </p:nvSpPr>
-        <p:spPr/>
-        <p:txBody>
-          <a:bodyPr/>
-          <a:lstStyle/>
-          <a:p>
-            <a:r>
-              <a:rPr lang="fr-FR"/>
-              <a:t>04 février 2021</a:t>
-            </a:r>
-            <a:endParaRPr lang="en-US"/>
-          </a:p>
-        </p:txBody>
-      </p:sp>
-      <p:sp>
-        <p:nvSpPr>
-          <p:cNvPr id="39" name="Footer Placeholder 38">
-            <a:extLst>
-              <a:ext uri="{FF2B5EF4-FFF2-40B4-BE49-F238E27FC236}">
-                <a16:creationId xmlns:a16="http://schemas.microsoft.com/office/drawing/2014/main" id="{19A88EA5-E6FB-4BFB-9421-CB6C4447B890}"/>
-              </a:ext>
-            </a:extLst>
-          </p:cNvPr>
-          <p:cNvSpPr>
-            <a:spLocks noGrp="1"/>
-          </p:cNvSpPr>
-          <p:nvPr>
-            <p:ph type="ftr" sz="quarter" idx="11"/>
-          </p:nvPr>
-        </p:nvSpPr>
-        <p:spPr/>
-        <p:txBody>
-          <a:bodyPr/>
-          <a:lstStyle/>
-          <a:p>
-            <a:r>
-              <a:rPr lang="fr-FR"/>
-              <a:t>Command &amp; Memento - Aurélien BOUDIER</a:t>
-            </a:r>
-            <a:endParaRPr lang="en-US"/>
-          </a:p>
-        </p:txBody>
-      </p:sp>
-    </p:spTree>
-    <p:extLst>
-      <p:ext uri="{BB962C8B-B14F-4D97-AF65-F5344CB8AC3E}">
-        <p14:creationId xmlns:p14="http://schemas.microsoft.com/office/powerpoint/2010/main" val="289086864"/>
-      </p:ext>
-    </p:extLst>
-  </p:cSld>
-  <p:clrMapOvr>
-    <a:masterClrMapping/>
-  </p:clrMapOvr>
-</p:sld>
-</file>
-
-<file path=ppt/slides/slide20.xml><?xml version="1.0" encoding="utf-8"?>
+<file path=ppt/slides/slide22.xml><?xml version="1.0" encoding="utf-8"?>
 <p:sld xmlns:a="http://schemas.openxmlformats.org/drawingml/2006/main" xmlns:r="http://schemas.openxmlformats.org/officeDocument/2006/relationships" xmlns:p="http://schemas.openxmlformats.org/presentationml/2006/main">
   <p:cSld>
     <p:spTree>
@@ -32114,7 +32621,7 @@
 </p:sld>
 </file>
 
-<file path=ppt/slides/slide21.xml><?xml version="1.0" encoding="utf-8"?>
+<file path=ppt/slides/slide23.xml><?xml version="1.0" encoding="utf-8"?>
 <p:sld xmlns:a="http://schemas.openxmlformats.org/drawingml/2006/main" xmlns:r="http://schemas.openxmlformats.org/officeDocument/2006/relationships" xmlns:p="http://schemas.openxmlformats.org/presentationml/2006/main">
   <p:cSld>
     <p:spTree>
@@ -32365,7 +32872,7 @@
 </p:sld>
 </file>
 
-<file path=ppt/slides/slide22.xml><?xml version="1.0" encoding="utf-8"?>
+<file path=ppt/slides/slide24.xml><?xml version="1.0" encoding="utf-8"?>
 <p:sld xmlns:a="http://schemas.openxmlformats.org/drawingml/2006/main" xmlns:r="http://schemas.openxmlformats.org/officeDocument/2006/relationships" xmlns:p="http://schemas.openxmlformats.org/presentationml/2006/main">
   <p:cSld>
     <p:spTree>
@@ -33490,7 +33997,7 @@
 </p:sld>
 </file>
 
-<file path=ppt/slides/slide23.xml><?xml version="1.0" encoding="utf-8"?>
+<file path=ppt/slides/slide25.xml><?xml version="1.0" encoding="utf-8"?>
 <p:sld xmlns:a="http://schemas.openxmlformats.org/drawingml/2006/main" xmlns:r="http://schemas.openxmlformats.org/officeDocument/2006/relationships" xmlns:p="http://schemas.openxmlformats.org/presentationml/2006/main">
   <p:cSld>
     <p:spTree>
@@ -38610,7 +39117,7 @@
 </p:sld>
 </file>
 
-<file path=ppt/slides/slide24.xml><?xml version="1.0" encoding="utf-8"?>
+<file path=ppt/slides/slide26.xml><?xml version="1.0" encoding="utf-8"?>
 <p:sld xmlns:a="http://schemas.openxmlformats.org/drawingml/2006/main" xmlns:r="http://schemas.openxmlformats.org/officeDocument/2006/relationships" xmlns:p="http://schemas.openxmlformats.org/presentationml/2006/main">
   <p:cSld>
     <p:spTree>
@@ -45100,7 +45607,7 @@
         </p:nvSpPr>
         <p:spPr>
           <a:xfrm>
-            <a:off x="3359696" y="5713275"/>
+            <a:off x="4038600" y="6325181"/>
             <a:ext cx="4114800" cy="365125"/>
           </a:xfrm>
         </p:spPr>
@@ -45109,10 +45616,10 @@
           <a:lstStyle/>
           <a:p>
             <a:r>
-              <a:rPr lang="fr-FR"/>
+              <a:rPr lang="fr-FR" dirty="0"/>
               <a:t>Command &amp; Memento - Aurélien BOUDIER</a:t>
             </a:r>
-            <a:endParaRPr lang="en-US"/>
+            <a:endParaRPr lang="en-US" dirty="0"/>
           </a:p>
         </p:txBody>
       </p:sp>
@@ -45207,6 +45714,14 @@
 <file path=ppt/slides/slide7.xml><?xml version="1.0" encoding="utf-8"?>
 <p:sld xmlns:a="http://schemas.openxmlformats.org/drawingml/2006/main" xmlns:r="http://schemas.openxmlformats.org/officeDocument/2006/relationships" xmlns:p="http://schemas.openxmlformats.org/presentationml/2006/main">
   <p:cSld>
+    <p:bg>
+      <p:bgPr>
+        <a:solidFill>
+          <a:srgbClr val="403551"/>
+        </a:solidFill>
+        <a:effectLst/>
+      </p:bgPr>
+    </p:bg>
     <p:spTree>
       <p:nvGrpSpPr>
         <p:cNvPr id="1" name=""/>
@@ -45289,7 +45804,7 @@
           <a:lstStyle/>
           <a:p>
             <a:r>
-              <a:rPr lang="en-US"/>
+              <a:rPr lang="en-US" dirty="0"/>
               <a:t>01</a:t>
             </a:r>
           </a:p>
@@ -45316,7 +45831,7 @@
         </p:blipFill>
         <p:spPr>
           <a:xfrm>
-            <a:off x="5735960" y="491297"/>
+            <a:off x="5705328" y="436329"/>
             <a:ext cx="5976664" cy="5621003"/>
           </a:xfrm>
           <a:prstGeom prst="rect">
@@ -45354,6 +45869,466 @@
           </a:prstGeom>
         </p:spPr>
       </p:pic>
+      <p:sp>
+        <p:nvSpPr>
+          <p:cNvPr id="2" name="Rectangle : coins arrondis 1">
+            <a:extLst>
+              <a:ext uri="{FF2B5EF4-FFF2-40B4-BE49-F238E27FC236}">
+                <a16:creationId xmlns:a16="http://schemas.microsoft.com/office/drawing/2014/main" id="{B72CC936-1148-413C-B59C-BDF4C7015559}"/>
+              </a:ext>
+            </a:extLst>
+          </p:cNvPr>
+          <p:cNvSpPr/>
+          <p:nvPr/>
+        </p:nvSpPr>
+        <p:spPr>
+          <a:xfrm>
+            <a:off x="5735960" y="1052736"/>
+            <a:ext cx="1512168" cy="673928"/>
+          </a:xfrm>
+          <a:prstGeom prst="roundRect">
+            <a:avLst/>
+          </a:prstGeom>
+          <a:noFill/>
+          <a:ln w="38100">
+            <a:solidFill>
+              <a:srgbClr val="FF0000"/>
+            </a:solidFill>
+          </a:ln>
+        </p:spPr>
+        <p:style>
+          <a:lnRef idx="2">
+            <a:schemeClr val="accent1">
+              <a:shade val="50000"/>
+            </a:schemeClr>
+          </a:lnRef>
+          <a:fillRef idx="1">
+            <a:schemeClr val="accent1"/>
+          </a:fillRef>
+          <a:effectRef idx="0">
+            <a:schemeClr val="accent1"/>
+          </a:effectRef>
+          <a:fontRef idx="minor">
+            <a:schemeClr val="lt1"/>
+          </a:fontRef>
+        </p:style>
+        <p:txBody>
+          <a:bodyPr rtlCol="0" anchor="ctr"/>
+          <a:lstStyle/>
+          <a:p>
+            <a:pPr algn="ctr"/>
+            <a:endParaRPr lang="fr-FR" dirty="0"/>
+          </a:p>
+        </p:txBody>
+      </p:sp>
+      <p:sp>
+        <p:nvSpPr>
+          <p:cNvPr id="8" name="Rectangle : coins arrondis 7">
+            <a:extLst>
+              <a:ext uri="{FF2B5EF4-FFF2-40B4-BE49-F238E27FC236}">
+                <a16:creationId xmlns:a16="http://schemas.microsoft.com/office/drawing/2014/main" id="{0785B333-0DF0-4D90-8569-4017CEE0F11C}"/>
+              </a:ext>
+            </a:extLst>
+          </p:cNvPr>
+          <p:cNvSpPr/>
+          <p:nvPr/>
+        </p:nvSpPr>
+        <p:spPr>
+          <a:xfrm>
+            <a:off x="772202" y="2420888"/>
+            <a:ext cx="3739622" cy="1296144"/>
+          </a:xfrm>
+          <a:prstGeom prst="roundRect">
+            <a:avLst/>
+          </a:prstGeom>
+          <a:noFill/>
+          <a:ln w="38100">
+            <a:solidFill>
+              <a:srgbClr val="FF0000"/>
+            </a:solidFill>
+          </a:ln>
+        </p:spPr>
+        <p:style>
+          <a:lnRef idx="2">
+            <a:schemeClr val="accent1">
+              <a:shade val="50000"/>
+            </a:schemeClr>
+          </a:lnRef>
+          <a:fillRef idx="1">
+            <a:schemeClr val="accent1"/>
+          </a:fillRef>
+          <a:effectRef idx="0">
+            <a:schemeClr val="accent1"/>
+          </a:effectRef>
+          <a:fontRef idx="minor">
+            <a:schemeClr val="lt1"/>
+          </a:fontRef>
+        </p:style>
+        <p:txBody>
+          <a:bodyPr rtlCol="0" anchor="ctr"/>
+          <a:lstStyle/>
+          <a:p>
+            <a:pPr algn="ctr"/>
+            <a:endParaRPr lang="fr-FR"/>
+          </a:p>
+        </p:txBody>
+      </p:sp>
+      <p:sp>
+        <p:nvSpPr>
+          <p:cNvPr id="10" name="Rectangle : coins arrondis 9">
+            <a:extLst>
+              <a:ext uri="{FF2B5EF4-FFF2-40B4-BE49-F238E27FC236}">
+                <a16:creationId xmlns:a16="http://schemas.microsoft.com/office/drawing/2014/main" id="{DF25033E-A87D-492B-99FD-15DA54BFCC9F}"/>
+              </a:ext>
+            </a:extLst>
+          </p:cNvPr>
+          <p:cNvSpPr/>
+          <p:nvPr/>
+        </p:nvSpPr>
+        <p:spPr>
+          <a:xfrm>
+            <a:off x="9552384" y="2204864"/>
+            <a:ext cx="1512168" cy="673928"/>
+          </a:xfrm>
+          <a:prstGeom prst="roundRect">
+            <a:avLst/>
+          </a:prstGeom>
+          <a:noFill/>
+          <a:ln w="38100">
+            <a:solidFill>
+              <a:srgbClr val="FF0000"/>
+            </a:solidFill>
+          </a:ln>
+        </p:spPr>
+        <p:style>
+          <a:lnRef idx="2">
+            <a:schemeClr val="accent1">
+              <a:shade val="50000"/>
+            </a:schemeClr>
+          </a:lnRef>
+          <a:fillRef idx="1">
+            <a:schemeClr val="accent1"/>
+          </a:fillRef>
+          <a:effectRef idx="0">
+            <a:schemeClr val="accent1"/>
+          </a:effectRef>
+          <a:fontRef idx="minor">
+            <a:schemeClr val="lt1"/>
+          </a:fontRef>
+        </p:style>
+        <p:txBody>
+          <a:bodyPr rtlCol="0" anchor="ctr"/>
+          <a:lstStyle/>
+          <a:p>
+            <a:pPr algn="ctr"/>
+            <a:endParaRPr lang="fr-FR"/>
+          </a:p>
+        </p:txBody>
+      </p:sp>
+      <p:sp>
+        <p:nvSpPr>
+          <p:cNvPr id="12" name="Rectangle : coins arrondis 11">
+            <a:extLst>
+              <a:ext uri="{FF2B5EF4-FFF2-40B4-BE49-F238E27FC236}">
+                <a16:creationId xmlns:a16="http://schemas.microsoft.com/office/drawing/2014/main" id="{205CFFCA-1C27-47C5-8812-4DAC9615E4C7}"/>
+              </a:ext>
+            </a:extLst>
+          </p:cNvPr>
+          <p:cNvSpPr/>
+          <p:nvPr/>
+        </p:nvSpPr>
+        <p:spPr>
+          <a:xfrm>
+            <a:off x="5886174" y="5059263"/>
+            <a:ext cx="1211738" cy="673928"/>
+          </a:xfrm>
+          <a:prstGeom prst="roundRect">
+            <a:avLst/>
+          </a:prstGeom>
+          <a:noFill/>
+          <a:ln w="38100">
+            <a:solidFill>
+              <a:srgbClr val="FF0000"/>
+            </a:solidFill>
+          </a:ln>
+        </p:spPr>
+        <p:style>
+          <a:lnRef idx="2">
+            <a:schemeClr val="accent1">
+              <a:shade val="50000"/>
+            </a:schemeClr>
+          </a:lnRef>
+          <a:fillRef idx="1">
+            <a:schemeClr val="accent1"/>
+          </a:fillRef>
+          <a:effectRef idx="0">
+            <a:schemeClr val="accent1"/>
+          </a:effectRef>
+          <a:fontRef idx="minor">
+            <a:schemeClr val="lt1"/>
+          </a:fontRef>
+        </p:style>
+        <p:txBody>
+          <a:bodyPr rtlCol="0" anchor="ctr"/>
+          <a:lstStyle/>
+          <a:p>
+            <a:pPr algn="ctr"/>
+            <a:r>
+              <a:rPr lang="fr-FR" b="1" dirty="0">
+                <a:solidFill>
+                  <a:srgbClr val="FF0000"/>
+                </a:solidFill>
+              </a:rPr>
+              <a:t>CTRL + G</a:t>
+            </a:r>
+          </a:p>
+        </p:txBody>
+      </p:sp>
+      <p:sp>
+        <p:nvSpPr>
+          <p:cNvPr id="13" name="Rectangle : coins arrondis 12">
+            <a:extLst>
+              <a:ext uri="{FF2B5EF4-FFF2-40B4-BE49-F238E27FC236}">
+                <a16:creationId xmlns:a16="http://schemas.microsoft.com/office/drawing/2014/main" id="{0C57D33F-A4D6-4B44-B06D-0D136AAF90AD}"/>
+              </a:ext>
+            </a:extLst>
+          </p:cNvPr>
+          <p:cNvSpPr/>
+          <p:nvPr/>
+        </p:nvSpPr>
+        <p:spPr>
+          <a:xfrm>
+            <a:off x="5415167" y="3092036"/>
+            <a:ext cx="2153753" cy="673928"/>
+          </a:xfrm>
+          <a:prstGeom prst="roundRect">
+            <a:avLst/>
+          </a:prstGeom>
+          <a:solidFill>
+            <a:schemeClr val="bg1"/>
+          </a:solidFill>
+          <a:ln w="38100">
+            <a:solidFill>
+              <a:srgbClr val="FF0000"/>
+            </a:solidFill>
+          </a:ln>
+        </p:spPr>
+        <p:style>
+          <a:lnRef idx="2">
+            <a:schemeClr val="accent1">
+              <a:shade val="50000"/>
+            </a:schemeClr>
+          </a:lnRef>
+          <a:fillRef idx="1">
+            <a:schemeClr val="accent1"/>
+          </a:fillRef>
+          <a:effectRef idx="0">
+            <a:schemeClr val="accent1"/>
+          </a:effectRef>
+          <a:fontRef idx="minor">
+            <a:schemeClr val="lt1"/>
+          </a:fontRef>
+        </p:style>
+        <p:txBody>
+          <a:bodyPr rtlCol="0" anchor="ctr"/>
+          <a:lstStyle/>
+          <a:p>
+            <a:pPr algn="ctr"/>
+            <a:r>
+              <a:rPr lang="fr-FR" b="1" dirty="0">
+                <a:solidFill>
+                  <a:schemeClr val="tx1"/>
+                </a:solidFill>
+              </a:rPr>
+              <a:t>Mettre en gras</a:t>
+            </a:r>
+          </a:p>
+        </p:txBody>
+      </p:sp>
+      <p:cxnSp>
+        <p:nvCxnSpPr>
+          <p:cNvPr id="6" name="Connecteur droit avec flèche 5">
+            <a:extLst>
+              <a:ext uri="{FF2B5EF4-FFF2-40B4-BE49-F238E27FC236}">
+                <a16:creationId xmlns:a16="http://schemas.microsoft.com/office/drawing/2014/main" id="{B6F05A2C-7745-404B-A576-D250D6844570}"/>
+              </a:ext>
+            </a:extLst>
+          </p:cNvPr>
+          <p:cNvCxnSpPr>
+            <a:cxnSpLocks/>
+            <a:stCxn id="13" idx="0"/>
+            <a:endCxn id="2" idx="2"/>
+          </p:cNvCxnSpPr>
+          <p:nvPr/>
+        </p:nvCxnSpPr>
+        <p:spPr>
+          <a:xfrm flipV="1">
+            <a:off x="6492044" y="1726664"/>
+            <a:ext cx="0" cy="1365372"/>
+          </a:xfrm>
+          <a:prstGeom prst="straightConnector1">
+            <a:avLst/>
+          </a:prstGeom>
+          <a:ln w="28575">
+            <a:solidFill>
+              <a:srgbClr val="FF0000"/>
+            </a:solidFill>
+            <a:tailEnd type="triangle"/>
+          </a:ln>
+        </p:spPr>
+        <p:style>
+          <a:lnRef idx="1">
+            <a:schemeClr val="accent1"/>
+          </a:lnRef>
+          <a:fillRef idx="0">
+            <a:schemeClr val="accent1"/>
+          </a:fillRef>
+          <a:effectRef idx="0">
+            <a:schemeClr val="accent1"/>
+          </a:effectRef>
+          <a:fontRef idx="minor">
+            <a:schemeClr val="tx1"/>
+          </a:fontRef>
+        </p:style>
+      </p:cxnSp>
+      <p:cxnSp>
+        <p:nvCxnSpPr>
+          <p:cNvPr id="16" name="Connecteur droit avec flèche 15">
+            <a:extLst>
+              <a:ext uri="{FF2B5EF4-FFF2-40B4-BE49-F238E27FC236}">
+                <a16:creationId xmlns:a16="http://schemas.microsoft.com/office/drawing/2014/main" id="{5842EE7A-7B14-4FFA-957F-C293B3A474DB}"/>
+              </a:ext>
+            </a:extLst>
+          </p:cNvPr>
+          <p:cNvCxnSpPr>
+            <a:cxnSpLocks/>
+            <a:stCxn id="13" idx="2"/>
+            <a:endCxn id="12" idx="0"/>
+          </p:cNvCxnSpPr>
+          <p:nvPr/>
+        </p:nvCxnSpPr>
+        <p:spPr>
+          <a:xfrm flipH="1">
+            <a:off x="6492043" y="3765964"/>
+            <a:ext cx="1" cy="1293299"/>
+          </a:xfrm>
+          <a:prstGeom prst="straightConnector1">
+            <a:avLst/>
+          </a:prstGeom>
+          <a:ln w="28575">
+            <a:solidFill>
+              <a:srgbClr val="FF0000"/>
+            </a:solidFill>
+            <a:tailEnd type="triangle"/>
+          </a:ln>
+        </p:spPr>
+        <p:style>
+          <a:lnRef idx="1">
+            <a:schemeClr val="accent1"/>
+          </a:lnRef>
+          <a:fillRef idx="0">
+            <a:schemeClr val="accent1"/>
+          </a:fillRef>
+          <a:effectRef idx="0">
+            <a:schemeClr val="accent1"/>
+          </a:effectRef>
+          <a:fontRef idx="minor">
+            <a:schemeClr val="tx1"/>
+          </a:fontRef>
+        </p:style>
+      </p:cxnSp>
+      <p:cxnSp>
+        <p:nvCxnSpPr>
+          <p:cNvPr id="17" name="Connecteur droit avec flèche 16">
+            <a:extLst>
+              <a:ext uri="{FF2B5EF4-FFF2-40B4-BE49-F238E27FC236}">
+                <a16:creationId xmlns:a16="http://schemas.microsoft.com/office/drawing/2014/main" id="{189ECF8A-8CD9-4A8B-AB53-0CAC9C7E2018}"/>
+              </a:ext>
+            </a:extLst>
+          </p:cNvPr>
+          <p:cNvCxnSpPr>
+            <a:cxnSpLocks/>
+            <a:stCxn id="13" idx="3"/>
+            <a:endCxn id="10" idx="1"/>
+          </p:cNvCxnSpPr>
+          <p:nvPr/>
+        </p:nvCxnSpPr>
+        <p:spPr>
+          <a:xfrm flipV="1">
+            <a:off x="7568920" y="2541828"/>
+            <a:ext cx="1983464" cy="887172"/>
+          </a:xfrm>
+          <a:prstGeom prst="straightConnector1">
+            <a:avLst/>
+          </a:prstGeom>
+          <a:ln w="28575">
+            <a:solidFill>
+              <a:srgbClr val="FF0000"/>
+            </a:solidFill>
+            <a:tailEnd type="triangle"/>
+          </a:ln>
+        </p:spPr>
+        <p:style>
+          <a:lnRef idx="1">
+            <a:schemeClr val="accent1"/>
+          </a:lnRef>
+          <a:fillRef idx="0">
+            <a:schemeClr val="accent1"/>
+          </a:fillRef>
+          <a:effectRef idx="0">
+            <a:schemeClr val="accent1"/>
+          </a:effectRef>
+          <a:fontRef idx="minor">
+            <a:schemeClr val="tx1"/>
+          </a:fontRef>
+        </p:style>
+      </p:cxnSp>
+      <p:cxnSp>
+        <p:nvCxnSpPr>
+          <p:cNvPr id="14" name="Connecteur droit avec flèche 13">
+            <a:extLst>
+              <a:ext uri="{FF2B5EF4-FFF2-40B4-BE49-F238E27FC236}">
+                <a16:creationId xmlns:a16="http://schemas.microsoft.com/office/drawing/2014/main" id="{37ABCFC5-6AA1-4FD6-94EC-055208FE793A}"/>
+              </a:ext>
+            </a:extLst>
+          </p:cNvPr>
+          <p:cNvCxnSpPr>
+            <a:cxnSpLocks/>
+            <a:stCxn id="13" idx="1"/>
+            <a:endCxn id="8" idx="3"/>
+          </p:cNvCxnSpPr>
+          <p:nvPr/>
+        </p:nvCxnSpPr>
+        <p:spPr>
+          <a:xfrm flipH="1" flipV="1">
+            <a:off x="4511824" y="3068960"/>
+            <a:ext cx="903343" cy="360040"/>
+          </a:xfrm>
+          <a:prstGeom prst="straightConnector1">
+            <a:avLst/>
+          </a:prstGeom>
+          <a:ln w="28575">
+            <a:solidFill>
+              <a:srgbClr val="FF0000"/>
+            </a:solidFill>
+            <a:tailEnd type="triangle"/>
+          </a:ln>
+        </p:spPr>
+        <p:style>
+          <a:lnRef idx="1">
+            <a:schemeClr val="accent1"/>
+          </a:lnRef>
+          <a:fillRef idx="0">
+            <a:schemeClr val="accent1"/>
+          </a:fillRef>
+          <a:effectRef idx="0">
+            <a:schemeClr val="accent1"/>
+          </a:effectRef>
+          <a:fontRef idx="minor">
+            <a:schemeClr val="tx1"/>
+          </a:fontRef>
+        </p:style>
+      </p:cxnSp>
     </p:spTree>
     <p:extLst>
       <p:ext uri="{BB962C8B-B14F-4D97-AF65-F5344CB8AC3E}">
@@ -45370,6 +46345,14 @@
 <file path=ppt/slides/slide8.xml><?xml version="1.0" encoding="utf-8"?>
 <p:sld xmlns:a="http://schemas.openxmlformats.org/drawingml/2006/main" xmlns:r="http://schemas.openxmlformats.org/officeDocument/2006/relationships" xmlns:p="http://schemas.openxmlformats.org/presentationml/2006/main">
   <p:cSld>
+    <p:bg>
+      <p:bgPr>
+        <a:solidFill>
+          <a:srgbClr val="403551"/>
+        </a:solidFill>
+        <a:effectLst/>
+      </p:bgPr>
+    </p:bg>
     <p:spTree>
       <p:nvGrpSpPr>
         <p:cNvPr id="1" name=""/>
@@ -45386,63 +46369,43 @@
       </p:grpSpPr>
       <p:sp>
         <p:nvSpPr>
-          <p:cNvPr id="2" name="Title 1"/>
+          <p:cNvPr id="8" name="Text Placeholder 7">
+            <a:extLst>
+              <a:ext uri="{FF2B5EF4-FFF2-40B4-BE49-F238E27FC236}">
+                <a16:creationId xmlns:a16="http://schemas.microsoft.com/office/drawing/2014/main" id="{07704995-E660-48D5-8798-BD60B286721C}"/>
+              </a:ext>
+            </a:extLst>
+          </p:cNvPr>
           <p:cNvSpPr>
             <a:spLocks noGrp="1"/>
           </p:cNvSpPr>
           <p:nvPr>
-            <p:ph type="title"/>
+            <p:ph type="body" sz="quarter" idx="13"/>
           </p:nvPr>
         </p:nvSpPr>
-        <p:spPr/>
+        <p:spPr>
+          <a:xfrm>
+            <a:off x="659456" y="2008910"/>
+            <a:ext cx="10153129" cy="3699442"/>
+          </a:xfrm>
+        </p:spPr>
         <p:txBody>
           <a:bodyPr/>
           <a:lstStyle/>
           <a:p>
             <a:r>
-              <a:rPr lang="fr-FR" dirty="0"/>
-              <a:t>Présentation du </a:t>
-            </a:r>
-            <a:br>
-              <a:rPr lang="fr-FR" dirty="0"/>
-            </a:br>
-            <a:r>
-              <a:rPr lang="fr-FR" dirty="0"/>
-              <a:t>pattern command</a:t>
+              <a:rPr lang="fr-FR" b="1" dirty="0"/>
+              <a:t>Pas de panique, le pattern Command règle ces 2 problématiques !</a:t>
             </a:r>
           </a:p>
         </p:txBody>
       </p:sp>
       <p:sp>
         <p:nvSpPr>
-          <p:cNvPr id="16" name="Text Placeholder 15"/>
-          <p:cNvSpPr>
-            <a:spLocks noGrp="1"/>
-          </p:cNvSpPr>
-          <p:nvPr>
-            <p:ph type="body" idx="1"/>
-          </p:nvPr>
-        </p:nvSpPr>
-        <p:spPr/>
-        <p:txBody>
-          <a:bodyPr>
-            <a:noAutofit/>
-          </a:bodyPr>
-          <a:lstStyle/>
-          <a:p>
-            <a:r>
-              <a:rPr lang="fr-FR" dirty="0"/>
-              <a:t>« Cuisine, une sauvegarde pour la 4 s’il vous plait ! »</a:t>
-            </a:r>
-          </a:p>
-        </p:txBody>
-      </p:sp>
-      <p:sp>
-        <p:nvSpPr>
-          <p:cNvPr id="38" name="Date Placeholder 37">
+          <p:cNvPr id="12" name="Date Placeholder 11">
             <a:extLst>
               <a:ext uri="{FF2B5EF4-FFF2-40B4-BE49-F238E27FC236}">
-                <a16:creationId xmlns:a16="http://schemas.microsoft.com/office/drawing/2014/main" id="{214893A6-5453-4772-A5C3-6E8247B9F7F7}"/>
+                <a16:creationId xmlns:a16="http://schemas.microsoft.com/office/drawing/2014/main" id="{ECD35940-9A65-430A-B252-2AA11B671BC5}"/>
               </a:ext>
             </a:extLst>
           </p:cNvPr>
@@ -45453,25 +46416,30 @@
             <p:ph type="dt" sz="half" idx="10"/>
           </p:nvPr>
         </p:nvSpPr>
-        <p:spPr/>
+        <p:spPr>
+          <a:xfrm>
+            <a:off x="911424" y="6356350"/>
+            <a:ext cx="2669976" cy="365125"/>
+          </a:xfrm>
+        </p:spPr>
         <p:txBody>
           <a:bodyPr/>
           <a:lstStyle/>
           <a:p>
             <a:r>
-              <a:rPr lang="fr-FR"/>
+              <a:rPr lang="fr-FR" dirty="0"/>
               <a:t>04 février 2021</a:t>
             </a:r>
-            <a:endParaRPr lang="en-US"/>
+            <a:endParaRPr lang="en-US" dirty="0"/>
           </a:p>
         </p:txBody>
       </p:sp>
       <p:sp>
         <p:nvSpPr>
-          <p:cNvPr id="39" name="Footer Placeholder 38">
+          <p:cNvPr id="13" name="Footer Placeholder 12">
             <a:extLst>
               <a:ext uri="{FF2B5EF4-FFF2-40B4-BE49-F238E27FC236}">
-                <a16:creationId xmlns:a16="http://schemas.microsoft.com/office/drawing/2014/main" id="{19A88EA5-E6FB-4BFB-9421-CB6C4447B890}"/>
+                <a16:creationId xmlns:a16="http://schemas.microsoft.com/office/drawing/2014/main" id="{38793FD4-AB63-44F6-A614-0B1CC3F737B5}"/>
               </a:ext>
             </a:extLst>
           </p:cNvPr>
@@ -45498,7 +46466,7 @@
     </p:spTree>
     <p:extLst>
       <p:ext uri="{BB962C8B-B14F-4D97-AF65-F5344CB8AC3E}">
-        <p14:creationId xmlns:p14="http://schemas.microsoft.com/office/powerpoint/2010/main" val="2194463738"/>
+        <p14:creationId xmlns:p14="http://schemas.microsoft.com/office/powerpoint/2010/main" val="1369663812"/>
       </p:ext>
     </p:extLst>
   </p:cSld>
@@ -45511,6 +46479,14 @@
 <file path=ppt/slides/slide9.xml><?xml version="1.0" encoding="utf-8"?>
 <p:sld xmlns:a="http://schemas.openxmlformats.org/drawingml/2006/main" xmlns:r="http://schemas.openxmlformats.org/officeDocument/2006/relationships" xmlns:p="http://schemas.openxmlformats.org/presentationml/2006/main">
   <p:cSld>
+    <p:bg>
+      <p:bgPr>
+        <a:solidFill>
+          <a:srgbClr val="403551"/>
+        </a:solidFill>
+        <a:effectLst/>
+      </p:bgPr>
+    </p:bg>
     <p:spTree>
       <p:nvGrpSpPr>
         <p:cNvPr id="1" name=""/>
@@ -45527,66 +46503,7 @@
       </p:grpSpPr>
       <p:sp>
         <p:nvSpPr>
-          <p:cNvPr id="2" name="Title 1"/>
-          <p:cNvSpPr>
-            <a:spLocks noGrp="1"/>
-          </p:cNvSpPr>
-          <p:nvPr>
-            <p:ph type="title"/>
-          </p:nvPr>
-        </p:nvSpPr>
-        <p:spPr/>
-        <p:txBody>
-          <a:bodyPr/>
-          <a:lstStyle/>
-          <a:p>
-            <a:r>
-              <a:rPr lang="fr-FR" dirty="0"/>
-              <a:t>Présentation du </a:t>
-            </a:r>
-            <a:br>
-              <a:rPr lang="fr-FR" dirty="0"/>
-            </a:br>
-            <a:r>
-              <a:rPr lang="fr-FR" dirty="0"/>
-              <a:t>pattern memento</a:t>
-            </a:r>
-          </a:p>
-        </p:txBody>
-      </p:sp>
-      <p:sp>
-        <p:nvSpPr>
-          <p:cNvPr id="16" name="Text Placeholder 15"/>
-          <p:cNvSpPr>
-            <a:spLocks noGrp="1"/>
-          </p:cNvSpPr>
-          <p:nvPr>
-            <p:ph type="body" idx="1"/>
-          </p:nvPr>
-        </p:nvSpPr>
-        <p:spPr/>
-        <p:txBody>
-          <a:bodyPr>
-            <a:noAutofit/>
-          </a:bodyPr>
-          <a:lstStyle/>
-          <a:p>
-            <a:r>
-              <a:rPr lang="fr-FR" dirty="0"/>
-              <a:t>La mémoire est mère de la sagesse !</a:t>
-            </a:r>
-          </a:p>
-        </p:txBody>
-      </p:sp>
-      <p:sp>
-        <p:nvSpPr>
-          <p:cNvPr id="38" name="Date Placeholder 37">
-            <a:extLst>
-              <a:ext uri="{FF2B5EF4-FFF2-40B4-BE49-F238E27FC236}">
-                <a16:creationId xmlns:a16="http://schemas.microsoft.com/office/drawing/2014/main" id="{214893A6-5453-4772-A5C3-6E8247B9F7F7}"/>
-              </a:ext>
-            </a:extLst>
-          </p:cNvPr>
+          <p:cNvPr id="3" name="Date Placeholder 2"/>
           <p:cNvSpPr>
             <a:spLocks noGrp="1"/>
           </p:cNvSpPr>
@@ -45607,15 +46524,51 @@
           </a:p>
         </p:txBody>
       </p:sp>
-      <p:sp>
-        <p:nvSpPr>
-          <p:cNvPr id="39" name="Footer Placeholder 38">
+      <p:pic>
+        <p:nvPicPr>
+          <p:cNvPr id="9" name="Image 8">
             <a:extLst>
               <a:ext uri="{FF2B5EF4-FFF2-40B4-BE49-F238E27FC236}">
-                <a16:creationId xmlns:a16="http://schemas.microsoft.com/office/drawing/2014/main" id="{19A88EA5-E6FB-4BFB-9421-CB6C4447B890}"/>
+                <a16:creationId xmlns:a16="http://schemas.microsoft.com/office/drawing/2014/main" id="{79A96D39-353D-4A6E-8A56-7B8BFBEE319E}"/>
               </a:ext>
             </a:extLst>
           </p:cNvPr>
+          <p:cNvPicPr>
+            <a:picLocks noChangeAspect="1"/>
+          </p:cNvPicPr>
+          <p:nvPr/>
+        </p:nvPicPr>
+        <p:blipFill rotWithShape="1">
+          <a:blip r:embed="rId3"/>
+          <a:srcRect l="650"/>
+          <a:stretch/>
+        </p:blipFill>
+        <p:spPr>
+          <a:xfrm>
+            <a:off x="2927648" y="620688"/>
+            <a:ext cx="7416824" cy="5621003"/>
+          </a:xfrm>
+          <a:prstGeom prst="rect">
+            <a:avLst/>
+          </a:prstGeom>
+          <a:ln w="12700" cap="sq">
+            <a:solidFill>
+              <a:schemeClr val="bg1"/>
+            </a:solidFill>
+            <a:miter lim="800000"/>
+          </a:ln>
+          <a:effectLst>
+            <a:outerShdw blurRad="57150" dist="50800" dir="2700000" algn="tl" rotWithShape="0">
+              <a:srgbClr val="000000">
+                <a:alpha val="40000"/>
+              </a:srgbClr>
+            </a:outerShdw>
+          </a:effectLst>
+        </p:spPr>
+      </p:pic>
+      <p:sp>
+        <p:nvSpPr>
+          <p:cNvPr id="4" name="Footer Placeholder 3"/>
           <p:cNvSpPr>
             <a:spLocks noGrp="1"/>
           </p:cNvSpPr>
@@ -45636,10 +46589,38 @@
           </a:p>
         </p:txBody>
       </p:sp>
+      <p:sp>
+        <p:nvSpPr>
+          <p:cNvPr id="11" name="Text Placeholder 10">
+            <a:extLst>
+              <a:ext uri="{FF2B5EF4-FFF2-40B4-BE49-F238E27FC236}">
+                <a16:creationId xmlns:a16="http://schemas.microsoft.com/office/drawing/2014/main" id="{2A6E9779-5059-4C5A-A10E-A924E6ADE536}"/>
+              </a:ext>
+            </a:extLst>
+          </p:cNvPr>
+          <p:cNvSpPr>
+            <a:spLocks noGrp="1"/>
+          </p:cNvSpPr>
+          <p:nvPr>
+            <p:ph type="body" sz="quarter" idx="13"/>
+          </p:nvPr>
+        </p:nvSpPr>
+        <p:spPr/>
+        <p:txBody>
+          <a:bodyPr/>
+          <a:lstStyle/>
+          <a:p>
+            <a:r>
+              <a:rPr lang="en-US"/>
+              <a:t>01</a:t>
+            </a:r>
+          </a:p>
+        </p:txBody>
+      </p:sp>
     </p:spTree>
     <p:extLst>
       <p:ext uri="{BB962C8B-B14F-4D97-AF65-F5344CB8AC3E}">
-        <p14:creationId xmlns:p14="http://schemas.microsoft.com/office/powerpoint/2010/main" val="3399286523"/>
+        <p14:creationId xmlns:p14="http://schemas.microsoft.com/office/powerpoint/2010/main" val="1379733653"/>
       </p:ext>
     </p:extLst>
   </p:cSld>

--- a/01-Powerpoint-presentation/PowerpointPresentation.pptx
+++ b/01-Powerpoint-presentation/PowerpointPresentation.pptx
@@ -7,10 +7,10 @@
     <p:sldMasterId id="2147483753" r:id="rId3"/>
   </p:sldMasterIdLst>
   <p:notesMasterIdLst>
-    <p:notesMasterId r:id="rId35"/>
+    <p:notesMasterId r:id="rId36"/>
   </p:notesMasterIdLst>
   <p:handoutMasterIdLst>
-    <p:handoutMasterId r:id="rId36"/>
+    <p:handoutMasterId r:id="rId37"/>
   </p:handoutMasterIdLst>
   <p:sldIdLst>
     <p:sldId id="866" r:id="rId4"/>
@@ -27,23 +27,24 @@
     <p:sldId id="908" r:id="rId15"/>
     <p:sldId id="909" r:id="rId16"/>
     <p:sldId id="892" r:id="rId17"/>
-    <p:sldId id="906" r:id="rId18"/>
-    <p:sldId id="895" r:id="rId19"/>
-    <p:sldId id="896" r:id="rId20"/>
-    <p:sldId id="897" r:id="rId21"/>
-    <p:sldId id="898" r:id="rId22"/>
-    <p:sldId id="877" r:id="rId23"/>
-    <p:sldId id="904" r:id="rId24"/>
-    <p:sldId id="879" r:id="rId25"/>
-    <p:sldId id="881" r:id="rId26"/>
-    <p:sldId id="882" r:id="rId27"/>
-    <p:sldId id="883" r:id="rId28"/>
-    <p:sldId id="884" r:id="rId29"/>
-    <p:sldId id="885" r:id="rId30"/>
-    <p:sldId id="886" r:id="rId31"/>
-    <p:sldId id="887" r:id="rId32"/>
-    <p:sldId id="889" r:id="rId33"/>
-    <p:sldId id="894" r:id="rId34"/>
+    <p:sldId id="911" r:id="rId18"/>
+    <p:sldId id="906" r:id="rId19"/>
+    <p:sldId id="895" r:id="rId20"/>
+    <p:sldId id="896" r:id="rId21"/>
+    <p:sldId id="897" r:id="rId22"/>
+    <p:sldId id="898" r:id="rId23"/>
+    <p:sldId id="877" r:id="rId24"/>
+    <p:sldId id="904" r:id="rId25"/>
+    <p:sldId id="879" r:id="rId26"/>
+    <p:sldId id="881" r:id="rId27"/>
+    <p:sldId id="882" r:id="rId28"/>
+    <p:sldId id="910" r:id="rId29"/>
+    <p:sldId id="884" r:id="rId30"/>
+    <p:sldId id="885" r:id="rId31"/>
+    <p:sldId id="886" r:id="rId32"/>
+    <p:sldId id="887" r:id="rId33"/>
+    <p:sldId id="889" r:id="rId34"/>
+    <p:sldId id="894" r:id="rId35"/>
   </p:sldIdLst>
   <p:sldSz cx="12192000" cy="6858000"/>
   <p:notesSz cx="6858000" cy="9144000"/>
@@ -161,6 +162,7 @@
             <p14:sldId id="908"/>
             <p14:sldId id="909"/>
             <p14:sldId id="892"/>
+            <p14:sldId id="911"/>
             <p14:sldId id="906"/>
             <p14:sldId id="895"/>
             <p14:sldId id="896"/>
@@ -171,7 +173,7 @@
             <p14:sldId id="879"/>
             <p14:sldId id="881"/>
             <p14:sldId id="882"/>
-            <p14:sldId id="883"/>
+            <p14:sldId id="910"/>
             <p14:sldId id="884"/>
             <p14:sldId id="885"/>
             <p14:sldId id="886"/>
@@ -6914,14 +6916,9 @@
           <a:lstStyle/>
           <a:p>
             <a:r>
-              <a:rPr lang="en-US" sz="1200">
-                <a:solidFill>
-                  <a:prstClr val="black"/>
-                </a:solidFill>
-              </a:rPr>
-              <a:t>© Copyright Showeet.com – Creative &amp; Free PowerPoint Templates</a:t>
+              <a:rPr lang="fr-FR" noProof="0" dirty="0"/>
+              <a:t>Chapitre 2 : Présentation du pattern command</a:t>
             </a:r>
-            <a:endParaRPr lang="en-US"/>
           </a:p>
         </p:txBody>
       </p:sp>
@@ -7006,112 +7003,18 @@
           <a:bodyPr/>
           <a:lstStyle/>
           <a:p>
-            <a:pPr algn="l"/>
             <a:r>
-              <a:rPr lang="fr-FR" b="0" i="0" dirty="0">
-                <a:solidFill>
-                  <a:srgbClr val="444444"/>
-                </a:solidFill>
-                <a:effectLst/>
-                <a:latin typeface="PT Sans"/>
-              </a:rPr>
-              <a:t>Un logiciel bien conçu est en général décomposé en plusieurs couches. Le cas le plus classique consiste à avoir une couche pour l’interface graphique, une autre pour la logique métier et une pour l’</a:t>
+              <a:rPr lang="fr-FR" noProof="0" dirty="0"/>
+              <a:t>Le pattern command est un pattern de type comportemental qui encapsule la notion d'invocation. Il permet de séparer complètement le code initiateur de l'action, du code de l'action elle-même</a:t>
             </a:r>
+          </a:p>
+          <a:p>
+            <a:endParaRPr lang="fr-FR" noProof="0" dirty="0"/>
+          </a:p>
+          <a:p>
             <a:r>
-              <a:rPr lang="fr-FR" b="0" i="0" dirty="0" err="1">
-                <a:solidFill>
-                  <a:srgbClr val="444444"/>
-                </a:solidFill>
-                <a:effectLst/>
-                <a:latin typeface="PT Sans"/>
-              </a:rPr>
-              <a:t>acces</a:t>
-            </a:r>
-            <a:r>
-              <a:rPr lang="fr-FR" b="0" i="0" dirty="0">
-                <a:solidFill>
-                  <a:srgbClr val="444444"/>
-                </a:solidFill>
-                <a:effectLst/>
-                <a:latin typeface="PT Sans"/>
-              </a:rPr>
-              <a:t> aux données. </a:t>
-            </a:r>
-          </a:p>
-          <a:p>
-            <a:pPr algn="l"/>
-            <a:endParaRPr lang="fr-FR" b="0" i="0" dirty="0">
-              <a:solidFill>
-                <a:srgbClr val="444444"/>
-              </a:solidFill>
-              <a:effectLst/>
-              <a:latin typeface="PT Sans"/>
-            </a:endParaRPr>
-          </a:p>
-          <a:p>
-            <a:pPr algn="l"/>
-            <a:r>
-              <a:rPr lang="fr-FR" b="0" i="0" dirty="0">
-                <a:solidFill>
-                  <a:srgbClr val="444444"/>
-                </a:solidFill>
-                <a:effectLst/>
-                <a:latin typeface="PT Sans"/>
-              </a:rPr>
-              <a:t>La couche </a:t>
-            </a:r>
-            <a:r>
-              <a:rPr lang="fr-FR" b="0" i="0">
-                <a:solidFill>
-                  <a:srgbClr val="444444"/>
-                </a:solidFill>
-                <a:effectLst/>
-                <a:latin typeface="PT Sans"/>
-              </a:rPr>
-              <a:t>interface graphique a </a:t>
-            </a:r>
-            <a:r>
-              <a:rPr lang="fr-FR" b="0" i="0" dirty="0">
-                <a:solidFill>
-                  <a:srgbClr val="444444"/>
-                </a:solidFill>
-                <a:effectLst/>
-                <a:latin typeface="PT Sans"/>
-              </a:rPr>
-              <a:t>la responsabilité d’afficher une belle image à l’écran, de détecter les actions de l’utilisateur et de l’application, et de les répercuter à l’écran. Mais en ce qui concerne l’exécution des traitements importants comme calculer la trajectoire vers la lune ou générer les rapports annuels, la couche GUI délègue le travail à la couche métier.</a:t>
-            </a:r>
-          </a:p>
-          <a:p>
-            <a:pPr algn="l"/>
-            <a:r>
-              <a:rPr lang="fr-FR" b="0" i="0" dirty="0">
-                <a:solidFill>
-                  <a:srgbClr val="444444"/>
-                </a:solidFill>
-                <a:effectLst/>
-                <a:latin typeface="PT Sans"/>
-              </a:rPr>
-              <a:t>Dans le code, on se retrouve avec un objet GUI qui appelle une méthode de l’objet de la logique métier et lui passe des paramètres. Ce processus est souvent décrit comme un objet envoyant une </a:t>
-            </a:r>
-            <a:r>
-              <a:rPr lang="fr-FR" b="0" i="1" dirty="0">
-                <a:solidFill>
-                  <a:srgbClr val="444444"/>
-                </a:solidFill>
-                <a:effectLst/>
-                <a:latin typeface="PT Sans"/>
-              </a:rPr>
-              <a:t>demande</a:t>
-            </a:r>
-            <a:r>
-              <a:rPr lang="fr-FR" b="0" i="0" dirty="0">
-                <a:solidFill>
-                  <a:srgbClr val="444444"/>
-                </a:solidFill>
-                <a:effectLst/>
-                <a:latin typeface="PT Sans"/>
-              </a:rPr>
-              <a:t> à un autre.</a:t>
+              <a:rPr lang="fr-FR" noProof="0" dirty="0"/>
+              <a:t>Ce pattern est souvent utilisé dans les interfaces graphiques où, par exemple, un élément de menu peut être connecté à différentes Commandes de façon que l'objet d'élément de menu n'ait pas besoin de connaître les détails de l'action effectuée par la Commande.</a:t>
             </a:r>
           </a:p>
         </p:txBody>
@@ -7143,7 +7046,7 @@
     </p:spTree>
     <p:extLst>
       <p:ext uri="{BB962C8B-B14F-4D97-AF65-F5344CB8AC3E}">
-        <p14:creationId xmlns:p14="http://schemas.microsoft.com/office/powerpoint/2010/main" val="294040962"/>
+        <p14:creationId xmlns:p14="http://schemas.microsoft.com/office/powerpoint/2010/main" val="4210673912"/>
       </p:ext>
     </p:extLst>
   </p:cSld>
@@ -7197,15 +7100,96 @@
           <a:bodyPr/>
           <a:lstStyle/>
           <a:p>
+            <a:pPr algn="l"/>
             <a:r>
-              <a:rPr lang="en-US" sz="1200">
+              <a:rPr lang="fr-FR" b="0" i="0" dirty="0">
                 <a:solidFill>
-                  <a:prstClr val="black"/>
+                  <a:srgbClr val="454C55"/>
                 </a:solidFill>
+                <a:effectLst/>
+                <a:latin typeface="Open Sans"/>
               </a:rPr>
-              <a:t>© Copyright Showeet.com – Creative &amp; Free PowerPoint Templates</a:t>
+              <a:t>Lors d'une conception d'application on a souvent besoin d’émettre des requêtes sur n'importe quel objet, et ce, sans connaître, ni ses caractéristiques, ni ses fonctions/méthodes. </a:t>
             </a:r>
-            <a:endParaRPr lang="en-US"/>
+          </a:p>
+          <a:p>
+            <a:pPr algn="l"/>
+            <a:endParaRPr lang="fr-FR" b="0" i="0" dirty="0">
+              <a:solidFill>
+                <a:srgbClr val="454C55"/>
+              </a:solidFill>
+              <a:effectLst/>
+              <a:latin typeface="Open Sans"/>
+            </a:endParaRPr>
+          </a:p>
+          <a:p>
+            <a:pPr algn="l"/>
+            <a:r>
+              <a:rPr lang="fr-FR" b="0" i="0" dirty="0">
+                <a:solidFill>
+                  <a:srgbClr val="454C55"/>
+                </a:solidFill>
+                <a:effectLst/>
+                <a:latin typeface="Open Sans"/>
+              </a:rPr>
+              <a:t>C'est ici que le Command Pattern va jouer son rôle, puisque il va encapsuler les requêtes.</a:t>
+            </a:r>
+          </a:p>
+          <a:p>
+            <a:pPr algn="l"/>
+            <a:endParaRPr lang="fr-FR" b="0" i="0" dirty="0">
+              <a:solidFill>
+                <a:srgbClr val="454C55"/>
+              </a:solidFill>
+              <a:effectLst/>
+              <a:latin typeface="Open Sans"/>
+            </a:endParaRPr>
+          </a:p>
+          <a:p>
+            <a:pPr algn="l"/>
+            <a:r>
+              <a:rPr lang="fr-FR" b="0" i="1" dirty="0">
+                <a:solidFill>
+                  <a:srgbClr val="454C55"/>
+                </a:solidFill>
+                <a:effectLst/>
+                <a:latin typeface="Open Sans"/>
+              </a:rPr>
+              <a:t>Petit rappel :</a:t>
+            </a:r>
+            <a:r>
+              <a:rPr lang="fr-FR" b="0" i="0" dirty="0">
+                <a:solidFill>
+                  <a:srgbClr val="454C55"/>
+                </a:solidFill>
+                <a:effectLst/>
+                <a:latin typeface="Open Sans"/>
+              </a:rPr>
+              <a:t> l’encapsulation en langage orienté objet consiste à cacher l'implémentation de l'objet, en empêchant l'accès aux données par un autre moyen que les services proposés. L'encapsulation permet donc de garantir l'intégrité des données contenues dans l'objet. C'est l'un des principes les plus importants en POO</a:t>
+            </a:r>
+          </a:p>
+          <a:p>
+            <a:pPr algn="l"/>
+            <a:endParaRPr lang="fr-FR" b="0" i="0" dirty="0">
+              <a:solidFill>
+                <a:srgbClr val="454C55"/>
+              </a:solidFill>
+              <a:effectLst/>
+              <a:latin typeface="Open Sans"/>
+            </a:endParaRPr>
+          </a:p>
+          <a:p>
+            <a:pPr algn="l"/>
+            <a:r>
+              <a:rPr lang="fr-FR" b="0" i="0" dirty="0">
+                <a:solidFill>
+                  <a:srgbClr val="454C55"/>
+                </a:solidFill>
+                <a:effectLst/>
+                <a:latin typeface="Open Sans"/>
+              </a:rPr>
+              <a:t>Ce pattern permet en premier lieu, d'apporter une sécurité dans les applications, grâce à cette fameuse encapsulation. Mais il permet aussi supprimer toutes duplications de code, au moyen d'une abstraction qui va lui permettre de fonctionner sans connaître l'objet cible ! Plus d'abstraction permet donc une meilleure maintenance du code, permettant de facilement le modifier ou l'étendre.</a:t>
+            </a:r>
           </a:p>
         </p:txBody>
       </p:sp>
@@ -7236,7 +7220,7 @@
     </p:spTree>
     <p:extLst>
       <p:ext uri="{BB962C8B-B14F-4D97-AF65-F5344CB8AC3E}">
-        <p14:creationId xmlns:p14="http://schemas.microsoft.com/office/powerpoint/2010/main" val="852387929"/>
+        <p14:creationId xmlns:p14="http://schemas.microsoft.com/office/powerpoint/2010/main" val="294040962"/>
       </p:ext>
     </p:extLst>
   </p:cSld>
@@ -7291,14 +7275,14 @@
           <a:lstStyle/>
           <a:p>
             <a:r>
-              <a:rPr lang="en-US" sz="1200" dirty="0">
+              <a:rPr lang="en-US" sz="1200">
                 <a:solidFill>
                   <a:prstClr val="black"/>
                 </a:solidFill>
               </a:rPr>
               <a:t>© Copyright Showeet.com – Creative &amp; Free PowerPoint Templates</a:t>
             </a:r>
-            <a:endParaRPr lang="en-US" dirty="0"/>
+            <a:endParaRPr lang="en-US"/>
           </a:p>
         </p:txBody>
       </p:sp>
@@ -7329,7 +7313,7 @@
     </p:spTree>
     <p:extLst>
       <p:ext uri="{BB962C8B-B14F-4D97-AF65-F5344CB8AC3E}">
-        <p14:creationId xmlns:p14="http://schemas.microsoft.com/office/powerpoint/2010/main" val="3584205330"/>
+        <p14:creationId xmlns:p14="http://schemas.microsoft.com/office/powerpoint/2010/main" val="852387929"/>
       </p:ext>
     </p:extLst>
   </p:cSld>
@@ -7384,14 +7368,14 @@
           <a:lstStyle/>
           <a:p>
             <a:r>
-              <a:rPr lang="en-US" sz="1200">
+              <a:rPr lang="en-US" sz="1200" dirty="0">
                 <a:solidFill>
                   <a:prstClr val="black"/>
                 </a:solidFill>
               </a:rPr>
               <a:t>© Copyright Showeet.com – Creative &amp; Free PowerPoint Templates</a:t>
             </a:r>
-            <a:endParaRPr lang="en-US"/>
+            <a:endParaRPr lang="en-US" dirty="0"/>
           </a:p>
         </p:txBody>
       </p:sp>
@@ -7422,7 +7406,7 @@
     </p:spTree>
     <p:extLst>
       <p:ext uri="{BB962C8B-B14F-4D97-AF65-F5344CB8AC3E}">
-        <p14:creationId xmlns:p14="http://schemas.microsoft.com/office/powerpoint/2010/main" val="3552511973"/>
+        <p14:creationId xmlns:p14="http://schemas.microsoft.com/office/powerpoint/2010/main" val="3584205330"/>
       </p:ext>
     </p:extLst>
   </p:cSld>
@@ -7515,7 +7499,7 @@
     </p:spTree>
     <p:extLst>
       <p:ext uri="{BB962C8B-B14F-4D97-AF65-F5344CB8AC3E}">
-        <p14:creationId xmlns:p14="http://schemas.microsoft.com/office/powerpoint/2010/main" val="372831945"/>
+        <p14:creationId xmlns:p14="http://schemas.microsoft.com/office/powerpoint/2010/main" val="3552511973"/>
       </p:ext>
     </p:extLst>
   </p:cSld>
@@ -7662,23 +7646,6 @@
           <a:bodyPr/>
           <a:lstStyle/>
           <a:p>
-            <a:pPr marL="0" marR="0" lvl="0" indent="0" algn="l" defTabSz="914354" rtl="0" eaLnBrk="1" fontAlgn="auto" latinLnBrk="0" hangingPunct="1">
-              <a:lnSpc>
-                <a:spcPct val="100000"/>
-              </a:lnSpc>
-              <a:spcBef>
-                <a:spcPts val="0"/>
-              </a:spcBef>
-              <a:spcAft>
-                <a:spcPts val="0"/>
-              </a:spcAft>
-              <a:buClrTx/>
-              <a:buSzTx/>
-              <a:buFontTx/>
-              <a:buNone/>
-              <a:tabLst/>
-              <a:defRPr/>
-            </a:pPr>
             <a:r>
               <a:rPr lang="en-US" sz="1200">
                 <a:solidFill>
@@ -7687,6 +7654,7 @@
               </a:rPr>
               <a:t>© Copyright Showeet.com – Creative &amp; Free PowerPoint Templates</a:t>
             </a:r>
+            <a:endParaRPr lang="en-US"/>
           </a:p>
         </p:txBody>
       </p:sp>
@@ -7717,7 +7685,7 @@
     </p:spTree>
     <p:extLst>
       <p:ext uri="{BB962C8B-B14F-4D97-AF65-F5344CB8AC3E}">
-        <p14:creationId xmlns:p14="http://schemas.microsoft.com/office/powerpoint/2010/main" val="3712232617"/>
+        <p14:creationId xmlns:p14="http://schemas.microsoft.com/office/powerpoint/2010/main" val="372831945"/>
       </p:ext>
     </p:extLst>
   </p:cSld>
@@ -7826,7 +7794,7 @@
     </p:spTree>
     <p:extLst>
       <p:ext uri="{BB962C8B-B14F-4D97-AF65-F5344CB8AC3E}">
-        <p14:creationId xmlns:p14="http://schemas.microsoft.com/office/powerpoint/2010/main" val="728853620"/>
+        <p14:creationId xmlns:p14="http://schemas.microsoft.com/office/powerpoint/2010/main" val="3712232617"/>
       </p:ext>
     </p:extLst>
   </p:cSld>
@@ -7880,6 +7848,23 @@
           <a:bodyPr/>
           <a:lstStyle/>
           <a:p>
+            <a:pPr marL="0" marR="0" lvl="0" indent="0" algn="l" defTabSz="914354" rtl="0" eaLnBrk="1" fontAlgn="auto" latinLnBrk="0" hangingPunct="1">
+              <a:lnSpc>
+                <a:spcPct val="100000"/>
+              </a:lnSpc>
+              <a:spcBef>
+                <a:spcPts val="0"/>
+              </a:spcBef>
+              <a:spcAft>
+                <a:spcPts val="0"/>
+              </a:spcAft>
+              <a:buClrTx/>
+              <a:buSzTx/>
+              <a:buFontTx/>
+              <a:buNone/>
+              <a:tabLst/>
+              <a:defRPr/>
+            </a:pPr>
             <a:r>
               <a:rPr lang="en-US" sz="1200">
                 <a:solidFill>
@@ -7888,7 +7873,6 @@
               </a:rPr>
               <a:t>© Copyright Showeet.com – Creative &amp; Free PowerPoint Templates</a:t>
             </a:r>
-            <a:endParaRPr lang="en-US"/>
           </a:p>
         </p:txBody>
       </p:sp>
@@ -7919,7 +7903,7 @@
     </p:spTree>
     <p:extLst>
       <p:ext uri="{BB962C8B-B14F-4D97-AF65-F5344CB8AC3E}">
-        <p14:creationId xmlns:p14="http://schemas.microsoft.com/office/powerpoint/2010/main" val="768886820"/>
+        <p14:creationId xmlns:p14="http://schemas.microsoft.com/office/powerpoint/2010/main" val="728853620"/>
       </p:ext>
     </p:extLst>
   </p:cSld>
@@ -8012,7 +7996,7 @@
     </p:spTree>
     <p:extLst>
       <p:ext uri="{BB962C8B-B14F-4D97-AF65-F5344CB8AC3E}">
-        <p14:creationId xmlns:p14="http://schemas.microsoft.com/office/powerpoint/2010/main" val="3574797035"/>
+        <p14:creationId xmlns:p14="http://schemas.microsoft.com/office/powerpoint/2010/main" val="768886820"/>
       </p:ext>
     </p:extLst>
   </p:cSld>
@@ -8105,7 +8089,7 @@
     </p:spTree>
     <p:extLst>
       <p:ext uri="{BB962C8B-B14F-4D97-AF65-F5344CB8AC3E}">
-        <p14:creationId xmlns:p14="http://schemas.microsoft.com/office/powerpoint/2010/main" val="2069290823"/>
+        <p14:creationId xmlns:p14="http://schemas.microsoft.com/office/powerpoint/2010/main" val="3574797035"/>
       </p:ext>
     </p:extLst>
   </p:cSld>
@@ -8198,7 +8182,7 @@
     </p:spTree>
     <p:extLst>
       <p:ext uri="{BB962C8B-B14F-4D97-AF65-F5344CB8AC3E}">
-        <p14:creationId xmlns:p14="http://schemas.microsoft.com/office/powerpoint/2010/main" val="3206035147"/>
+        <p14:creationId xmlns:p14="http://schemas.microsoft.com/office/powerpoint/2010/main" val="2069290823"/>
       </p:ext>
     </p:extLst>
   </p:cSld>
@@ -8291,7 +8275,7 @@
     </p:spTree>
     <p:extLst>
       <p:ext uri="{BB962C8B-B14F-4D97-AF65-F5344CB8AC3E}">
-        <p14:creationId xmlns:p14="http://schemas.microsoft.com/office/powerpoint/2010/main" val="3828291125"/>
+        <p14:creationId xmlns:p14="http://schemas.microsoft.com/office/powerpoint/2010/main" val="3444704761"/>
       </p:ext>
     </p:extLst>
   </p:cSld>
@@ -8345,23 +8329,6 @@
           <a:bodyPr/>
           <a:lstStyle/>
           <a:p>
-            <a:pPr marL="0" marR="0" lvl="0" indent="0" algn="l" defTabSz="914400" rtl="0" eaLnBrk="1" fontAlgn="auto" latinLnBrk="0" hangingPunct="1">
-              <a:lnSpc>
-                <a:spcPct val="100000"/>
-              </a:lnSpc>
-              <a:spcBef>
-                <a:spcPts val="0"/>
-              </a:spcBef>
-              <a:spcAft>
-                <a:spcPts val="0"/>
-              </a:spcAft>
-              <a:buClrTx/>
-              <a:buSzTx/>
-              <a:buFontTx/>
-              <a:buNone/>
-              <a:tabLst/>
-              <a:defRPr/>
-            </a:pPr>
             <a:r>
               <a:rPr lang="en-US" sz="1200">
                 <a:solidFill>
@@ -8370,6 +8337,7 @@
               </a:rPr>
               <a:t>© Copyright Showeet.com – Creative &amp; Free PowerPoint Templates</a:t>
             </a:r>
+            <a:endParaRPr lang="en-US"/>
           </a:p>
         </p:txBody>
       </p:sp>
@@ -8388,78 +8356,19 @@
           <a:bodyPr/>
           <a:lstStyle/>
           <a:p>
-            <a:pPr marL="0" marR="0" lvl="0" indent="0" algn="r" defTabSz="914400" rtl="0" eaLnBrk="1" fontAlgn="auto" latinLnBrk="0" hangingPunct="1">
-              <a:lnSpc>
-                <a:spcPct val="100000"/>
-              </a:lnSpc>
-              <a:spcBef>
-                <a:spcPts val="0"/>
-              </a:spcBef>
-              <a:spcAft>
-                <a:spcPts val="0"/>
-              </a:spcAft>
-              <a:buClrTx/>
-              <a:buSzTx/>
-              <a:buFontTx/>
-              <a:buNone/>
-              <a:tabLst/>
-              <a:defRPr/>
-            </a:pPr>
-            <a:fld id="{06BEB3AE-8E34-4534-922B-E380FB565A43}" type="slidenum">
-              <a:rPr kumimoji="0" lang="en-US" sz="1200" b="0" i="0" u="none" strike="noStrike" kern="1200" cap="none" spc="0" normalizeH="0" baseline="0" noProof="0" smtClean="0">
-                <a:ln>
-                  <a:noFill/>
-                </a:ln>
-                <a:solidFill>
-                  <a:prstClr val="black"/>
-                </a:solidFill>
-                <a:effectLst/>
-                <a:uLnTx/>
-                <a:uFillTx/>
-                <a:latin typeface="Calibri" panose="020F0502020204030204"/>
-                <a:ea typeface="+mn-ea"/>
-                <a:cs typeface="+mn-cs"/>
-              </a:rPr>
-              <a:pPr marL="0" marR="0" lvl="0" indent="0" algn="r" defTabSz="914400" rtl="0" eaLnBrk="1" fontAlgn="auto" latinLnBrk="0" hangingPunct="1">
-                <a:lnSpc>
-                  <a:spcPct val="100000"/>
-                </a:lnSpc>
-                <a:spcBef>
-                  <a:spcPts val="0"/>
-                </a:spcBef>
-                <a:spcAft>
-                  <a:spcPts val="0"/>
-                </a:spcAft>
-                <a:buClrTx/>
-                <a:buSzTx/>
-                <a:buFontTx/>
-                <a:buNone/>
-                <a:tabLst/>
-                <a:defRPr/>
-              </a:pPr>
+            <a:fld id="{2CA3AB2B-189A-4C92-A457-C6A3833631A7}" type="slidenum">
+              <a:rPr lang="en-US" smtClean="0"/>
+              <a:pPr/>
               <a:t>27</a:t>
             </a:fld>
-            <a:endParaRPr kumimoji="0" lang="en-US" sz="1200" b="0" i="0" u="none" strike="noStrike" kern="1200" cap="none" spc="0" normalizeH="0" baseline="0" noProof="0">
-              <a:ln>
-                <a:noFill/>
-              </a:ln>
-              <a:solidFill>
-                <a:prstClr val="black"/>
-              </a:solidFill>
-              <a:effectLst/>
-              <a:uLnTx/>
-              <a:uFillTx/>
-              <a:latin typeface="Calibri" panose="020F0502020204030204"/>
-              <a:ea typeface="+mn-ea"/>
-              <a:cs typeface="+mn-cs"/>
-            </a:endParaRPr>
+            <a:endParaRPr lang="en-US"/>
           </a:p>
         </p:txBody>
       </p:sp>
     </p:spTree>
     <p:extLst>
       <p:ext uri="{BB962C8B-B14F-4D97-AF65-F5344CB8AC3E}">
-        <p14:creationId xmlns:p14="http://schemas.microsoft.com/office/powerpoint/2010/main" val="3325128512"/>
+        <p14:creationId xmlns:p14="http://schemas.microsoft.com/office/powerpoint/2010/main" val="3828291125"/>
       </p:ext>
     </p:extLst>
   </p:cSld>
@@ -8627,7 +8536,7 @@
     </p:spTree>
     <p:extLst>
       <p:ext uri="{BB962C8B-B14F-4D97-AF65-F5344CB8AC3E}">
-        <p14:creationId xmlns:p14="http://schemas.microsoft.com/office/powerpoint/2010/main" val="1862392583"/>
+        <p14:creationId xmlns:p14="http://schemas.microsoft.com/office/powerpoint/2010/main" val="3325128512"/>
       </p:ext>
     </p:extLst>
   </p:cSld>
@@ -8795,7 +8704,7 @@
     </p:spTree>
     <p:extLst>
       <p:ext uri="{BB962C8B-B14F-4D97-AF65-F5344CB8AC3E}">
-        <p14:creationId xmlns:p14="http://schemas.microsoft.com/office/powerpoint/2010/main" val="1457261396"/>
+        <p14:creationId xmlns:p14="http://schemas.microsoft.com/office/powerpoint/2010/main" val="1862392583"/>
       </p:ext>
     </p:extLst>
   </p:cSld>
@@ -9052,7 +8961,7 @@
     </p:spTree>
     <p:extLst>
       <p:ext uri="{BB962C8B-B14F-4D97-AF65-F5344CB8AC3E}">
-        <p14:creationId xmlns:p14="http://schemas.microsoft.com/office/powerpoint/2010/main" val="2390194218"/>
+        <p14:creationId xmlns:p14="http://schemas.microsoft.com/office/powerpoint/2010/main" val="1457261396"/>
       </p:ext>
     </p:extLst>
   </p:cSld>
@@ -9106,6 +9015,23 @@
           <a:bodyPr/>
           <a:lstStyle/>
           <a:p>
+            <a:pPr marL="0" marR="0" lvl="0" indent="0" algn="l" defTabSz="914400" rtl="0" eaLnBrk="1" fontAlgn="auto" latinLnBrk="0" hangingPunct="1">
+              <a:lnSpc>
+                <a:spcPct val="100000"/>
+              </a:lnSpc>
+              <a:spcBef>
+                <a:spcPts val="0"/>
+              </a:spcBef>
+              <a:spcAft>
+                <a:spcPts val="0"/>
+              </a:spcAft>
+              <a:buClrTx/>
+              <a:buSzTx/>
+              <a:buFontTx/>
+              <a:buNone/>
+              <a:tabLst/>
+              <a:defRPr/>
+            </a:pPr>
             <a:r>
               <a:rPr lang="en-US" sz="1200">
                 <a:solidFill>
@@ -9114,7 +9040,6 @@
               </a:rPr>
               <a:t>© Copyright Showeet.com – Creative &amp; Free PowerPoint Templates</a:t>
             </a:r>
-            <a:endParaRPr lang="en-US"/>
           </a:p>
         </p:txBody>
       </p:sp>
@@ -9133,10 +9058,162 @@
           <a:bodyPr/>
           <a:lstStyle/>
           <a:p>
+            <a:pPr marL="0" marR="0" lvl="0" indent="0" algn="r" defTabSz="914400" rtl="0" eaLnBrk="1" fontAlgn="auto" latinLnBrk="0" hangingPunct="1">
+              <a:lnSpc>
+                <a:spcPct val="100000"/>
+              </a:lnSpc>
+              <a:spcBef>
+                <a:spcPts val="0"/>
+              </a:spcBef>
+              <a:spcAft>
+                <a:spcPts val="0"/>
+              </a:spcAft>
+              <a:buClrTx/>
+              <a:buSzTx/>
+              <a:buFontTx/>
+              <a:buNone/>
+              <a:tabLst/>
+              <a:defRPr/>
+            </a:pPr>
+            <a:fld id="{06BEB3AE-8E34-4534-922B-E380FB565A43}" type="slidenum">
+              <a:rPr kumimoji="0" lang="en-US" sz="1200" b="0" i="0" u="none" strike="noStrike" kern="1200" cap="none" spc="0" normalizeH="0" baseline="0" noProof="0" smtClean="0">
+                <a:ln>
+                  <a:noFill/>
+                </a:ln>
+                <a:solidFill>
+                  <a:prstClr val="black"/>
+                </a:solidFill>
+                <a:effectLst/>
+                <a:uLnTx/>
+                <a:uFillTx/>
+                <a:latin typeface="Calibri" panose="020F0502020204030204"/>
+                <a:ea typeface="+mn-ea"/>
+                <a:cs typeface="+mn-cs"/>
+              </a:rPr>
+              <a:pPr marL="0" marR="0" lvl="0" indent="0" algn="r" defTabSz="914400" rtl="0" eaLnBrk="1" fontAlgn="auto" latinLnBrk="0" hangingPunct="1">
+                <a:lnSpc>
+                  <a:spcPct val="100000"/>
+                </a:lnSpc>
+                <a:spcBef>
+                  <a:spcPts val="0"/>
+                </a:spcBef>
+                <a:spcAft>
+                  <a:spcPts val="0"/>
+                </a:spcAft>
+                <a:buClrTx/>
+                <a:buSzTx/>
+                <a:buFontTx/>
+                <a:buNone/>
+                <a:tabLst/>
+                <a:defRPr/>
+              </a:pPr>
+              <a:t>31</a:t>
+            </a:fld>
+            <a:endParaRPr kumimoji="0" lang="en-US" sz="1200" b="0" i="0" u="none" strike="noStrike" kern="1200" cap="none" spc="0" normalizeH="0" baseline="0" noProof="0">
+              <a:ln>
+                <a:noFill/>
+              </a:ln>
+              <a:solidFill>
+                <a:prstClr val="black"/>
+              </a:solidFill>
+              <a:effectLst/>
+              <a:uLnTx/>
+              <a:uFillTx/>
+              <a:latin typeface="Calibri" panose="020F0502020204030204"/>
+              <a:ea typeface="+mn-ea"/>
+              <a:cs typeface="+mn-cs"/>
+            </a:endParaRPr>
+          </a:p>
+        </p:txBody>
+      </p:sp>
+    </p:spTree>
+    <p:extLst>
+      <p:ext uri="{BB962C8B-B14F-4D97-AF65-F5344CB8AC3E}">
+        <p14:creationId xmlns:p14="http://schemas.microsoft.com/office/powerpoint/2010/main" val="2390194218"/>
+      </p:ext>
+    </p:extLst>
+  </p:cSld>
+  <p:clrMapOvr>
+    <a:masterClrMapping/>
+  </p:clrMapOvr>
+</p:notes>
+</file>
+
+<file path=ppt/notesSlides/notesSlide32.xml><?xml version="1.0" encoding="utf-8"?>
+<p:notes xmlns:a="http://schemas.openxmlformats.org/drawingml/2006/main" xmlns:r="http://schemas.openxmlformats.org/officeDocument/2006/relationships" xmlns:p="http://schemas.openxmlformats.org/presentationml/2006/main">
+  <p:cSld>
+    <p:spTree>
+      <p:nvGrpSpPr>
+        <p:cNvPr id="1" name=""/>
+        <p:cNvGrpSpPr/>
+        <p:nvPr/>
+      </p:nvGrpSpPr>
+      <p:grpSpPr>
+        <a:xfrm>
+          <a:off x="0" y="0"/>
+          <a:ext cx="0" cy="0"/>
+          <a:chOff x="0" y="0"/>
+          <a:chExt cx="0" cy="0"/>
+        </a:xfrm>
+      </p:grpSpPr>
+      <p:sp>
+        <p:nvSpPr>
+          <p:cNvPr id="2" name="Slide Image Placeholder 1"/>
+          <p:cNvSpPr>
+            <a:spLocks noGrp="1" noRot="1" noChangeAspect="1"/>
+          </p:cNvSpPr>
+          <p:nvPr>
+            <p:ph type="sldImg"/>
+          </p:nvPr>
+        </p:nvSpPr>
+        <p:spPr/>
+      </p:sp>
+      <p:sp>
+        <p:nvSpPr>
+          <p:cNvPr id="3" name="Notes Placeholder 2"/>
+          <p:cNvSpPr>
+            <a:spLocks noGrp="1"/>
+          </p:cNvSpPr>
+          <p:nvPr>
+            <p:ph type="body" idx="1"/>
+          </p:nvPr>
+        </p:nvSpPr>
+        <p:spPr/>
+        <p:txBody>
+          <a:bodyPr/>
+          <a:lstStyle/>
+          <a:p>
+            <a:r>
+              <a:rPr lang="en-US" sz="1200">
+                <a:solidFill>
+                  <a:prstClr val="black"/>
+                </a:solidFill>
+              </a:rPr>
+              <a:t>© Copyright Showeet.com – Creative &amp; Free PowerPoint Templates</a:t>
+            </a:r>
+            <a:endParaRPr lang="en-US"/>
+          </a:p>
+        </p:txBody>
+      </p:sp>
+      <p:sp>
+        <p:nvSpPr>
+          <p:cNvPr id="4" name="Slide Number Placeholder 3"/>
+          <p:cNvSpPr>
+            <a:spLocks noGrp="1"/>
+          </p:cNvSpPr>
+          <p:nvPr>
+            <p:ph type="sldNum" sz="quarter" idx="10"/>
+          </p:nvPr>
+        </p:nvSpPr>
+        <p:spPr/>
+        <p:txBody>
+          <a:bodyPr/>
+          <a:lstStyle/>
+          <a:p>
             <a:fld id="{2CA3AB2B-189A-4C92-A457-C6A3833631A7}" type="slidenum">
               <a:rPr lang="en-US" smtClean="0"/>
               <a:pPr/>
-              <a:t>31</a:t>
+              <a:t>32</a:t>
             </a:fld>
             <a:endParaRPr lang="en-US"/>
           </a:p>
@@ -9205,7 +9282,7 @@
                   <a:prstClr val="black"/>
                 </a:solidFill>
               </a:rPr>
-              <a:t>Premier chapitre : Quels problèmes cherchons nous à résoudre ?</a:t>
+              <a:t>Chapitre 1 : Quels problèmes cherchons nous à résoudre ?</a:t>
             </a:r>
             <a:endParaRPr lang="fr-FR" noProof="0" dirty="0"/>
           </a:p>
@@ -29900,10 +29977,10 @@
           <a:lstStyle/>
           <a:p>
             <a:r>
-              <a:rPr lang="fr-FR"/>
+              <a:rPr lang="fr-FR" dirty="0"/>
               <a:t>Command &amp; Memento - Aurélien BOUDIER</a:t>
             </a:r>
-            <a:endParaRPr lang="en-US"/>
+            <a:endParaRPr lang="en-US" dirty="0"/>
           </a:p>
         </p:txBody>
       </p:sp>
@@ -30072,6 +30149,150 @@
 <file path=ppt/slides/slide15.xml><?xml version="1.0" encoding="utf-8"?>
 <p:sld xmlns:a="http://schemas.openxmlformats.org/drawingml/2006/main" xmlns:r="http://schemas.openxmlformats.org/officeDocument/2006/relationships" xmlns:p="http://schemas.openxmlformats.org/presentationml/2006/main">
   <p:cSld>
+    <p:bg>
+      <p:bgPr>
+        <a:solidFill>
+          <a:schemeClr val="bg1"/>
+        </a:solidFill>
+        <a:effectLst/>
+      </p:bgPr>
+    </p:bg>
+    <p:spTree>
+      <p:nvGrpSpPr>
+        <p:cNvPr id="1" name=""/>
+        <p:cNvGrpSpPr/>
+        <p:nvPr/>
+      </p:nvGrpSpPr>
+      <p:grpSpPr>
+        <a:xfrm>
+          <a:off x="0" y="0"/>
+          <a:ext cx="0" cy="0"/>
+          <a:chOff x="0" y="0"/>
+          <a:chExt cx="0" cy="0"/>
+        </a:xfrm>
+      </p:grpSpPr>
+      <p:sp>
+        <p:nvSpPr>
+          <p:cNvPr id="8" name="Text Placeholder 7">
+            <a:extLst>
+              <a:ext uri="{FF2B5EF4-FFF2-40B4-BE49-F238E27FC236}">
+                <a16:creationId xmlns:a16="http://schemas.microsoft.com/office/drawing/2014/main" id="{07704995-E660-48D5-8798-BD60B286721C}"/>
+              </a:ext>
+            </a:extLst>
+          </p:cNvPr>
+          <p:cNvSpPr>
+            <a:spLocks noGrp="1"/>
+          </p:cNvSpPr>
+          <p:nvPr>
+            <p:ph type="body" sz="quarter" idx="13"/>
+          </p:nvPr>
+        </p:nvSpPr>
+        <p:spPr>
+          <a:xfrm>
+            <a:off x="659456" y="2008910"/>
+            <a:ext cx="10153129" cy="3699442"/>
+          </a:xfrm>
+        </p:spPr>
+        <p:txBody>
+          <a:bodyPr>
+            <a:normAutofit/>
+          </a:bodyPr>
+          <a:lstStyle/>
+          <a:p>
+            <a:r>
+              <a:rPr lang="fr-FR" sz="6600" b="1" dirty="0"/>
+              <a:t>Le pattern Command consiste à encapsuler une requête en tant qu'objet.</a:t>
+            </a:r>
+          </a:p>
+        </p:txBody>
+      </p:sp>
+      <p:sp>
+        <p:nvSpPr>
+          <p:cNvPr id="12" name="Date Placeholder 11">
+            <a:extLst>
+              <a:ext uri="{FF2B5EF4-FFF2-40B4-BE49-F238E27FC236}">
+                <a16:creationId xmlns:a16="http://schemas.microsoft.com/office/drawing/2014/main" id="{ECD35940-9A65-430A-B252-2AA11B671BC5}"/>
+              </a:ext>
+            </a:extLst>
+          </p:cNvPr>
+          <p:cNvSpPr>
+            <a:spLocks noGrp="1"/>
+          </p:cNvSpPr>
+          <p:nvPr>
+            <p:ph type="dt" sz="half" idx="10"/>
+          </p:nvPr>
+        </p:nvSpPr>
+        <p:spPr>
+          <a:xfrm>
+            <a:off x="911424" y="6356350"/>
+            <a:ext cx="2669976" cy="365125"/>
+          </a:xfrm>
+        </p:spPr>
+        <p:txBody>
+          <a:bodyPr/>
+          <a:lstStyle/>
+          <a:p>
+            <a:r>
+              <a:rPr lang="fr-FR" dirty="0">
+                <a:solidFill>
+                  <a:srgbClr val="403551"/>
+                </a:solidFill>
+              </a:rPr>
+              <a:t>04 février 2021</a:t>
+            </a:r>
+            <a:endParaRPr lang="en-US" dirty="0">
+              <a:solidFill>
+                <a:srgbClr val="403551"/>
+              </a:solidFill>
+            </a:endParaRPr>
+          </a:p>
+        </p:txBody>
+      </p:sp>
+      <p:sp>
+        <p:nvSpPr>
+          <p:cNvPr id="13" name="Footer Placeholder 12">
+            <a:extLst>
+              <a:ext uri="{FF2B5EF4-FFF2-40B4-BE49-F238E27FC236}">
+                <a16:creationId xmlns:a16="http://schemas.microsoft.com/office/drawing/2014/main" id="{38793FD4-AB63-44F6-A614-0B1CC3F737B5}"/>
+              </a:ext>
+            </a:extLst>
+          </p:cNvPr>
+          <p:cNvSpPr>
+            <a:spLocks noGrp="1"/>
+          </p:cNvSpPr>
+          <p:nvPr>
+            <p:ph type="ftr" sz="quarter" idx="11"/>
+          </p:nvPr>
+        </p:nvSpPr>
+        <p:spPr/>
+        <p:txBody>
+          <a:bodyPr/>
+          <a:lstStyle/>
+          <a:p>
+            <a:r>
+              <a:rPr lang="fr-FR" dirty="0"/>
+              <a:t>Command &amp; Memento - Aurélien BOUDIER</a:t>
+            </a:r>
+            <a:endParaRPr lang="en-US" dirty="0"/>
+          </a:p>
+        </p:txBody>
+      </p:sp>
+    </p:spTree>
+    <p:extLst>
+      <p:ext uri="{BB962C8B-B14F-4D97-AF65-F5344CB8AC3E}">
+        <p14:creationId xmlns:p14="http://schemas.microsoft.com/office/powerpoint/2010/main" val="1900086683"/>
+      </p:ext>
+    </p:extLst>
+  </p:cSld>
+  <p:clrMapOvr>
+    <a:masterClrMapping/>
+  </p:clrMapOvr>
+</p:sld>
+</file>
+
+<file path=ppt/slides/slide16.xml><?xml version="1.0" encoding="utf-8"?>
+<p:sld xmlns:a="http://schemas.openxmlformats.org/drawingml/2006/main" xmlns:r="http://schemas.openxmlformats.org/officeDocument/2006/relationships" xmlns:p="http://schemas.openxmlformats.org/presentationml/2006/main">
+  <p:cSld>
     <p:spTree>
       <p:nvGrpSpPr>
         <p:cNvPr id="1" name=""/>
@@ -30104,150 +30325,12 @@
           <a:lstStyle/>
           <a:p>
             <a:r>
-              <a:rPr lang="fr-FR" dirty="0"/>
-              <a:t>Use a </a:t>
-            </a:r>
-            <a:r>
-              <a:rPr lang="fr-FR" dirty="0" err="1"/>
-              <a:t>title</a:t>
-            </a:r>
-            <a:r>
-              <a:rPr lang="fr-FR" dirty="0"/>
-              <a:t> </a:t>
-            </a:r>
-            <a:r>
-              <a:rPr lang="fr-FR" dirty="0" err="1"/>
-              <a:t>with</a:t>
-            </a:r>
-            <a:r>
-              <a:rPr lang="fr-FR" dirty="0"/>
-              <a:t> </a:t>
-            </a:r>
-            <a:r>
-              <a:rPr lang="fr-FR" dirty="0" err="1">
+              <a:rPr lang="fr-FR" dirty="0">
                 <a:solidFill>
-                  <a:schemeClr val="accent2"/>
+                  <a:srgbClr val="403551"/>
                 </a:solidFill>
               </a:rPr>
-              <a:t>specific</a:t>
-            </a:r>
-            <a:r>
-              <a:rPr lang="fr-FR" dirty="0"/>
-              <a:t> &amp; </a:t>
-            </a:r>
-            <a:r>
-              <a:rPr lang="fr-FR" dirty="0">
-                <a:solidFill>
-                  <a:schemeClr val="accent2"/>
-                </a:solidFill>
-              </a:rPr>
-              <a:t>relevant</a:t>
-            </a:r>
-            <a:r>
-              <a:rPr lang="fr-FR" dirty="0"/>
-              <a:t> (</a:t>
-            </a:r>
-            <a:r>
-              <a:rPr lang="fr-FR" dirty="0" err="1"/>
-              <a:t>only</a:t>
-            </a:r>
-            <a:r>
-              <a:rPr lang="fr-FR" dirty="0"/>
-              <a:t>) content</a:t>
-            </a:r>
-          </a:p>
-        </p:txBody>
-      </p:sp>
-      <p:sp>
-        <p:nvSpPr>
-          <p:cNvPr id="10" name="Content Placeholder 9"/>
-          <p:cNvSpPr>
-            <a:spLocks noGrp="1"/>
-          </p:cNvSpPr>
-          <p:nvPr>
-            <p:ph idx="1"/>
-          </p:nvPr>
-        </p:nvSpPr>
-        <p:spPr/>
-        <p:txBody>
-          <a:bodyPr>
-            <a:normAutofit/>
-          </a:bodyPr>
-          <a:lstStyle/>
-          <a:p>
-            <a:pPr marL="511175" indent="-511175"/>
-            <a:r>
-              <a:rPr lang="en-US" dirty="0"/>
-              <a:t>People </a:t>
-            </a:r>
-            <a:r>
-              <a:rPr lang="en-US" cap="all" dirty="0">
-                <a:solidFill>
-                  <a:schemeClr val="accent3"/>
-                </a:solidFill>
-              </a:rPr>
-              <a:t>can’t</a:t>
-            </a:r>
-            <a:r>
-              <a:rPr lang="en-US" dirty="0"/>
-              <a:t> listen while reading your slide.</a:t>
-            </a:r>
-          </a:p>
-          <a:p>
-            <a:pPr marL="511175" indent="-511175"/>
-            <a:r>
-              <a:rPr lang="en-US" dirty="0"/>
-              <a:t>Always stick to the </a:t>
-            </a:r>
-            <a:r>
-              <a:rPr lang="en-US" dirty="0">
-                <a:solidFill>
-                  <a:schemeClr val="accent3"/>
-                </a:solidFill>
-              </a:rPr>
-              <a:t>most important </a:t>
-            </a:r>
-            <a:r>
-              <a:rPr lang="en-US" dirty="0"/>
-              <a:t>message.</a:t>
-            </a:r>
-          </a:p>
-          <a:p>
-            <a:pPr marL="511175" indent="-511175"/>
-            <a:r>
-              <a:rPr lang="en-US" dirty="0"/>
-              <a:t>Less is more… be </a:t>
-            </a:r>
-            <a:r>
-              <a:rPr lang="en-US" cap="all" dirty="0">
-                <a:solidFill>
-                  <a:schemeClr val="accent3"/>
-                </a:solidFill>
-              </a:rPr>
-              <a:t>concise</a:t>
-            </a:r>
-            <a:r>
-              <a:rPr lang="en-US" dirty="0"/>
-              <a:t>.</a:t>
-            </a:r>
-          </a:p>
-          <a:p>
-            <a:pPr marL="511175" indent="-511175"/>
-            <a:r>
-              <a:rPr lang="en-US" dirty="0"/>
-              <a:t>And don’t kill your presentation with too many bullet point slides. Use </a:t>
-            </a:r>
-            <a:r>
-              <a:rPr lang="en-US" cap="all" dirty="0">
-                <a:solidFill>
-                  <a:schemeClr val="accent3"/>
-                </a:solidFill>
-              </a:rPr>
-              <a:t>visuals</a:t>
-            </a:r>
-            <a:r>
-              <a:rPr lang="en-US" dirty="0"/>
-              <a:t> instead!</a:t>
+              <a:t>Diagramme générique  </a:t>
             </a:r>
           </a:p>
         </p:txBody>
@@ -30262,42 +30345,54 @@
             <p:ph type="dt" sz="half" idx="10"/>
           </p:nvPr>
         </p:nvSpPr>
-        <p:spPr/>
+        <p:spPr>
+          <a:xfrm>
+            <a:off x="200392" y="6324652"/>
+            <a:ext cx="2743200" cy="365125"/>
+          </a:xfrm>
+        </p:spPr>
         <p:txBody>
           <a:bodyPr/>
           <a:lstStyle/>
           <a:p>
             <a:r>
-              <a:rPr lang="fr-FR"/>
+              <a:rPr lang="fr-FR" dirty="0"/>
               <a:t>04 février 2021</a:t>
             </a:r>
-            <a:endParaRPr lang="en-US"/>
+            <a:endParaRPr lang="en-US" dirty="0"/>
           </a:p>
         </p:txBody>
       </p:sp>
-      <p:sp>
-        <p:nvSpPr>
-          <p:cNvPr id="4" name="Footer Placeholder 3"/>
-          <p:cNvSpPr>
-            <a:spLocks noGrp="1"/>
-          </p:cNvSpPr>
-          <p:nvPr>
-            <p:ph type="ftr" sz="quarter" idx="11"/>
-          </p:nvPr>
-        </p:nvSpPr>
-        <p:spPr/>
-        <p:txBody>
-          <a:bodyPr/>
-          <a:lstStyle/>
-          <a:p>
-            <a:r>
-              <a:rPr lang="fr-FR"/>
-              <a:t>Command &amp; Memento - Aurélien BOUDIER</a:t>
-            </a:r>
-            <a:endParaRPr lang="en-US"/>
-          </a:p>
-        </p:txBody>
-      </p:sp>
+      <p:pic>
+        <p:nvPicPr>
+          <p:cNvPr id="8" name="Image 7">
+            <a:extLst>
+              <a:ext uri="{FF2B5EF4-FFF2-40B4-BE49-F238E27FC236}">
+                <a16:creationId xmlns:a16="http://schemas.microsoft.com/office/drawing/2014/main" id="{96EF5DC6-2698-4773-855A-903DDC085934}"/>
+              </a:ext>
+            </a:extLst>
+          </p:cNvPr>
+          <p:cNvPicPr>
+            <a:picLocks noChangeAspect="1"/>
+          </p:cNvPicPr>
+          <p:nvPr/>
+        </p:nvPicPr>
+        <p:blipFill>
+          <a:blip r:embed="rId3"/>
+          <a:stretch>
+            <a:fillRect/>
+          </a:stretch>
+        </p:blipFill>
+        <p:spPr>
+          <a:xfrm>
+            <a:off x="2406169" y="296922"/>
+            <a:ext cx="9581895" cy="6264155"/>
+          </a:xfrm>
+          <a:prstGeom prst="rect">
+            <a:avLst/>
+          </a:prstGeom>
+        </p:spPr>
+      </p:pic>
       <p:sp>
         <p:nvSpPr>
           <p:cNvPr id="11" name="Text Placeholder 10">
@@ -30339,7 +30434,7 @@
 </p:sld>
 </file>
 
-<file path=ppt/slides/slide16.xml><?xml version="1.0" encoding="utf-8"?>
+<file path=ppt/slides/slide17.xml><?xml version="1.0" encoding="utf-8"?>
 <p:sld xmlns:a="http://schemas.openxmlformats.org/drawingml/2006/main" xmlns:r="http://schemas.openxmlformats.org/officeDocument/2006/relationships" xmlns:p="http://schemas.openxmlformats.org/presentationml/2006/main">
   <p:cSld>
     <p:spTree>
@@ -30480,7 +30575,7 @@
 </p:sld>
 </file>
 
-<file path=ppt/slides/slide17.xml><?xml version="1.0" encoding="utf-8"?>
+<file path=ppt/slides/slide18.xml><?xml version="1.0" encoding="utf-8"?>
 <p:sld xmlns:a="http://schemas.openxmlformats.org/drawingml/2006/main" xmlns:r="http://schemas.openxmlformats.org/officeDocument/2006/relationships" xmlns:p="http://schemas.openxmlformats.org/presentationml/2006/main">
   <p:cSld>
     <p:bg>
@@ -30620,116 +30715,6 @@
     <p:extLst>
       <p:ext uri="{BB962C8B-B14F-4D97-AF65-F5344CB8AC3E}">
         <p14:creationId xmlns:p14="http://schemas.microsoft.com/office/powerpoint/2010/main" val="2565046013"/>
-      </p:ext>
-    </p:extLst>
-  </p:cSld>
-  <p:clrMapOvr>
-    <a:masterClrMapping/>
-  </p:clrMapOvr>
-</p:sld>
-</file>
-
-<file path=ppt/slides/slide18.xml><?xml version="1.0" encoding="utf-8"?>
-<p:sld xmlns:a="http://schemas.openxmlformats.org/drawingml/2006/main" xmlns:r="http://schemas.openxmlformats.org/officeDocument/2006/relationships" xmlns:p="http://schemas.openxmlformats.org/presentationml/2006/main">
-  <p:cSld>
-    <p:spTree>
-      <p:nvGrpSpPr>
-        <p:cNvPr id="1" name=""/>
-        <p:cNvGrpSpPr/>
-        <p:nvPr/>
-      </p:nvGrpSpPr>
-      <p:grpSpPr>
-        <a:xfrm>
-          <a:off x="0" y="0"/>
-          <a:ext cx="0" cy="0"/>
-          <a:chOff x="0" y="0"/>
-          <a:chExt cx="0" cy="0"/>
-        </a:xfrm>
-      </p:grpSpPr>
-      <p:sp>
-        <p:nvSpPr>
-          <p:cNvPr id="2" name="Title 1"/>
-          <p:cNvSpPr>
-            <a:spLocks noGrp="1"/>
-          </p:cNvSpPr>
-          <p:nvPr>
-            <p:ph type="title"/>
-          </p:nvPr>
-        </p:nvSpPr>
-        <p:spPr/>
-        <p:txBody>
-          <a:bodyPr/>
-          <a:lstStyle/>
-          <a:p>
-            <a:r>
-              <a:rPr lang="fr-FR" dirty="0"/>
-              <a:t>Diagrammes génériques</a:t>
-            </a:r>
-          </a:p>
-        </p:txBody>
-      </p:sp>
-      <p:sp>
-        <p:nvSpPr>
-          <p:cNvPr id="38" name="Date Placeholder 37">
-            <a:extLst>
-              <a:ext uri="{FF2B5EF4-FFF2-40B4-BE49-F238E27FC236}">
-                <a16:creationId xmlns:a16="http://schemas.microsoft.com/office/drawing/2014/main" id="{214893A6-5453-4772-A5C3-6E8247B9F7F7}"/>
-              </a:ext>
-            </a:extLst>
-          </p:cNvPr>
-          <p:cNvSpPr>
-            <a:spLocks noGrp="1"/>
-          </p:cNvSpPr>
-          <p:nvPr>
-            <p:ph type="dt" sz="half" idx="10"/>
-          </p:nvPr>
-        </p:nvSpPr>
-        <p:spPr/>
-        <p:txBody>
-          <a:bodyPr/>
-          <a:lstStyle/>
-          <a:p>
-            <a:r>
-              <a:rPr lang="fr-FR"/>
-              <a:t>04 février 2021</a:t>
-            </a:r>
-            <a:endParaRPr lang="en-US"/>
-          </a:p>
-        </p:txBody>
-      </p:sp>
-      <p:sp>
-        <p:nvSpPr>
-          <p:cNvPr id="39" name="Footer Placeholder 38">
-            <a:extLst>
-              <a:ext uri="{FF2B5EF4-FFF2-40B4-BE49-F238E27FC236}">
-                <a16:creationId xmlns:a16="http://schemas.microsoft.com/office/drawing/2014/main" id="{19A88EA5-E6FB-4BFB-9421-CB6C4447B890}"/>
-              </a:ext>
-            </a:extLst>
-          </p:cNvPr>
-          <p:cNvSpPr>
-            <a:spLocks noGrp="1"/>
-          </p:cNvSpPr>
-          <p:nvPr>
-            <p:ph type="ftr" sz="quarter" idx="11"/>
-          </p:nvPr>
-        </p:nvSpPr>
-        <p:spPr/>
-        <p:txBody>
-          <a:bodyPr/>
-          <a:lstStyle/>
-          <a:p>
-            <a:r>
-              <a:rPr lang="fr-FR"/>
-              <a:t>Command &amp; Memento - Aurélien BOUDIER</a:t>
-            </a:r>
-            <a:endParaRPr lang="en-US"/>
-          </a:p>
-        </p:txBody>
-      </p:sp>
-    </p:spTree>
-    <p:extLst>
-      <p:ext uri="{BB962C8B-B14F-4D97-AF65-F5344CB8AC3E}">
-        <p14:creationId xmlns:p14="http://schemas.microsoft.com/office/powerpoint/2010/main" val="2376558637"/>
       </p:ext>
     </p:extLst>
   </p:cSld>
@@ -30773,40 +30758,8 @@
           <a:p>
             <a:r>
               <a:rPr lang="fr-FR" dirty="0"/>
-              <a:t>Avantages &amp; </a:t>
+              <a:t>Diagrammes génériques</a:t>
             </a:r>
-            <a:br>
-              <a:rPr lang="fr-FR" dirty="0"/>
-            </a:br>
-            <a:r>
-              <a:rPr lang="fr-FR" dirty="0"/>
-              <a:t>désavantages</a:t>
-            </a:r>
-          </a:p>
-        </p:txBody>
-      </p:sp>
-      <p:sp>
-        <p:nvSpPr>
-          <p:cNvPr id="16" name="Text Placeholder 15"/>
-          <p:cNvSpPr>
-            <a:spLocks noGrp="1"/>
-          </p:cNvSpPr>
-          <p:nvPr>
-            <p:ph type="body" idx="1"/>
-          </p:nvPr>
-        </p:nvSpPr>
-        <p:spPr/>
-        <p:txBody>
-          <a:bodyPr>
-            <a:noAutofit/>
-          </a:bodyPr>
-          <a:lstStyle/>
-          <a:p>
-            <a:r>
-              <a:rPr lang="fr-FR" dirty="0"/>
-              <a:t>Tout avantage a ses inconvénients et réciproquement</a:t>
-            </a:r>
-            <a:endParaRPr lang="en-US" dirty="0"/>
           </a:p>
         </p:txBody>
       </p:sp>
@@ -30871,7 +30824,7 @@
     </p:spTree>
     <p:extLst>
       <p:ext uri="{BB962C8B-B14F-4D97-AF65-F5344CB8AC3E}">
-        <p14:creationId xmlns:p14="http://schemas.microsoft.com/office/powerpoint/2010/main" val="3633152721"/>
+        <p14:creationId xmlns:p14="http://schemas.microsoft.com/office/powerpoint/2010/main" val="2376558637"/>
       </p:ext>
     </p:extLst>
   </p:cSld>
@@ -31034,7 +30987,7 @@
       </p:grpSpPr>
       <p:sp>
         <p:nvSpPr>
-          <p:cNvPr id="4" name="Title 3"/>
+          <p:cNvPr id="2" name="Title 1"/>
           <p:cNvSpPr>
             <a:spLocks noGrp="1"/>
           </p:cNvSpPr>
@@ -31044,130 +30997,57 @@
         </p:nvSpPr>
         <p:spPr/>
         <p:txBody>
+          <a:bodyPr/>
+          <a:lstStyle/>
+          <a:p>
+            <a:r>
+              <a:rPr lang="fr-FR" dirty="0"/>
+              <a:t>Avantages &amp; </a:t>
+            </a:r>
+            <a:br>
+              <a:rPr lang="fr-FR" dirty="0"/>
+            </a:br>
+            <a:r>
+              <a:rPr lang="fr-FR" dirty="0"/>
+              <a:t>désavantages</a:t>
+            </a:r>
+          </a:p>
+        </p:txBody>
+      </p:sp>
+      <p:sp>
+        <p:nvSpPr>
+          <p:cNvPr id="16" name="Text Placeholder 15"/>
+          <p:cNvSpPr>
+            <a:spLocks noGrp="1"/>
+          </p:cNvSpPr>
+          <p:nvPr>
+            <p:ph type="body" idx="1"/>
+          </p:nvPr>
+        </p:nvSpPr>
+        <p:spPr/>
+        <p:txBody>
           <a:bodyPr>
             <a:noAutofit/>
           </a:bodyPr>
           <a:lstStyle/>
           <a:p>
             <a:r>
-              <a:rPr lang="en-US"/>
-              <a:t>Using a </a:t>
+              <a:rPr lang="fr-FR" dirty="0"/>
+              <a:t>Tout avantage a ses inconvénients et réciproquement</a:t>
             </a:r>
-            <a:r>
-              <a:rPr lang="en-US">
-                <a:solidFill>
-                  <a:schemeClr val="accent4"/>
-                </a:solidFill>
-              </a:rPr>
-              <a:t>light background </a:t>
-            </a:r>
-            <a:r>
-              <a:rPr lang="en-US"/>
-              <a:t>is always an option to be considered</a:t>
-            </a:r>
+            <a:endParaRPr lang="en-US" dirty="0"/>
           </a:p>
         </p:txBody>
       </p:sp>
       <p:sp>
         <p:nvSpPr>
-          <p:cNvPr id="16" name="Content Placeholder 15"/>
-          <p:cNvSpPr>
-            <a:spLocks noGrp="1"/>
-          </p:cNvSpPr>
-          <p:nvPr>
-            <p:ph idx="1"/>
-          </p:nvPr>
-        </p:nvSpPr>
-        <p:spPr/>
-        <p:txBody>
-          <a:bodyPr/>
-          <a:lstStyle/>
-          <a:p>
-            <a:pPr marL="569913" indent="-569913">
-              <a:lnSpc>
-                <a:spcPct val="100000"/>
-              </a:lnSpc>
-            </a:pPr>
-            <a:r>
-              <a:rPr lang="en-US"/>
-              <a:t>A </a:t>
-            </a:r>
-            <a:r>
-              <a:rPr lang="en-US">
-                <a:solidFill>
-                  <a:schemeClr val="accent4"/>
-                </a:solidFill>
-              </a:rPr>
-              <a:t>light background </a:t>
-            </a:r>
-            <a:r>
-              <a:rPr lang="en-US"/>
-              <a:t>might be easier to read</a:t>
-            </a:r>
-          </a:p>
-          <a:p>
-            <a:pPr marL="569913" indent="-569913">
-              <a:lnSpc>
-                <a:spcPct val="100000"/>
-              </a:lnSpc>
-            </a:pPr>
-            <a:r>
-              <a:rPr lang="en-US"/>
-              <a:t>Is a better option if you intend to </a:t>
-            </a:r>
-            <a:r>
-              <a:rPr lang="en-US">
-                <a:solidFill>
-                  <a:schemeClr val="accent4"/>
-                </a:solidFill>
-              </a:rPr>
-              <a:t>print</a:t>
-            </a:r>
-            <a:r>
-              <a:rPr lang="en-US"/>
-              <a:t> your document</a:t>
-            </a:r>
-          </a:p>
-          <a:p>
-            <a:pPr marL="569913" indent="-569913">
-              <a:lnSpc>
-                <a:spcPct val="100000"/>
-              </a:lnSpc>
-            </a:pPr>
-            <a:r>
-              <a:rPr lang="en-US"/>
-              <a:t>Suits </a:t>
-            </a:r>
-            <a:r>
-              <a:rPr lang="en-US">
-                <a:solidFill>
-                  <a:schemeClr val="accent4"/>
-                </a:solidFill>
-              </a:rPr>
-              <a:t>diagrams</a:t>
-            </a:r>
-            <a:r>
-              <a:rPr lang="en-US"/>
-              <a:t> or </a:t>
-            </a:r>
-            <a:r>
-              <a:rPr lang="en-US">
-                <a:solidFill>
-                  <a:schemeClr val="accent4"/>
-                </a:solidFill>
-              </a:rPr>
-              <a:t>graphics</a:t>
-            </a:r>
-            <a:r>
-              <a:rPr lang="en-US"/>
-              <a:t> insertion</a:t>
-            </a:r>
-          </a:p>
-        </p:txBody>
-      </p:sp>
-      <p:sp>
-        <p:nvSpPr>
-          <p:cNvPr id="5" name="Date Placeholder 4"/>
+          <p:cNvPr id="38" name="Date Placeholder 37">
+            <a:extLst>
+              <a:ext uri="{FF2B5EF4-FFF2-40B4-BE49-F238E27FC236}">
+                <a16:creationId xmlns:a16="http://schemas.microsoft.com/office/drawing/2014/main" id="{214893A6-5453-4772-A5C3-6E8247B9F7F7}"/>
+              </a:ext>
+            </a:extLst>
+          </p:cNvPr>
           <p:cNvSpPr>
             <a:spLocks noGrp="1"/>
           </p:cNvSpPr>
@@ -31190,7 +31070,13 @@
       </p:sp>
       <p:sp>
         <p:nvSpPr>
-          <p:cNvPr id="6" name="Footer Placeholder 5"/>
+          <p:cNvPr id="39" name="Footer Placeholder 38">
+            <a:extLst>
+              <a:ext uri="{FF2B5EF4-FFF2-40B4-BE49-F238E27FC236}">
+                <a16:creationId xmlns:a16="http://schemas.microsoft.com/office/drawing/2014/main" id="{19A88EA5-E6FB-4BFB-9421-CB6C4447B890}"/>
+              </a:ext>
+            </a:extLst>
+          </p:cNvPr>
           <p:cNvSpPr>
             <a:spLocks noGrp="1"/>
           </p:cNvSpPr>
@@ -31211,38 +31097,10 @@
           </a:p>
         </p:txBody>
       </p:sp>
-      <p:sp>
-        <p:nvSpPr>
-          <p:cNvPr id="2" name="Text Placeholder 1">
-            <a:extLst>
-              <a:ext uri="{FF2B5EF4-FFF2-40B4-BE49-F238E27FC236}">
-                <a16:creationId xmlns:a16="http://schemas.microsoft.com/office/drawing/2014/main" id="{4003455D-F04B-4158-831F-D6226A117419}"/>
-              </a:ext>
-            </a:extLst>
-          </p:cNvPr>
-          <p:cNvSpPr>
-            <a:spLocks noGrp="1"/>
-          </p:cNvSpPr>
-          <p:nvPr>
-            <p:ph type="body" sz="quarter" idx="13"/>
-          </p:nvPr>
-        </p:nvSpPr>
-        <p:spPr/>
-        <p:txBody>
-          <a:bodyPr/>
-          <a:lstStyle/>
-          <a:p>
-            <a:r>
-              <a:rPr lang="en-US"/>
-              <a:t>02</a:t>
-            </a:r>
-          </a:p>
-        </p:txBody>
-      </p:sp>
     </p:spTree>
     <p:extLst>
       <p:ext uri="{BB962C8B-B14F-4D97-AF65-F5344CB8AC3E}">
-        <p14:creationId xmlns:p14="http://schemas.microsoft.com/office/powerpoint/2010/main" val="292253333"/>
+        <p14:creationId xmlns:p14="http://schemas.microsoft.com/office/powerpoint/2010/main" val="3633152721"/>
       </p:ext>
     </p:extLst>
   </p:cSld>
@@ -31479,6 +31337,243 @@
     </p:spTree>
     <p:extLst>
       <p:ext uri="{BB962C8B-B14F-4D97-AF65-F5344CB8AC3E}">
+        <p14:creationId xmlns:p14="http://schemas.microsoft.com/office/powerpoint/2010/main" val="292253333"/>
+      </p:ext>
+    </p:extLst>
+  </p:cSld>
+  <p:clrMapOvr>
+    <a:masterClrMapping/>
+  </p:clrMapOvr>
+</p:sld>
+</file>
+
+<file path=ppt/slides/slide22.xml><?xml version="1.0" encoding="utf-8"?>
+<p:sld xmlns:a="http://schemas.openxmlformats.org/drawingml/2006/main" xmlns:r="http://schemas.openxmlformats.org/officeDocument/2006/relationships" xmlns:p="http://schemas.openxmlformats.org/presentationml/2006/main">
+  <p:cSld>
+    <p:spTree>
+      <p:nvGrpSpPr>
+        <p:cNvPr id="1" name=""/>
+        <p:cNvGrpSpPr/>
+        <p:nvPr/>
+      </p:nvGrpSpPr>
+      <p:grpSpPr>
+        <a:xfrm>
+          <a:off x="0" y="0"/>
+          <a:ext cx="0" cy="0"/>
+          <a:chOff x="0" y="0"/>
+          <a:chExt cx="0" cy="0"/>
+        </a:xfrm>
+      </p:grpSpPr>
+      <p:sp>
+        <p:nvSpPr>
+          <p:cNvPr id="4" name="Title 3"/>
+          <p:cNvSpPr>
+            <a:spLocks noGrp="1"/>
+          </p:cNvSpPr>
+          <p:nvPr>
+            <p:ph type="title"/>
+          </p:nvPr>
+        </p:nvSpPr>
+        <p:spPr/>
+        <p:txBody>
+          <a:bodyPr>
+            <a:noAutofit/>
+          </a:bodyPr>
+          <a:lstStyle/>
+          <a:p>
+            <a:r>
+              <a:rPr lang="en-US"/>
+              <a:t>Using a </a:t>
+            </a:r>
+            <a:r>
+              <a:rPr lang="en-US">
+                <a:solidFill>
+                  <a:schemeClr val="accent4"/>
+                </a:solidFill>
+              </a:rPr>
+              <a:t>light background </a:t>
+            </a:r>
+            <a:r>
+              <a:rPr lang="en-US"/>
+              <a:t>is always an option to be considered</a:t>
+            </a:r>
+          </a:p>
+        </p:txBody>
+      </p:sp>
+      <p:sp>
+        <p:nvSpPr>
+          <p:cNvPr id="16" name="Content Placeholder 15"/>
+          <p:cNvSpPr>
+            <a:spLocks noGrp="1"/>
+          </p:cNvSpPr>
+          <p:nvPr>
+            <p:ph idx="1"/>
+          </p:nvPr>
+        </p:nvSpPr>
+        <p:spPr/>
+        <p:txBody>
+          <a:bodyPr/>
+          <a:lstStyle/>
+          <a:p>
+            <a:pPr marL="569913" indent="-569913">
+              <a:lnSpc>
+                <a:spcPct val="100000"/>
+              </a:lnSpc>
+            </a:pPr>
+            <a:r>
+              <a:rPr lang="en-US"/>
+              <a:t>A </a:t>
+            </a:r>
+            <a:r>
+              <a:rPr lang="en-US">
+                <a:solidFill>
+                  <a:schemeClr val="accent4"/>
+                </a:solidFill>
+              </a:rPr>
+              <a:t>light background </a:t>
+            </a:r>
+            <a:r>
+              <a:rPr lang="en-US"/>
+              <a:t>might be easier to read</a:t>
+            </a:r>
+          </a:p>
+          <a:p>
+            <a:pPr marL="569913" indent="-569913">
+              <a:lnSpc>
+                <a:spcPct val="100000"/>
+              </a:lnSpc>
+            </a:pPr>
+            <a:r>
+              <a:rPr lang="en-US"/>
+              <a:t>Is a better option if you intend to </a:t>
+            </a:r>
+            <a:r>
+              <a:rPr lang="en-US">
+                <a:solidFill>
+                  <a:schemeClr val="accent4"/>
+                </a:solidFill>
+              </a:rPr>
+              <a:t>print</a:t>
+            </a:r>
+            <a:r>
+              <a:rPr lang="en-US"/>
+              <a:t> your document</a:t>
+            </a:r>
+          </a:p>
+          <a:p>
+            <a:pPr marL="569913" indent="-569913">
+              <a:lnSpc>
+                <a:spcPct val="100000"/>
+              </a:lnSpc>
+            </a:pPr>
+            <a:r>
+              <a:rPr lang="en-US"/>
+              <a:t>Suits </a:t>
+            </a:r>
+            <a:r>
+              <a:rPr lang="en-US">
+                <a:solidFill>
+                  <a:schemeClr val="accent4"/>
+                </a:solidFill>
+              </a:rPr>
+              <a:t>diagrams</a:t>
+            </a:r>
+            <a:r>
+              <a:rPr lang="en-US"/>
+              <a:t> or </a:t>
+            </a:r>
+            <a:r>
+              <a:rPr lang="en-US">
+                <a:solidFill>
+                  <a:schemeClr val="accent4"/>
+                </a:solidFill>
+              </a:rPr>
+              <a:t>graphics</a:t>
+            </a:r>
+            <a:r>
+              <a:rPr lang="en-US"/>
+              <a:t> insertion</a:t>
+            </a:r>
+          </a:p>
+        </p:txBody>
+      </p:sp>
+      <p:sp>
+        <p:nvSpPr>
+          <p:cNvPr id="5" name="Date Placeholder 4"/>
+          <p:cNvSpPr>
+            <a:spLocks noGrp="1"/>
+          </p:cNvSpPr>
+          <p:nvPr>
+            <p:ph type="dt" sz="half" idx="10"/>
+          </p:nvPr>
+        </p:nvSpPr>
+        <p:spPr/>
+        <p:txBody>
+          <a:bodyPr/>
+          <a:lstStyle/>
+          <a:p>
+            <a:r>
+              <a:rPr lang="fr-FR"/>
+              <a:t>04 février 2021</a:t>
+            </a:r>
+            <a:endParaRPr lang="en-US"/>
+          </a:p>
+        </p:txBody>
+      </p:sp>
+      <p:sp>
+        <p:nvSpPr>
+          <p:cNvPr id="6" name="Footer Placeholder 5"/>
+          <p:cNvSpPr>
+            <a:spLocks noGrp="1"/>
+          </p:cNvSpPr>
+          <p:nvPr>
+            <p:ph type="ftr" sz="quarter" idx="11"/>
+          </p:nvPr>
+        </p:nvSpPr>
+        <p:spPr/>
+        <p:txBody>
+          <a:bodyPr/>
+          <a:lstStyle/>
+          <a:p>
+            <a:r>
+              <a:rPr lang="fr-FR"/>
+              <a:t>Command &amp; Memento - Aurélien BOUDIER</a:t>
+            </a:r>
+            <a:endParaRPr lang="en-US"/>
+          </a:p>
+        </p:txBody>
+      </p:sp>
+      <p:sp>
+        <p:nvSpPr>
+          <p:cNvPr id="2" name="Text Placeholder 1">
+            <a:extLst>
+              <a:ext uri="{FF2B5EF4-FFF2-40B4-BE49-F238E27FC236}">
+                <a16:creationId xmlns:a16="http://schemas.microsoft.com/office/drawing/2014/main" id="{4003455D-F04B-4158-831F-D6226A117419}"/>
+              </a:ext>
+            </a:extLst>
+          </p:cNvPr>
+          <p:cNvSpPr>
+            <a:spLocks noGrp="1"/>
+          </p:cNvSpPr>
+          <p:nvPr>
+            <p:ph type="body" sz="quarter" idx="13"/>
+          </p:nvPr>
+        </p:nvSpPr>
+        <p:spPr/>
+        <p:txBody>
+          <a:bodyPr/>
+          <a:lstStyle/>
+          <a:p>
+            <a:r>
+              <a:rPr lang="en-US"/>
+              <a:t>02</a:t>
+            </a:r>
+          </a:p>
+        </p:txBody>
+      </p:sp>
+    </p:spTree>
+    <p:extLst>
+      <p:ext uri="{BB962C8B-B14F-4D97-AF65-F5344CB8AC3E}">
         <p14:creationId xmlns:p14="http://schemas.microsoft.com/office/powerpoint/2010/main" val="3235265191"/>
       </p:ext>
     </p:extLst>
@@ -31489,7 +31584,7 @@
 </p:sld>
 </file>
 
-<file path=ppt/slides/slide22.xml><?xml version="1.0" encoding="utf-8"?>
+<file path=ppt/slides/slide23.xml><?xml version="1.0" encoding="utf-8"?>
 <p:sld xmlns:a="http://schemas.openxmlformats.org/drawingml/2006/main" xmlns:r="http://schemas.openxmlformats.org/officeDocument/2006/relationships" xmlns:p="http://schemas.openxmlformats.org/presentationml/2006/main">
   <p:cSld>
     <p:spTree>
@@ -31702,7 +31797,7 @@
 </p:sld>
 </file>
 
-<file path=ppt/slides/slide23.xml><?xml version="1.0" encoding="utf-8"?>
+<file path=ppt/slides/slide24.xml><?xml version="1.0" encoding="utf-8"?>
 <p:sld xmlns:a="http://schemas.openxmlformats.org/drawingml/2006/main" xmlns:r="http://schemas.openxmlformats.org/officeDocument/2006/relationships" xmlns:p="http://schemas.openxmlformats.org/presentationml/2006/main">
   <p:cSld>
     <p:spTree>
@@ -31864,7 +31959,7 @@
 </p:sld>
 </file>
 
-<file path=ppt/slides/slide24.xml><?xml version="1.0" encoding="utf-8"?>
+<file path=ppt/slides/slide25.xml><?xml version="1.0" encoding="utf-8"?>
 <p:sld xmlns:a="http://schemas.openxmlformats.org/drawingml/2006/main" xmlns:r="http://schemas.openxmlformats.org/officeDocument/2006/relationships" xmlns:p="http://schemas.openxmlformats.org/presentationml/2006/main">
   <p:cSld>
     <p:spTree>
@@ -32008,7 +32103,7 @@
 </p:sld>
 </file>
 
-<file path=ppt/slides/slide25.xml><?xml version="1.0" encoding="utf-8"?>
+<file path=ppt/slides/slide26.xml><?xml version="1.0" encoding="utf-8"?>
 <p:sld xmlns:a="http://schemas.openxmlformats.org/drawingml/2006/main" xmlns:r="http://schemas.openxmlformats.org/officeDocument/2006/relationships" xmlns:p="http://schemas.openxmlformats.org/presentationml/2006/main">
   <p:cSld>
     <p:spTree>
@@ -32152,7 +32247,7 @@
     </p:spTree>
     <p:extLst>
       <p:ext uri="{BB962C8B-B14F-4D97-AF65-F5344CB8AC3E}">
-        <p14:creationId xmlns:p14="http://schemas.microsoft.com/office/powerpoint/2010/main" val="1931567305"/>
+        <p14:creationId xmlns:p14="http://schemas.microsoft.com/office/powerpoint/2010/main" val="900410237"/>
       </p:ext>
     </p:extLst>
   </p:cSld>
@@ -32162,7 +32257,7 @@
 </p:sld>
 </file>
 
-<file path=ppt/slides/slide26.xml><?xml version="1.0" encoding="utf-8"?>
+<file path=ppt/slides/slide27.xml><?xml version="1.0" encoding="utf-8"?>
 <p:sld xmlns:a="http://schemas.openxmlformats.org/drawingml/2006/main" xmlns:r="http://schemas.openxmlformats.org/officeDocument/2006/relationships" xmlns:p="http://schemas.openxmlformats.org/presentationml/2006/main">
   <p:cSld>
     <p:spTree>
@@ -35136,7 +35231,7 @@
 </p:sld>
 </file>
 
-<file path=ppt/slides/slide27.xml><?xml version="1.0" encoding="utf-8"?>
+<file path=ppt/slides/slide28.xml><?xml version="1.0" encoding="utf-8"?>
 <p:sld xmlns:a="http://schemas.openxmlformats.org/drawingml/2006/main" xmlns:r="http://schemas.openxmlformats.org/officeDocument/2006/relationships" xmlns:p="http://schemas.openxmlformats.org/presentationml/2006/main">
   <p:cSld>
     <p:spTree>
@@ -35311,7 +35406,7 @@
 </p:sld>
 </file>
 
-<file path=ppt/slides/slide28.xml><?xml version="1.0" encoding="utf-8"?>
+<file path=ppt/slides/slide29.xml><?xml version="1.0" encoding="utf-8"?>
 <p:sld xmlns:a="http://schemas.openxmlformats.org/drawingml/2006/main" xmlns:r="http://schemas.openxmlformats.org/officeDocument/2006/relationships" xmlns:p="http://schemas.openxmlformats.org/presentationml/2006/main">
   <p:cSld>
     <p:spTree>
@@ -35553,1131 +35648,6 @@
     <p:extLst>
       <p:ext uri="{BB962C8B-B14F-4D97-AF65-F5344CB8AC3E}">
         <p14:creationId xmlns:p14="http://schemas.microsoft.com/office/powerpoint/2010/main" val="759209363"/>
-      </p:ext>
-    </p:extLst>
-  </p:cSld>
-  <p:clrMapOvr>
-    <a:masterClrMapping/>
-  </p:clrMapOvr>
-</p:sld>
-</file>
-
-<file path=ppt/slides/slide29.xml><?xml version="1.0" encoding="utf-8"?>
-<p:sld xmlns:a="http://schemas.openxmlformats.org/drawingml/2006/main" xmlns:r="http://schemas.openxmlformats.org/officeDocument/2006/relationships" xmlns:p="http://schemas.openxmlformats.org/presentationml/2006/main">
-  <p:cSld>
-    <p:spTree>
-      <p:nvGrpSpPr>
-        <p:cNvPr id="1" name=""/>
-        <p:cNvGrpSpPr/>
-        <p:nvPr/>
-      </p:nvGrpSpPr>
-      <p:grpSpPr>
-        <a:xfrm>
-          <a:off x="0" y="0"/>
-          <a:ext cx="0" cy="0"/>
-          <a:chOff x="0" y="0"/>
-          <a:chExt cx="0" cy="0"/>
-        </a:xfrm>
-      </p:grpSpPr>
-      <p:sp>
-        <p:nvSpPr>
-          <p:cNvPr id="7" name="Title 6"/>
-          <p:cNvSpPr>
-            <a:spLocks noGrp="1"/>
-          </p:cNvSpPr>
-          <p:nvPr>
-            <p:ph type="title"/>
-          </p:nvPr>
-        </p:nvSpPr>
-        <p:spPr/>
-        <p:txBody>
-          <a:bodyPr>
-            <a:noAutofit/>
-          </a:bodyPr>
-          <a:lstStyle/>
-          <a:p>
-            <a:r>
-              <a:rPr lang="en-US"/>
-              <a:t>Organize your relevant numbers and figures with </a:t>
-            </a:r>
-            <a:r>
-              <a:rPr lang="en-US">
-                <a:solidFill>
-                  <a:schemeClr val="accent2"/>
-                </a:solidFill>
-              </a:rPr>
-              <a:t>tables</a:t>
-            </a:r>
-          </a:p>
-        </p:txBody>
-      </p:sp>
-      <p:graphicFrame>
-        <p:nvGraphicFramePr>
-          <p:cNvPr id="8" name="Content Placeholder 7"/>
-          <p:cNvGraphicFramePr>
-            <a:graphicFrameLocks noGrp="1"/>
-          </p:cNvGraphicFramePr>
-          <p:nvPr>
-            <p:ph sz="half" idx="1"/>
-            <p:extLst>
-              <p:ext uri="{D42A27DB-BD31-4B8C-83A1-F6EECF244321}">
-                <p14:modId xmlns:p14="http://schemas.microsoft.com/office/powerpoint/2010/main" val="1828852914"/>
-              </p:ext>
-            </p:extLst>
-          </p:nvPr>
-        </p:nvGraphicFramePr>
-        <p:xfrm>
-          <a:off x="838200" y="1825625"/>
-          <a:ext cx="5181596" cy="3070585"/>
-        </p:xfrm>
-        <a:graphic>
-          <a:graphicData uri="http://schemas.openxmlformats.org/drawingml/2006/table">
-            <a:tbl>
-              <a:tblPr firstRow="1" bandRow="1">
-                <a:tableStyleId>{0660B408-B3CF-4A94-85FC-2B1E0A45F4A2}</a:tableStyleId>
-              </a:tblPr>
-              <a:tblGrid>
-                <a:gridCol w="1369368">
-                  <a:extLst>
-                    <a:ext uri="{9D8B030D-6E8A-4147-A177-3AD203B41FA5}">
-                      <a16:colId xmlns:a16="http://schemas.microsoft.com/office/drawing/2014/main" val="3367710014"/>
-                    </a:ext>
-                  </a:extLst>
-                </a:gridCol>
-                <a:gridCol w="953057">
-                  <a:extLst>
-                    <a:ext uri="{9D8B030D-6E8A-4147-A177-3AD203B41FA5}">
-                      <a16:colId xmlns:a16="http://schemas.microsoft.com/office/drawing/2014/main" val="17477540"/>
-                    </a:ext>
-                  </a:extLst>
-                </a:gridCol>
-                <a:gridCol w="953057">
-                  <a:extLst>
-                    <a:ext uri="{9D8B030D-6E8A-4147-A177-3AD203B41FA5}">
-                      <a16:colId xmlns:a16="http://schemas.microsoft.com/office/drawing/2014/main" val="3074244680"/>
-                    </a:ext>
-                  </a:extLst>
-                </a:gridCol>
-                <a:gridCol w="953057">
-                  <a:extLst>
-                    <a:ext uri="{9D8B030D-6E8A-4147-A177-3AD203B41FA5}">
-                      <a16:colId xmlns:a16="http://schemas.microsoft.com/office/drawing/2014/main" val="941839558"/>
-                    </a:ext>
-                  </a:extLst>
-                </a:gridCol>
-                <a:gridCol w="953057">
-                  <a:extLst>
-                    <a:ext uri="{9D8B030D-6E8A-4147-A177-3AD203B41FA5}">
-                      <a16:colId xmlns:a16="http://schemas.microsoft.com/office/drawing/2014/main" val="3159037940"/>
-                    </a:ext>
-                  </a:extLst>
-                </a:gridCol>
-              </a:tblGrid>
-              <a:tr h="406853">
-                <a:tc>
-                  <a:txBody>
-                    <a:bodyPr/>
-                    <a:lstStyle/>
-                    <a:p>
-                      <a:endParaRPr lang="en-US" sz="1600">
-                        <a:solidFill>
-                          <a:schemeClr val="accent5">
-                            <a:lumMod val="50000"/>
-                          </a:schemeClr>
-                        </a:solidFill>
-                        <a:latin typeface="Calibri" panose="020F0502020204030204" pitchFamily="34" charset="0"/>
-                        <a:ea typeface="Roboto" panose="02000000000000000000" pitchFamily="2" charset="0"/>
-                      </a:endParaRPr>
-                    </a:p>
-                  </a:txBody>
-                  <a:tcPr marL="53632" marR="53632" anchor="ctr"/>
-                </a:tc>
-                <a:tc>
-                  <a:txBody>
-                    <a:bodyPr/>
-                    <a:lstStyle/>
-                    <a:p>
-                      <a:pPr algn="ctr"/>
-                      <a:r>
-                        <a:rPr lang="en-US" sz="1600"/>
-                        <a:t>Column Title 1</a:t>
-                      </a:r>
-                      <a:endParaRPr lang="en-US" sz="1600">
-                        <a:solidFill>
-                          <a:schemeClr val="accent5">
-                            <a:lumMod val="50000"/>
-                          </a:schemeClr>
-                        </a:solidFill>
-                        <a:latin typeface="Calibri" panose="020F0502020204030204" pitchFamily="34" charset="0"/>
-                        <a:ea typeface="Roboto" panose="02000000000000000000" pitchFamily="2" charset="0"/>
-                      </a:endParaRPr>
-                    </a:p>
-                  </a:txBody>
-                  <a:tcPr marL="53632" marR="53632" anchor="ctr"/>
-                </a:tc>
-                <a:tc>
-                  <a:txBody>
-                    <a:bodyPr/>
-                    <a:lstStyle/>
-                    <a:p>
-                      <a:pPr algn="ctr"/>
-                      <a:r>
-                        <a:rPr lang="en-US" sz="1600"/>
-                        <a:t>Column Title 2</a:t>
-                      </a:r>
-                      <a:endParaRPr lang="en-US" sz="1600">
-                        <a:solidFill>
-                          <a:schemeClr val="accent5">
-                            <a:lumMod val="50000"/>
-                          </a:schemeClr>
-                        </a:solidFill>
-                        <a:latin typeface="Calibri" panose="020F0502020204030204" pitchFamily="34" charset="0"/>
-                        <a:ea typeface="Roboto" panose="02000000000000000000" pitchFamily="2" charset="0"/>
-                      </a:endParaRPr>
-                    </a:p>
-                  </a:txBody>
-                  <a:tcPr marL="53632" marR="53632" anchor="ctr"/>
-                </a:tc>
-                <a:tc>
-                  <a:txBody>
-                    <a:bodyPr/>
-                    <a:lstStyle/>
-                    <a:p>
-                      <a:pPr algn="ctr"/>
-                      <a:r>
-                        <a:rPr lang="en-US" sz="1600"/>
-                        <a:t>Column Title 3</a:t>
-                      </a:r>
-                      <a:endParaRPr lang="en-US" sz="1600">
-                        <a:solidFill>
-                          <a:schemeClr val="accent5">
-                            <a:lumMod val="50000"/>
-                          </a:schemeClr>
-                        </a:solidFill>
-                        <a:latin typeface="Calibri" panose="020F0502020204030204" pitchFamily="34" charset="0"/>
-                        <a:ea typeface="Roboto" panose="02000000000000000000" pitchFamily="2" charset="0"/>
-                      </a:endParaRPr>
-                    </a:p>
-                  </a:txBody>
-                  <a:tcPr marL="53632" marR="53632" anchor="ctr"/>
-                </a:tc>
-                <a:tc>
-                  <a:txBody>
-                    <a:bodyPr/>
-                    <a:lstStyle/>
-                    <a:p>
-                      <a:pPr algn="ctr"/>
-                      <a:r>
-                        <a:rPr lang="en-US" sz="1600"/>
-                        <a:t>Column Title 4</a:t>
-                      </a:r>
-                      <a:endParaRPr lang="en-US" sz="1600">
-                        <a:solidFill>
-                          <a:schemeClr val="accent5">
-                            <a:lumMod val="50000"/>
-                          </a:schemeClr>
-                        </a:solidFill>
-                        <a:latin typeface="Calibri" panose="020F0502020204030204" pitchFamily="34" charset="0"/>
-                        <a:ea typeface="Roboto" panose="02000000000000000000" pitchFamily="2" charset="0"/>
-                      </a:endParaRPr>
-                    </a:p>
-                  </a:txBody>
-                  <a:tcPr marL="53632" marR="53632" anchor="ctr"/>
-                </a:tc>
-                <a:extLst>
-                  <a:ext uri="{0D108BD9-81ED-4DB2-BD59-A6C34878D82A}">
-                    <a16:rowId xmlns:a16="http://schemas.microsoft.com/office/drawing/2014/main" val="2653986337"/>
-                  </a:ext>
-                </a:extLst>
-              </a:tr>
-              <a:tr h="406853">
-                <a:tc>
-                  <a:txBody>
-                    <a:bodyPr/>
-                    <a:lstStyle/>
-                    <a:p>
-                      <a:r>
-                        <a:rPr lang="en-US" sz="1600"/>
-                        <a:t>First Row</a:t>
-                      </a:r>
-                      <a:endParaRPr lang="en-US" sz="1600">
-                        <a:solidFill>
-                          <a:schemeClr val="accent5">
-                            <a:lumMod val="50000"/>
-                          </a:schemeClr>
-                        </a:solidFill>
-                        <a:latin typeface="Calibri" panose="020F0502020204030204" pitchFamily="34" charset="0"/>
-                        <a:ea typeface="Roboto" panose="02000000000000000000" pitchFamily="2" charset="0"/>
-                      </a:endParaRPr>
-                    </a:p>
-                  </a:txBody>
-                  <a:tcPr marL="53632" marR="53632" anchor="ctr"/>
-                </a:tc>
-                <a:tc>
-                  <a:txBody>
-                    <a:bodyPr/>
-                    <a:lstStyle/>
-                    <a:p>
-                      <a:pPr algn="ctr"/>
-                      <a:r>
-                        <a:rPr lang="en-US" sz="1600"/>
-                        <a:t>2 500</a:t>
-                      </a:r>
-                      <a:endParaRPr lang="en-US" sz="1600">
-                        <a:solidFill>
-                          <a:schemeClr val="accent5">
-                            <a:lumMod val="50000"/>
-                          </a:schemeClr>
-                        </a:solidFill>
-                        <a:latin typeface="Calibri" panose="020F0502020204030204" pitchFamily="34" charset="0"/>
-                        <a:ea typeface="Roboto" panose="02000000000000000000" pitchFamily="2" charset="0"/>
-                      </a:endParaRPr>
-                    </a:p>
-                  </a:txBody>
-                  <a:tcPr marL="53632" marR="53632" anchor="ctr"/>
-                </a:tc>
-                <a:tc>
-                  <a:txBody>
-                    <a:bodyPr/>
-                    <a:lstStyle/>
-                    <a:p>
-                      <a:pPr algn="ctr"/>
-                      <a:r>
-                        <a:rPr lang="en-US" sz="1600"/>
-                        <a:t>4 250</a:t>
-                      </a:r>
-                      <a:endParaRPr lang="en-US" sz="1600">
-                        <a:solidFill>
-                          <a:schemeClr val="accent5">
-                            <a:lumMod val="50000"/>
-                          </a:schemeClr>
-                        </a:solidFill>
-                        <a:latin typeface="Calibri" panose="020F0502020204030204" pitchFamily="34" charset="0"/>
-                        <a:ea typeface="Roboto" panose="02000000000000000000" pitchFamily="2" charset="0"/>
-                      </a:endParaRPr>
-                    </a:p>
-                  </a:txBody>
-                  <a:tcPr marL="53632" marR="53632" anchor="ctr"/>
-                </a:tc>
-                <a:tc>
-                  <a:txBody>
-                    <a:bodyPr/>
-                    <a:lstStyle/>
-                    <a:p>
-                      <a:pPr algn="ctr"/>
-                      <a:r>
-                        <a:rPr lang="en-US" sz="1600"/>
-                        <a:t>6 500</a:t>
-                      </a:r>
-                      <a:endParaRPr lang="en-US" sz="1600">
-                        <a:solidFill>
-                          <a:schemeClr val="accent5">
-                            <a:lumMod val="50000"/>
-                          </a:schemeClr>
-                        </a:solidFill>
-                        <a:latin typeface="Calibri" panose="020F0502020204030204" pitchFamily="34" charset="0"/>
-                        <a:ea typeface="Roboto" panose="02000000000000000000" pitchFamily="2" charset="0"/>
-                      </a:endParaRPr>
-                    </a:p>
-                  </a:txBody>
-                  <a:tcPr marL="53632" marR="53632" anchor="ctr"/>
-                </a:tc>
-                <a:tc>
-                  <a:txBody>
-                    <a:bodyPr/>
-                    <a:lstStyle/>
-                    <a:p>
-                      <a:pPr algn="ctr"/>
-                      <a:r>
-                        <a:rPr lang="en-US" sz="1600"/>
-                        <a:t>4 700</a:t>
-                      </a:r>
-                      <a:endParaRPr lang="en-US" sz="1600">
-                        <a:solidFill>
-                          <a:schemeClr val="accent5">
-                            <a:lumMod val="50000"/>
-                          </a:schemeClr>
-                        </a:solidFill>
-                        <a:latin typeface="Calibri" panose="020F0502020204030204" pitchFamily="34" charset="0"/>
-                        <a:ea typeface="Roboto" panose="02000000000000000000" pitchFamily="2" charset="0"/>
-                      </a:endParaRPr>
-                    </a:p>
-                  </a:txBody>
-                  <a:tcPr marL="53632" marR="53632" anchor="ctr"/>
-                </a:tc>
-                <a:extLst>
-                  <a:ext uri="{0D108BD9-81ED-4DB2-BD59-A6C34878D82A}">
-                    <a16:rowId xmlns:a16="http://schemas.microsoft.com/office/drawing/2014/main" val="3069441126"/>
-                  </a:ext>
-                </a:extLst>
-              </a:tr>
-              <a:tr h="406853">
-                <a:tc>
-                  <a:txBody>
-                    <a:bodyPr/>
-                    <a:lstStyle/>
-                    <a:p>
-                      <a:r>
-                        <a:rPr lang="en-US" sz="1600"/>
-                        <a:t>Second Row</a:t>
-                      </a:r>
-                      <a:endParaRPr lang="en-US" sz="1600">
-                        <a:solidFill>
-                          <a:schemeClr val="accent5">
-                            <a:lumMod val="50000"/>
-                          </a:schemeClr>
-                        </a:solidFill>
-                        <a:latin typeface="Calibri" panose="020F0502020204030204" pitchFamily="34" charset="0"/>
-                        <a:ea typeface="Roboto" panose="02000000000000000000" pitchFamily="2" charset="0"/>
-                      </a:endParaRPr>
-                    </a:p>
-                  </a:txBody>
-                  <a:tcPr marL="53632" marR="53632" anchor="ctr"/>
-                </a:tc>
-                <a:tc>
-                  <a:txBody>
-                    <a:bodyPr/>
-                    <a:lstStyle/>
-                    <a:p>
-                      <a:pPr algn="ctr"/>
-                      <a:r>
-                        <a:rPr lang="en-US" sz="1600"/>
-                        <a:t>12 300</a:t>
-                      </a:r>
-                      <a:endParaRPr lang="en-US" sz="1600">
-                        <a:solidFill>
-                          <a:schemeClr val="accent5">
-                            <a:lumMod val="50000"/>
-                          </a:schemeClr>
-                        </a:solidFill>
-                        <a:latin typeface="Calibri" panose="020F0502020204030204" pitchFamily="34" charset="0"/>
-                        <a:ea typeface="Roboto" panose="02000000000000000000" pitchFamily="2" charset="0"/>
-                      </a:endParaRPr>
-                    </a:p>
-                  </a:txBody>
-                  <a:tcPr marL="53632" marR="53632" anchor="ctr"/>
-                </a:tc>
-                <a:tc>
-                  <a:txBody>
-                    <a:bodyPr/>
-                    <a:lstStyle/>
-                    <a:p>
-                      <a:pPr algn="ctr"/>
-                      <a:r>
-                        <a:rPr lang="en-US" sz="1600"/>
-                        <a:t>1 200</a:t>
-                      </a:r>
-                      <a:endParaRPr lang="en-US" sz="1600">
-                        <a:solidFill>
-                          <a:schemeClr val="accent5">
-                            <a:lumMod val="50000"/>
-                          </a:schemeClr>
-                        </a:solidFill>
-                        <a:latin typeface="Calibri" panose="020F0502020204030204" pitchFamily="34" charset="0"/>
-                        <a:ea typeface="Roboto" panose="02000000000000000000" pitchFamily="2" charset="0"/>
-                      </a:endParaRPr>
-                    </a:p>
-                  </a:txBody>
-                  <a:tcPr marL="53632" marR="53632" anchor="ctr"/>
-                </a:tc>
-                <a:tc>
-                  <a:txBody>
-                    <a:bodyPr/>
-                    <a:lstStyle/>
-                    <a:p>
-                      <a:pPr algn="ctr"/>
-                      <a:r>
-                        <a:rPr lang="en-US" sz="1600"/>
-                        <a:t>7 800</a:t>
-                      </a:r>
-                      <a:endParaRPr lang="en-US" sz="1600">
-                        <a:solidFill>
-                          <a:schemeClr val="accent5">
-                            <a:lumMod val="50000"/>
-                          </a:schemeClr>
-                        </a:solidFill>
-                        <a:latin typeface="Calibri" panose="020F0502020204030204" pitchFamily="34" charset="0"/>
-                        <a:ea typeface="Roboto" panose="02000000000000000000" pitchFamily="2" charset="0"/>
-                      </a:endParaRPr>
-                    </a:p>
-                  </a:txBody>
-                  <a:tcPr marL="53632" marR="53632" anchor="ctr"/>
-                </a:tc>
-                <a:tc>
-                  <a:txBody>
-                    <a:bodyPr/>
-                    <a:lstStyle/>
-                    <a:p>
-                      <a:pPr algn="ctr"/>
-                      <a:r>
-                        <a:rPr lang="en-US" sz="1600"/>
-                        <a:t>9 850</a:t>
-                      </a:r>
-                      <a:endParaRPr lang="en-US" sz="1600">
-                        <a:solidFill>
-                          <a:schemeClr val="accent5">
-                            <a:lumMod val="50000"/>
-                          </a:schemeClr>
-                        </a:solidFill>
-                        <a:latin typeface="Calibri" panose="020F0502020204030204" pitchFamily="34" charset="0"/>
-                        <a:ea typeface="Roboto" panose="02000000000000000000" pitchFamily="2" charset="0"/>
-                      </a:endParaRPr>
-                    </a:p>
-                  </a:txBody>
-                  <a:tcPr marL="53632" marR="53632" anchor="ctr"/>
-                </a:tc>
-                <a:extLst>
-                  <a:ext uri="{0D108BD9-81ED-4DB2-BD59-A6C34878D82A}">
-                    <a16:rowId xmlns:a16="http://schemas.microsoft.com/office/drawing/2014/main" val="2627827500"/>
-                  </a:ext>
-                </a:extLst>
-              </a:tr>
-              <a:tr h="406853">
-                <a:tc>
-                  <a:txBody>
-                    <a:bodyPr/>
-                    <a:lstStyle/>
-                    <a:p>
-                      <a:r>
-                        <a:rPr lang="en-US" sz="1600"/>
-                        <a:t>Third Row</a:t>
-                      </a:r>
-                      <a:endParaRPr lang="en-US" sz="1600">
-                        <a:solidFill>
-                          <a:schemeClr val="accent5">
-                            <a:lumMod val="50000"/>
-                          </a:schemeClr>
-                        </a:solidFill>
-                        <a:latin typeface="Calibri" panose="020F0502020204030204" pitchFamily="34" charset="0"/>
-                        <a:ea typeface="Roboto" panose="02000000000000000000" pitchFamily="2" charset="0"/>
-                      </a:endParaRPr>
-                    </a:p>
-                  </a:txBody>
-                  <a:tcPr marL="53632" marR="53632" anchor="ctr"/>
-                </a:tc>
-                <a:tc>
-                  <a:txBody>
-                    <a:bodyPr/>
-                    <a:lstStyle/>
-                    <a:p>
-                      <a:pPr algn="ctr"/>
-                      <a:r>
-                        <a:rPr lang="en-US" sz="1600"/>
-                        <a:t>450</a:t>
-                      </a:r>
-                      <a:endParaRPr lang="en-US" sz="1600">
-                        <a:solidFill>
-                          <a:schemeClr val="accent5">
-                            <a:lumMod val="50000"/>
-                          </a:schemeClr>
-                        </a:solidFill>
-                        <a:latin typeface="Calibri" panose="020F0502020204030204" pitchFamily="34" charset="0"/>
-                        <a:ea typeface="Roboto" panose="02000000000000000000" pitchFamily="2" charset="0"/>
-                      </a:endParaRPr>
-                    </a:p>
-                  </a:txBody>
-                  <a:tcPr marL="53632" marR="53632" anchor="ctr"/>
-                </a:tc>
-                <a:tc>
-                  <a:txBody>
-                    <a:bodyPr/>
-                    <a:lstStyle/>
-                    <a:p>
-                      <a:pPr algn="ctr"/>
-                      <a:r>
-                        <a:rPr lang="en-US" sz="1600"/>
-                        <a:t>850</a:t>
-                      </a:r>
-                      <a:endParaRPr lang="en-US" sz="1600">
-                        <a:solidFill>
-                          <a:schemeClr val="accent5">
-                            <a:lumMod val="50000"/>
-                          </a:schemeClr>
-                        </a:solidFill>
-                        <a:latin typeface="Calibri" panose="020F0502020204030204" pitchFamily="34" charset="0"/>
-                        <a:ea typeface="Roboto" panose="02000000000000000000" pitchFamily="2" charset="0"/>
-                      </a:endParaRPr>
-                    </a:p>
-                  </a:txBody>
-                  <a:tcPr marL="53632" marR="53632" anchor="ctr"/>
-                </a:tc>
-                <a:tc>
-                  <a:txBody>
-                    <a:bodyPr/>
-                    <a:lstStyle/>
-                    <a:p>
-                      <a:pPr algn="ctr"/>
-                      <a:r>
-                        <a:rPr lang="en-US" sz="1600"/>
-                        <a:t>200</a:t>
-                      </a:r>
-                      <a:endParaRPr lang="en-US" sz="1600">
-                        <a:solidFill>
-                          <a:schemeClr val="accent5">
-                            <a:lumMod val="50000"/>
-                          </a:schemeClr>
-                        </a:solidFill>
-                        <a:latin typeface="Calibri" panose="020F0502020204030204" pitchFamily="34" charset="0"/>
-                        <a:ea typeface="Roboto" panose="02000000000000000000" pitchFamily="2" charset="0"/>
-                      </a:endParaRPr>
-                    </a:p>
-                  </a:txBody>
-                  <a:tcPr marL="53632" marR="53632" anchor="ctr"/>
-                </a:tc>
-                <a:tc>
-                  <a:txBody>
-                    <a:bodyPr/>
-                    <a:lstStyle/>
-                    <a:p>
-                      <a:pPr algn="ctr"/>
-                      <a:r>
-                        <a:rPr lang="en-US" sz="1600"/>
-                        <a:t>2 100</a:t>
-                      </a:r>
-                      <a:endParaRPr lang="en-US" sz="1600">
-                        <a:solidFill>
-                          <a:schemeClr val="accent5">
-                            <a:lumMod val="50000"/>
-                          </a:schemeClr>
-                        </a:solidFill>
-                        <a:latin typeface="Calibri" panose="020F0502020204030204" pitchFamily="34" charset="0"/>
-                        <a:ea typeface="Roboto" panose="02000000000000000000" pitchFamily="2" charset="0"/>
-                      </a:endParaRPr>
-                    </a:p>
-                  </a:txBody>
-                  <a:tcPr marL="53632" marR="53632" anchor="ctr"/>
-                </a:tc>
-                <a:extLst>
-                  <a:ext uri="{0D108BD9-81ED-4DB2-BD59-A6C34878D82A}">
-                    <a16:rowId xmlns:a16="http://schemas.microsoft.com/office/drawing/2014/main" val="3714787057"/>
-                  </a:ext>
-                </a:extLst>
-              </a:tr>
-              <a:tr h="406853">
-                <a:tc>
-                  <a:txBody>
-                    <a:bodyPr/>
-                    <a:lstStyle/>
-                    <a:p>
-                      <a:r>
-                        <a:rPr lang="en-US" sz="1600"/>
-                        <a:t>Fourth Row</a:t>
-                      </a:r>
-                      <a:endParaRPr lang="en-US" sz="1600">
-                        <a:solidFill>
-                          <a:schemeClr val="accent5">
-                            <a:lumMod val="50000"/>
-                          </a:schemeClr>
-                        </a:solidFill>
-                        <a:latin typeface="Calibri" panose="020F0502020204030204" pitchFamily="34" charset="0"/>
-                        <a:ea typeface="Roboto" panose="02000000000000000000" pitchFamily="2" charset="0"/>
-                      </a:endParaRPr>
-                    </a:p>
-                  </a:txBody>
-                  <a:tcPr marL="53632" marR="53632" anchor="ctr"/>
-                </a:tc>
-                <a:tc>
-                  <a:txBody>
-                    <a:bodyPr/>
-                    <a:lstStyle/>
-                    <a:p>
-                      <a:pPr algn="ctr"/>
-                      <a:r>
-                        <a:rPr lang="en-US" sz="1600"/>
-                        <a:t>9 800</a:t>
-                      </a:r>
-                      <a:endParaRPr lang="en-US" sz="1600">
-                        <a:solidFill>
-                          <a:schemeClr val="accent5">
-                            <a:lumMod val="50000"/>
-                          </a:schemeClr>
-                        </a:solidFill>
-                        <a:latin typeface="Calibri" panose="020F0502020204030204" pitchFamily="34" charset="0"/>
-                        <a:ea typeface="Roboto" panose="02000000000000000000" pitchFamily="2" charset="0"/>
-                      </a:endParaRPr>
-                    </a:p>
-                  </a:txBody>
-                  <a:tcPr marL="53632" marR="53632" anchor="ctr"/>
-                </a:tc>
-                <a:tc>
-                  <a:txBody>
-                    <a:bodyPr/>
-                    <a:lstStyle/>
-                    <a:p>
-                      <a:pPr algn="ctr"/>
-                      <a:r>
-                        <a:rPr lang="en-US" sz="1600"/>
-                        <a:t>5 600</a:t>
-                      </a:r>
-                      <a:endParaRPr lang="en-US" sz="1600">
-                        <a:solidFill>
-                          <a:schemeClr val="accent5">
-                            <a:lumMod val="50000"/>
-                          </a:schemeClr>
-                        </a:solidFill>
-                        <a:latin typeface="Calibri" panose="020F0502020204030204" pitchFamily="34" charset="0"/>
-                        <a:ea typeface="Roboto" panose="02000000000000000000" pitchFamily="2" charset="0"/>
-                      </a:endParaRPr>
-                    </a:p>
-                  </a:txBody>
-                  <a:tcPr marL="53632" marR="53632" anchor="ctr"/>
-                </a:tc>
-                <a:tc>
-                  <a:txBody>
-                    <a:bodyPr/>
-                    <a:lstStyle/>
-                    <a:p>
-                      <a:pPr algn="ctr"/>
-                      <a:r>
-                        <a:rPr lang="en-US" sz="1600"/>
-                        <a:t>4 200</a:t>
-                      </a:r>
-                      <a:endParaRPr lang="en-US" sz="1600">
-                        <a:solidFill>
-                          <a:schemeClr val="accent5">
-                            <a:lumMod val="50000"/>
-                          </a:schemeClr>
-                        </a:solidFill>
-                        <a:latin typeface="Calibri" panose="020F0502020204030204" pitchFamily="34" charset="0"/>
-                        <a:ea typeface="Roboto" panose="02000000000000000000" pitchFamily="2" charset="0"/>
-                      </a:endParaRPr>
-                    </a:p>
-                  </a:txBody>
-                  <a:tcPr marL="53632" marR="53632" anchor="ctr"/>
-                </a:tc>
-                <a:tc>
-                  <a:txBody>
-                    <a:bodyPr/>
-                    <a:lstStyle/>
-                    <a:p>
-                      <a:pPr algn="ctr"/>
-                      <a:r>
-                        <a:rPr lang="en-US" sz="1600"/>
-                        <a:t>7 800</a:t>
-                      </a:r>
-                      <a:endParaRPr lang="en-US" sz="1600">
-                        <a:solidFill>
-                          <a:schemeClr val="accent5">
-                            <a:lumMod val="50000"/>
-                          </a:schemeClr>
-                        </a:solidFill>
-                        <a:latin typeface="Calibri" panose="020F0502020204030204" pitchFamily="34" charset="0"/>
-                        <a:ea typeface="Roboto" panose="02000000000000000000" pitchFamily="2" charset="0"/>
-                      </a:endParaRPr>
-                    </a:p>
-                  </a:txBody>
-                  <a:tcPr marL="53632" marR="53632" anchor="ctr"/>
-                </a:tc>
-                <a:extLst>
-                  <a:ext uri="{0D108BD9-81ED-4DB2-BD59-A6C34878D82A}">
-                    <a16:rowId xmlns:a16="http://schemas.microsoft.com/office/drawing/2014/main" val="1258136323"/>
-                  </a:ext>
-                </a:extLst>
-              </a:tr>
-              <a:tr h="406853">
-                <a:tc>
-                  <a:txBody>
-                    <a:bodyPr/>
-                    <a:lstStyle/>
-                    <a:p>
-                      <a:r>
-                        <a:rPr lang="en-US" sz="1600"/>
-                        <a:t>Fifth Row</a:t>
-                      </a:r>
-                      <a:endParaRPr lang="en-US" sz="1600">
-                        <a:solidFill>
-                          <a:schemeClr val="accent5">
-                            <a:lumMod val="50000"/>
-                          </a:schemeClr>
-                        </a:solidFill>
-                        <a:latin typeface="Calibri" panose="020F0502020204030204" pitchFamily="34" charset="0"/>
-                        <a:ea typeface="Roboto" panose="02000000000000000000" pitchFamily="2" charset="0"/>
-                      </a:endParaRPr>
-                    </a:p>
-                  </a:txBody>
-                  <a:tcPr marL="53632" marR="53632" anchor="ctr"/>
-                </a:tc>
-                <a:tc>
-                  <a:txBody>
-                    <a:bodyPr/>
-                    <a:lstStyle/>
-                    <a:p>
-                      <a:pPr algn="ctr"/>
-                      <a:r>
-                        <a:rPr lang="en-US" sz="1600"/>
-                        <a:t>250</a:t>
-                      </a:r>
-                      <a:endParaRPr lang="en-US" sz="1600">
-                        <a:solidFill>
-                          <a:schemeClr val="accent5">
-                            <a:lumMod val="50000"/>
-                          </a:schemeClr>
-                        </a:solidFill>
-                        <a:latin typeface="Calibri" panose="020F0502020204030204" pitchFamily="34" charset="0"/>
-                        <a:ea typeface="Roboto" panose="02000000000000000000" pitchFamily="2" charset="0"/>
-                      </a:endParaRPr>
-                    </a:p>
-                  </a:txBody>
-                  <a:tcPr marL="53632" marR="53632" anchor="ctr"/>
-                </a:tc>
-                <a:tc>
-                  <a:txBody>
-                    <a:bodyPr/>
-                    <a:lstStyle/>
-                    <a:p>
-                      <a:pPr algn="ctr"/>
-                      <a:r>
-                        <a:rPr lang="en-US" sz="1600"/>
-                        <a:t>470</a:t>
-                      </a:r>
-                      <a:endParaRPr lang="en-US" sz="1600">
-                        <a:solidFill>
-                          <a:schemeClr val="accent5">
-                            <a:lumMod val="50000"/>
-                          </a:schemeClr>
-                        </a:solidFill>
-                        <a:latin typeface="Calibri" panose="020F0502020204030204" pitchFamily="34" charset="0"/>
-                        <a:ea typeface="Roboto" panose="02000000000000000000" pitchFamily="2" charset="0"/>
-                      </a:endParaRPr>
-                    </a:p>
-                  </a:txBody>
-                  <a:tcPr marL="53632" marR="53632" anchor="ctr"/>
-                </a:tc>
-                <a:tc>
-                  <a:txBody>
-                    <a:bodyPr/>
-                    <a:lstStyle/>
-                    <a:p>
-                      <a:pPr algn="ctr"/>
-                      <a:r>
-                        <a:rPr lang="en-US" sz="1600"/>
-                        <a:t>150</a:t>
-                      </a:r>
-                      <a:endParaRPr lang="en-US" sz="1600">
-                        <a:solidFill>
-                          <a:schemeClr val="accent5">
-                            <a:lumMod val="50000"/>
-                          </a:schemeClr>
-                        </a:solidFill>
-                        <a:latin typeface="Calibri" panose="020F0502020204030204" pitchFamily="34" charset="0"/>
-                        <a:ea typeface="Roboto" panose="02000000000000000000" pitchFamily="2" charset="0"/>
-                      </a:endParaRPr>
-                    </a:p>
-                  </a:txBody>
-                  <a:tcPr marL="53632" marR="53632" anchor="ctr"/>
-                </a:tc>
-                <a:tc>
-                  <a:txBody>
-                    <a:bodyPr/>
-                    <a:lstStyle/>
-                    <a:p>
-                      <a:pPr algn="ctr"/>
-                      <a:r>
-                        <a:rPr lang="en-US" sz="1600"/>
-                        <a:t>890</a:t>
-                      </a:r>
-                      <a:endParaRPr lang="en-US" sz="1600">
-                        <a:solidFill>
-                          <a:schemeClr val="accent5">
-                            <a:lumMod val="50000"/>
-                          </a:schemeClr>
-                        </a:solidFill>
-                        <a:latin typeface="Calibri" panose="020F0502020204030204" pitchFamily="34" charset="0"/>
-                        <a:ea typeface="Roboto" panose="02000000000000000000" pitchFamily="2" charset="0"/>
-                      </a:endParaRPr>
-                    </a:p>
-                  </a:txBody>
-                  <a:tcPr marL="53632" marR="53632" anchor="ctr"/>
-                </a:tc>
-                <a:extLst>
-                  <a:ext uri="{0D108BD9-81ED-4DB2-BD59-A6C34878D82A}">
-                    <a16:rowId xmlns:a16="http://schemas.microsoft.com/office/drawing/2014/main" val="2397747607"/>
-                  </a:ext>
-                </a:extLst>
-              </a:tr>
-              <a:tr h="457200">
-                <a:tc>
-                  <a:txBody>
-                    <a:bodyPr/>
-                    <a:lstStyle/>
-                    <a:p>
-                      <a:r>
-                        <a:rPr lang="en-US" sz="1800"/>
-                        <a:t>TOTAL</a:t>
-                      </a:r>
-                      <a:endParaRPr lang="en-US" sz="1800" b="1">
-                        <a:solidFill>
-                          <a:schemeClr val="accent5">
-                            <a:lumMod val="50000"/>
-                          </a:schemeClr>
-                        </a:solidFill>
-                        <a:latin typeface="Calibri" panose="020F0502020204030204" pitchFamily="34" charset="0"/>
-                        <a:ea typeface="Roboto" panose="02000000000000000000" pitchFamily="2" charset="0"/>
-                      </a:endParaRPr>
-                    </a:p>
-                  </a:txBody>
-                  <a:tcPr marL="53632" marR="53632" anchor="ctr"/>
-                </a:tc>
-                <a:tc>
-                  <a:txBody>
-                    <a:bodyPr/>
-                    <a:lstStyle/>
-                    <a:p>
-                      <a:pPr algn="ctr"/>
-                      <a:r>
-                        <a:rPr lang="en-US" sz="1800"/>
-                        <a:t>25,300</a:t>
-                      </a:r>
-                      <a:endParaRPr lang="en-US" sz="1800" b="1">
-                        <a:solidFill>
-                          <a:schemeClr val="accent5">
-                            <a:lumMod val="50000"/>
-                          </a:schemeClr>
-                        </a:solidFill>
-                        <a:latin typeface="Calibri" panose="020F0502020204030204" pitchFamily="34" charset="0"/>
-                        <a:ea typeface="Roboto" panose="02000000000000000000" pitchFamily="2" charset="0"/>
-                      </a:endParaRPr>
-                    </a:p>
-                  </a:txBody>
-                  <a:tcPr marL="53632" marR="53632" anchor="ctr"/>
-                </a:tc>
-                <a:tc>
-                  <a:txBody>
-                    <a:bodyPr/>
-                    <a:lstStyle/>
-                    <a:p>
-                      <a:pPr algn="ctr"/>
-                      <a:r>
-                        <a:rPr lang="en-US" sz="1800"/>
-                        <a:t>24,270</a:t>
-                      </a:r>
-                      <a:endParaRPr lang="en-US" sz="1800" b="1">
-                        <a:solidFill>
-                          <a:schemeClr val="accent5">
-                            <a:lumMod val="50000"/>
-                          </a:schemeClr>
-                        </a:solidFill>
-                        <a:latin typeface="Calibri" panose="020F0502020204030204" pitchFamily="34" charset="0"/>
-                        <a:ea typeface="Roboto" panose="02000000000000000000" pitchFamily="2" charset="0"/>
-                      </a:endParaRPr>
-                    </a:p>
-                  </a:txBody>
-                  <a:tcPr marL="53632" marR="53632" anchor="ctr"/>
-                </a:tc>
-                <a:tc>
-                  <a:txBody>
-                    <a:bodyPr/>
-                    <a:lstStyle/>
-                    <a:p>
-                      <a:pPr algn="ctr"/>
-                      <a:r>
-                        <a:rPr lang="en-US" sz="1800"/>
-                        <a:t>18,850</a:t>
-                      </a:r>
-                      <a:endParaRPr lang="en-US" sz="1800" b="1">
-                        <a:solidFill>
-                          <a:schemeClr val="accent5">
-                            <a:lumMod val="50000"/>
-                          </a:schemeClr>
-                        </a:solidFill>
-                        <a:latin typeface="Calibri" panose="020F0502020204030204" pitchFamily="34" charset="0"/>
-                        <a:ea typeface="Roboto" panose="02000000000000000000" pitchFamily="2" charset="0"/>
-                      </a:endParaRPr>
-                    </a:p>
-                  </a:txBody>
-                  <a:tcPr marL="53632" marR="53632" anchor="ctr"/>
-                </a:tc>
-                <a:tc>
-                  <a:txBody>
-                    <a:bodyPr/>
-                    <a:lstStyle/>
-                    <a:p>
-                      <a:pPr algn="ctr"/>
-                      <a:r>
-                        <a:rPr lang="en-US" sz="1800"/>
-                        <a:t>25,340</a:t>
-                      </a:r>
-                      <a:endParaRPr lang="en-US" sz="1800" b="1">
-                        <a:solidFill>
-                          <a:schemeClr val="accent5">
-                            <a:lumMod val="50000"/>
-                          </a:schemeClr>
-                        </a:solidFill>
-                        <a:latin typeface="Calibri" panose="020F0502020204030204" pitchFamily="34" charset="0"/>
-                        <a:ea typeface="Roboto" panose="02000000000000000000" pitchFamily="2" charset="0"/>
-                      </a:endParaRPr>
-                    </a:p>
-                  </a:txBody>
-                  <a:tcPr marL="53632" marR="53632" anchor="ctr"/>
-                </a:tc>
-                <a:extLst>
-                  <a:ext uri="{0D108BD9-81ED-4DB2-BD59-A6C34878D82A}">
-                    <a16:rowId xmlns:a16="http://schemas.microsoft.com/office/drawing/2014/main" val="1366452895"/>
-                  </a:ext>
-                </a:extLst>
-              </a:tr>
-            </a:tbl>
-          </a:graphicData>
-        </a:graphic>
-      </p:graphicFrame>
-      <p:sp>
-        <p:nvSpPr>
-          <p:cNvPr id="9" name="Text Placeholder 8"/>
-          <p:cNvSpPr>
-            <a:spLocks noGrp="1"/>
-          </p:cNvSpPr>
-          <p:nvPr>
-            <p:ph sz="half" idx="2"/>
-          </p:nvPr>
-        </p:nvSpPr>
-        <p:spPr/>
-        <p:txBody>
-          <a:bodyPr/>
-          <a:lstStyle/>
-          <a:p>
-            <a:r>
-              <a:rPr lang="en-US"/>
-              <a:t>Lorem ipsum dolor sit amet, duis eu. Metus tortor. Eu ut lorem, est sodales amet.</a:t>
-            </a:r>
-          </a:p>
-          <a:p>
-            <a:r>
-              <a:rPr lang="en-US"/>
-              <a:t>Maecenas nam mattis, condimentum semper tristique. Morbi sed diam.</a:t>
-            </a:r>
-          </a:p>
-          <a:p>
-            <a:r>
-              <a:rPr lang="en-US"/>
-              <a:t>Lorem ipsum dolor sit amet, consectetur adipiscing elit, sed do eiusmod tempor incididunt.</a:t>
-            </a:r>
-          </a:p>
-        </p:txBody>
-      </p:sp>
-      <p:sp>
-        <p:nvSpPr>
-          <p:cNvPr id="4" name="Date Placeholder 3"/>
-          <p:cNvSpPr>
-            <a:spLocks noGrp="1"/>
-          </p:cNvSpPr>
-          <p:nvPr>
-            <p:ph type="dt" sz="half" idx="10"/>
-          </p:nvPr>
-        </p:nvSpPr>
-        <p:spPr/>
-        <p:txBody>
-          <a:bodyPr/>
-          <a:lstStyle/>
-          <a:p>
-            <a:pPr marL="0" marR="0" lvl="0" indent="0" algn="l" defTabSz="914400" rtl="0" eaLnBrk="1" fontAlgn="auto" latinLnBrk="0" hangingPunct="1">
-              <a:lnSpc>
-                <a:spcPct val="100000"/>
-              </a:lnSpc>
-              <a:spcBef>
-                <a:spcPts val="0"/>
-              </a:spcBef>
-              <a:spcAft>
-                <a:spcPts val="0"/>
-              </a:spcAft>
-              <a:buClrTx/>
-              <a:buSzTx/>
-              <a:buFontTx/>
-              <a:buNone/>
-              <a:tabLst/>
-              <a:defRPr/>
-            </a:pPr>
-            <a:r>
-              <a:rPr kumimoji="0" lang="fr-FR" sz="1200" b="0" i="0" u="none" strike="noStrike" kern="1200" cap="none" spc="0" normalizeH="0" baseline="0" noProof="0">
-                <a:ln>
-                  <a:noFill/>
-                </a:ln>
-                <a:effectLst/>
-                <a:uLnTx/>
-                <a:uFillTx/>
-                <a:latin typeface="Calibri" panose="020F0502020204030204"/>
-                <a:ea typeface="+mn-ea"/>
-                <a:cs typeface="+mn-cs"/>
-              </a:rPr>
-              <a:t>04 février 2021</a:t>
-            </a:r>
-            <a:endParaRPr kumimoji="0" lang="en-US" sz="1200" b="0" i="0" u="none" strike="noStrike" kern="1200" cap="none" spc="0" normalizeH="0" baseline="0" noProof="0">
-              <a:ln>
-                <a:noFill/>
-              </a:ln>
-              <a:effectLst/>
-              <a:uLnTx/>
-              <a:uFillTx/>
-              <a:latin typeface="Calibri" panose="020F0502020204030204"/>
-              <a:ea typeface="+mn-ea"/>
-              <a:cs typeface="+mn-cs"/>
-            </a:endParaRPr>
-          </a:p>
-        </p:txBody>
-      </p:sp>
-      <p:sp>
-        <p:nvSpPr>
-          <p:cNvPr id="5" name="Footer Placeholder 4"/>
-          <p:cNvSpPr>
-            <a:spLocks noGrp="1"/>
-          </p:cNvSpPr>
-          <p:nvPr>
-            <p:ph type="ftr" sz="quarter" idx="11"/>
-          </p:nvPr>
-        </p:nvSpPr>
-        <p:spPr/>
-        <p:txBody>
-          <a:bodyPr/>
-          <a:lstStyle/>
-          <a:p>
-            <a:pPr marL="0" marR="0" lvl="0" indent="0" algn="ctr" defTabSz="914400" rtl="0" eaLnBrk="1" fontAlgn="auto" latinLnBrk="0" hangingPunct="1">
-              <a:lnSpc>
-                <a:spcPct val="100000"/>
-              </a:lnSpc>
-              <a:spcBef>
-                <a:spcPts val="0"/>
-              </a:spcBef>
-              <a:spcAft>
-                <a:spcPts val="0"/>
-              </a:spcAft>
-              <a:buClrTx/>
-              <a:buSzTx/>
-              <a:buFontTx/>
-              <a:buNone/>
-              <a:tabLst/>
-              <a:defRPr/>
-            </a:pPr>
-            <a:r>
-              <a:rPr kumimoji="0" lang="fr-FR" sz="1200" b="0" i="0" u="none" strike="noStrike" kern="1200" cap="none" spc="0" normalizeH="0" baseline="0" noProof="0">
-                <a:ln>
-                  <a:noFill/>
-                </a:ln>
-                <a:effectLst/>
-                <a:uLnTx/>
-                <a:uFillTx/>
-                <a:latin typeface="Calibri" panose="020F0502020204030204"/>
-                <a:ea typeface="+mn-ea"/>
-                <a:cs typeface="+mn-cs"/>
-              </a:rPr>
-              <a:t>Command &amp; Memento - Aurélien BOUDIER</a:t>
-            </a:r>
-            <a:endParaRPr kumimoji="0" lang="en-US" sz="1200" b="0" i="0" u="none" strike="noStrike" kern="1200" cap="none" spc="0" normalizeH="0" baseline="0" noProof="0">
-              <a:ln>
-                <a:noFill/>
-              </a:ln>
-              <a:effectLst/>
-              <a:uLnTx/>
-              <a:uFillTx/>
-              <a:latin typeface="Calibri" panose="020F0502020204030204"/>
-              <a:ea typeface="+mn-ea"/>
-              <a:cs typeface="+mn-cs"/>
-            </a:endParaRPr>
-          </a:p>
-        </p:txBody>
-      </p:sp>
-    </p:spTree>
-    <p:extLst>
-      <p:ext uri="{BB962C8B-B14F-4D97-AF65-F5344CB8AC3E}">
-        <p14:creationId xmlns:p14="http://schemas.microsoft.com/office/powerpoint/2010/main" val="3476536701"/>
       </p:ext>
     </p:extLst>
   </p:cSld>
@@ -39164,789 +38134,6 @@
       </p:sp>
       <p:grpSp>
         <p:nvGrpSpPr>
-          <p:cNvPr id="160" name="Group 159">
-            <a:extLst>
-              <a:ext uri="{FF2B5EF4-FFF2-40B4-BE49-F238E27FC236}">
-                <a16:creationId xmlns:a16="http://schemas.microsoft.com/office/drawing/2014/main" id="{768D21FD-8234-4075-A6FF-CF521B2CC9F5}"/>
-              </a:ext>
-            </a:extLst>
-          </p:cNvPr>
-          <p:cNvGrpSpPr/>
-          <p:nvPr/>
-        </p:nvGrpSpPr>
-        <p:grpSpPr>
-          <a:xfrm>
-            <a:off x="6565056" y="3339974"/>
-            <a:ext cx="1467402" cy="1199551"/>
-            <a:chOff x="1921112" y="114053"/>
-            <a:chExt cx="8110307" cy="6629895"/>
-          </a:xfrm>
-        </p:grpSpPr>
-        <p:sp>
-          <p:nvSpPr>
-            <p:cNvPr id="175" name="Figure">
-              <a:extLst>
-                <a:ext uri="{FF2B5EF4-FFF2-40B4-BE49-F238E27FC236}">
-                  <a16:creationId xmlns:a16="http://schemas.microsoft.com/office/drawing/2014/main" id="{AC136F66-D48F-4ADC-96BD-67D5341821D6}"/>
-                </a:ext>
-              </a:extLst>
-            </p:cNvPr>
-            <p:cNvSpPr/>
-            <p:nvPr/>
-          </p:nvSpPr>
-          <p:spPr>
-            <a:xfrm>
-              <a:off x="3867079" y="785076"/>
-              <a:ext cx="4801950" cy="5958872"/>
-            </a:xfrm>
-            <a:custGeom>
-              <a:avLst/>
-              <a:gdLst/>
-              <a:ahLst/>
-              <a:cxnLst>
-                <a:cxn ang="0">
-                  <a:pos x="wd2" y="hd2"/>
-                </a:cxn>
-                <a:cxn ang="5400000">
-                  <a:pos x="wd2" y="hd2"/>
-                </a:cxn>
-                <a:cxn ang="10800000">
-                  <a:pos x="wd2" y="hd2"/>
-                </a:cxn>
-                <a:cxn ang="16200000">
-                  <a:pos x="wd2" y="hd2"/>
-                </a:cxn>
-              </a:cxnLst>
-              <a:rect l="0" t="0" r="r" b="b"/>
-              <a:pathLst>
-                <a:path w="20693" h="20744" extrusionOk="0">
-                  <a:moveTo>
-                    <a:pt x="50" y="8912"/>
-                  </a:moveTo>
-                  <a:cubicBezTo>
-                    <a:pt x="599" y="13351"/>
-                    <a:pt x="9033" y="21184"/>
-                    <a:pt x="14691" y="20725"/>
-                  </a:cubicBezTo>
-                  <a:cubicBezTo>
-                    <a:pt x="20349" y="20265"/>
-                    <a:pt x="21091" y="11684"/>
-                    <a:pt x="20542" y="7246"/>
-                  </a:cubicBezTo>
-                  <a:cubicBezTo>
-                    <a:pt x="19992" y="2808"/>
-                    <a:pt x="14951" y="-416"/>
-                    <a:pt x="9293" y="43"/>
-                  </a:cubicBezTo>
-                  <a:cubicBezTo>
-                    <a:pt x="3636" y="503"/>
-                    <a:pt x="-509" y="4474"/>
-                    <a:pt x="50" y="8912"/>
-                  </a:cubicBezTo>
-                  <a:close/>
-                </a:path>
-              </a:pathLst>
-            </a:custGeom>
-            <a:solidFill>
-              <a:schemeClr val="accent6"/>
-            </a:solidFill>
-            <a:ln w="12700">
-              <a:miter lim="400000"/>
-            </a:ln>
-          </p:spPr>
-          <p:txBody>
-            <a:bodyPr lIns="38100" tIns="38100" rIns="38100" bIns="38100" anchor="ctr"/>
-            <a:lstStyle/>
-            <a:p>
-              <a:pPr marL="0" marR="0" lvl="0" indent="0" algn="ctr" defTabSz="457200" eaLnBrk="1" fontAlgn="auto" latinLnBrk="0" hangingPunct="0">
-                <a:lnSpc>
-                  <a:spcPct val="100000"/>
-                </a:lnSpc>
-                <a:spcBef>
-                  <a:spcPts val="0"/>
-                </a:spcBef>
-                <a:spcAft>
-                  <a:spcPts val="0"/>
-                </a:spcAft>
-                <a:buClrTx/>
-                <a:buSzTx/>
-                <a:buFontTx/>
-                <a:buNone/>
-                <a:tabLst/>
-                <a:defRPr sz="3000">
-                  <a:solidFill>
-                    <a:srgbClr val="FFFFFF"/>
-                  </a:solidFill>
-                  <a:effectLst>
-                    <a:outerShdw blurRad="38100" dist="12700" dir="5400000" rotWithShape="0">
-                      <a:srgbClr val="000000">
-                        <a:alpha val="50000"/>
-                      </a:srgbClr>
-                    </a:outerShdw>
-                  </a:effectLst>
-                </a:defRPr>
-              </a:pPr>
-              <a:endParaRPr kumimoji="0" sz="3000" b="0" i="0" u="none" strike="noStrike" kern="0" cap="none" spc="0" normalizeH="0" baseline="0" noProof="0">
-                <a:ln>
-                  <a:noFill/>
-                </a:ln>
-                <a:solidFill>
-                  <a:srgbClr val="FFFFFF"/>
-                </a:solidFill>
-                <a:effectLst>
-                  <a:outerShdw blurRad="38100" dist="12700" dir="5400000" rotWithShape="0">
-                    <a:srgbClr val="000000">
-                      <a:alpha val="50000"/>
-                    </a:srgbClr>
-                  </a:outerShdw>
-                </a:effectLst>
-                <a:uLnTx/>
-                <a:uFillTx/>
-                <a:latin typeface="Gill Sans"/>
-                <a:sym typeface="Gill Sans"/>
-              </a:endParaRPr>
-            </a:p>
-          </p:txBody>
-        </p:sp>
-        <p:sp>
-          <p:nvSpPr>
-            <p:cNvPr id="176" name="Figure">
-              <a:extLst>
-                <a:ext uri="{FF2B5EF4-FFF2-40B4-BE49-F238E27FC236}">
-                  <a16:creationId xmlns:a16="http://schemas.microsoft.com/office/drawing/2014/main" id="{D475A2A8-A684-4931-AA85-1FEE0BAFAC6D}"/>
-                </a:ext>
-              </a:extLst>
-            </p:cNvPr>
-            <p:cNvSpPr/>
-            <p:nvPr/>
-          </p:nvSpPr>
-          <p:spPr>
-            <a:xfrm>
-              <a:off x="2927648" y="1746876"/>
-              <a:ext cx="7103771" cy="4829623"/>
-            </a:xfrm>
-            <a:custGeom>
-              <a:avLst/>
-              <a:gdLst/>
-              <a:ahLst/>
-              <a:cxnLst>
-                <a:cxn ang="0">
-                  <a:pos x="wd2" y="hd2"/>
-                </a:cxn>
-                <a:cxn ang="5400000">
-                  <a:pos x="wd2" y="hd2"/>
-                </a:cxn>
-                <a:cxn ang="10800000">
-                  <a:pos x="wd2" y="hd2"/>
-                </a:cxn>
-                <a:cxn ang="16200000">
-                  <a:pos x="wd2" y="hd2"/>
-                </a:cxn>
-              </a:cxnLst>
-              <a:rect l="0" t="0" r="r" b="b"/>
-              <a:pathLst>
-                <a:path w="19589" h="18693" extrusionOk="0">
-                  <a:moveTo>
-                    <a:pt x="245" y="15021"/>
-                  </a:moveTo>
-                  <a:cubicBezTo>
-                    <a:pt x="1306" y="18233"/>
-                    <a:pt x="6123" y="19289"/>
-                    <a:pt x="10101" y="18380"/>
-                  </a:cubicBezTo>
-                  <a:cubicBezTo>
-                    <a:pt x="14080" y="17471"/>
-                    <a:pt x="20377" y="13324"/>
-                    <a:pt x="19507" y="5836"/>
-                  </a:cubicBezTo>
-                  <a:cubicBezTo>
-                    <a:pt x="19168" y="2918"/>
-                    <a:pt x="16966" y="-2311"/>
-                    <a:pt x="8751" y="1135"/>
-                  </a:cubicBezTo>
-                  <a:cubicBezTo>
-                    <a:pt x="4192" y="3048"/>
-                    <a:pt x="-1223" y="10588"/>
-                    <a:pt x="245" y="15021"/>
-                  </a:cubicBezTo>
-                  <a:close/>
-                </a:path>
-              </a:pathLst>
-            </a:custGeom>
-            <a:solidFill>
-              <a:srgbClr val="8DB1C4">
-                <a:alpha val="80000"/>
-              </a:srgbClr>
-            </a:solidFill>
-            <a:ln w="12700">
-              <a:miter lim="400000"/>
-            </a:ln>
-          </p:spPr>
-          <p:txBody>
-            <a:bodyPr lIns="38100" tIns="38100" rIns="38100" bIns="38100" anchor="ctr"/>
-            <a:lstStyle/>
-            <a:p>
-              <a:pPr marL="0" marR="0" lvl="0" indent="0" algn="ctr" defTabSz="457200" eaLnBrk="1" fontAlgn="auto" latinLnBrk="0" hangingPunct="0">
-                <a:lnSpc>
-                  <a:spcPct val="100000"/>
-                </a:lnSpc>
-                <a:spcBef>
-                  <a:spcPts val="0"/>
-                </a:spcBef>
-                <a:spcAft>
-                  <a:spcPts val="0"/>
-                </a:spcAft>
-                <a:buClrTx/>
-                <a:buSzTx/>
-                <a:buFontTx/>
-                <a:buNone/>
-                <a:tabLst/>
-                <a:defRPr sz="3000">
-                  <a:solidFill>
-                    <a:srgbClr val="FFFFFF"/>
-                  </a:solidFill>
-                  <a:effectLst>
-                    <a:outerShdw blurRad="38100" dist="12700" dir="5400000" rotWithShape="0">
-                      <a:srgbClr val="000000">
-                        <a:alpha val="50000"/>
-                      </a:srgbClr>
-                    </a:outerShdw>
-                  </a:effectLst>
-                </a:defRPr>
-              </a:pPr>
-              <a:endParaRPr kumimoji="0" sz="3000" b="0" i="0" u="none" strike="noStrike" kern="0" cap="none" spc="0" normalizeH="0" baseline="0" noProof="0">
-                <a:ln>
-                  <a:noFill/>
-                </a:ln>
-                <a:solidFill>
-                  <a:srgbClr val="FFFFFF"/>
-                </a:solidFill>
-                <a:effectLst>
-                  <a:outerShdw blurRad="38100" dist="12700" dir="5400000" rotWithShape="0">
-                    <a:srgbClr val="000000">
-                      <a:alpha val="50000"/>
-                    </a:srgbClr>
-                  </a:outerShdw>
-                </a:effectLst>
-                <a:uLnTx/>
-                <a:uFillTx/>
-                <a:latin typeface="Gill Sans"/>
-                <a:sym typeface="Gill Sans"/>
-              </a:endParaRPr>
-            </a:p>
-          </p:txBody>
-        </p:sp>
-        <p:sp>
-          <p:nvSpPr>
-            <p:cNvPr id="177" name="Figure">
-              <a:extLst>
-                <a:ext uri="{FF2B5EF4-FFF2-40B4-BE49-F238E27FC236}">
-                  <a16:creationId xmlns:a16="http://schemas.microsoft.com/office/drawing/2014/main" id="{CDE6D832-B371-482B-954C-31A85668647A}"/>
-                </a:ext>
-              </a:extLst>
-            </p:cNvPr>
-            <p:cNvSpPr/>
-            <p:nvPr/>
-          </p:nvSpPr>
-          <p:spPr>
-            <a:xfrm>
-              <a:off x="2368461" y="1388997"/>
-              <a:ext cx="6998772" cy="4812289"/>
-            </a:xfrm>
-            <a:custGeom>
-              <a:avLst/>
-              <a:gdLst/>
-              <a:ahLst/>
-              <a:cxnLst>
-                <a:cxn ang="0">
-                  <a:pos x="wd2" y="hd2"/>
-                </a:cxn>
-                <a:cxn ang="5400000">
-                  <a:pos x="wd2" y="hd2"/>
-                </a:cxn>
-                <a:cxn ang="10800000">
-                  <a:pos x="wd2" y="hd2"/>
-                </a:cxn>
-                <a:cxn ang="16200000">
-                  <a:pos x="wd2" y="hd2"/>
-                </a:cxn>
-              </a:cxnLst>
-              <a:rect l="0" t="0" r="r" b="b"/>
-              <a:pathLst>
-                <a:path w="21600" h="19116" extrusionOk="0">
-                  <a:moveTo>
-                    <a:pt x="0" y="7130"/>
-                  </a:moveTo>
-                  <a:cubicBezTo>
-                    <a:pt x="0" y="12861"/>
-                    <a:pt x="8015" y="19116"/>
-                    <a:pt x="12433" y="19116"/>
-                  </a:cubicBezTo>
-                  <a:cubicBezTo>
-                    <a:pt x="16851" y="19116"/>
-                    <a:pt x="21600" y="12861"/>
-                    <a:pt x="21600" y="7130"/>
-                  </a:cubicBezTo>
-                  <a:cubicBezTo>
-                    <a:pt x="21600" y="1399"/>
-                    <a:pt x="19736" y="-2484"/>
-                    <a:pt x="13206" y="1861"/>
-                  </a:cubicBezTo>
-                  <a:cubicBezTo>
-                    <a:pt x="9285" y="4482"/>
-                    <a:pt x="0" y="1399"/>
-                    <a:pt x="0" y="7130"/>
-                  </a:cubicBezTo>
-                  <a:close/>
-                </a:path>
-              </a:pathLst>
-            </a:custGeom>
-            <a:solidFill>
-              <a:schemeClr val="accent1">
-                <a:alpha val="80000"/>
-              </a:schemeClr>
-            </a:solidFill>
-            <a:ln w="12700">
-              <a:miter lim="400000"/>
-            </a:ln>
-          </p:spPr>
-          <p:txBody>
-            <a:bodyPr lIns="38100" tIns="38100" rIns="38100" bIns="38100" anchor="ctr"/>
-            <a:lstStyle/>
-            <a:p>
-              <a:pPr lvl="0" algn="ctr" defTabSz="457200" hangingPunct="0">
-                <a:defRPr sz="3000">
-                  <a:solidFill>
-                    <a:srgbClr val="FFFFFF"/>
-                  </a:solidFill>
-                  <a:effectLst>
-                    <a:outerShdw blurRad="38100" dist="12700" dir="5400000" rotWithShape="0">
-                      <a:srgbClr val="000000">
-                        <a:alpha val="50000"/>
-                      </a:srgbClr>
-                    </a:outerShdw>
-                  </a:effectLst>
-                </a:defRPr>
-              </a:pPr>
-              <a:r>
-                <a:rPr lang="en-US" sz="3600" b="1" kern="0">
-                  <a:solidFill>
-                    <a:srgbClr val="FFFFFF"/>
-                  </a:solidFill>
-                  <a:effectLst>
-                    <a:outerShdw blurRad="38100" dist="12700" dir="5400000" rotWithShape="0">
-                      <a:srgbClr val="000000">
-                        <a:alpha val="50000"/>
-                      </a:srgbClr>
-                    </a:outerShdw>
-                  </a:effectLst>
-                  <a:sym typeface="Gill Sans"/>
-                </a:rPr>
-                <a:t>05</a:t>
-              </a:r>
-              <a:endParaRPr kumimoji="0" sz="3000" b="0" i="0" u="none" strike="noStrike" kern="0" cap="none" spc="0" normalizeH="0" baseline="0" noProof="0">
-                <a:ln>
-                  <a:noFill/>
-                </a:ln>
-                <a:solidFill>
-                  <a:srgbClr val="FFFFFF"/>
-                </a:solidFill>
-                <a:effectLst>
-                  <a:outerShdw blurRad="38100" dist="12700" dir="5400000" rotWithShape="0">
-                    <a:srgbClr val="000000">
-                      <a:alpha val="50000"/>
-                    </a:srgbClr>
-                  </a:outerShdw>
-                </a:effectLst>
-                <a:uLnTx/>
-                <a:uFillTx/>
-                <a:latin typeface="Gill Sans"/>
-                <a:sym typeface="Gill Sans"/>
-              </a:endParaRPr>
-            </a:p>
-          </p:txBody>
-        </p:sp>
-        <p:sp>
-          <p:nvSpPr>
-            <p:cNvPr id="178" name="Figure">
-              <a:extLst>
-                <a:ext uri="{FF2B5EF4-FFF2-40B4-BE49-F238E27FC236}">
-                  <a16:creationId xmlns:a16="http://schemas.microsoft.com/office/drawing/2014/main" id="{D3633A12-5269-45FF-8E30-B117A0DBA23C}"/>
-                </a:ext>
-              </a:extLst>
-            </p:cNvPr>
-            <p:cNvSpPr/>
-            <p:nvPr/>
-          </p:nvSpPr>
-          <p:spPr>
-            <a:xfrm>
-              <a:off x="6730112" y="114053"/>
-              <a:ext cx="1313884" cy="1186203"/>
-            </a:xfrm>
-            <a:custGeom>
-              <a:avLst/>
-              <a:gdLst/>
-              <a:ahLst/>
-              <a:cxnLst>
-                <a:cxn ang="0">
-                  <a:pos x="wd2" y="hd2"/>
-                </a:cxn>
-                <a:cxn ang="5400000">
-                  <a:pos x="wd2" y="hd2"/>
-                </a:cxn>
-                <a:cxn ang="10800000">
-                  <a:pos x="wd2" y="hd2"/>
-                </a:cxn>
-                <a:cxn ang="16200000">
-                  <a:pos x="wd2" y="hd2"/>
-                </a:cxn>
-              </a:cxnLst>
-              <a:rect l="0" t="0" r="r" b="b"/>
-              <a:pathLst>
-                <a:path w="18415" h="19060" extrusionOk="0">
-                  <a:moveTo>
-                    <a:pt x="1251" y="17706"/>
-                  </a:moveTo>
-                  <a:cubicBezTo>
-                    <a:pt x="3633" y="20258"/>
-                    <a:pt x="13007" y="19180"/>
-                    <a:pt x="16737" y="14651"/>
-                  </a:cubicBezTo>
-                  <a:cubicBezTo>
-                    <a:pt x="20468" y="10087"/>
-                    <a:pt x="17145" y="3797"/>
-                    <a:pt x="14794" y="1210"/>
-                  </a:cubicBezTo>
-                  <a:cubicBezTo>
-                    <a:pt x="12411" y="-1342"/>
-                    <a:pt x="7458" y="275"/>
-                    <a:pt x="3727" y="4804"/>
-                  </a:cubicBezTo>
-                  <a:cubicBezTo>
-                    <a:pt x="-3" y="9368"/>
-                    <a:pt x="-1132" y="15155"/>
-                    <a:pt x="1251" y="17706"/>
-                  </a:cubicBezTo>
-                  <a:close/>
-                </a:path>
-              </a:pathLst>
-            </a:custGeom>
-            <a:solidFill>
-              <a:schemeClr val="accent3"/>
-            </a:solidFill>
-            <a:ln w="12700">
-              <a:miter lim="400000"/>
-            </a:ln>
-          </p:spPr>
-          <p:txBody>
-            <a:bodyPr lIns="38100" tIns="38100" rIns="38100" bIns="38100" anchor="ctr"/>
-            <a:lstStyle/>
-            <a:p>
-              <a:pPr marL="0" marR="0" lvl="0" indent="0" algn="ctr" defTabSz="457200" eaLnBrk="1" fontAlgn="auto" latinLnBrk="0" hangingPunct="0">
-                <a:lnSpc>
-                  <a:spcPct val="100000"/>
-                </a:lnSpc>
-                <a:spcBef>
-                  <a:spcPts val="0"/>
-                </a:spcBef>
-                <a:spcAft>
-                  <a:spcPts val="0"/>
-                </a:spcAft>
-                <a:buClrTx/>
-                <a:buSzTx/>
-                <a:buFontTx/>
-                <a:buNone/>
-                <a:tabLst/>
-                <a:defRPr sz="3000">
-                  <a:solidFill>
-                    <a:srgbClr val="FFFFFF"/>
-                  </a:solidFill>
-                  <a:effectLst>
-                    <a:outerShdw blurRad="38100" dist="12700" dir="5400000" rotWithShape="0">
-                      <a:srgbClr val="000000">
-                        <a:alpha val="50000"/>
-                      </a:srgbClr>
-                    </a:outerShdw>
-                  </a:effectLst>
-                </a:defRPr>
-              </a:pPr>
-              <a:endParaRPr kumimoji="0" sz="3000" b="0" i="0" u="none" strike="noStrike" kern="0" cap="none" spc="0" normalizeH="0" baseline="0" noProof="0">
-                <a:ln>
-                  <a:noFill/>
-                </a:ln>
-                <a:solidFill>
-                  <a:srgbClr val="FFFFFF"/>
-                </a:solidFill>
-                <a:effectLst>
-                  <a:outerShdw blurRad="38100" dist="12700" dir="5400000" rotWithShape="0">
-                    <a:srgbClr val="000000">
-                      <a:alpha val="50000"/>
-                    </a:srgbClr>
-                  </a:outerShdw>
-                </a:effectLst>
-                <a:uLnTx/>
-                <a:uFillTx/>
-                <a:latin typeface="Gill Sans"/>
-                <a:sym typeface="Gill Sans"/>
-              </a:endParaRPr>
-            </a:p>
-          </p:txBody>
-        </p:sp>
-        <p:sp>
-          <p:nvSpPr>
-            <p:cNvPr id="179" name="Figure">
-              <a:extLst>
-                <a:ext uri="{FF2B5EF4-FFF2-40B4-BE49-F238E27FC236}">
-                  <a16:creationId xmlns:a16="http://schemas.microsoft.com/office/drawing/2014/main" id="{99945BAE-B69E-4296-A375-397B44CEB87C}"/>
-                </a:ext>
-              </a:extLst>
-            </p:cNvPr>
-            <p:cNvSpPr/>
-            <p:nvPr/>
-          </p:nvSpPr>
-          <p:spPr>
-            <a:xfrm>
-              <a:off x="1921112" y="4207292"/>
-              <a:ext cx="875650" cy="892153"/>
-            </a:xfrm>
-            <a:custGeom>
-              <a:avLst/>
-              <a:gdLst/>
-              <a:ahLst/>
-              <a:cxnLst>
-                <a:cxn ang="0">
-                  <a:pos x="wd2" y="hd2"/>
-                </a:cxn>
-                <a:cxn ang="5400000">
-                  <a:pos x="wd2" y="hd2"/>
-                </a:cxn>
-                <a:cxn ang="10800000">
-                  <a:pos x="wd2" y="hd2"/>
-                </a:cxn>
-                <a:cxn ang="16200000">
-                  <a:pos x="wd2" y="hd2"/>
-                </a:cxn>
-              </a:cxnLst>
-              <a:rect l="0" t="0" r="r" b="b"/>
-              <a:pathLst>
-                <a:path w="19088" h="18770" extrusionOk="0">
-                  <a:moveTo>
-                    <a:pt x="18567" y="15982"/>
-                  </a:moveTo>
-                  <a:cubicBezTo>
-                    <a:pt x="20371" y="12782"/>
-                    <a:pt x="17299" y="3276"/>
-                    <a:pt x="12326" y="688"/>
-                  </a:cubicBezTo>
-                  <a:cubicBezTo>
-                    <a:pt x="7352" y="-1900"/>
-                    <a:pt x="2379" y="3418"/>
-                    <a:pt x="575" y="6665"/>
-                  </a:cubicBezTo>
-                  <a:cubicBezTo>
-                    <a:pt x="-1229" y="9865"/>
-                    <a:pt x="1355" y="14571"/>
-                    <a:pt x="6329" y="17159"/>
-                  </a:cubicBezTo>
-                  <a:cubicBezTo>
-                    <a:pt x="11253" y="19700"/>
-                    <a:pt x="16763" y="19182"/>
-                    <a:pt x="18567" y="15982"/>
-                  </a:cubicBezTo>
-                  <a:close/>
-                </a:path>
-              </a:pathLst>
-            </a:custGeom>
-            <a:solidFill>
-              <a:schemeClr val="accent3"/>
-            </a:solidFill>
-            <a:ln w="12700">
-              <a:miter lim="400000"/>
-            </a:ln>
-          </p:spPr>
-          <p:txBody>
-            <a:bodyPr lIns="38100" tIns="38100" rIns="38100" bIns="38100" anchor="ctr"/>
-            <a:lstStyle/>
-            <a:p>
-              <a:pPr marL="0" marR="0" lvl="0" indent="0" algn="ctr" defTabSz="457200" eaLnBrk="1" fontAlgn="auto" latinLnBrk="0" hangingPunct="0">
-                <a:lnSpc>
-                  <a:spcPct val="100000"/>
-                </a:lnSpc>
-                <a:spcBef>
-                  <a:spcPts val="0"/>
-                </a:spcBef>
-                <a:spcAft>
-                  <a:spcPts val="0"/>
-                </a:spcAft>
-                <a:buClrTx/>
-                <a:buSzTx/>
-                <a:buFontTx/>
-                <a:buNone/>
-                <a:tabLst/>
-                <a:defRPr sz="3000">
-                  <a:solidFill>
-                    <a:srgbClr val="FFFFFF"/>
-                  </a:solidFill>
-                  <a:effectLst>
-                    <a:outerShdw blurRad="38100" dist="12700" dir="5400000" rotWithShape="0">
-                      <a:srgbClr val="000000">
-                        <a:alpha val="50000"/>
-                      </a:srgbClr>
-                    </a:outerShdw>
-                  </a:effectLst>
-                </a:defRPr>
-              </a:pPr>
-              <a:endParaRPr kumimoji="0" sz="3000" b="0" i="0" u="none" strike="noStrike" kern="0" cap="none" spc="0" normalizeH="0" baseline="0" noProof="0">
-                <a:ln>
-                  <a:noFill/>
-                </a:ln>
-                <a:solidFill>
-                  <a:srgbClr val="FFFFFF"/>
-                </a:solidFill>
-                <a:effectLst>
-                  <a:outerShdw blurRad="38100" dist="12700" dir="5400000" rotWithShape="0">
-                    <a:srgbClr val="000000">
-                      <a:alpha val="50000"/>
-                    </a:srgbClr>
-                  </a:outerShdw>
-                </a:effectLst>
-                <a:uLnTx/>
-                <a:uFillTx/>
-                <a:latin typeface="Gill Sans"/>
-                <a:sym typeface="Gill Sans"/>
-              </a:endParaRPr>
-            </a:p>
-          </p:txBody>
-        </p:sp>
-        <p:sp>
-          <p:nvSpPr>
-            <p:cNvPr id="180" name="Figure">
-              <a:extLst>
-                <a:ext uri="{FF2B5EF4-FFF2-40B4-BE49-F238E27FC236}">
-                  <a16:creationId xmlns:a16="http://schemas.microsoft.com/office/drawing/2014/main" id="{4DB2E4A4-C050-4619-B3D0-08BE7FAEBF1B}"/>
-                </a:ext>
-              </a:extLst>
-            </p:cNvPr>
-            <p:cNvSpPr/>
-            <p:nvPr/>
-          </p:nvSpPr>
-          <p:spPr>
-            <a:xfrm>
-              <a:off x="8765547" y="1031118"/>
-              <a:ext cx="604493" cy="575736"/>
-            </a:xfrm>
-            <a:custGeom>
-              <a:avLst/>
-              <a:gdLst/>
-              <a:ahLst/>
-              <a:cxnLst>
-                <a:cxn ang="0">
-                  <a:pos x="wd2" y="hd2"/>
-                </a:cxn>
-                <a:cxn ang="5400000">
-                  <a:pos x="wd2" y="hd2"/>
-                </a:cxn>
-                <a:cxn ang="10800000">
-                  <a:pos x="wd2" y="hd2"/>
-                </a:cxn>
-                <a:cxn ang="16200000">
-                  <a:pos x="wd2" y="hd2"/>
-                </a:cxn>
-              </a:cxnLst>
-              <a:rect l="0" t="0" r="r" b="b"/>
-              <a:pathLst>
-                <a:path w="19202" h="18783" extrusionOk="0">
-                  <a:moveTo>
-                    <a:pt x="402" y="2508"/>
-                  </a:moveTo>
-                  <a:cubicBezTo>
-                    <a:pt x="-1232" y="5646"/>
-                    <a:pt x="2321" y="15132"/>
-                    <a:pt x="7365" y="17978"/>
-                  </a:cubicBezTo>
-                  <a:cubicBezTo>
-                    <a:pt x="12410" y="20751"/>
-                    <a:pt x="17100" y="15716"/>
-                    <a:pt x="18734" y="12651"/>
-                  </a:cubicBezTo>
-                  <a:cubicBezTo>
-                    <a:pt x="20368" y="9513"/>
-                    <a:pt x="17597" y="4770"/>
-                    <a:pt x="12481" y="1997"/>
-                  </a:cubicBezTo>
-                  <a:cubicBezTo>
-                    <a:pt x="7436" y="-849"/>
-                    <a:pt x="2036" y="-630"/>
-                    <a:pt x="402" y="2508"/>
-                  </a:cubicBezTo>
-                  <a:close/>
-                </a:path>
-              </a:pathLst>
-            </a:custGeom>
-            <a:solidFill>
-              <a:schemeClr val="accent2"/>
-            </a:solidFill>
-            <a:ln w="12700">
-              <a:miter lim="400000"/>
-            </a:ln>
-          </p:spPr>
-          <p:txBody>
-            <a:bodyPr lIns="38100" tIns="38100" rIns="38100" bIns="38100" anchor="ctr"/>
-            <a:lstStyle/>
-            <a:p>
-              <a:pPr marL="0" marR="0" lvl="0" indent="0" algn="ctr" defTabSz="457200" eaLnBrk="1" fontAlgn="auto" latinLnBrk="0" hangingPunct="0">
-                <a:lnSpc>
-                  <a:spcPct val="100000"/>
-                </a:lnSpc>
-                <a:spcBef>
-                  <a:spcPts val="0"/>
-                </a:spcBef>
-                <a:spcAft>
-                  <a:spcPts val="0"/>
-                </a:spcAft>
-                <a:buClrTx/>
-                <a:buSzTx/>
-                <a:buFontTx/>
-                <a:buNone/>
-                <a:tabLst/>
-                <a:defRPr sz="3000">
-                  <a:solidFill>
-                    <a:srgbClr val="FFFFFF"/>
-                  </a:solidFill>
-                  <a:effectLst>
-                    <a:outerShdw blurRad="38100" dist="12700" dir="5400000" rotWithShape="0">
-                      <a:srgbClr val="000000">
-                        <a:alpha val="50000"/>
-                      </a:srgbClr>
-                    </a:outerShdw>
-                  </a:effectLst>
-                </a:defRPr>
-              </a:pPr>
-              <a:endParaRPr kumimoji="0" sz="3000" b="0" i="0" u="none" strike="noStrike" kern="0" cap="none" spc="0" normalizeH="0" baseline="0" noProof="0">
-                <a:ln>
-                  <a:noFill/>
-                </a:ln>
-                <a:solidFill>
-                  <a:srgbClr val="FFFFFF"/>
-                </a:solidFill>
-                <a:effectLst>
-                  <a:outerShdw blurRad="38100" dist="12700" dir="5400000" rotWithShape="0">
-                    <a:srgbClr val="000000">
-                      <a:alpha val="50000"/>
-                    </a:srgbClr>
-                  </a:outerShdw>
-                </a:effectLst>
-                <a:uLnTx/>
-                <a:uFillTx/>
-                <a:latin typeface="Gill Sans"/>
-                <a:sym typeface="Gill Sans"/>
-              </a:endParaRPr>
-            </a:p>
-          </p:txBody>
-        </p:sp>
-      </p:grpSp>
-      <p:grpSp>
-        <p:nvGrpSpPr>
           <p:cNvPr id="161" name="Group 160">
             <a:extLst>
               <a:ext uri="{FF2B5EF4-FFF2-40B4-BE49-F238E27FC236}">
@@ -41667,45 +39854,6 @@
           </a:p>
         </p:txBody>
       </p:sp>
-      <p:sp>
-        <p:nvSpPr>
-          <p:cNvPr id="70" name="TextBox 126">
-            <a:extLst>
-              <a:ext uri="{FF2B5EF4-FFF2-40B4-BE49-F238E27FC236}">
-                <a16:creationId xmlns:a16="http://schemas.microsoft.com/office/drawing/2014/main" id="{3CDC6784-756E-4FEB-97D6-E6696A8A0ED2}"/>
-              </a:ext>
-            </a:extLst>
-          </p:cNvPr>
-          <p:cNvSpPr txBox="1"/>
-          <p:nvPr/>
-        </p:nvSpPr>
-        <p:spPr>
-          <a:xfrm>
-            <a:off x="8308781" y="3505899"/>
-            <a:ext cx="2982086" cy="923330"/>
-          </a:xfrm>
-          <a:prstGeom prst="rect">
-            <a:avLst/>
-          </a:prstGeom>
-          <a:noFill/>
-        </p:spPr>
-        <p:txBody>
-          <a:bodyPr wrap="square" tIns="182880" bIns="0" rtlCol="0" anchor="b">
-            <a:spAutoFit/>
-          </a:bodyPr>
-          <a:lstStyle/>
-          <a:p>
-            <a:r>
-              <a:rPr lang="fr-FR" sz="2400" b="1" dirty="0">
-                <a:solidFill>
-                  <a:schemeClr val="accent1"/>
-                </a:solidFill>
-              </a:rPr>
-              <a:t>Diagramme générique</a:t>
-            </a:r>
-          </a:p>
-        </p:txBody>
-      </p:sp>
     </p:spTree>
     <p:extLst>
       <p:ext uri="{BB962C8B-B14F-4D97-AF65-F5344CB8AC3E}">
@@ -41720,6 +39868,1131 @@
 </file>
 
 <file path=ppt/slides/slide30.xml><?xml version="1.0" encoding="utf-8"?>
+<p:sld xmlns:a="http://schemas.openxmlformats.org/drawingml/2006/main" xmlns:r="http://schemas.openxmlformats.org/officeDocument/2006/relationships" xmlns:p="http://schemas.openxmlformats.org/presentationml/2006/main">
+  <p:cSld>
+    <p:spTree>
+      <p:nvGrpSpPr>
+        <p:cNvPr id="1" name=""/>
+        <p:cNvGrpSpPr/>
+        <p:nvPr/>
+      </p:nvGrpSpPr>
+      <p:grpSpPr>
+        <a:xfrm>
+          <a:off x="0" y="0"/>
+          <a:ext cx="0" cy="0"/>
+          <a:chOff x="0" y="0"/>
+          <a:chExt cx="0" cy="0"/>
+        </a:xfrm>
+      </p:grpSpPr>
+      <p:sp>
+        <p:nvSpPr>
+          <p:cNvPr id="7" name="Title 6"/>
+          <p:cNvSpPr>
+            <a:spLocks noGrp="1"/>
+          </p:cNvSpPr>
+          <p:nvPr>
+            <p:ph type="title"/>
+          </p:nvPr>
+        </p:nvSpPr>
+        <p:spPr/>
+        <p:txBody>
+          <a:bodyPr>
+            <a:noAutofit/>
+          </a:bodyPr>
+          <a:lstStyle/>
+          <a:p>
+            <a:r>
+              <a:rPr lang="en-US"/>
+              <a:t>Organize your relevant numbers and figures with </a:t>
+            </a:r>
+            <a:r>
+              <a:rPr lang="en-US">
+                <a:solidFill>
+                  <a:schemeClr val="accent2"/>
+                </a:solidFill>
+              </a:rPr>
+              <a:t>tables</a:t>
+            </a:r>
+          </a:p>
+        </p:txBody>
+      </p:sp>
+      <p:graphicFrame>
+        <p:nvGraphicFramePr>
+          <p:cNvPr id="8" name="Content Placeholder 7"/>
+          <p:cNvGraphicFramePr>
+            <a:graphicFrameLocks noGrp="1"/>
+          </p:cNvGraphicFramePr>
+          <p:nvPr>
+            <p:ph sz="half" idx="1"/>
+            <p:extLst>
+              <p:ext uri="{D42A27DB-BD31-4B8C-83A1-F6EECF244321}">
+                <p14:modId xmlns:p14="http://schemas.microsoft.com/office/powerpoint/2010/main" val="1828852914"/>
+              </p:ext>
+            </p:extLst>
+          </p:nvPr>
+        </p:nvGraphicFramePr>
+        <p:xfrm>
+          <a:off x="838200" y="1825625"/>
+          <a:ext cx="5181596" cy="3070585"/>
+        </p:xfrm>
+        <a:graphic>
+          <a:graphicData uri="http://schemas.openxmlformats.org/drawingml/2006/table">
+            <a:tbl>
+              <a:tblPr firstRow="1" bandRow="1">
+                <a:tableStyleId>{0660B408-B3CF-4A94-85FC-2B1E0A45F4A2}</a:tableStyleId>
+              </a:tblPr>
+              <a:tblGrid>
+                <a:gridCol w="1369368">
+                  <a:extLst>
+                    <a:ext uri="{9D8B030D-6E8A-4147-A177-3AD203B41FA5}">
+                      <a16:colId xmlns:a16="http://schemas.microsoft.com/office/drawing/2014/main" val="3367710014"/>
+                    </a:ext>
+                  </a:extLst>
+                </a:gridCol>
+                <a:gridCol w="953057">
+                  <a:extLst>
+                    <a:ext uri="{9D8B030D-6E8A-4147-A177-3AD203B41FA5}">
+                      <a16:colId xmlns:a16="http://schemas.microsoft.com/office/drawing/2014/main" val="17477540"/>
+                    </a:ext>
+                  </a:extLst>
+                </a:gridCol>
+                <a:gridCol w="953057">
+                  <a:extLst>
+                    <a:ext uri="{9D8B030D-6E8A-4147-A177-3AD203B41FA5}">
+                      <a16:colId xmlns:a16="http://schemas.microsoft.com/office/drawing/2014/main" val="3074244680"/>
+                    </a:ext>
+                  </a:extLst>
+                </a:gridCol>
+                <a:gridCol w="953057">
+                  <a:extLst>
+                    <a:ext uri="{9D8B030D-6E8A-4147-A177-3AD203B41FA5}">
+                      <a16:colId xmlns:a16="http://schemas.microsoft.com/office/drawing/2014/main" val="941839558"/>
+                    </a:ext>
+                  </a:extLst>
+                </a:gridCol>
+                <a:gridCol w="953057">
+                  <a:extLst>
+                    <a:ext uri="{9D8B030D-6E8A-4147-A177-3AD203B41FA5}">
+                      <a16:colId xmlns:a16="http://schemas.microsoft.com/office/drawing/2014/main" val="3159037940"/>
+                    </a:ext>
+                  </a:extLst>
+                </a:gridCol>
+              </a:tblGrid>
+              <a:tr h="406853">
+                <a:tc>
+                  <a:txBody>
+                    <a:bodyPr/>
+                    <a:lstStyle/>
+                    <a:p>
+                      <a:endParaRPr lang="en-US" sz="1600">
+                        <a:solidFill>
+                          <a:schemeClr val="accent5">
+                            <a:lumMod val="50000"/>
+                          </a:schemeClr>
+                        </a:solidFill>
+                        <a:latin typeface="Calibri" panose="020F0502020204030204" pitchFamily="34" charset="0"/>
+                        <a:ea typeface="Roboto" panose="02000000000000000000" pitchFamily="2" charset="0"/>
+                      </a:endParaRPr>
+                    </a:p>
+                  </a:txBody>
+                  <a:tcPr marL="53632" marR="53632" anchor="ctr"/>
+                </a:tc>
+                <a:tc>
+                  <a:txBody>
+                    <a:bodyPr/>
+                    <a:lstStyle/>
+                    <a:p>
+                      <a:pPr algn="ctr"/>
+                      <a:r>
+                        <a:rPr lang="en-US" sz="1600"/>
+                        <a:t>Column Title 1</a:t>
+                      </a:r>
+                      <a:endParaRPr lang="en-US" sz="1600">
+                        <a:solidFill>
+                          <a:schemeClr val="accent5">
+                            <a:lumMod val="50000"/>
+                          </a:schemeClr>
+                        </a:solidFill>
+                        <a:latin typeface="Calibri" panose="020F0502020204030204" pitchFamily="34" charset="0"/>
+                        <a:ea typeface="Roboto" panose="02000000000000000000" pitchFamily="2" charset="0"/>
+                      </a:endParaRPr>
+                    </a:p>
+                  </a:txBody>
+                  <a:tcPr marL="53632" marR="53632" anchor="ctr"/>
+                </a:tc>
+                <a:tc>
+                  <a:txBody>
+                    <a:bodyPr/>
+                    <a:lstStyle/>
+                    <a:p>
+                      <a:pPr algn="ctr"/>
+                      <a:r>
+                        <a:rPr lang="en-US" sz="1600"/>
+                        <a:t>Column Title 2</a:t>
+                      </a:r>
+                      <a:endParaRPr lang="en-US" sz="1600">
+                        <a:solidFill>
+                          <a:schemeClr val="accent5">
+                            <a:lumMod val="50000"/>
+                          </a:schemeClr>
+                        </a:solidFill>
+                        <a:latin typeface="Calibri" panose="020F0502020204030204" pitchFamily="34" charset="0"/>
+                        <a:ea typeface="Roboto" panose="02000000000000000000" pitchFamily="2" charset="0"/>
+                      </a:endParaRPr>
+                    </a:p>
+                  </a:txBody>
+                  <a:tcPr marL="53632" marR="53632" anchor="ctr"/>
+                </a:tc>
+                <a:tc>
+                  <a:txBody>
+                    <a:bodyPr/>
+                    <a:lstStyle/>
+                    <a:p>
+                      <a:pPr algn="ctr"/>
+                      <a:r>
+                        <a:rPr lang="en-US" sz="1600"/>
+                        <a:t>Column Title 3</a:t>
+                      </a:r>
+                      <a:endParaRPr lang="en-US" sz="1600">
+                        <a:solidFill>
+                          <a:schemeClr val="accent5">
+                            <a:lumMod val="50000"/>
+                          </a:schemeClr>
+                        </a:solidFill>
+                        <a:latin typeface="Calibri" panose="020F0502020204030204" pitchFamily="34" charset="0"/>
+                        <a:ea typeface="Roboto" panose="02000000000000000000" pitchFamily="2" charset="0"/>
+                      </a:endParaRPr>
+                    </a:p>
+                  </a:txBody>
+                  <a:tcPr marL="53632" marR="53632" anchor="ctr"/>
+                </a:tc>
+                <a:tc>
+                  <a:txBody>
+                    <a:bodyPr/>
+                    <a:lstStyle/>
+                    <a:p>
+                      <a:pPr algn="ctr"/>
+                      <a:r>
+                        <a:rPr lang="en-US" sz="1600"/>
+                        <a:t>Column Title 4</a:t>
+                      </a:r>
+                      <a:endParaRPr lang="en-US" sz="1600">
+                        <a:solidFill>
+                          <a:schemeClr val="accent5">
+                            <a:lumMod val="50000"/>
+                          </a:schemeClr>
+                        </a:solidFill>
+                        <a:latin typeface="Calibri" panose="020F0502020204030204" pitchFamily="34" charset="0"/>
+                        <a:ea typeface="Roboto" panose="02000000000000000000" pitchFamily="2" charset="0"/>
+                      </a:endParaRPr>
+                    </a:p>
+                  </a:txBody>
+                  <a:tcPr marL="53632" marR="53632" anchor="ctr"/>
+                </a:tc>
+                <a:extLst>
+                  <a:ext uri="{0D108BD9-81ED-4DB2-BD59-A6C34878D82A}">
+                    <a16:rowId xmlns:a16="http://schemas.microsoft.com/office/drawing/2014/main" val="2653986337"/>
+                  </a:ext>
+                </a:extLst>
+              </a:tr>
+              <a:tr h="406853">
+                <a:tc>
+                  <a:txBody>
+                    <a:bodyPr/>
+                    <a:lstStyle/>
+                    <a:p>
+                      <a:r>
+                        <a:rPr lang="en-US" sz="1600"/>
+                        <a:t>First Row</a:t>
+                      </a:r>
+                      <a:endParaRPr lang="en-US" sz="1600">
+                        <a:solidFill>
+                          <a:schemeClr val="accent5">
+                            <a:lumMod val="50000"/>
+                          </a:schemeClr>
+                        </a:solidFill>
+                        <a:latin typeface="Calibri" panose="020F0502020204030204" pitchFamily="34" charset="0"/>
+                        <a:ea typeface="Roboto" panose="02000000000000000000" pitchFamily="2" charset="0"/>
+                      </a:endParaRPr>
+                    </a:p>
+                  </a:txBody>
+                  <a:tcPr marL="53632" marR="53632" anchor="ctr"/>
+                </a:tc>
+                <a:tc>
+                  <a:txBody>
+                    <a:bodyPr/>
+                    <a:lstStyle/>
+                    <a:p>
+                      <a:pPr algn="ctr"/>
+                      <a:r>
+                        <a:rPr lang="en-US" sz="1600"/>
+                        <a:t>2 500</a:t>
+                      </a:r>
+                      <a:endParaRPr lang="en-US" sz="1600">
+                        <a:solidFill>
+                          <a:schemeClr val="accent5">
+                            <a:lumMod val="50000"/>
+                          </a:schemeClr>
+                        </a:solidFill>
+                        <a:latin typeface="Calibri" panose="020F0502020204030204" pitchFamily="34" charset="0"/>
+                        <a:ea typeface="Roboto" panose="02000000000000000000" pitchFamily="2" charset="0"/>
+                      </a:endParaRPr>
+                    </a:p>
+                  </a:txBody>
+                  <a:tcPr marL="53632" marR="53632" anchor="ctr"/>
+                </a:tc>
+                <a:tc>
+                  <a:txBody>
+                    <a:bodyPr/>
+                    <a:lstStyle/>
+                    <a:p>
+                      <a:pPr algn="ctr"/>
+                      <a:r>
+                        <a:rPr lang="en-US" sz="1600"/>
+                        <a:t>4 250</a:t>
+                      </a:r>
+                      <a:endParaRPr lang="en-US" sz="1600">
+                        <a:solidFill>
+                          <a:schemeClr val="accent5">
+                            <a:lumMod val="50000"/>
+                          </a:schemeClr>
+                        </a:solidFill>
+                        <a:latin typeface="Calibri" panose="020F0502020204030204" pitchFamily="34" charset="0"/>
+                        <a:ea typeface="Roboto" panose="02000000000000000000" pitchFamily="2" charset="0"/>
+                      </a:endParaRPr>
+                    </a:p>
+                  </a:txBody>
+                  <a:tcPr marL="53632" marR="53632" anchor="ctr"/>
+                </a:tc>
+                <a:tc>
+                  <a:txBody>
+                    <a:bodyPr/>
+                    <a:lstStyle/>
+                    <a:p>
+                      <a:pPr algn="ctr"/>
+                      <a:r>
+                        <a:rPr lang="en-US" sz="1600"/>
+                        <a:t>6 500</a:t>
+                      </a:r>
+                      <a:endParaRPr lang="en-US" sz="1600">
+                        <a:solidFill>
+                          <a:schemeClr val="accent5">
+                            <a:lumMod val="50000"/>
+                          </a:schemeClr>
+                        </a:solidFill>
+                        <a:latin typeface="Calibri" panose="020F0502020204030204" pitchFamily="34" charset="0"/>
+                        <a:ea typeface="Roboto" panose="02000000000000000000" pitchFamily="2" charset="0"/>
+                      </a:endParaRPr>
+                    </a:p>
+                  </a:txBody>
+                  <a:tcPr marL="53632" marR="53632" anchor="ctr"/>
+                </a:tc>
+                <a:tc>
+                  <a:txBody>
+                    <a:bodyPr/>
+                    <a:lstStyle/>
+                    <a:p>
+                      <a:pPr algn="ctr"/>
+                      <a:r>
+                        <a:rPr lang="en-US" sz="1600"/>
+                        <a:t>4 700</a:t>
+                      </a:r>
+                      <a:endParaRPr lang="en-US" sz="1600">
+                        <a:solidFill>
+                          <a:schemeClr val="accent5">
+                            <a:lumMod val="50000"/>
+                          </a:schemeClr>
+                        </a:solidFill>
+                        <a:latin typeface="Calibri" panose="020F0502020204030204" pitchFamily="34" charset="0"/>
+                        <a:ea typeface="Roboto" panose="02000000000000000000" pitchFamily="2" charset="0"/>
+                      </a:endParaRPr>
+                    </a:p>
+                  </a:txBody>
+                  <a:tcPr marL="53632" marR="53632" anchor="ctr"/>
+                </a:tc>
+                <a:extLst>
+                  <a:ext uri="{0D108BD9-81ED-4DB2-BD59-A6C34878D82A}">
+                    <a16:rowId xmlns:a16="http://schemas.microsoft.com/office/drawing/2014/main" val="3069441126"/>
+                  </a:ext>
+                </a:extLst>
+              </a:tr>
+              <a:tr h="406853">
+                <a:tc>
+                  <a:txBody>
+                    <a:bodyPr/>
+                    <a:lstStyle/>
+                    <a:p>
+                      <a:r>
+                        <a:rPr lang="en-US" sz="1600"/>
+                        <a:t>Second Row</a:t>
+                      </a:r>
+                      <a:endParaRPr lang="en-US" sz="1600">
+                        <a:solidFill>
+                          <a:schemeClr val="accent5">
+                            <a:lumMod val="50000"/>
+                          </a:schemeClr>
+                        </a:solidFill>
+                        <a:latin typeface="Calibri" panose="020F0502020204030204" pitchFamily="34" charset="0"/>
+                        <a:ea typeface="Roboto" panose="02000000000000000000" pitchFamily="2" charset="0"/>
+                      </a:endParaRPr>
+                    </a:p>
+                  </a:txBody>
+                  <a:tcPr marL="53632" marR="53632" anchor="ctr"/>
+                </a:tc>
+                <a:tc>
+                  <a:txBody>
+                    <a:bodyPr/>
+                    <a:lstStyle/>
+                    <a:p>
+                      <a:pPr algn="ctr"/>
+                      <a:r>
+                        <a:rPr lang="en-US" sz="1600"/>
+                        <a:t>12 300</a:t>
+                      </a:r>
+                      <a:endParaRPr lang="en-US" sz="1600">
+                        <a:solidFill>
+                          <a:schemeClr val="accent5">
+                            <a:lumMod val="50000"/>
+                          </a:schemeClr>
+                        </a:solidFill>
+                        <a:latin typeface="Calibri" panose="020F0502020204030204" pitchFamily="34" charset="0"/>
+                        <a:ea typeface="Roboto" panose="02000000000000000000" pitchFamily="2" charset="0"/>
+                      </a:endParaRPr>
+                    </a:p>
+                  </a:txBody>
+                  <a:tcPr marL="53632" marR="53632" anchor="ctr"/>
+                </a:tc>
+                <a:tc>
+                  <a:txBody>
+                    <a:bodyPr/>
+                    <a:lstStyle/>
+                    <a:p>
+                      <a:pPr algn="ctr"/>
+                      <a:r>
+                        <a:rPr lang="en-US" sz="1600"/>
+                        <a:t>1 200</a:t>
+                      </a:r>
+                      <a:endParaRPr lang="en-US" sz="1600">
+                        <a:solidFill>
+                          <a:schemeClr val="accent5">
+                            <a:lumMod val="50000"/>
+                          </a:schemeClr>
+                        </a:solidFill>
+                        <a:latin typeface="Calibri" panose="020F0502020204030204" pitchFamily="34" charset="0"/>
+                        <a:ea typeface="Roboto" panose="02000000000000000000" pitchFamily="2" charset="0"/>
+                      </a:endParaRPr>
+                    </a:p>
+                  </a:txBody>
+                  <a:tcPr marL="53632" marR="53632" anchor="ctr"/>
+                </a:tc>
+                <a:tc>
+                  <a:txBody>
+                    <a:bodyPr/>
+                    <a:lstStyle/>
+                    <a:p>
+                      <a:pPr algn="ctr"/>
+                      <a:r>
+                        <a:rPr lang="en-US" sz="1600"/>
+                        <a:t>7 800</a:t>
+                      </a:r>
+                      <a:endParaRPr lang="en-US" sz="1600">
+                        <a:solidFill>
+                          <a:schemeClr val="accent5">
+                            <a:lumMod val="50000"/>
+                          </a:schemeClr>
+                        </a:solidFill>
+                        <a:latin typeface="Calibri" panose="020F0502020204030204" pitchFamily="34" charset="0"/>
+                        <a:ea typeface="Roboto" panose="02000000000000000000" pitchFamily="2" charset="0"/>
+                      </a:endParaRPr>
+                    </a:p>
+                  </a:txBody>
+                  <a:tcPr marL="53632" marR="53632" anchor="ctr"/>
+                </a:tc>
+                <a:tc>
+                  <a:txBody>
+                    <a:bodyPr/>
+                    <a:lstStyle/>
+                    <a:p>
+                      <a:pPr algn="ctr"/>
+                      <a:r>
+                        <a:rPr lang="en-US" sz="1600"/>
+                        <a:t>9 850</a:t>
+                      </a:r>
+                      <a:endParaRPr lang="en-US" sz="1600">
+                        <a:solidFill>
+                          <a:schemeClr val="accent5">
+                            <a:lumMod val="50000"/>
+                          </a:schemeClr>
+                        </a:solidFill>
+                        <a:latin typeface="Calibri" panose="020F0502020204030204" pitchFamily="34" charset="0"/>
+                        <a:ea typeface="Roboto" panose="02000000000000000000" pitchFamily="2" charset="0"/>
+                      </a:endParaRPr>
+                    </a:p>
+                  </a:txBody>
+                  <a:tcPr marL="53632" marR="53632" anchor="ctr"/>
+                </a:tc>
+                <a:extLst>
+                  <a:ext uri="{0D108BD9-81ED-4DB2-BD59-A6C34878D82A}">
+                    <a16:rowId xmlns:a16="http://schemas.microsoft.com/office/drawing/2014/main" val="2627827500"/>
+                  </a:ext>
+                </a:extLst>
+              </a:tr>
+              <a:tr h="406853">
+                <a:tc>
+                  <a:txBody>
+                    <a:bodyPr/>
+                    <a:lstStyle/>
+                    <a:p>
+                      <a:r>
+                        <a:rPr lang="en-US" sz="1600"/>
+                        <a:t>Third Row</a:t>
+                      </a:r>
+                      <a:endParaRPr lang="en-US" sz="1600">
+                        <a:solidFill>
+                          <a:schemeClr val="accent5">
+                            <a:lumMod val="50000"/>
+                          </a:schemeClr>
+                        </a:solidFill>
+                        <a:latin typeface="Calibri" panose="020F0502020204030204" pitchFamily="34" charset="0"/>
+                        <a:ea typeface="Roboto" panose="02000000000000000000" pitchFamily="2" charset="0"/>
+                      </a:endParaRPr>
+                    </a:p>
+                  </a:txBody>
+                  <a:tcPr marL="53632" marR="53632" anchor="ctr"/>
+                </a:tc>
+                <a:tc>
+                  <a:txBody>
+                    <a:bodyPr/>
+                    <a:lstStyle/>
+                    <a:p>
+                      <a:pPr algn="ctr"/>
+                      <a:r>
+                        <a:rPr lang="en-US" sz="1600"/>
+                        <a:t>450</a:t>
+                      </a:r>
+                      <a:endParaRPr lang="en-US" sz="1600">
+                        <a:solidFill>
+                          <a:schemeClr val="accent5">
+                            <a:lumMod val="50000"/>
+                          </a:schemeClr>
+                        </a:solidFill>
+                        <a:latin typeface="Calibri" panose="020F0502020204030204" pitchFamily="34" charset="0"/>
+                        <a:ea typeface="Roboto" panose="02000000000000000000" pitchFamily="2" charset="0"/>
+                      </a:endParaRPr>
+                    </a:p>
+                  </a:txBody>
+                  <a:tcPr marL="53632" marR="53632" anchor="ctr"/>
+                </a:tc>
+                <a:tc>
+                  <a:txBody>
+                    <a:bodyPr/>
+                    <a:lstStyle/>
+                    <a:p>
+                      <a:pPr algn="ctr"/>
+                      <a:r>
+                        <a:rPr lang="en-US" sz="1600"/>
+                        <a:t>850</a:t>
+                      </a:r>
+                      <a:endParaRPr lang="en-US" sz="1600">
+                        <a:solidFill>
+                          <a:schemeClr val="accent5">
+                            <a:lumMod val="50000"/>
+                          </a:schemeClr>
+                        </a:solidFill>
+                        <a:latin typeface="Calibri" panose="020F0502020204030204" pitchFamily="34" charset="0"/>
+                        <a:ea typeface="Roboto" panose="02000000000000000000" pitchFamily="2" charset="0"/>
+                      </a:endParaRPr>
+                    </a:p>
+                  </a:txBody>
+                  <a:tcPr marL="53632" marR="53632" anchor="ctr"/>
+                </a:tc>
+                <a:tc>
+                  <a:txBody>
+                    <a:bodyPr/>
+                    <a:lstStyle/>
+                    <a:p>
+                      <a:pPr algn="ctr"/>
+                      <a:r>
+                        <a:rPr lang="en-US" sz="1600"/>
+                        <a:t>200</a:t>
+                      </a:r>
+                      <a:endParaRPr lang="en-US" sz="1600">
+                        <a:solidFill>
+                          <a:schemeClr val="accent5">
+                            <a:lumMod val="50000"/>
+                          </a:schemeClr>
+                        </a:solidFill>
+                        <a:latin typeface="Calibri" panose="020F0502020204030204" pitchFamily="34" charset="0"/>
+                        <a:ea typeface="Roboto" panose="02000000000000000000" pitchFamily="2" charset="0"/>
+                      </a:endParaRPr>
+                    </a:p>
+                  </a:txBody>
+                  <a:tcPr marL="53632" marR="53632" anchor="ctr"/>
+                </a:tc>
+                <a:tc>
+                  <a:txBody>
+                    <a:bodyPr/>
+                    <a:lstStyle/>
+                    <a:p>
+                      <a:pPr algn="ctr"/>
+                      <a:r>
+                        <a:rPr lang="en-US" sz="1600"/>
+                        <a:t>2 100</a:t>
+                      </a:r>
+                      <a:endParaRPr lang="en-US" sz="1600">
+                        <a:solidFill>
+                          <a:schemeClr val="accent5">
+                            <a:lumMod val="50000"/>
+                          </a:schemeClr>
+                        </a:solidFill>
+                        <a:latin typeface="Calibri" panose="020F0502020204030204" pitchFamily="34" charset="0"/>
+                        <a:ea typeface="Roboto" panose="02000000000000000000" pitchFamily="2" charset="0"/>
+                      </a:endParaRPr>
+                    </a:p>
+                  </a:txBody>
+                  <a:tcPr marL="53632" marR="53632" anchor="ctr"/>
+                </a:tc>
+                <a:extLst>
+                  <a:ext uri="{0D108BD9-81ED-4DB2-BD59-A6C34878D82A}">
+                    <a16:rowId xmlns:a16="http://schemas.microsoft.com/office/drawing/2014/main" val="3714787057"/>
+                  </a:ext>
+                </a:extLst>
+              </a:tr>
+              <a:tr h="406853">
+                <a:tc>
+                  <a:txBody>
+                    <a:bodyPr/>
+                    <a:lstStyle/>
+                    <a:p>
+                      <a:r>
+                        <a:rPr lang="en-US" sz="1600"/>
+                        <a:t>Fourth Row</a:t>
+                      </a:r>
+                      <a:endParaRPr lang="en-US" sz="1600">
+                        <a:solidFill>
+                          <a:schemeClr val="accent5">
+                            <a:lumMod val="50000"/>
+                          </a:schemeClr>
+                        </a:solidFill>
+                        <a:latin typeface="Calibri" panose="020F0502020204030204" pitchFamily="34" charset="0"/>
+                        <a:ea typeface="Roboto" panose="02000000000000000000" pitchFamily="2" charset="0"/>
+                      </a:endParaRPr>
+                    </a:p>
+                  </a:txBody>
+                  <a:tcPr marL="53632" marR="53632" anchor="ctr"/>
+                </a:tc>
+                <a:tc>
+                  <a:txBody>
+                    <a:bodyPr/>
+                    <a:lstStyle/>
+                    <a:p>
+                      <a:pPr algn="ctr"/>
+                      <a:r>
+                        <a:rPr lang="en-US" sz="1600"/>
+                        <a:t>9 800</a:t>
+                      </a:r>
+                      <a:endParaRPr lang="en-US" sz="1600">
+                        <a:solidFill>
+                          <a:schemeClr val="accent5">
+                            <a:lumMod val="50000"/>
+                          </a:schemeClr>
+                        </a:solidFill>
+                        <a:latin typeface="Calibri" panose="020F0502020204030204" pitchFamily="34" charset="0"/>
+                        <a:ea typeface="Roboto" panose="02000000000000000000" pitchFamily="2" charset="0"/>
+                      </a:endParaRPr>
+                    </a:p>
+                  </a:txBody>
+                  <a:tcPr marL="53632" marR="53632" anchor="ctr"/>
+                </a:tc>
+                <a:tc>
+                  <a:txBody>
+                    <a:bodyPr/>
+                    <a:lstStyle/>
+                    <a:p>
+                      <a:pPr algn="ctr"/>
+                      <a:r>
+                        <a:rPr lang="en-US" sz="1600"/>
+                        <a:t>5 600</a:t>
+                      </a:r>
+                      <a:endParaRPr lang="en-US" sz="1600">
+                        <a:solidFill>
+                          <a:schemeClr val="accent5">
+                            <a:lumMod val="50000"/>
+                          </a:schemeClr>
+                        </a:solidFill>
+                        <a:latin typeface="Calibri" panose="020F0502020204030204" pitchFamily="34" charset="0"/>
+                        <a:ea typeface="Roboto" panose="02000000000000000000" pitchFamily="2" charset="0"/>
+                      </a:endParaRPr>
+                    </a:p>
+                  </a:txBody>
+                  <a:tcPr marL="53632" marR="53632" anchor="ctr"/>
+                </a:tc>
+                <a:tc>
+                  <a:txBody>
+                    <a:bodyPr/>
+                    <a:lstStyle/>
+                    <a:p>
+                      <a:pPr algn="ctr"/>
+                      <a:r>
+                        <a:rPr lang="en-US" sz="1600"/>
+                        <a:t>4 200</a:t>
+                      </a:r>
+                      <a:endParaRPr lang="en-US" sz="1600">
+                        <a:solidFill>
+                          <a:schemeClr val="accent5">
+                            <a:lumMod val="50000"/>
+                          </a:schemeClr>
+                        </a:solidFill>
+                        <a:latin typeface="Calibri" panose="020F0502020204030204" pitchFamily="34" charset="0"/>
+                        <a:ea typeface="Roboto" panose="02000000000000000000" pitchFamily="2" charset="0"/>
+                      </a:endParaRPr>
+                    </a:p>
+                  </a:txBody>
+                  <a:tcPr marL="53632" marR="53632" anchor="ctr"/>
+                </a:tc>
+                <a:tc>
+                  <a:txBody>
+                    <a:bodyPr/>
+                    <a:lstStyle/>
+                    <a:p>
+                      <a:pPr algn="ctr"/>
+                      <a:r>
+                        <a:rPr lang="en-US" sz="1600"/>
+                        <a:t>7 800</a:t>
+                      </a:r>
+                      <a:endParaRPr lang="en-US" sz="1600">
+                        <a:solidFill>
+                          <a:schemeClr val="accent5">
+                            <a:lumMod val="50000"/>
+                          </a:schemeClr>
+                        </a:solidFill>
+                        <a:latin typeface="Calibri" panose="020F0502020204030204" pitchFamily="34" charset="0"/>
+                        <a:ea typeface="Roboto" panose="02000000000000000000" pitchFamily="2" charset="0"/>
+                      </a:endParaRPr>
+                    </a:p>
+                  </a:txBody>
+                  <a:tcPr marL="53632" marR="53632" anchor="ctr"/>
+                </a:tc>
+                <a:extLst>
+                  <a:ext uri="{0D108BD9-81ED-4DB2-BD59-A6C34878D82A}">
+                    <a16:rowId xmlns:a16="http://schemas.microsoft.com/office/drawing/2014/main" val="1258136323"/>
+                  </a:ext>
+                </a:extLst>
+              </a:tr>
+              <a:tr h="406853">
+                <a:tc>
+                  <a:txBody>
+                    <a:bodyPr/>
+                    <a:lstStyle/>
+                    <a:p>
+                      <a:r>
+                        <a:rPr lang="en-US" sz="1600"/>
+                        <a:t>Fifth Row</a:t>
+                      </a:r>
+                      <a:endParaRPr lang="en-US" sz="1600">
+                        <a:solidFill>
+                          <a:schemeClr val="accent5">
+                            <a:lumMod val="50000"/>
+                          </a:schemeClr>
+                        </a:solidFill>
+                        <a:latin typeface="Calibri" panose="020F0502020204030204" pitchFamily="34" charset="0"/>
+                        <a:ea typeface="Roboto" panose="02000000000000000000" pitchFamily="2" charset="0"/>
+                      </a:endParaRPr>
+                    </a:p>
+                  </a:txBody>
+                  <a:tcPr marL="53632" marR="53632" anchor="ctr"/>
+                </a:tc>
+                <a:tc>
+                  <a:txBody>
+                    <a:bodyPr/>
+                    <a:lstStyle/>
+                    <a:p>
+                      <a:pPr algn="ctr"/>
+                      <a:r>
+                        <a:rPr lang="en-US" sz="1600"/>
+                        <a:t>250</a:t>
+                      </a:r>
+                      <a:endParaRPr lang="en-US" sz="1600">
+                        <a:solidFill>
+                          <a:schemeClr val="accent5">
+                            <a:lumMod val="50000"/>
+                          </a:schemeClr>
+                        </a:solidFill>
+                        <a:latin typeface="Calibri" panose="020F0502020204030204" pitchFamily="34" charset="0"/>
+                        <a:ea typeface="Roboto" panose="02000000000000000000" pitchFamily="2" charset="0"/>
+                      </a:endParaRPr>
+                    </a:p>
+                  </a:txBody>
+                  <a:tcPr marL="53632" marR="53632" anchor="ctr"/>
+                </a:tc>
+                <a:tc>
+                  <a:txBody>
+                    <a:bodyPr/>
+                    <a:lstStyle/>
+                    <a:p>
+                      <a:pPr algn="ctr"/>
+                      <a:r>
+                        <a:rPr lang="en-US" sz="1600"/>
+                        <a:t>470</a:t>
+                      </a:r>
+                      <a:endParaRPr lang="en-US" sz="1600">
+                        <a:solidFill>
+                          <a:schemeClr val="accent5">
+                            <a:lumMod val="50000"/>
+                          </a:schemeClr>
+                        </a:solidFill>
+                        <a:latin typeface="Calibri" panose="020F0502020204030204" pitchFamily="34" charset="0"/>
+                        <a:ea typeface="Roboto" panose="02000000000000000000" pitchFamily="2" charset="0"/>
+                      </a:endParaRPr>
+                    </a:p>
+                  </a:txBody>
+                  <a:tcPr marL="53632" marR="53632" anchor="ctr"/>
+                </a:tc>
+                <a:tc>
+                  <a:txBody>
+                    <a:bodyPr/>
+                    <a:lstStyle/>
+                    <a:p>
+                      <a:pPr algn="ctr"/>
+                      <a:r>
+                        <a:rPr lang="en-US" sz="1600"/>
+                        <a:t>150</a:t>
+                      </a:r>
+                      <a:endParaRPr lang="en-US" sz="1600">
+                        <a:solidFill>
+                          <a:schemeClr val="accent5">
+                            <a:lumMod val="50000"/>
+                          </a:schemeClr>
+                        </a:solidFill>
+                        <a:latin typeface="Calibri" panose="020F0502020204030204" pitchFamily="34" charset="0"/>
+                        <a:ea typeface="Roboto" panose="02000000000000000000" pitchFamily="2" charset="0"/>
+                      </a:endParaRPr>
+                    </a:p>
+                  </a:txBody>
+                  <a:tcPr marL="53632" marR="53632" anchor="ctr"/>
+                </a:tc>
+                <a:tc>
+                  <a:txBody>
+                    <a:bodyPr/>
+                    <a:lstStyle/>
+                    <a:p>
+                      <a:pPr algn="ctr"/>
+                      <a:r>
+                        <a:rPr lang="en-US" sz="1600"/>
+                        <a:t>890</a:t>
+                      </a:r>
+                      <a:endParaRPr lang="en-US" sz="1600">
+                        <a:solidFill>
+                          <a:schemeClr val="accent5">
+                            <a:lumMod val="50000"/>
+                          </a:schemeClr>
+                        </a:solidFill>
+                        <a:latin typeface="Calibri" panose="020F0502020204030204" pitchFamily="34" charset="0"/>
+                        <a:ea typeface="Roboto" panose="02000000000000000000" pitchFamily="2" charset="0"/>
+                      </a:endParaRPr>
+                    </a:p>
+                  </a:txBody>
+                  <a:tcPr marL="53632" marR="53632" anchor="ctr"/>
+                </a:tc>
+                <a:extLst>
+                  <a:ext uri="{0D108BD9-81ED-4DB2-BD59-A6C34878D82A}">
+                    <a16:rowId xmlns:a16="http://schemas.microsoft.com/office/drawing/2014/main" val="2397747607"/>
+                  </a:ext>
+                </a:extLst>
+              </a:tr>
+              <a:tr h="457200">
+                <a:tc>
+                  <a:txBody>
+                    <a:bodyPr/>
+                    <a:lstStyle/>
+                    <a:p>
+                      <a:r>
+                        <a:rPr lang="en-US" sz="1800"/>
+                        <a:t>TOTAL</a:t>
+                      </a:r>
+                      <a:endParaRPr lang="en-US" sz="1800" b="1">
+                        <a:solidFill>
+                          <a:schemeClr val="accent5">
+                            <a:lumMod val="50000"/>
+                          </a:schemeClr>
+                        </a:solidFill>
+                        <a:latin typeface="Calibri" panose="020F0502020204030204" pitchFamily="34" charset="0"/>
+                        <a:ea typeface="Roboto" panose="02000000000000000000" pitchFamily="2" charset="0"/>
+                      </a:endParaRPr>
+                    </a:p>
+                  </a:txBody>
+                  <a:tcPr marL="53632" marR="53632" anchor="ctr"/>
+                </a:tc>
+                <a:tc>
+                  <a:txBody>
+                    <a:bodyPr/>
+                    <a:lstStyle/>
+                    <a:p>
+                      <a:pPr algn="ctr"/>
+                      <a:r>
+                        <a:rPr lang="en-US" sz="1800"/>
+                        <a:t>25,300</a:t>
+                      </a:r>
+                      <a:endParaRPr lang="en-US" sz="1800" b="1">
+                        <a:solidFill>
+                          <a:schemeClr val="accent5">
+                            <a:lumMod val="50000"/>
+                          </a:schemeClr>
+                        </a:solidFill>
+                        <a:latin typeface="Calibri" panose="020F0502020204030204" pitchFamily="34" charset="0"/>
+                        <a:ea typeface="Roboto" panose="02000000000000000000" pitchFamily="2" charset="0"/>
+                      </a:endParaRPr>
+                    </a:p>
+                  </a:txBody>
+                  <a:tcPr marL="53632" marR="53632" anchor="ctr"/>
+                </a:tc>
+                <a:tc>
+                  <a:txBody>
+                    <a:bodyPr/>
+                    <a:lstStyle/>
+                    <a:p>
+                      <a:pPr algn="ctr"/>
+                      <a:r>
+                        <a:rPr lang="en-US" sz="1800"/>
+                        <a:t>24,270</a:t>
+                      </a:r>
+                      <a:endParaRPr lang="en-US" sz="1800" b="1">
+                        <a:solidFill>
+                          <a:schemeClr val="accent5">
+                            <a:lumMod val="50000"/>
+                          </a:schemeClr>
+                        </a:solidFill>
+                        <a:latin typeface="Calibri" panose="020F0502020204030204" pitchFamily="34" charset="0"/>
+                        <a:ea typeface="Roboto" panose="02000000000000000000" pitchFamily="2" charset="0"/>
+                      </a:endParaRPr>
+                    </a:p>
+                  </a:txBody>
+                  <a:tcPr marL="53632" marR="53632" anchor="ctr"/>
+                </a:tc>
+                <a:tc>
+                  <a:txBody>
+                    <a:bodyPr/>
+                    <a:lstStyle/>
+                    <a:p>
+                      <a:pPr algn="ctr"/>
+                      <a:r>
+                        <a:rPr lang="en-US" sz="1800"/>
+                        <a:t>18,850</a:t>
+                      </a:r>
+                      <a:endParaRPr lang="en-US" sz="1800" b="1">
+                        <a:solidFill>
+                          <a:schemeClr val="accent5">
+                            <a:lumMod val="50000"/>
+                          </a:schemeClr>
+                        </a:solidFill>
+                        <a:latin typeface="Calibri" panose="020F0502020204030204" pitchFamily="34" charset="0"/>
+                        <a:ea typeface="Roboto" panose="02000000000000000000" pitchFamily="2" charset="0"/>
+                      </a:endParaRPr>
+                    </a:p>
+                  </a:txBody>
+                  <a:tcPr marL="53632" marR="53632" anchor="ctr"/>
+                </a:tc>
+                <a:tc>
+                  <a:txBody>
+                    <a:bodyPr/>
+                    <a:lstStyle/>
+                    <a:p>
+                      <a:pPr algn="ctr"/>
+                      <a:r>
+                        <a:rPr lang="en-US" sz="1800"/>
+                        <a:t>25,340</a:t>
+                      </a:r>
+                      <a:endParaRPr lang="en-US" sz="1800" b="1">
+                        <a:solidFill>
+                          <a:schemeClr val="accent5">
+                            <a:lumMod val="50000"/>
+                          </a:schemeClr>
+                        </a:solidFill>
+                        <a:latin typeface="Calibri" panose="020F0502020204030204" pitchFamily="34" charset="0"/>
+                        <a:ea typeface="Roboto" panose="02000000000000000000" pitchFamily="2" charset="0"/>
+                      </a:endParaRPr>
+                    </a:p>
+                  </a:txBody>
+                  <a:tcPr marL="53632" marR="53632" anchor="ctr"/>
+                </a:tc>
+                <a:extLst>
+                  <a:ext uri="{0D108BD9-81ED-4DB2-BD59-A6C34878D82A}">
+                    <a16:rowId xmlns:a16="http://schemas.microsoft.com/office/drawing/2014/main" val="1366452895"/>
+                  </a:ext>
+                </a:extLst>
+              </a:tr>
+            </a:tbl>
+          </a:graphicData>
+        </a:graphic>
+      </p:graphicFrame>
+      <p:sp>
+        <p:nvSpPr>
+          <p:cNvPr id="9" name="Text Placeholder 8"/>
+          <p:cNvSpPr>
+            <a:spLocks noGrp="1"/>
+          </p:cNvSpPr>
+          <p:nvPr>
+            <p:ph sz="half" idx="2"/>
+          </p:nvPr>
+        </p:nvSpPr>
+        <p:spPr/>
+        <p:txBody>
+          <a:bodyPr/>
+          <a:lstStyle/>
+          <a:p>
+            <a:r>
+              <a:rPr lang="en-US"/>
+              <a:t>Lorem ipsum dolor sit amet, duis eu. Metus tortor. Eu ut lorem, est sodales amet.</a:t>
+            </a:r>
+          </a:p>
+          <a:p>
+            <a:r>
+              <a:rPr lang="en-US"/>
+              <a:t>Maecenas nam mattis, condimentum semper tristique. Morbi sed diam.</a:t>
+            </a:r>
+          </a:p>
+          <a:p>
+            <a:r>
+              <a:rPr lang="en-US"/>
+              <a:t>Lorem ipsum dolor sit amet, consectetur adipiscing elit, sed do eiusmod tempor incididunt.</a:t>
+            </a:r>
+          </a:p>
+        </p:txBody>
+      </p:sp>
+      <p:sp>
+        <p:nvSpPr>
+          <p:cNvPr id="4" name="Date Placeholder 3"/>
+          <p:cNvSpPr>
+            <a:spLocks noGrp="1"/>
+          </p:cNvSpPr>
+          <p:nvPr>
+            <p:ph type="dt" sz="half" idx="10"/>
+          </p:nvPr>
+        </p:nvSpPr>
+        <p:spPr/>
+        <p:txBody>
+          <a:bodyPr/>
+          <a:lstStyle/>
+          <a:p>
+            <a:pPr marL="0" marR="0" lvl="0" indent="0" algn="l" defTabSz="914400" rtl="0" eaLnBrk="1" fontAlgn="auto" latinLnBrk="0" hangingPunct="1">
+              <a:lnSpc>
+                <a:spcPct val="100000"/>
+              </a:lnSpc>
+              <a:spcBef>
+                <a:spcPts val="0"/>
+              </a:spcBef>
+              <a:spcAft>
+                <a:spcPts val="0"/>
+              </a:spcAft>
+              <a:buClrTx/>
+              <a:buSzTx/>
+              <a:buFontTx/>
+              <a:buNone/>
+              <a:tabLst/>
+              <a:defRPr/>
+            </a:pPr>
+            <a:r>
+              <a:rPr kumimoji="0" lang="fr-FR" sz="1200" b="0" i="0" u="none" strike="noStrike" kern="1200" cap="none" spc="0" normalizeH="0" baseline="0" noProof="0">
+                <a:ln>
+                  <a:noFill/>
+                </a:ln>
+                <a:effectLst/>
+                <a:uLnTx/>
+                <a:uFillTx/>
+                <a:latin typeface="Calibri" panose="020F0502020204030204"/>
+                <a:ea typeface="+mn-ea"/>
+                <a:cs typeface="+mn-cs"/>
+              </a:rPr>
+              <a:t>04 février 2021</a:t>
+            </a:r>
+            <a:endParaRPr kumimoji="0" lang="en-US" sz="1200" b="0" i="0" u="none" strike="noStrike" kern="1200" cap="none" spc="0" normalizeH="0" baseline="0" noProof="0">
+              <a:ln>
+                <a:noFill/>
+              </a:ln>
+              <a:effectLst/>
+              <a:uLnTx/>
+              <a:uFillTx/>
+              <a:latin typeface="Calibri" panose="020F0502020204030204"/>
+              <a:ea typeface="+mn-ea"/>
+              <a:cs typeface="+mn-cs"/>
+            </a:endParaRPr>
+          </a:p>
+        </p:txBody>
+      </p:sp>
+      <p:sp>
+        <p:nvSpPr>
+          <p:cNvPr id="5" name="Footer Placeholder 4"/>
+          <p:cNvSpPr>
+            <a:spLocks noGrp="1"/>
+          </p:cNvSpPr>
+          <p:nvPr>
+            <p:ph type="ftr" sz="quarter" idx="11"/>
+          </p:nvPr>
+        </p:nvSpPr>
+        <p:spPr/>
+        <p:txBody>
+          <a:bodyPr/>
+          <a:lstStyle/>
+          <a:p>
+            <a:pPr marL="0" marR="0" lvl="0" indent="0" algn="ctr" defTabSz="914400" rtl="0" eaLnBrk="1" fontAlgn="auto" latinLnBrk="0" hangingPunct="1">
+              <a:lnSpc>
+                <a:spcPct val="100000"/>
+              </a:lnSpc>
+              <a:spcBef>
+                <a:spcPts val="0"/>
+              </a:spcBef>
+              <a:spcAft>
+                <a:spcPts val="0"/>
+              </a:spcAft>
+              <a:buClrTx/>
+              <a:buSzTx/>
+              <a:buFontTx/>
+              <a:buNone/>
+              <a:tabLst/>
+              <a:defRPr/>
+            </a:pPr>
+            <a:r>
+              <a:rPr kumimoji="0" lang="fr-FR" sz="1200" b="0" i="0" u="none" strike="noStrike" kern="1200" cap="none" spc="0" normalizeH="0" baseline="0" noProof="0">
+                <a:ln>
+                  <a:noFill/>
+                </a:ln>
+                <a:effectLst/>
+                <a:uLnTx/>
+                <a:uFillTx/>
+                <a:latin typeface="Calibri" panose="020F0502020204030204"/>
+                <a:ea typeface="+mn-ea"/>
+                <a:cs typeface="+mn-cs"/>
+              </a:rPr>
+              <a:t>Command &amp; Memento - Aurélien BOUDIER</a:t>
+            </a:r>
+            <a:endParaRPr kumimoji="0" lang="en-US" sz="1200" b="0" i="0" u="none" strike="noStrike" kern="1200" cap="none" spc="0" normalizeH="0" baseline="0" noProof="0">
+              <a:ln>
+                <a:noFill/>
+              </a:ln>
+              <a:effectLst/>
+              <a:uLnTx/>
+              <a:uFillTx/>
+              <a:latin typeface="Calibri" panose="020F0502020204030204"/>
+              <a:ea typeface="+mn-ea"/>
+              <a:cs typeface="+mn-cs"/>
+            </a:endParaRPr>
+          </a:p>
+        </p:txBody>
+      </p:sp>
+    </p:spTree>
+    <p:extLst>
+      <p:ext uri="{BB962C8B-B14F-4D97-AF65-F5344CB8AC3E}">
+        <p14:creationId xmlns:p14="http://schemas.microsoft.com/office/powerpoint/2010/main" val="3476536701"/>
+      </p:ext>
+    </p:extLst>
+  </p:cSld>
+  <p:clrMapOvr>
+    <a:masterClrMapping/>
+  </p:clrMapOvr>
+</p:sld>
+</file>
+
+<file path=ppt/slides/slide31.xml><?xml version="1.0" encoding="utf-8"?>
 <p:sld xmlns:a="http://schemas.openxmlformats.org/drawingml/2006/main" xmlns:r="http://schemas.openxmlformats.org/officeDocument/2006/relationships" xmlns:p="http://schemas.openxmlformats.org/presentationml/2006/main">
   <p:cSld>
     <p:spTree>
@@ -46839,7 +46112,7 @@
 </p:sld>
 </file>
 
-<file path=ppt/slides/slide31.xml><?xml version="1.0" encoding="utf-8"?>
+<file path=ppt/slides/slide32.xml><?xml version="1.0" encoding="utf-8"?>
 <p:sld xmlns:a="http://schemas.openxmlformats.org/drawingml/2006/main" xmlns:r="http://schemas.openxmlformats.org/officeDocument/2006/relationships" xmlns:p="http://schemas.openxmlformats.org/presentationml/2006/main">
   <p:cSld>
     <p:spTree>

--- a/01-Powerpoint-presentation/PowerpointPresentation.pptx
+++ b/01-Powerpoint-presentation/PowerpointPresentation.pptx
@@ -7,10 +7,10 @@
     <p:sldMasterId id="2147483753" r:id="rId3"/>
   </p:sldMasterIdLst>
   <p:notesMasterIdLst>
-    <p:notesMasterId r:id="rId36"/>
+    <p:notesMasterId r:id="rId38"/>
   </p:notesMasterIdLst>
   <p:handoutMasterIdLst>
-    <p:handoutMasterId r:id="rId37"/>
+    <p:handoutMasterId r:id="rId39"/>
   </p:handoutMasterIdLst>
   <p:sldIdLst>
     <p:sldId id="866" r:id="rId4"/>
@@ -29,22 +29,24 @@
     <p:sldId id="892" r:id="rId17"/>
     <p:sldId id="911" r:id="rId18"/>
     <p:sldId id="906" r:id="rId19"/>
-    <p:sldId id="895" r:id="rId20"/>
-    <p:sldId id="896" r:id="rId21"/>
-    <p:sldId id="897" r:id="rId22"/>
-    <p:sldId id="898" r:id="rId23"/>
-    <p:sldId id="877" r:id="rId24"/>
-    <p:sldId id="904" r:id="rId25"/>
-    <p:sldId id="879" r:id="rId26"/>
-    <p:sldId id="881" r:id="rId27"/>
-    <p:sldId id="882" r:id="rId28"/>
-    <p:sldId id="910" r:id="rId29"/>
-    <p:sldId id="884" r:id="rId30"/>
-    <p:sldId id="885" r:id="rId31"/>
-    <p:sldId id="886" r:id="rId32"/>
-    <p:sldId id="887" r:id="rId33"/>
-    <p:sldId id="889" r:id="rId34"/>
-    <p:sldId id="894" r:id="rId35"/>
+    <p:sldId id="912" r:id="rId20"/>
+    <p:sldId id="877" r:id="rId21"/>
+    <p:sldId id="895" r:id="rId22"/>
+    <p:sldId id="913" r:id="rId23"/>
+    <p:sldId id="914" r:id="rId24"/>
+    <p:sldId id="896" r:id="rId25"/>
+    <p:sldId id="898" r:id="rId26"/>
+    <p:sldId id="904" r:id="rId27"/>
+    <p:sldId id="879" r:id="rId28"/>
+    <p:sldId id="881" r:id="rId29"/>
+    <p:sldId id="882" r:id="rId30"/>
+    <p:sldId id="910" r:id="rId31"/>
+    <p:sldId id="884" r:id="rId32"/>
+    <p:sldId id="885" r:id="rId33"/>
+    <p:sldId id="886" r:id="rId34"/>
+    <p:sldId id="887" r:id="rId35"/>
+    <p:sldId id="889" r:id="rId36"/>
+    <p:sldId id="894" r:id="rId37"/>
   </p:sldIdLst>
   <p:sldSz cx="12192000" cy="6858000"/>
   <p:notesSz cx="6858000" cy="9144000"/>
@@ -146,11 +148,15 @@
   <p:extLst>
     <p:ext uri="{521415D9-36F7-43E2-AB2F-B90AF26B5E84}">
       <p14:sectionLst xmlns:p14="http://schemas.microsoft.com/office/powerpoint/2010/main">
-        <p14:section name="PRESENTATION" id="{D34E524A-D6EF-4CBC-A13A-51C3740B0549}">
+        <p14:section name="Début" id="{D34E524A-D6EF-4CBC-A13A-51C3740B0549}">
           <p14:sldIdLst>
             <p14:sldId id="866"/>
             <p14:sldId id="868"/>
             <p14:sldId id="870"/>
+          </p14:sldIdLst>
+        </p14:section>
+        <p14:section name="Chapitre 1 : Quels problèmes résout-on ?" id="{7AF77318-3E7A-4996-B665-FD6523308F95}">
+          <p14:sldIdLst>
             <p14:sldId id="867"/>
             <p14:sldId id="811"/>
             <p14:sldId id="901"/>
@@ -161,14 +167,24 @@
             <p14:sldId id="907"/>
             <p14:sldId id="908"/>
             <p14:sldId id="909"/>
+          </p14:sldIdLst>
+        </p14:section>
+        <p14:section name="Chapitre 2 : Pattern Command" id="{5AD25183-DC01-41F2-A88C-254361C1D7E5}">
+          <p14:sldIdLst>
             <p14:sldId id="892"/>
             <p14:sldId id="911"/>
             <p14:sldId id="906"/>
+            <p14:sldId id="912"/>
+            <p14:sldId id="877"/>
+          </p14:sldIdLst>
+        </p14:section>
+        <p14:section name="Chapitre 3 : Pattern Memento" id="{C85EBB9C-8D65-4A19-B646-4FE8BA9B6BD0}">
+          <p14:sldIdLst>
             <p14:sldId id="895"/>
+            <p14:sldId id="913"/>
+            <p14:sldId id="914"/>
             <p14:sldId id="896"/>
-            <p14:sldId id="897"/>
             <p14:sldId id="898"/>
-            <p14:sldId id="877"/>
             <p14:sldId id="904"/>
             <p14:sldId id="879"/>
             <p14:sldId id="881"/>
@@ -7109,7 +7125,7 @@
                 <a:effectLst/>
                 <a:latin typeface="Open Sans"/>
               </a:rPr>
-              <a:t>Lors d'une conception d'application on a souvent besoin d’émettre des requêtes sur n'importe quel objet, et ce, sans connaître, ni ses caractéristiques, ni ses fonctions/méthodes. </a:t>
+              <a:t>Quand on conçoit une application on a souvent besoin d’émettre des requêtes sur des objets métier, sans forcement </a:t>
             </a:r>
           </a:p>
           <a:p>
@@ -7274,15 +7290,279 @@
           <a:bodyPr/>
           <a:lstStyle/>
           <a:p>
+            <a:pPr algn="l">
+              <a:buFont typeface="Arial" panose="020B0604020202020204" pitchFamily="34" charset="0"/>
+              <a:buChar char="•"/>
+            </a:pPr>
             <a:r>
-              <a:rPr lang="en-US" sz="1200">
+              <a:rPr lang="fr-FR" b="1" i="0" noProof="0" dirty="0">
                 <a:solidFill>
-                  <a:prstClr val="black"/>
+                  <a:srgbClr val="212529"/>
                 </a:solidFill>
+                <a:effectLst/>
+                <a:latin typeface="-apple-system"/>
               </a:rPr>
-              <a:t>© Copyright Showeet.com – Creative &amp; Free PowerPoint Templates</a:t>
+              <a:t> Command</a:t>
             </a:r>
-            <a:endParaRPr lang="en-US"/>
+            <a:endParaRPr lang="fr-FR" b="0" i="0" noProof="0" dirty="0">
+              <a:solidFill>
+                <a:srgbClr val="212529"/>
+              </a:solidFill>
+              <a:effectLst/>
+              <a:latin typeface="-apple-system"/>
+            </a:endParaRPr>
+          </a:p>
+          <a:p>
+            <a:pPr algn="l">
+              <a:buFont typeface="Arial" panose="020B0604020202020204" pitchFamily="34" charset="0"/>
+              <a:buNone/>
+            </a:pPr>
+            <a:r>
+              <a:rPr lang="fr-FR" b="0" i="0" noProof="0" dirty="0">
+                <a:solidFill>
+                  <a:srgbClr val="212529"/>
+                </a:solidFill>
+                <a:effectLst/>
+                <a:latin typeface="-apple-system"/>
+              </a:rPr>
+              <a:t>Déclaration de l’interface pour l’exécution de la commande</a:t>
+            </a:r>
+          </a:p>
+          <a:p>
+            <a:pPr algn="l">
+              <a:buFont typeface="Arial" panose="020B0604020202020204" pitchFamily="34" charset="0"/>
+              <a:buChar char="•"/>
+            </a:pPr>
+            <a:endParaRPr lang="fr-FR" b="0" i="0" noProof="0" dirty="0">
+              <a:solidFill>
+                <a:srgbClr val="212529"/>
+              </a:solidFill>
+              <a:effectLst/>
+              <a:latin typeface="-apple-system"/>
+            </a:endParaRPr>
+          </a:p>
+          <a:p>
+            <a:pPr algn="l">
+              <a:buFont typeface="Arial" panose="020B0604020202020204" pitchFamily="34" charset="0"/>
+              <a:buChar char="•"/>
+            </a:pPr>
+            <a:r>
+              <a:rPr lang="fr-FR" b="1" i="0" noProof="0" dirty="0">
+                <a:solidFill>
+                  <a:srgbClr val="212529"/>
+                </a:solidFill>
+                <a:effectLst/>
+                <a:latin typeface="-apple-system"/>
+              </a:rPr>
+              <a:t> </a:t>
+            </a:r>
+            <a:r>
+              <a:rPr lang="fr-FR" b="1" i="0" noProof="0" dirty="0" err="1">
+                <a:solidFill>
+                  <a:srgbClr val="212529"/>
+                </a:solidFill>
+                <a:effectLst/>
+                <a:latin typeface="-apple-system"/>
+              </a:rPr>
+              <a:t>Concrete</a:t>
+            </a:r>
+            <a:r>
+              <a:rPr lang="fr-FR" b="1" i="0" noProof="0" dirty="0">
+                <a:solidFill>
+                  <a:srgbClr val="212529"/>
+                </a:solidFill>
+                <a:effectLst/>
+                <a:latin typeface="-apple-system"/>
+              </a:rPr>
+              <a:t> Command</a:t>
+            </a:r>
+            <a:r>
+              <a:rPr lang="fr-FR" b="0" i="0" noProof="0" dirty="0">
+                <a:solidFill>
+                  <a:srgbClr val="212529"/>
+                </a:solidFill>
+                <a:effectLst/>
+                <a:latin typeface="-apple-system"/>
+              </a:rPr>
+              <a:t> </a:t>
+            </a:r>
+          </a:p>
+          <a:p>
+            <a:pPr algn="l">
+              <a:buFont typeface="Arial" panose="020B0604020202020204" pitchFamily="34" charset="0"/>
+              <a:buNone/>
+            </a:pPr>
+            <a:r>
+              <a:rPr lang="fr-FR" b="0" i="0" noProof="0" dirty="0">
+                <a:solidFill>
+                  <a:srgbClr val="212529"/>
+                </a:solidFill>
+                <a:effectLst/>
+                <a:latin typeface="-apple-system"/>
+              </a:rPr>
+              <a:t>C’est la classe qui définit la liaison entre un objet </a:t>
+            </a:r>
+            <a:r>
+              <a:rPr lang="fr-FR" b="0" i="0" noProof="0" dirty="0" err="1">
+                <a:solidFill>
+                  <a:srgbClr val="212529"/>
+                </a:solidFill>
+                <a:effectLst/>
+                <a:latin typeface="-apple-system"/>
+              </a:rPr>
+              <a:t>Receiver</a:t>
+            </a:r>
+            <a:r>
+              <a:rPr lang="fr-FR" b="0" i="0" noProof="0" dirty="0">
+                <a:solidFill>
+                  <a:srgbClr val="212529"/>
+                </a:solidFill>
+                <a:effectLst/>
+                <a:latin typeface="-apple-system"/>
+              </a:rPr>
+              <a:t> et une action invoquée par l’</a:t>
+            </a:r>
+            <a:r>
+              <a:rPr lang="fr-FR" b="0" i="0" noProof="0" dirty="0" err="1">
+                <a:solidFill>
+                  <a:srgbClr val="212529"/>
+                </a:solidFill>
+                <a:effectLst/>
+                <a:latin typeface="-apple-system"/>
+              </a:rPr>
+              <a:t>Invoker</a:t>
+            </a:r>
+            <a:endParaRPr lang="fr-FR" b="0" i="0" noProof="0" dirty="0">
+              <a:solidFill>
+                <a:srgbClr val="212529"/>
+              </a:solidFill>
+              <a:effectLst/>
+              <a:latin typeface="-apple-system"/>
+            </a:endParaRPr>
+          </a:p>
+          <a:p>
+            <a:pPr algn="l">
+              <a:buFont typeface="Arial" panose="020B0604020202020204" pitchFamily="34" charset="0"/>
+              <a:buChar char="•"/>
+            </a:pPr>
+            <a:endParaRPr lang="fr-FR" b="0" i="0" noProof="0" dirty="0">
+              <a:solidFill>
+                <a:srgbClr val="212529"/>
+              </a:solidFill>
+              <a:effectLst/>
+              <a:latin typeface="-apple-system"/>
+            </a:endParaRPr>
+          </a:p>
+          <a:p>
+            <a:pPr algn="l">
+              <a:buFont typeface="Arial" panose="020B0604020202020204" pitchFamily="34" charset="0"/>
+              <a:buChar char="•"/>
+            </a:pPr>
+            <a:r>
+              <a:rPr lang="fr-FR" b="1" i="0" noProof="0" dirty="0">
+                <a:solidFill>
+                  <a:srgbClr val="212529"/>
+                </a:solidFill>
+                <a:effectLst/>
+                <a:latin typeface="-apple-system"/>
+              </a:rPr>
+              <a:t> </a:t>
+            </a:r>
+            <a:r>
+              <a:rPr lang="fr-FR" b="1" i="0" noProof="0" dirty="0" err="1">
+                <a:solidFill>
+                  <a:srgbClr val="212529"/>
+                </a:solidFill>
+                <a:effectLst/>
+                <a:latin typeface="-apple-system"/>
+              </a:rPr>
+              <a:t>Invoker</a:t>
+            </a:r>
+            <a:endParaRPr lang="fr-FR" b="1" i="0" noProof="0" dirty="0">
+              <a:solidFill>
+                <a:srgbClr val="212529"/>
+              </a:solidFill>
+              <a:effectLst/>
+              <a:latin typeface="-apple-system"/>
+            </a:endParaRPr>
+          </a:p>
+          <a:p>
+            <a:pPr algn="l">
+              <a:buFont typeface="Arial" panose="020B0604020202020204" pitchFamily="34" charset="0"/>
+              <a:buNone/>
+            </a:pPr>
+            <a:r>
+              <a:rPr lang="fr-FR" b="0" i="0" noProof="0" dirty="0">
+                <a:solidFill>
+                  <a:srgbClr val="212529"/>
+                </a:solidFill>
+                <a:effectLst/>
+                <a:latin typeface="-apple-system"/>
+              </a:rPr>
+              <a:t>C’est la classe qui va demander à la commande d’encapsuler la requête</a:t>
+            </a:r>
+          </a:p>
+          <a:p>
+            <a:pPr algn="l">
+              <a:buFont typeface="Arial" panose="020B0604020202020204" pitchFamily="34" charset="0"/>
+              <a:buNone/>
+            </a:pPr>
+            <a:endParaRPr lang="fr-FR" b="0" i="0" noProof="0" dirty="0">
+              <a:solidFill>
+                <a:srgbClr val="212529"/>
+              </a:solidFill>
+              <a:effectLst/>
+              <a:latin typeface="-apple-system"/>
+            </a:endParaRPr>
+          </a:p>
+          <a:p>
+            <a:pPr algn="l">
+              <a:buFont typeface="Arial" panose="020B0604020202020204" pitchFamily="34" charset="0"/>
+              <a:buChar char="•"/>
+            </a:pPr>
+            <a:r>
+              <a:rPr lang="fr-FR" b="1" i="0" noProof="0" dirty="0">
+                <a:solidFill>
+                  <a:srgbClr val="212529"/>
+                </a:solidFill>
+                <a:effectLst/>
+                <a:latin typeface="-apple-system"/>
+              </a:rPr>
+              <a:t> </a:t>
+            </a:r>
+            <a:r>
+              <a:rPr lang="fr-FR" b="1" i="0" noProof="0" dirty="0" err="1">
+                <a:solidFill>
+                  <a:srgbClr val="212529"/>
+                </a:solidFill>
+                <a:effectLst/>
+                <a:latin typeface="-apple-system"/>
+              </a:rPr>
+              <a:t>Receiver</a:t>
+            </a:r>
+            <a:endParaRPr lang="fr-FR" b="1" i="0" noProof="0" dirty="0">
+              <a:solidFill>
+                <a:srgbClr val="212529"/>
+              </a:solidFill>
+              <a:effectLst/>
+              <a:latin typeface="-apple-system"/>
+            </a:endParaRPr>
+          </a:p>
+          <a:p>
+            <a:pPr algn="l">
+              <a:buFont typeface="Arial" panose="020B0604020202020204" pitchFamily="34" charset="0"/>
+              <a:buNone/>
+            </a:pPr>
+            <a:r>
+              <a:rPr lang="fr-FR" b="0" i="0" noProof="0" dirty="0">
+                <a:solidFill>
+                  <a:srgbClr val="212529"/>
+                </a:solidFill>
+                <a:effectLst/>
+                <a:latin typeface="-apple-system"/>
+              </a:rPr>
+              <a:t>C’est la classe métier sur laquelle les calculs vont être effectués</a:t>
+            </a:r>
           </a:p>
         </p:txBody>
       </p:sp>
@@ -7313,7 +7593,7 @@
     </p:spTree>
     <p:extLst>
       <p:ext uri="{BB962C8B-B14F-4D97-AF65-F5344CB8AC3E}">
-        <p14:creationId xmlns:p14="http://schemas.microsoft.com/office/powerpoint/2010/main" val="852387929"/>
+        <p14:creationId xmlns:p14="http://schemas.microsoft.com/office/powerpoint/2010/main" val="4244577577"/>
       </p:ext>
     </p:extLst>
   </p:cSld>
@@ -7367,15 +7647,267 @@
           <a:bodyPr/>
           <a:lstStyle/>
           <a:p>
+            <a:pPr algn="l">
+              <a:buFont typeface="Arial" panose="020B0604020202020204" pitchFamily="34" charset="0"/>
+              <a:buChar char="•"/>
+            </a:pPr>
             <a:r>
-              <a:rPr lang="en-US" sz="1200" dirty="0">
+              <a:rPr lang="fr-FR" b="0" i="0" dirty="0">
                 <a:solidFill>
-                  <a:prstClr val="black"/>
+                  <a:srgbClr val="444444"/>
                 </a:solidFill>
+                <a:effectLst/>
+                <a:latin typeface="PT Sans"/>
               </a:rPr>
-              <a:t>© Copyright Showeet.com – Creative &amp; Free PowerPoint Templates</a:t>
+              <a:t> </a:t>
             </a:r>
-            <a:endParaRPr lang="en-US" dirty="0"/>
+            <a:r>
+              <a:rPr lang="fr-FR" b="1" i="0" dirty="0">
+                <a:solidFill>
+                  <a:srgbClr val="444444"/>
+                </a:solidFill>
+                <a:effectLst/>
+                <a:latin typeface="PT Sans"/>
+              </a:rPr>
+              <a:t>Principe de responsabilité unique</a:t>
+            </a:r>
+          </a:p>
+          <a:p>
+            <a:pPr algn="l">
+              <a:buFont typeface="Arial" panose="020B0604020202020204" pitchFamily="34" charset="0"/>
+              <a:buNone/>
+            </a:pPr>
+            <a:r>
+              <a:rPr lang="fr-FR" b="0" i="0" dirty="0">
+                <a:solidFill>
+                  <a:srgbClr val="444444"/>
+                </a:solidFill>
+                <a:effectLst/>
+                <a:latin typeface="PT Sans"/>
+              </a:rPr>
+              <a:t>On peut découpler les classes qui appellent des traitements, de celles qui les exécutent.</a:t>
+            </a:r>
+          </a:p>
+          <a:p>
+            <a:pPr algn="l">
+              <a:buFont typeface="Arial" panose="020B0604020202020204" pitchFamily="34" charset="0"/>
+              <a:buNone/>
+            </a:pPr>
+            <a:endParaRPr lang="fr-FR" b="0" i="0" dirty="0">
+              <a:solidFill>
+                <a:srgbClr val="444444"/>
+              </a:solidFill>
+              <a:effectLst/>
+              <a:latin typeface="PT Sans"/>
+            </a:endParaRPr>
+          </a:p>
+          <a:p>
+            <a:pPr algn="l">
+              <a:buFont typeface="Arial" panose="020B0604020202020204" pitchFamily="34" charset="0"/>
+              <a:buChar char="•"/>
+            </a:pPr>
+            <a:r>
+              <a:rPr lang="fr-FR" b="0" i="0" dirty="0">
+                <a:solidFill>
+                  <a:srgbClr val="444444"/>
+                </a:solidFill>
+                <a:effectLst/>
+                <a:latin typeface="PT Sans"/>
+              </a:rPr>
+              <a:t> </a:t>
+            </a:r>
+            <a:r>
+              <a:rPr lang="fr-FR" b="1" i="0" dirty="0">
+                <a:solidFill>
+                  <a:srgbClr val="444444"/>
+                </a:solidFill>
+                <a:effectLst/>
+                <a:latin typeface="PT Sans"/>
+              </a:rPr>
+              <a:t>Principe open/</a:t>
+            </a:r>
+            <a:r>
+              <a:rPr lang="fr-FR" b="1" i="0" dirty="0" err="1">
+                <a:solidFill>
+                  <a:srgbClr val="444444"/>
+                </a:solidFill>
+                <a:effectLst/>
+                <a:latin typeface="PT Sans"/>
+              </a:rPr>
+              <a:t>closed</a:t>
+            </a:r>
+            <a:r>
+              <a:rPr lang="fr-FR" b="1" i="0" dirty="0">
+                <a:solidFill>
+                  <a:srgbClr val="444444"/>
+                </a:solidFill>
+                <a:effectLst/>
+                <a:latin typeface="PT Sans"/>
+              </a:rPr>
+              <a:t> respecté</a:t>
+            </a:r>
+          </a:p>
+          <a:p>
+            <a:pPr algn="l">
+              <a:buFont typeface="Arial" panose="020B0604020202020204" pitchFamily="34" charset="0"/>
+              <a:buNone/>
+            </a:pPr>
+            <a:r>
+              <a:rPr lang="fr-FR" b="0" i="0" dirty="0">
+                <a:solidFill>
+                  <a:srgbClr val="444444"/>
+                </a:solidFill>
+                <a:effectLst/>
+                <a:latin typeface="PT Sans"/>
+              </a:rPr>
+              <a:t>On peut ajouter de nouvelles commandes dans le programme sans casser le code existant</a:t>
+            </a:r>
+          </a:p>
+          <a:p>
+            <a:pPr algn="l">
+              <a:buFont typeface="Arial" panose="020B0604020202020204" pitchFamily="34" charset="0"/>
+              <a:buNone/>
+            </a:pPr>
+            <a:endParaRPr lang="fr-FR" b="0" i="0" dirty="0">
+              <a:solidFill>
+                <a:srgbClr val="444444"/>
+              </a:solidFill>
+              <a:effectLst/>
+              <a:latin typeface="PT Sans"/>
+            </a:endParaRPr>
+          </a:p>
+          <a:p>
+            <a:pPr algn="l">
+              <a:buFont typeface="Arial" panose="020B0604020202020204" pitchFamily="34" charset="0"/>
+              <a:buChar char="•"/>
+            </a:pPr>
+            <a:r>
+              <a:rPr lang="fr-FR" b="1" i="0" dirty="0">
+                <a:solidFill>
+                  <a:srgbClr val="444444"/>
+                </a:solidFill>
+                <a:effectLst/>
+                <a:latin typeface="PT Sans"/>
+              </a:rPr>
+              <a:t> Vous pouvez mettre en place une fonctionnalité annuler-rétablir</a:t>
+            </a:r>
+          </a:p>
+          <a:p>
+            <a:pPr algn="l">
+              <a:buFont typeface="Arial" panose="020B0604020202020204" pitchFamily="34" charset="0"/>
+              <a:buNone/>
+            </a:pPr>
+            <a:endParaRPr lang="fr-FR" b="0" i="0" dirty="0">
+              <a:solidFill>
+                <a:srgbClr val="444444"/>
+              </a:solidFill>
+              <a:effectLst/>
+              <a:latin typeface="PT Sans"/>
+            </a:endParaRPr>
+          </a:p>
+          <a:p>
+            <a:pPr algn="l">
+              <a:buFont typeface="Arial" panose="020B0604020202020204" pitchFamily="34" charset="0"/>
+              <a:buChar char="•"/>
+            </a:pPr>
+            <a:r>
+              <a:rPr lang="fr-FR" b="1" i="0" dirty="0">
+                <a:solidFill>
+                  <a:srgbClr val="444444"/>
+                </a:solidFill>
+                <a:effectLst/>
+                <a:latin typeface="PT Sans"/>
+              </a:rPr>
+              <a:t> Possibilité de mise en file d’attente</a:t>
+            </a:r>
+          </a:p>
+          <a:p>
+            <a:pPr algn="l">
+              <a:buFont typeface="Arial" panose="020B0604020202020204" pitchFamily="34" charset="0"/>
+              <a:buNone/>
+            </a:pPr>
+            <a:r>
+              <a:rPr lang="fr-FR" b="0" i="0" dirty="0">
+                <a:solidFill>
+                  <a:srgbClr val="444444"/>
+                </a:solidFill>
+                <a:effectLst/>
+                <a:latin typeface="PT Sans"/>
+              </a:rPr>
+              <a:t>On peut imaginer différer l’exécution de nos traitements (pour prioriser les plus importants avant par exemple)</a:t>
+            </a:r>
+          </a:p>
+          <a:p>
+            <a:pPr algn="l">
+              <a:buFont typeface="Arial" panose="020B0604020202020204" pitchFamily="34" charset="0"/>
+              <a:buChar char="•"/>
+            </a:pPr>
+            <a:endParaRPr lang="fr-FR" b="0" i="0" dirty="0">
+              <a:solidFill>
+                <a:srgbClr val="444444"/>
+              </a:solidFill>
+              <a:effectLst/>
+              <a:latin typeface="PT Sans"/>
+            </a:endParaRPr>
+          </a:p>
+          <a:p>
+            <a:pPr marL="0" marR="0" lvl="0" indent="0" algn="l" defTabSz="914354" rtl="0" eaLnBrk="1" fontAlgn="auto" latinLnBrk="0" hangingPunct="1">
+              <a:lnSpc>
+                <a:spcPct val="100000"/>
+              </a:lnSpc>
+              <a:spcBef>
+                <a:spcPts val="0"/>
+              </a:spcBef>
+              <a:spcAft>
+                <a:spcPts val="0"/>
+              </a:spcAft>
+              <a:buClrTx/>
+              <a:buSzTx/>
+              <a:buFont typeface="Arial" panose="020B0604020202020204" pitchFamily="34" charset="0"/>
+              <a:buChar char="•"/>
+              <a:tabLst/>
+              <a:defRPr/>
+            </a:pPr>
+            <a:r>
+              <a:rPr lang="fr-FR" b="1" i="0" dirty="0">
+                <a:solidFill>
+                  <a:srgbClr val="444444"/>
+                </a:solidFill>
+                <a:effectLst/>
+                <a:latin typeface="PT Sans"/>
+              </a:rPr>
+              <a:t> </a:t>
+            </a:r>
+            <a:r>
+              <a:rPr lang="fr-FR" b="1" dirty="0"/>
+              <a:t>Complexité d’implémentation </a:t>
+            </a:r>
+            <a:r>
+              <a:rPr lang="fr-FR" b="1" i="0" dirty="0">
+                <a:solidFill>
+                  <a:srgbClr val="444444"/>
+                </a:solidFill>
+                <a:effectLst/>
+                <a:latin typeface="PT Sans"/>
+              </a:rPr>
+              <a:t> </a:t>
+            </a:r>
+          </a:p>
+          <a:p>
+            <a:pPr algn="l">
+              <a:buFont typeface="Arial" panose="020B0604020202020204" pitchFamily="34" charset="0"/>
+              <a:buNone/>
+            </a:pPr>
+            <a:r>
+              <a:rPr lang="fr-FR" b="0" i="0" dirty="0">
+                <a:solidFill>
+                  <a:srgbClr val="444444"/>
+                </a:solidFill>
+                <a:effectLst/>
+                <a:latin typeface="PT Sans"/>
+              </a:rPr>
+              <a:t>Le code peut devenir plus compliqué, car on peut créer une nouvelle couche entre les demandeurs et les récepteurs.</a:t>
+            </a:r>
           </a:p>
         </p:txBody>
       </p:sp>
@@ -7406,7 +7938,7 @@
     </p:spTree>
     <p:extLst>
       <p:ext uri="{BB962C8B-B14F-4D97-AF65-F5344CB8AC3E}">
-        <p14:creationId xmlns:p14="http://schemas.microsoft.com/office/powerpoint/2010/main" val="3584205330"/>
+        <p14:creationId xmlns:p14="http://schemas.microsoft.com/office/powerpoint/2010/main" val="3712232617"/>
       </p:ext>
     </p:extLst>
   </p:cSld>
@@ -7460,15 +7992,27 @@
           <a:bodyPr/>
           <a:lstStyle/>
           <a:p>
+            <a:pPr marL="0" marR="0" lvl="0" indent="0" algn="l" defTabSz="914354" rtl="0" eaLnBrk="1" fontAlgn="auto" latinLnBrk="0" hangingPunct="1">
+              <a:lnSpc>
+                <a:spcPct val="100000"/>
+              </a:lnSpc>
+              <a:spcBef>
+                <a:spcPts val="0"/>
+              </a:spcBef>
+              <a:spcAft>
+                <a:spcPts val="0"/>
+              </a:spcAft>
+              <a:buClrTx/>
+              <a:buSzTx/>
+              <a:buFontTx/>
+              <a:buNone/>
+              <a:tabLst/>
+              <a:defRPr/>
+            </a:pPr>
             <a:r>
-              <a:rPr lang="en-US" sz="1200">
-                <a:solidFill>
-                  <a:prstClr val="black"/>
-                </a:solidFill>
-              </a:rPr>
-              <a:t>© Copyright Showeet.com – Creative &amp; Free PowerPoint Templates</a:t>
+              <a:rPr lang="fr-FR" noProof="0" dirty="0"/>
+              <a:t>Chapitre 3 : Présentation du pattern Memento</a:t>
             </a:r>
-            <a:endParaRPr lang="en-US"/>
           </a:p>
         </p:txBody>
       </p:sp>
@@ -7499,7 +8043,7 @@
     </p:spTree>
     <p:extLst>
       <p:ext uri="{BB962C8B-B14F-4D97-AF65-F5344CB8AC3E}">
-        <p14:creationId xmlns:p14="http://schemas.microsoft.com/office/powerpoint/2010/main" val="3552511973"/>
+        <p14:creationId xmlns:p14="http://schemas.microsoft.com/office/powerpoint/2010/main" val="852387929"/>
       </p:ext>
     </p:extLst>
   </p:cSld>
@@ -7647,14 +8191,38 @@
           <a:lstStyle/>
           <a:p>
             <a:r>
-              <a:rPr lang="en-US" sz="1200">
-                <a:solidFill>
-                  <a:prstClr val="black"/>
-                </a:solidFill>
-              </a:rPr>
-              <a:t>© Copyright Showeet.com – Creative &amp; Free PowerPoint Templates</a:t>
+              <a:rPr lang="fr-FR" noProof="0" dirty="0"/>
+              <a:t>Le pattern memento est un pattern comportemental qui permet de restaurer un état précédent d'un objet (retour arrière) sans violer le principe d'encapsulation.</a:t>
             </a:r>
-            <a:endParaRPr lang="en-US"/>
+          </a:p>
+          <a:p>
+            <a:endParaRPr lang="fr-FR" noProof="0" dirty="0"/>
+          </a:p>
+          <a:p>
+            <a:pPr marL="0" marR="0" lvl="0" indent="0" algn="l" defTabSz="914354" rtl="0" eaLnBrk="1" fontAlgn="auto" latinLnBrk="0" hangingPunct="1">
+              <a:lnSpc>
+                <a:spcPct val="100000"/>
+              </a:lnSpc>
+              <a:spcBef>
+                <a:spcPts val="0"/>
+              </a:spcBef>
+              <a:spcAft>
+                <a:spcPts val="0"/>
+              </a:spcAft>
+              <a:buClrTx/>
+              <a:buSzTx/>
+              <a:buFontTx/>
+              <a:buNone/>
+              <a:tabLst/>
+              <a:defRPr/>
+            </a:pPr>
+            <a:r>
+              <a:rPr lang="fr-FR" noProof="0" dirty="0"/>
+              <a:t>On verra qu’il est utilisé par deux objets : le créateur et le gardien. Le créateur dont on veut sauvegarder l'état. Le gardien lui, il va agir sur le créateur de manière à conserver la possibilité de revenir en arrière. </a:t>
+            </a:r>
+          </a:p>
+          <a:p>
+            <a:endParaRPr lang="fr-FR" noProof="0" dirty="0"/>
           </a:p>
         </p:txBody>
       </p:sp>
@@ -7685,7 +8253,7 @@
     </p:spTree>
     <p:extLst>
       <p:ext uri="{BB962C8B-B14F-4D97-AF65-F5344CB8AC3E}">
-        <p14:creationId xmlns:p14="http://schemas.microsoft.com/office/powerpoint/2010/main" val="372831945"/>
+        <p14:creationId xmlns:p14="http://schemas.microsoft.com/office/powerpoint/2010/main" val="1052722265"/>
       </p:ext>
     </p:extLst>
   </p:cSld>
@@ -7739,31 +8307,171 @@
           <a:bodyPr/>
           <a:lstStyle/>
           <a:p>
-            <a:pPr marL="0" marR="0" lvl="0" indent="0" algn="l" defTabSz="914354" rtl="0" eaLnBrk="1" fontAlgn="auto" latinLnBrk="0" hangingPunct="1">
-              <a:lnSpc>
-                <a:spcPct val="100000"/>
-              </a:lnSpc>
-              <a:spcBef>
-                <a:spcPts val="0"/>
-              </a:spcBef>
-              <a:spcAft>
-                <a:spcPts val="0"/>
-              </a:spcAft>
-              <a:buClrTx/>
-              <a:buSzTx/>
-              <a:buFontTx/>
-              <a:buNone/>
-              <a:tabLst/>
-              <a:defRPr/>
-            </a:pPr>
             <a:r>
-              <a:rPr lang="en-US" sz="1200">
+              <a:rPr lang="fr-FR" noProof="0" dirty="0"/>
+              <a:t>Exemple le plus classique : La fonction annulation.</a:t>
+            </a:r>
+          </a:p>
+          <a:p>
+            <a:endParaRPr lang="fr-FR" noProof="0" dirty="0"/>
+          </a:p>
+          <a:p>
+            <a:pPr algn="l"/>
+            <a:r>
+              <a:rPr lang="fr-FR" b="0" i="0" dirty="0">
                 <a:solidFill>
-                  <a:prstClr val="black"/>
+                  <a:srgbClr val="444444"/>
                 </a:solidFill>
+                <a:effectLst/>
+                <a:latin typeface="PT Sans"/>
               </a:rPr>
-              <a:t>© Copyright Showeet.com – Creative &amp; Free PowerPoint Templates</a:t>
+              <a:t>Tous les problèmes que nous rencontrons sont provoqués par une mauvaise encapsulation. </a:t>
             </a:r>
+          </a:p>
+          <a:p>
+            <a:pPr algn="l"/>
+            <a:r>
+              <a:rPr lang="fr-FR" b="0" i="1" dirty="0">
+                <a:solidFill>
+                  <a:srgbClr val="CECFCE"/>
+                </a:solidFill>
+                <a:effectLst/>
+                <a:latin typeface="PT Sans"/>
+              </a:rPr>
+              <a:t>(Explications a ne pas dire :Certains objets essayent d’en faire plus que ce qu’ils sont supposés faire. Pour récupérer les données dont ils ont besoin pour effectuer une action, ils envahissent l’espace personnel des autres objets, plutôt que de leur demander d’exécuter l’action eux-mêmes.)</a:t>
+            </a:r>
+          </a:p>
+          <a:p>
+            <a:pPr algn="l"/>
+            <a:endParaRPr lang="fr-FR" b="0" i="0" dirty="0">
+              <a:solidFill>
+                <a:srgbClr val="444444"/>
+              </a:solidFill>
+              <a:effectLst/>
+              <a:latin typeface="PT Sans"/>
+            </a:endParaRPr>
+          </a:p>
+          <a:p>
+            <a:pPr algn="l"/>
+            <a:r>
+              <a:rPr lang="fr-FR" b="0" i="0" dirty="0">
+                <a:solidFill>
+                  <a:srgbClr val="444444"/>
+                </a:solidFill>
+                <a:effectLst/>
+                <a:latin typeface="PT Sans"/>
+              </a:rPr>
+              <a:t>Le mémento délègue la création des états des photos à leur propriétaire, l’objet </a:t>
+            </a:r>
+            <a:r>
+              <a:rPr lang="fr-FR" b="0" i="1" dirty="0">
+                <a:solidFill>
+                  <a:srgbClr val="444444"/>
+                </a:solidFill>
+                <a:effectLst/>
+                <a:latin typeface="PT Sans"/>
+              </a:rPr>
+              <a:t>créateur</a:t>
+            </a:r>
+            <a:r>
+              <a:rPr lang="fr-FR" b="0" i="0" dirty="0">
+                <a:solidFill>
+                  <a:srgbClr val="444444"/>
+                </a:solidFill>
+                <a:effectLst/>
+                <a:latin typeface="PT Sans"/>
+              </a:rPr>
+              <a:t> (</a:t>
+            </a:r>
+            <a:r>
+              <a:rPr lang="fr-FR" b="0" i="0" dirty="0" err="1">
+                <a:solidFill>
+                  <a:srgbClr val="444444"/>
+                </a:solidFill>
+                <a:effectLst/>
+                <a:latin typeface="PT Sans"/>
+              </a:rPr>
+              <a:t>originator</a:t>
+            </a:r>
+            <a:r>
+              <a:rPr lang="fr-FR" b="0" i="0" dirty="0">
+                <a:solidFill>
+                  <a:srgbClr val="444444"/>
+                </a:solidFill>
+                <a:effectLst/>
+                <a:latin typeface="PT Sans"/>
+              </a:rPr>
+              <a:t>). Plutôt que d’essayer de copier l’état de l’éditeur depuis « l’extérieur », la classe de l’éditeur de texte peut prendre la photo elle-même, car elle a accès à son propre état.</a:t>
+            </a:r>
+          </a:p>
+          <a:p>
+            <a:pPr algn="l"/>
+            <a:endParaRPr lang="fr-FR" b="0" i="0" dirty="0">
+              <a:solidFill>
+                <a:srgbClr val="444444"/>
+              </a:solidFill>
+              <a:effectLst/>
+              <a:latin typeface="PT Sans"/>
+            </a:endParaRPr>
+          </a:p>
+          <a:p>
+            <a:pPr algn="l"/>
+            <a:r>
+              <a:rPr lang="fr-FR" b="0" i="0" dirty="0">
+                <a:solidFill>
+                  <a:srgbClr val="444444"/>
+                </a:solidFill>
+                <a:effectLst/>
+                <a:latin typeface="PT Sans"/>
+              </a:rPr>
+              <a:t>Ce pattern propose donc de stocker la copie de l’état de l’objet dans un objet spécial appelé </a:t>
+            </a:r>
+            <a:r>
+              <a:rPr lang="fr-FR" b="0" i="1" dirty="0">
+                <a:solidFill>
+                  <a:srgbClr val="444444"/>
+                </a:solidFill>
+                <a:effectLst/>
+                <a:latin typeface="PT Sans"/>
+              </a:rPr>
+              <a:t>mémento</a:t>
+            </a:r>
+            <a:r>
+              <a:rPr lang="fr-FR" b="0" i="0" dirty="0">
+                <a:solidFill>
+                  <a:srgbClr val="444444"/>
+                </a:solidFill>
+                <a:effectLst/>
+                <a:latin typeface="PT Sans"/>
+              </a:rPr>
+              <a:t>. Et du coup son contenu n’est accessible que pour l’objet qui l’a créé. </a:t>
+            </a:r>
+          </a:p>
+          <a:p>
+            <a:pPr algn="l"/>
+            <a:endParaRPr lang="fr-FR" b="0" i="0" dirty="0">
+              <a:solidFill>
+                <a:srgbClr val="444444"/>
+              </a:solidFill>
+              <a:effectLst/>
+              <a:latin typeface="PT Sans"/>
+            </a:endParaRPr>
+          </a:p>
+          <a:p>
+            <a:pPr algn="l"/>
+            <a:r>
+              <a:rPr lang="fr-FR" b="0" i="0" dirty="0">
+                <a:solidFill>
+                  <a:srgbClr val="444444"/>
+                </a:solidFill>
+                <a:effectLst/>
+                <a:latin typeface="PT Sans"/>
+              </a:rPr>
+              <a:t>Les autres objets peuvent communiquer avec les mémentos via une interface limitée qui leur permet de récupérer certaines métadonnées de la photo (date de création, nom de l’action effectuée, etc.), mais pas l’état de l’objet original contenu dans la photo.</a:t>
+            </a:r>
+          </a:p>
+          <a:p>
+            <a:endParaRPr lang="fr-FR" noProof="0" dirty="0"/>
           </a:p>
         </p:txBody>
       </p:sp>
@@ -7794,7 +8502,7 @@
     </p:spTree>
     <p:extLst>
       <p:ext uri="{BB962C8B-B14F-4D97-AF65-F5344CB8AC3E}">
-        <p14:creationId xmlns:p14="http://schemas.microsoft.com/office/powerpoint/2010/main" val="3712232617"/>
+        <p14:creationId xmlns:p14="http://schemas.microsoft.com/office/powerpoint/2010/main" val="2539845426"/>
       </p:ext>
     </p:extLst>
   </p:cSld>
@@ -7848,31 +8556,15 @@
           <a:bodyPr/>
           <a:lstStyle/>
           <a:p>
-            <a:pPr marL="0" marR="0" lvl="0" indent="0" algn="l" defTabSz="914354" rtl="0" eaLnBrk="1" fontAlgn="auto" latinLnBrk="0" hangingPunct="1">
-              <a:lnSpc>
-                <a:spcPct val="100000"/>
-              </a:lnSpc>
-              <a:spcBef>
-                <a:spcPts val="0"/>
-              </a:spcBef>
-              <a:spcAft>
-                <a:spcPts val="0"/>
-              </a:spcAft>
-              <a:buClrTx/>
-              <a:buSzTx/>
-              <a:buFontTx/>
-              <a:buNone/>
-              <a:tabLst/>
-              <a:defRPr/>
-            </a:pPr>
             <a:r>
-              <a:rPr lang="en-US" sz="1200">
+              <a:rPr lang="en-US" sz="1200" dirty="0">
                 <a:solidFill>
                   <a:prstClr val="black"/>
                 </a:solidFill>
               </a:rPr>
               <a:t>© Copyright Showeet.com – Creative &amp; Free PowerPoint Templates</a:t>
             </a:r>
+            <a:endParaRPr lang="en-US" dirty="0"/>
           </a:p>
         </p:txBody>
       </p:sp>
@@ -7903,7 +8595,7 @@
     </p:spTree>
     <p:extLst>
       <p:ext uri="{BB962C8B-B14F-4D97-AF65-F5344CB8AC3E}">
-        <p14:creationId xmlns:p14="http://schemas.microsoft.com/office/powerpoint/2010/main" val="728853620"/>
+        <p14:creationId xmlns:p14="http://schemas.microsoft.com/office/powerpoint/2010/main" val="3584205330"/>
       </p:ext>
     </p:extLst>
   </p:cSld>
@@ -7996,7 +8688,7 @@
     </p:spTree>
     <p:extLst>
       <p:ext uri="{BB962C8B-B14F-4D97-AF65-F5344CB8AC3E}">
-        <p14:creationId xmlns:p14="http://schemas.microsoft.com/office/powerpoint/2010/main" val="768886820"/>
+        <p14:creationId xmlns:p14="http://schemas.microsoft.com/office/powerpoint/2010/main" val="372831945"/>
       </p:ext>
     </p:extLst>
   </p:cSld>
@@ -8050,6 +8742,23 @@
           <a:bodyPr/>
           <a:lstStyle/>
           <a:p>
+            <a:pPr marL="0" marR="0" lvl="0" indent="0" algn="l" defTabSz="914354" rtl="0" eaLnBrk="1" fontAlgn="auto" latinLnBrk="0" hangingPunct="1">
+              <a:lnSpc>
+                <a:spcPct val="100000"/>
+              </a:lnSpc>
+              <a:spcBef>
+                <a:spcPts val="0"/>
+              </a:spcBef>
+              <a:spcAft>
+                <a:spcPts val="0"/>
+              </a:spcAft>
+              <a:buClrTx/>
+              <a:buSzTx/>
+              <a:buFontTx/>
+              <a:buNone/>
+              <a:tabLst/>
+              <a:defRPr/>
+            </a:pPr>
             <a:r>
               <a:rPr lang="en-US" sz="1200">
                 <a:solidFill>
@@ -8058,7 +8767,6 @@
               </a:rPr>
               <a:t>© Copyright Showeet.com – Creative &amp; Free PowerPoint Templates</a:t>
             </a:r>
-            <a:endParaRPr lang="en-US"/>
           </a:p>
         </p:txBody>
       </p:sp>
@@ -8089,7 +8797,7 @@
     </p:spTree>
     <p:extLst>
       <p:ext uri="{BB962C8B-B14F-4D97-AF65-F5344CB8AC3E}">
-        <p14:creationId xmlns:p14="http://schemas.microsoft.com/office/powerpoint/2010/main" val="3574797035"/>
+        <p14:creationId xmlns:p14="http://schemas.microsoft.com/office/powerpoint/2010/main" val="728853620"/>
       </p:ext>
     </p:extLst>
   </p:cSld>
@@ -8182,7 +8890,7 @@
     </p:spTree>
     <p:extLst>
       <p:ext uri="{BB962C8B-B14F-4D97-AF65-F5344CB8AC3E}">
-        <p14:creationId xmlns:p14="http://schemas.microsoft.com/office/powerpoint/2010/main" val="2069290823"/>
+        <p14:creationId xmlns:p14="http://schemas.microsoft.com/office/powerpoint/2010/main" val="768886820"/>
       </p:ext>
     </p:extLst>
   </p:cSld>
@@ -8275,7 +8983,7 @@
     </p:spTree>
     <p:extLst>
       <p:ext uri="{BB962C8B-B14F-4D97-AF65-F5344CB8AC3E}">
-        <p14:creationId xmlns:p14="http://schemas.microsoft.com/office/powerpoint/2010/main" val="3444704761"/>
+        <p14:creationId xmlns:p14="http://schemas.microsoft.com/office/powerpoint/2010/main" val="3574797035"/>
       </p:ext>
     </p:extLst>
   </p:cSld>
@@ -8368,7 +9076,7 @@
     </p:spTree>
     <p:extLst>
       <p:ext uri="{BB962C8B-B14F-4D97-AF65-F5344CB8AC3E}">
-        <p14:creationId xmlns:p14="http://schemas.microsoft.com/office/powerpoint/2010/main" val="3828291125"/>
+        <p14:creationId xmlns:p14="http://schemas.microsoft.com/office/powerpoint/2010/main" val="2069290823"/>
       </p:ext>
     </p:extLst>
   </p:cSld>
@@ -8422,23 +9130,6 @@
           <a:bodyPr/>
           <a:lstStyle/>
           <a:p>
-            <a:pPr marL="0" marR="0" lvl="0" indent="0" algn="l" defTabSz="914400" rtl="0" eaLnBrk="1" fontAlgn="auto" latinLnBrk="0" hangingPunct="1">
-              <a:lnSpc>
-                <a:spcPct val="100000"/>
-              </a:lnSpc>
-              <a:spcBef>
-                <a:spcPts val="0"/>
-              </a:spcBef>
-              <a:spcAft>
-                <a:spcPts val="0"/>
-              </a:spcAft>
-              <a:buClrTx/>
-              <a:buSzTx/>
-              <a:buFontTx/>
-              <a:buNone/>
-              <a:tabLst/>
-              <a:defRPr/>
-            </a:pPr>
             <a:r>
               <a:rPr lang="en-US" sz="1200">
                 <a:solidFill>
@@ -8447,6 +9138,7 @@
               </a:rPr>
               <a:t>© Copyright Showeet.com – Creative &amp; Free PowerPoint Templates</a:t>
             </a:r>
+            <a:endParaRPr lang="en-US"/>
           </a:p>
         </p:txBody>
       </p:sp>
@@ -8465,78 +9157,19 @@
           <a:bodyPr/>
           <a:lstStyle/>
           <a:p>
-            <a:pPr marL="0" marR="0" lvl="0" indent="0" algn="r" defTabSz="914400" rtl="0" eaLnBrk="1" fontAlgn="auto" latinLnBrk="0" hangingPunct="1">
-              <a:lnSpc>
-                <a:spcPct val="100000"/>
-              </a:lnSpc>
-              <a:spcBef>
-                <a:spcPts val="0"/>
-              </a:spcBef>
-              <a:spcAft>
-                <a:spcPts val="0"/>
-              </a:spcAft>
-              <a:buClrTx/>
-              <a:buSzTx/>
-              <a:buFontTx/>
-              <a:buNone/>
-              <a:tabLst/>
-              <a:defRPr/>
-            </a:pPr>
-            <a:fld id="{06BEB3AE-8E34-4534-922B-E380FB565A43}" type="slidenum">
-              <a:rPr kumimoji="0" lang="en-US" sz="1200" b="0" i="0" u="none" strike="noStrike" kern="1200" cap="none" spc="0" normalizeH="0" baseline="0" noProof="0" smtClean="0">
-                <a:ln>
-                  <a:noFill/>
-                </a:ln>
-                <a:solidFill>
-                  <a:prstClr val="black"/>
-                </a:solidFill>
-                <a:effectLst/>
-                <a:uLnTx/>
-                <a:uFillTx/>
-                <a:latin typeface="Calibri" panose="020F0502020204030204"/>
-                <a:ea typeface="+mn-ea"/>
-                <a:cs typeface="+mn-cs"/>
-              </a:rPr>
-              <a:pPr marL="0" marR="0" lvl="0" indent="0" algn="r" defTabSz="914400" rtl="0" eaLnBrk="1" fontAlgn="auto" latinLnBrk="0" hangingPunct="1">
-                <a:lnSpc>
-                  <a:spcPct val="100000"/>
-                </a:lnSpc>
-                <a:spcBef>
-                  <a:spcPts val="0"/>
-                </a:spcBef>
-                <a:spcAft>
-                  <a:spcPts val="0"/>
-                </a:spcAft>
-                <a:buClrTx/>
-                <a:buSzTx/>
-                <a:buFontTx/>
-                <a:buNone/>
-                <a:tabLst/>
-                <a:defRPr/>
-              </a:pPr>
+            <a:fld id="{2CA3AB2B-189A-4C92-A457-C6A3833631A7}" type="slidenum">
+              <a:rPr lang="en-US" smtClean="0"/>
+              <a:pPr/>
               <a:t>28</a:t>
             </a:fld>
-            <a:endParaRPr kumimoji="0" lang="en-US" sz="1200" b="0" i="0" u="none" strike="noStrike" kern="1200" cap="none" spc="0" normalizeH="0" baseline="0" noProof="0">
-              <a:ln>
-                <a:noFill/>
-              </a:ln>
-              <a:solidFill>
-                <a:prstClr val="black"/>
-              </a:solidFill>
-              <a:effectLst/>
-              <a:uLnTx/>
-              <a:uFillTx/>
-              <a:latin typeface="Calibri" panose="020F0502020204030204"/>
-              <a:ea typeface="+mn-ea"/>
-              <a:cs typeface="+mn-cs"/>
-            </a:endParaRPr>
+            <a:endParaRPr lang="en-US"/>
           </a:p>
         </p:txBody>
       </p:sp>
     </p:spTree>
     <p:extLst>
       <p:ext uri="{BB962C8B-B14F-4D97-AF65-F5344CB8AC3E}">
-        <p14:creationId xmlns:p14="http://schemas.microsoft.com/office/powerpoint/2010/main" val="3325128512"/>
+        <p14:creationId xmlns:p14="http://schemas.microsoft.com/office/powerpoint/2010/main" val="3444704761"/>
       </p:ext>
     </p:extLst>
   </p:cSld>
@@ -8590,23 +9223,6 @@
           <a:bodyPr/>
           <a:lstStyle/>
           <a:p>
-            <a:pPr marL="0" marR="0" lvl="0" indent="0" algn="l" defTabSz="914400" rtl="0" eaLnBrk="1" fontAlgn="auto" latinLnBrk="0" hangingPunct="1">
-              <a:lnSpc>
-                <a:spcPct val="100000"/>
-              </a:lnSpc>
-              <a:spcBef>
-                <a:spcPts val="0"/>
-              </a:spcBef>
-              <a:spcAft>
-                <a:spcPts val="0"/>
-              </a:spcAft>
-              <a:buClrTx/>
-              <a:buSzTx/>
-              <a:buFontTx/>
-              <a:buNone/>
-              <a:tabLst/>
-              <a:defRPr/>
-            </a:pPr>
             <a:r>
               <a:rPr lang="en-US" sz="1200">
                 <a:solidFill>
@@ -8615,6 +9231,7 @@
               </a:rPr>
               <a:t>© Copyright Showeet.com – Creative &amp; Free PowerPoint Templates</a:t>
             </a:r>
+            <a:endParaRPr lang="en-US"/>
           </a:p>
         </p:txBody>
       </p:sp>
@@ -8633,78 +9250,19 @@
           <a:bodyPr/>
           <a:lstStyle/>
           <a:p>
-            <a:pPr marL="0" marR="0" lvl="0" indent="0" algn="r" defTabSz="914400" rtl="0" eaLnBrk="1" fontAlgn="auto" latinLnBrk="0" hangingPunct="1">
-              <a:lnSpc>
-                <a:spcPct val="100000"/>
-              </a:lnSpc>
-              <a:spcBef>
-                <a:spcPts val="0"/>
-              </a:spcBef>
-              <a:spcAft>
-                <a:spcPts val="0"/>
-              </a:spcAft>
-              <a:buClrTx/>
-              <a:buSzTx/>
-              <a:buFontTx/>
-              <a:buNone/>
-              <a:tabLst/>
-              <a:defRPr/>
-            </a:pPr>
-            <a:fld id="{06BEB3AE-8E34-4534-922B-E380FB565A43}" type="slidenum">
-              <a:rPr kumimoji="0" lang="en-US" sz="1200" b="0" i="0" u="none" strike="noStrike" kern="1200" cap="none" spc="0" normalizeH="0" baseline="0" noProof="0" smtClean="0">
-                <a:ln>
-                  <a:noFill/>
-                </a:ln>
-                <a:solidFill>
-                  <a:prstClr val="black"/>
-                </a:solidFill>
-                <a:effectLst/>
-                <a:uLnTx/>
-                <a:uFillTx/>
-                <a:latin typeface="Calibri" panose="020F0502020204030204"/>
-                <a:ea typeface="+mn-ea"/>
-                <a:cs typeface="+mn-cs"/>
-              </a:rPr>
-              <a:pPr marL="0" marR="0" lvl="0" indent="0" algn="r" defTabSz="914400" rtl="0" eaLnBrk="1" fontAlgn="auto" latinLnBrk="0" hangingPunct="1">
-                <a:lnSpc>
-                  <a:spcPct val="100000"/>
-                </a:lnSpc>
-                <a:spcBef>
-                  <a:spcPts val="0"/>
-                </a:spcBef>
-                <a:spcAft>
-                  <a:spcPts val="0"/>
-                </a:spcAft>
-                <a:buClrTx/>
-                <a:buSzTx/>
-                <a:buFontTx/>
-                <a:buNone/>
-                <a:tabLst/>
-                <a:defRPr/>
-              </a:pPr>
+            <a:fld id="{2CA3AB2B-189A-4C92-A457-C6A3833631A7}" type="slidenum">
+              <a:rPr lang="en-US" smtClean="0"/>
+              <a:pPr/>
               <a:t>29</a:t>
             </a:fld>
-            <a:endParaRPr kumimoji="0" lang="en-US" sz="1200" b="0" i="0" u="none" strike="noStrike" kern="1200" cap="none" spc="0" normalizeH="0" baseline="0" noProof="0">
-              <a:ln>
-                <a:noFill/>
-              </a:ln>
-              <a:solidFill>
-                <a:prstClr val="black"/>
-              </a:solidFill>
-              <a:effectLst/>
-              <a:uLnTx/>
-              <a:uFillTx/>
-              <a:latin typeface="Calibri" panose="020F0502020204030204"/>
-              <a:ea typeface="+mn-ea"/>
-              <a:cs typeface="+mn-cs"/>
-            </a:endParaRPr>
+            <a:endParaRPr lang="en-US"/>
           </a:p>
         </p:txBody>
       </p:sp>
     </p:spTree>
     <p:extLst>
       <p:ext uri="{BB962C8B-B14F-4D97-AF65-F5344CB8AC3E}">
-        <p14:creationId xmlns:p14="http://schemas.microsoft.com/office/powerpoint/2010/main" val="1862392583"/>
+        <p14:creationId xmlns:p14="http://schemas.microsoft.com/office/powerpoint/2010/main" val="3828291125"/>
       </p:ext>
     </p:extLst>
   </p:cSld>
@@ -8961,7 +9519,7 @@
     </p:spTree>
     <p:extLst>
       <p:ext uri="{BB962C8B-B14F-4D97-AF65-F5344CB8AC3E}">
-        <p14:creationId xmlns:p14="http://schemas.microsoft.com/office/powerpoint/2010/main" val="1457261396"/>
+        <p14:creationId xmlns:p14="http://schemas.microsoft.com/office/powerpoint/2010/main" val="3325128512"/>
       </p:ext>
     </p:extLst>
   </p:cSld>
@@ -9129,7 +9687,7 @@
     </p:spTree>
     <p:extLst>
       <p:ext uri="{BB962C8B-B14F-4D97-AF65-F5344CB8AC3E}">
-        <p14:creationId xmlns:p14="http://schemas.microsoft.com/office/powerpoint/2010/main" val="2390194218"/>
+        <p14:creationId xmlns:p14="http://schemas.microsoft.com/office/powerpoint/2010/main" val="1862392583"/>
       </p:ext>
     </p:extLst>
   </p:cSld>
@@ -9183,6 +9741,23 @@
           <a:bodyPr/>
           <a:lstStyle/>
           <a:p>
+            <a:pPr marL="0" marR="0" lvl="0" indent="0" algn="l" defTabSz="914400" rtl="0" eaLnBrk="1" fontAlgn="auto" latinLnBrk="0" hangingPunct="1">
+              <a:lnSpc>
+                <a:spcPct val="100000"/>
+              </a:lnSpc>
+              <a:spcBef>
+                <a:spcPts val="0"/>
+              </a:spcBef>
+              <a:spcAft>
+                <a:spcPts val="0"/>
+              </a:spcAft>
+              <a:buClrTx/>
+              <a:buSzTx/>
+              <a:buFontTx/>
+              <a:buNone/>
+              <a:tabLst/>
+              <a:defRPr/>
+            </a:pPr>
             <a:r>
               <a:rPr lang="en-US" sz="1200">
                 <a:solidFill>
@@ -9191,7 +9766,6 @@
               </a:rPr>
               <a:t>© Copyright Showeet.com – Creative &amp; Free PowerPoint Templates</a:t>
             </a:r>
-            <a:endParaRPr lang="en-US"/>
           </a:p>
         </p:txBody>
       </p:sp>
@@ -9210,10 +9784,330 @@
           <a:bodyPr/>
           <a:lstStyle/>
           <a:p>
+            <a:pPr marL="0" marR="0" lvl="0" indent="0" algn="r" defTabSz="914400" rtl="0" eaLnBrk="1" fontAlgn="auto" latinLnBrk="0" hangingPunct="1">
+              <a:lnSpc>
+                <a:spcPct val="100000"/>
+              </a:lnSpc>
+              <a:spcBef>
+                <a:spcPts val="0"/>
+              </a:spcBef>
+              <a:spcAft>
+                <a:spcPts val="0"/>
+              </a:spcAft>
+              <a:buClrTx/>
+              <a:buSzTx/>
+              <a:buFontTx/>
+              <a:buNone/>
+              <a:tabLst/>
+              <a:defRPr/>
+            </a:pPr>
+            <a:fld id="{06BEB3AE-8E34-4534-922B-E380FB565A43}" type="slidenum">
+              <a:rPr kumimoji="0" lang="en-US" sz="1200" b="0" i="0" u="none" strike="noStrike" kern="1200" cap="none" spc="0" normalizeH="0" baseline="0" noProof="0" smtClean="0">
+                <a:ln>
+                  <a:noFill/>
+                </a:ln>
+                <a:solidFill>
+                  <a:prstClr val="black"/>
+                </a:solidFill>
+                <a:effectLst/>
+                <a:uLnTx/>
+                <a:uFillTx/>
+                <a:latin typeface="Calibri" panose="020F0502020204030204"/>
+                <a:ea typeface="+mn-ea"/>
+                <a:cs typeface="+mn-cs"/>
+              </a:rPr>
+              <a:pPr marL="0" marR="0" lvl="0" indent="0" algn="r" defTabSz="914400" rtl="0" eaLnBrk="1" fontAlgn="auto" latinLnBrk="0" hangingPunct="1">
+                <a:lnSpc>
+                  <a:spcPct val="100000"/>
+                </a:lnSpc>
+                <a:spcBef>
+                  <a:spcPts val="0"/>
+                </a:spcBef>
+                <a:spcAft>
+                  <a:spcPts val="0"/>
+                </a:spcAft>
+                <a:buClrTx/>
+                <a:buSzTx/>
+                <a:buFontTx/>
+                <a:buNone/>
+                <a:tabLst/>
+                <a:defRPr/>
+              </a:pPr>
+              <a:t>32</a:t>
+            </a:fld>
+            <a:endParaRPr kumimoji="0" lang="en-US" sz="1200" b="0" i="0" u="none" strike="noStrike" kern="1200" cap="none" spc="0" normalizeH="0" baseline="0" noProof="0">
+              <a:ln>
+                <a:noFill/>
+              </a:ln>
+              <a:solidFill>
+                <a:prstClr val="black"/>
+              </a:solidFill>
+              <a:effectLst/>
+              <a:uLnTx/>
+              <a:uFillTx/>
+              <a:latin typeface="Calibri" panose="020F0502020204030204"/>
+              <a:ea typeface="+mn-ea"/>
+              <a:cs typeface="+mn-cs"/>
+            </a:endParaRPr>
+          </a:p>
+        </p:txBody>
+      </p:sp>
+    </p:spTree>
+    <p:extLst>
+      <p:ext uri="{BB962C8B-B14F-4D97-AF65-F5344CB8AC3E}">
+        <p14:creationId xmlns:p14="http://schemas.microsoft.com/office/powerpoint/2010/main" val="1457261396"/>
+      </p:ext>
+    </p:extLst>
+  </p:cSld>
+  <p:clrMapOvr>
+    <a:masterClrMapping/>
+  </p:clrMapOvr>
+</p:notes>
+</file>
+
+<file path=ppt/notesSlides/notesSlide33.xml><?xml version="1.0" encoding="utf-8"?>
+<p:notes xmlns:a="http://schemas.openxmlformats.org/drawingml/2006/main" xmlns:r="http://schemas.openxmlformats.org/officeDocument/2006/relationships" xmlns:p="http://schemas.openxmlformats.org/presentationml/2006/main">
+  <p:cSld>
+    <p:spTree>
+      <p:nvGrpSpPr>
+        <p:cNvPr id="1" name=""/>
+        <p:cNvGrpSpPr/>
+        <p:nvPr/>
+      </p:nvGrpSpPr>
+      <p:grpSpPr>
+        <a:xfrm>
+          <a:off x="0" y="0"/>
+          <a:ext cx="0" cy="0"/>
+          <a:chOff x="0" y="0"/>
+          <a:chExt cx="0" cy="0"/>
+        </a:xfrm>
+      </p:grpSpPr>
+      <p:sp>
+        <p:nvSpPr>
+          <p:cNvPr id="2" name="Slide Image Placeholder 1"/>
+          <p:cNvSpPr>
+            <a:spLocks noGrp="1" noRot="1" noChangeAspect="1"/>
+          </p:cNvSpPr>
+          <p:nvPr>
+            <p:ph type="sldImg"/>
+          </p:nvPr>
+        </p:nvSpPr>
+        <p:spPr/>
+      </p:sp>
+      <p:sp>
+        <p:nvSpPr>
+          <p:cNvPr id="3" name="Notes Placeholder 2"/>
+          <p:cNvSpPr>
+            <a:spLocks noGrp="1"/>
+          </p:cNvSpPr>
+          <p:nvPr>
+            <p:ph type="body" idx="1"/>
+          </p:nvPr>
+        </p:nvSpPr>
+        <p:spPr/>
+        <p:txBody>
+          <a:bodyPr/>
+          <a:lstStyle/>
+          <a:p>
+            <a:pPr marL="0" marR="0" lvl="0" indent="0" algn="l" defTabSz="914400" rtl="0" eaLnBrk="1" fontAlgn="auto" latinLnBrk="0" hangingPunct="1">
+              <a:lnSpc>
+                <a:spcPct val="100000"/>
+              </a:lnSpc>
+              <a:spcBef>
+                <a:spcPts val="0"/>
+              </a:spcBef>
+              <a:spcAft>
+                <a:spcPts val="0"/>
+              </a:spcAft>
+              <a:buClrTx/>
+              <a:buSzTx/>
+              <a:buFontTx/>
+              <a:buNone/>
+              <a:tabLst/>
+              <a:defRPr/>
+            </a:pPr>
+            <a:r>
+              <a:rPr lang="en-US" sz="1200">
+                <a:solidFill>
+                  <a:prstClr val="black"/>
+                </a:solidFill>
+              </a:rPr>
+              <a:t>© Copyright Showeet.com – Creative &amp; Free PowerPoint Templates</a:t>
+            </a:r>
+          </a:p>
+        </p:txBody>
+      </p:sp>
+      <p:sp>
+        <p:nvSpPr>
+          <p:cNvPr id="4" name="Slide Number Placeholder 3"/>
+          <p:cNvSpPr>
+            <a:spLocks noGrp="1"/>
+          </p:cNvSpPr>
+          <p:nvPr>
+            <p:ph type="sldNum" sz="quarter" idx="10"/>
+          </p:nvPr>
+        </p:nvSpPr>
+        <p:spPr/>
+        <p:txBody>
+          <a:bodyPr/>
+          <a:lstStyle/>
+          <a:p>
+            <a:pPr marL="0" marR="0" lvl="0" indent="0" algn="r" defTabSz="914400" rtl="0" eaLnBrk="1" fontAlgn="auto" latinLnBrk="0" hangingPunct="1">
+              <a:lnSpc>
+                <a:spcPct val="100000"/>
+              </a:lnSpc>
+              <a:spcBef>
+                <a:spcPts val="0"/>
+              </a:spcBef>
+              <a:spcAft>
+                <a:spcPts val="0"/>
+              </a:spcAft>
+              <a:buClrTx/>
+              <a:buSzTx/>
+              <a:buFontTx/>
+              <a:buNone/>
+              <a:tabLst/>
+              <a:defRPr/>
+            </a:pPr>
+            <a:fld id="{06BEB3AE-8E34-4534-922B-E380FB565A43}" type="slidenum">
+              <a:rPr kumimoji="0" lang="en-US" sz="1200" b="0" i="0" u="none" strike="noStrike" kern="1200" cap="none" spc="0" normalizeH="0" baseline="0" noProof="0" smtClean="0">
+                <a:ln>
+                  <a:noFill/>
+                </a:ln>
+                <a:solidFill>
+                  <a:prstClr val="black"/>
+                </a:solidFill>
+                <a:effectLst/>
+                <a:uLnTx/>
+                <a:uFillTx/>
+                <a:latin typeface="Calibri" panose="020F0502020204030204"/>
+                <a:ea typeface="+mn-ea"/>
+                <a:cs typeface="+mn-cs"/>
+              </a:rPr>
+              <a:pPr marL="0" marR="0" lvl="0" indent="0" algn="r" defTabSz="914400" rtl="0" eaLnBrk="1" fontAlgn="auto" latinLnBrk="0" hangingPunct="1">
+                <a:lnSpc>
+                  <a:spcPct val="100000"/>
+                </a:lnSpc>
+                <a:spcBef>
+                  <a:spcPts val="0"/>
+                </a:spcBef>
+                <a:spcAft>
+                  <a:spcPts val="0"/>
+                </a:spcAft>
+                <a:buClrTx/>
+                <a:buSzTx/>
+                <a:buFontTx/>
+                <a:buNone/>
+                <a:tabLst/>
+                <a:defRPr/>
+              </a:pPr>
+              <a:t>33</a:t>
+            </a:fld>
+            <a:endParaRPr kumimoji="0" lang="en-US" sz="1200" b="0" i="0" u="none" strike="noStrike" kern="1200" cap="none" spc="0" normalizeH="0" baseline="0" noProof="0">
+              <a:ln>
+                <a:noFill/>
+              </a:ln>
+              <a:solidFill>
+                <a:prstClr val="black"/>
+              </a:solidFill>
+              <a:effectLst/>
+              <a:uLnTx/>
+              <a:uFillTx/>
+              <a:latin typeface="Calibri" panose="020F0502020204030204"/>
+              <a:ea typeface="+mn-ea"/>
+              <a:cs typeface="+mn-cs"/>
+            </a:endParaRPr>
+          </a:p>
+        </p:txBody>
+      </p:sp>
+    </p:spTree>
+    <p:extLst>
+      <p:ext uri="{BB962C8B-B14F-4D97-AF65-F5344CB8AC3E}">
+        <p14:creationId xmlns:p14="http://schemas.microsoft.com/office/powerpoint/2010/main" val="2390194218"/>
+      </p:ext>
+    </p:extLst>
+  </p:cSld>
+  <p:clrMapOvr>
+    <a:masterClrMapping/>
+  </p:clrMapOvr>
+</p:notes>
+</file>
+
+<file path=ppt/notesSlides/notesSlide34.xml><?xml version="1.0" encoding="utf-8"?>
+<p:notes xmlns:a="http://schemas.openxmlformats.org/drawingml/2006/main" xmlns:r="http://schemas.openxmlformats.org/officeDocument/2006/relationships" xmlns:p="http://schemas.openxmlformats.org/presentationml/2006/main">
+  <p:cSld>
+    <p:spTree>
+      <p:nvGrpSpPr>
+        <p:cNvPr id="1" name=""/>
+        <p:cNvGrpSpPr/>
+        <p:nvPr/>
+      </p:nvGrpSpPr>
+      <p:grpSpPr>
+        <a:xfrm>
+          <a:off x="0" y="0"/>
+          <a:ext cx="0" cy="0"/>
+          <a:chOff x="0" y="0"/>
+          <a:chExt cx="0" cy="0"/>
+        </a:xfrm>
+      </p:grpSpPr>
+      <p:sp>
+        <p:nvSpPr>
+          <p:cNvPr id="2" name="Slide Image Placeholder 1"/>
+          <p:cNvSpPr>
+            <a:spLocks noGrp="1" noRot="1" noChangeAspect="1"/>
+          </p:cNvSpPr>
+          <p:nvPr>
+            <p:ph type="sldImg"/>
+          </p:nvPr>
+        </p:nvSpPr>
+        <p:spPr/>
+      </p:sp>
+      <p:sp>
+        <p:nvSpPr>
+          <p:cNvPr id="3" name="Notes Placeholder 2"/>
+          <p:cNvSpPr>
+            <a:spLocks noGrp="1"/>
+          </p:cNvSpPr>
+          <p:nvPr>
+            <p:ph type="body" idx="1"/>
+          </p:nvPr>
+        </p:nvSpPr>
+        <p:spPr/>
+        <p:txBody>
+          <a:bodyPr/>
+          <a:lstStyle/>
+          <a:p>
+            <a:r>
+              <a:rPr lang="en-US" sz="1200">
+                <a:solidFill>
+                  <a:prstClr val="black"/>
+                </a:solidFill>
+              </a:rPr>
+              <a:t>© Copyright Showeet.com – Creative &amp; Free PowerPoint Templates</a:t>
+            </a:r>
+            <a:endParaRPr lang="en-US"/>
+          </a:p>
+        </p:txBody>
+      </p:sp>
+      <p:sp>
+        <p:nvSpPr>
+          <p:cNvPr id="4" name="Slide Number Placeholder 3"/>
+          <p:cNvSpPr>
+            <a:spLocks noGrp="1"/>
+          </p:cNvSpPr>
+          <p:nvPr>
+            <p:ph type="sldNum" sz="quarter" idx="10"/>
+          </p:nvPr>
+        </p:nvSpPr>
+        <p:spPr/>
+        <p:txBody>
+          <a:bodyPr/>
+          <a:lstStyle/>
+          <a:p>
             <a:fld id="{2CA3AB2B-189A-4C92-A457-C6A3833631A7}" type="slidenum">
               <a:rPr lang="en-US" smtClean="0"/>
               <a:pPr/>
-              <a:t>32</a:t>
+              <a:t>34</a:t>
             </a:fld>
             <a:endParaRPr lang="en-US"/>
           </a:p>
@@ -26858,7 +27752,7 @@
     <p:sldLayoutId id="2147483922" r:id="rId21"/>
     <p:sldLayoutId id="2147483923" r:id="rId22"/>
   </p:sldLayoutIdLst>
-  <p:hf sldNum="0" hdr="0"/>
+  <p:hf hdr="0"/>
   <p:txStyles>
     <p:titleStyle>
       <a:lvl1pPr algn="l" defTabSz="914400" rtl="0" eaLnBrk="1" latinLnBrk="0" hangingPunct="1">
@@ -27408,7 +28302,7 @@
     </p:extLst>
   </p:cSld>
   <p:clrMap bg1="lt1" tx1="dk1" bg2="lt2" tx2="dk2" accent1="accent1" accent2="accent2" accent3="accent3" accent4="accent4" accent5="accent5" accent6="accent6" hlink="hlink" folHlink="folHlink"/>
-  <p:hf sldNum="0" hdr="0"/>
+  <p:hf hdr="0"/>
   <p:txStyles>
     <p:titleStyle>
       <a:lvl1pPr algn="r" defTabSz="914354" rtl="0" eaLnBrk="1" latinLnBrk="0" hangingPunct="1">
@@ -27784,7 +28678,7 @@
   <p:sldLayoutIdLst>
     <p:sldLayoutId id="2147483754" r:id="rId1"/>
   </p:sldLayoutIdLst>
-  <p:hf sldNum="0" hdr="0"/>
+  <p:hf hdr="0"/>
   <p:txStyles>
     <p:titleStyle>
       <a:lvl1pPr algn="l" defTabSz="914354" rtl="0" eaLnBrk="1" latinLnBrk="0" hangingPunct="1">
@@ -28504,6 +29398,35 @@
               </a:rPr>
               <a:t>A quelles problématiques devons faire face ?</a:t>
             </a:r>
+          </a:p>
+        </p:txBody>
+      </p:sp>
+      <p:sp>
+        <p:nvSpPr>
+          <p:cNvPr id="5" name="Espace réservé du numéro de diapositive 4">
+            <a:extLst>
+              <a:ext uri="{FF2B5EF4-FFF2-40B4-BE49-F238E27FC236}">
+                <a16:creationId xmlns:a16="http://schemas.microsoft.com/office/drawing/2014/main" id="{9623611E-65B7-403F-9E71-F550EB5E7570}"/>
+              </a:ext>
+            </a:extLst>
+          </p:cNvPr>
+          <p:cNvSpPr>
+            <a:spLocks noGrp="1"/>
+          </p:cNvSpPr>
+          <p:nvPr>
+            <p:ph type="sldNum" sz="quarter" idx="12"/>
+          </p:nvPr>
+        </p:nvSpPr>
+        <p:spPr/>
+        <p:txBody>
+          <a:bodyPr/>
+          <a:lstStyle/>
+          <a:p>
+            <a:fld id="{D325CB3F-26C9-44D7-A7CB-40F86C5CE4B1}" type="slidenum">
+              <a:rPr lang="en-US" smtClean="0"/>
+              <a:t>10</a:t>
+            </a:fld>
+            <a:endParaRPr lang="en-US"/>
           </a:p>
         </p:txBody>
       </p:sp>
@@ -29380,6 +30303,35 @@
           </a:p>
         </p:txBody>
       </p:sp>
+      <p:sp>
+        <p:nvSpPr>
+          <p:cNvPr id="10" name="Espace réservé du numéro de diapositive 9">
+            <a:extLst>
+              <a:ext uri="{FF2B5EF4-FFF2-40B4-BE49-F238E27FC236}">
+                <a16:creationId xmlns:a16="http://schemas.microsoft.com/office/drawing/2014/main" id="{D8B40AB5-493C-49BE-BB09-845570D02BC8}"/>
+              </a:ext>
+            </a:extLst>
+          </p:cNvPr>
+          <p:cNvSpPr>
+            <a:spLocks noGrp="1"/>
+          </p:cNvSpPr>
+          <p:nvPr>
+            <p:ph type="sldNum" sz="quarter" idx="12"/>
+          </p:nvPr>
+        </p:nvSpPr>
+        <p:spPr/>
+        <p:txBody>
+          <a:bodyPr/>
+          <a:lstStyle/>
+          <a:p>
+            <a:fld id="{D325CB3F-26C9-44D7-A7CB-40F86C5CE4B1}" type="slidenum">
+              <a:rPr lang="en-US" smtClean="0"/>
+              <a:t>11</a:t>
+            </a:fld>
+            <a:endParaRPr lang="en-US"/>
+          </a:p>
+        </p:txBody>
+      </p:sp>
     </p:spTree>
     <p:extLst>
       <p:ext uri="{BB962C8B-B14F-4D97-AF65-F5344CB8AC3E}">
@@ -29850,6 +30802,35 @@
           </a:extLst>
         </p:spPr>
       </p:pic>
+      <p:sp>
+        <p:nvSpPr>
+          <p:cNvPr id="7" name="Espace réservé du numéro de diapositive 6">
+            <a:extLst>
+              <a:ext uri="{FF2B5EF4-FFF2-40B4-BE49-F238E27FC236}">
+                <a16:creationId xmlns:a16="http://schemas.microsoft.com/office/drawing/2014/main" id="{A91F1339-71BB-4441-BA7F-7C700A04B59D}"/>
+              </a:ext>
+            </a:extLst>
+          </p:cNvPr>
+          <p:cNvSpPr>
+            <a:spLocks noGrp="1"/>
+          </p:cNvSpPr>
+          <p:nvPr>
+            <p:ph type="sldNum" sz="quarter" idx="12"/>
+          </p:nvPr>
+        </p:nvSpPr>
+        <p:spPr/>
+        <p:txBody>
+          <a:bodyPr/>
+          <a:lstStyle/>
+          <a:p>
+            <a:fld id="{D325CB3F-26C9-44D7-A7CB-40F86C5CE4B1}" type="slidenum">
+              <a:rPr lang="en-US" smtClean="0"/>
+              <a:t>12</a:t>
+            </a:fld>
+            <a:endParaRPr lang="en-US"/>
+          </a:p>
+        </p:txBody>
+      </p:sp>
     </p:spTree>
     <p:extLst>
       <p:ext uri="{BB962C8B-B14F-4D97-AF65-F5344CB8AC3E}">
@@ -29948,7 +30929,7 @@
           <a:lstStyle/>
           <a:p>
             <a:r>
-              <a:rPr lang="fr-FR" dirty="0"/>
+              <a:rPr lang="fr-FR"/>
               <a:t>04 février 2021</a:t>
             </a:r>
             <a:endParaRPr lang="en-US" dirty="0"/>
@@ -29981,6 +30962,36 @@
               <a:t>Command &amp; Memento - Aurélien BOUDIER</a:t>
             </a:r>
             <a:endParaRPr lang="en-US" dirty="0"/>
+          </a:p>
+        </p:txBody>
+      </p:sp>
+      <p:sp>
+        <p:nvSpPr>
+          <p:cNvPr id="2" name="Espace réservé du numéro de diapositive 1">
+            <a:extLst>
+              <a:ext uri="{FF2B5EF4-FFF2-40B4-BE49-F238E27FC236}">
+                <a16:creationId xmlns:a16="http://schemas.microsoft.com/office/drawing/2014/main" id="{1908181F-FF90-4233-8F2E-313342112C46}"/>
+              </a:ext>
+            </a:extLst>
+          </p:cNvPr>
+          <p:cNvSpPr>
+            <a:spLocks noGrp="1"/>
+          </p:cNvSpPr>
+          <p:nvPr>
+            <p:ph type="sldNum" sz="quarter" idx="12"/>
+          </p:nvPr>
+        </p:nvSpPr>
+        <p:spPr/>
+        <p:txBody>
+          <a:bodyPr/>
+          <a:lstStyle/>
+          <a:p>
+            <a:fld id="{D325CB3F-26C9-44D7-A7CB-40F86C5CE4B1}" type="slidenum">
+              <a:rPr lang="en-US" smtClean="0"/>
+              <a:pPr/>
+              <a:t>13</a:t>
+            </a:fld>
+            <a:endParaRPr lang="en-US"/>
           </a:p>
         </p:txBody>
       </p:sp>
@@ -30129,6 +31140,35 @@
               <a:rPr lang="fr-FR"/>
               <a:t>Command &amp; Memento - Aurélien BOUDIER</a:t>
             </a:r>
+            <a:endParaRPr lang="en-US"/>
+          </a:p>
+        </p:txBody>
+      </p:sp>
+      <p:sp>
+        <p:nvSpPr>
+          <p:cNvPr id="3" name="Espace réservé du numéro de diapositive 2">
+            <a:extLst>
+              <a:ext uri="{FF2B5EF4-FFF2-40B4-BE49-F238E27FC236}">
+                <a16:creationId xmlns:a16="http://schemas.microsoft.com/office/drawing/2014/main" id="{48D49813-8D3F-4B9A-870C-BFCCA729137F}"/>
+              </a:ext>
+            </a:extLst>
+          </p:cNvPr>
+          <p:cNvSpPr>
+            <a:spLocks noGrp="1"/>
+          </p:cNvSpPr>
+          <p:nvPr>
+            <p:ph type="sldNum" sz="quarter" idx="12"/>
+          </p:nvPr>
+        </p:nvSpPr>
+        <p:spPr/>
+        <p:txBody>
+          <a:bodyPr/>
+          <a:lstStyle/>
+          <a:p>
+            <a:fld id="{D325CB3F-26C9-44D7-A7CB-40F86C5CE4B1}" type="slidenum">
+              <a:rPr lang="en-US" smtClean="0"/>
+              <a:t>14</a:t>
+            </a:fld>
             <a:endParaRPr lang="en-US"/>
           </a:p>
         </p:txBody>
@@ -30233,7 +31273,7 @@
           <a:lstStyle/>
           <a:p>
             <a:r>
-              <a:rPr lang="fr-FR" dirty="0">
+              <a:rPr lang="fr-FR">
                 <a:solidFill>
                   <a:srgbClr val="403551"/>
                 </a:solidFill>
@@ -30274,6 +31314,36 @@
               <a:t>Command &amp; Memento - Aurélien BOUDIER</a:t>
             </a:r>
             <a:endParaRPr lang="en-US" dirty="0"/>
+          </a:p>
+        </p:txBody>
+      </p:sp>
+      <p:sp>
+        <p:nvSpPr>
+          <p:cNvPr id="2" name="Espace réservé du numéro de diapositive 1">
+            <a:extLst>
+              <a:ext uri="{FF2B5EF4-FFF2-40B4-BE49-F238E27FC236}">
+                <a16:creationId xmlns:a16="http://schemas.microsoft.com/office/drawing/2014/main" id="{AB5DDBB9-50BA-45BA-AAF3-F4C093AF0032}"/>
+              </a:ext>
+            </a:extLst>
+          </p:cNvPr>
+          <p:cNvSpPr>
+            <a:spLocks noGrp="1"/>
+          </p:cNvSpPr>
+          <p:nvPr>
+            <p:ph type="sldNum" sz="quarter" idx="12"/>
+          </p:nvPr>
+        </p:nvSpPr>
+        <p:spPr/>
+        <p:txBody>
+          <a:bodyPr/>
+          <a:lstStyle/>
+          <a:p>
+            <a:fld id="{D325CB3F-26C9-44D7-A7CB-40F86C5CE4B1}" type="slidenum">
+              <a:rPr lang="en-US" smtClean="0"/>
+              <a:pPr/>
+              <a:t>15</a:t>
+            </a:fld>
+            <a:endParaRPr lang="en-US"/>
           </a:p>
         </p:txBody>
       </p:sp>
@@ -30330,69 +31400,11 @@
                   <a:srgbClr val="403551"/>
                 </a:solidFill>
               </a:rPr>
-              <a:t>Diagramme générique  </a:t>
+              <a:t>Petite analogie</a:t>
             </a:r>
           </a:p>
         </p:txBody>
       </p:sp>
-      <p:sp>
-        <p:nvSpPr>
-          <p:cNvPr id="3" name="Date Placeholder 2"/>
-          <p:cNvSpPr>
-            <a:spLocks noGrp="1"/>
-          </p:cNvSpPr>
-          <p:nvPr>
-            <p:ph type="dt" sz="half" idx="10"/>
-          </p:nvPr>
-        </p:nvSpPr>
-        <p:spPr>
-          <a:xfrm>
-            <a:off x="200392" y="6324652"/>
-            <a:ext cx="2743200" cy="365125"/>
-          </a:xfrm>
-        </p:spPr>
-        <p:txBody>
-          <a:bodyPr/>
-          <a:lstStyle/>
-          <a:p>
-            <a:r>
-              <a:rPr lang="fr-FR" dirty="0"/>
-              <a:t>04 février 2021</a:t>
-            </a:r>
-            <a:endParaRPr lang="en-US" dirty="0"/>
-          </a:p>
-        </p:txBody>
-      </p:sp>
-      <p:pic>
-        <p:nvPicPr>
-          <p:cNvPr id="8" name="Image 7">
-            <a:extLst>
-              <a:ext uri="{FF2B5EF4-FFF2-40B4-BE49-F238E27FC236}">
-                <a16:creationId xmlns:a16="http://schemas.microsoft.com/office/drawing/2014/main" id="{96EF5DC6-2698-4773-855A-903DDC085934}"/>
-              </a:ext>
-            </a:extLst>
-          </p:cNvPr>
-          <p:cNvPicPr>
-            <a:picLocks noChangeAspect="1"/>
-          </p:cNvPicPr>
-          <p:nvPr/>
-        </p:nvPicPr>
-        <p:blipFill>
-          <a:blip r:embed="rId3"/>
-          <a:stretch>
-            <a:fillRect/>
-          </a:stretch>
-        </p:blipFill>
-        <p:spPr>
-          <a:xfrm>
-            <a:off x="2406169" y="296922"/>
-            <a:ext cx="9581895" cy="6264155"/>
-          </a:xfrm>
-          <a:prstGeom prst="rect">
-            <a:avLst/>
-          </a:prstGeom>
-        </p:spPr>
-      </p:pic>
       <p:sp>
         <p:nvSpPr>
           <p:cNvPr id="11" name="Text Placeholder 10">
@@ -30418,6 +31430,150 @@
               <a:rPr lang="en-US" dirty="0"/>
               <a:t>02</a:t>
             </a:r>
+          </a:p>
+        </p:txBody>
+      </p:sp>
+      <p:pic>
+        <p:nvPicPr>
+          <p:cNvPr id="4098" name="Picture 2">
+            <a:extLst>
+              <a:ext uri="{FF2B5EF4-FFF2-40B4-BE49-F238E27FC236}">
+                <a16:creationId xmlns:a16="http://schemas.microsoft.com/office/drawing/2014/main" id="{72645EDC-4117-4C02-A9FA-0479AA33C586}"/>
+              </a:ext>
+            </a:extLst>
+          </p:cNvPr>
+          <p:cNvPicPr>
+            <a:picLocks noChangeAspect="1" noChangeArrowheads="1"/>
+          </p:cNvPicPr>
+          <p:nvPr/>
+        </p:nvPicPr>
+        <p:blipFill>
+          <a:blip r:embed="rId3">
+            <a:extLst>
+              <a:ext uri="{28A0092B-C50C-407E-A947-70E740481C1C}">
+                <a14:useLocalDpi xmlns:a14="http://schemas.microsoft.com/office/drawing/2010/main" val="0"/>
+              </a:ext>
+            </a:extLst>
+          </a:blip>
+          <a:srcRect/>
+          <a:stretch>
+            <a:fillRect/>
+          </a:stretch>
+        </p:blipFill>
+        <p:spPr bwMode="auto">
+          <a:xfrm>
+            <a:off x="1743864" y="1394221"/>
+            <a:ext cx="9609935" cy="4804968"/>
+          </a:xfrm>
+          <a:prstGeom prst="rect">
+            <a:avLst/>
+          </a:prstGeom>
+          <a:noFill/>
+          <a:extLst>
+            <a:ext uri="{909E8E84-426E-40DD-AFC4-6F175D3DCCD1}">
+              <a14:hiddenFill xmlns:a14="http://schemas.microsoft.com/office/drawing/2010/main">
+                <a:solidFill>
+                  <a:srgbClr val="FFFFFF"/>
+                </a:solidFill>
+              </a14:hiddenFill>
+            </a:ext>
+          </a:extLst>
+        </p:spPr>
+      </p:pic>
+      <p:sp>
+        <p:nvSpPr>
+          <p:cNvPr id="12" name="Date Placeholder 4">
+            <a:extLst>
+              <a:ext uri="{FF2B5EF4-FFF2-40B4-BE49-F238E27FC236}">
+                <a16:creationId xmlns:a16="http://schemas.microsoft.com/office/drawing/2014/main" id="{5064C70D-D365-4196-811E-A0B93CCC51D8}"/>
+              </a:ext>
+            </a:extLst>
+          </p:cNvPr>
+          <p:cNvSpPr>
+            <a:spLocks noGrp="1"/>
+          </p:cNvSpPr>
+          <p:nvPr>
+            <p:ph type="dt" sz="half" idx="10"/>
+          </p:nvPr>
+        </p:nvSpPr>
+        <p:spPr>
+          <a:xfrm>
+            <a:off x="838200" y="6356350"/>
+            <a:ext cx="2743200" cy="365125"/>
+          </a:xfrm>
+        </p:spPr>
+        <p:txBody>
+          <a:bodyPr/>
+          <a:lstStyle/>
+          <a:p>
+            <a:r>
+              <a:rPr lang="fr-FR"/>
+              <a:t>04 février 2021</a:t>
+            </a:r>
+            <a:endParaRPr lang="en-US" dirty="0"/>
+          </a:p>
+        </p:txBody>
+      </p:sp>
+      <p:sp>
+        <p:nvSpPr>
+          <p:cNvPr id="13" name="Footer Placeholder 5">
+            <a:extLst>
+              <a:ext uri="{FF2B5EF4-FFF2-40B4-BE49-F238E27FC236}">
+                <a16:creationId xmlns:a16="http://schemas.microsoft.com/office/drawing/2014/main" id="{A8609016-FB9B-478F-B9C6-860581DFCE9D}"/>
+              </a:ext>
+            </a:extLst>
+          </p:cNvPr>
+          <p:cNvSpPr>
+            <a:spLocks noGrp="1"/>
+          </p:cNvSpPr>
+          <p:nvPr>
+            <p:ph type="ftr" sz="quarter" idx="11"/>
+          </p:nvPr>
+        </p:nvSpPr>
+        <p:spPr>
+          <a:xfrm>
+            <a:off x="4038600" y="6356350"/>
+            <a:ext cx="4114800" cy="365125"/>
+          </a:xfrm>
+        </p:spPr>
+        <p:txBody>
+          <a:bodyPr/>
+          <a:lstStyle/>
+          <a:p>
+            <a:r>
+              <a:rPr lang="fr-FR"/>
+              <a:t>Command &amp; Memento - Aurélien BOUDIER</a:t>
+            </a:r>
+            <a:endParaRPr lang="en-US"/>
+          </a:p>
+        </p:txBody>
+      </p:sp>
+      <p:sp>
+        <p:nvSpPr>
+          <p:cNvPr id="9" name="Espace réservé du numéro de diapositive 8">
+            <a:extLst>
+              <a:ext uri="{FF2B5EF4-FFF2-40B4-BE49-F238E27FC236}">
+                <a16:creationId xmlns:a16="http://schemas.microsoft.com/office/drawing/2014/main" id="{5A289915-7D1E-42E0-B085-369F31211043}"/>
+              </a:ext>
+            </a:extLst>
+          </p:cNvPr>
+          <p:cNvSpPr>
+            <a:spLocks noGrp="1"/>
+          </p:cNvSpPr>
+          <p:nvPr>
+            <p:ph type="sldNum" sz="quarter" idx="12"/>
+          </p:nvPr>
+        </p:nvSpPr>
+        <p:spPr/>
+        <p:txBody>
+          <a:bodyPr/>
+          <a:lstStyle/>
+          <a:p>
+            <a:fld id="{D325CB3F-26C9-44D7-A7CB-40F86C5CE4B1}" type="slidenum">
+              <a:rPr lang="en-US" smtClean="0"/>
+              <a:t>16</a:t>
+            </a:fld>
+            <a:endParaRPr lang="en-US"/>
           </a:p>
         </p:txBody>
       </p:sp>
@@ -30453,7 +31609,98 @@
       </p:grpSpPr>
       <p:sp>
         <p:nvSpPr>
-          <p:cNvPr id="2" name="Title 1"/>
+          <p:cNvPr id="3" name="Date Placeholder 2"/>
+          <p:cNvSpPr>
+            <a:spLocks noGrp="1"/>
+          </p:cNvSpPr>
+          <p:nvPr>
+            <p:ph type="dt" sz="half" idx="10"/>
+          </p:nvPr>
+        </p:nvSpPr>
+        <p:spPr>
+          <a:xfrm>
+            <a:off x="200392" y="6324652"/>
+            <a:ext cx="1163046" cy="365125"/>
+          </a:xfrm>
+        </p:spPr>
+        <p:txBody>
+          <a:bodyPr/>
+          <a:lstStyle/>
+          <a:p>
+            <a:r>
+              <a:rPr lang="fr-FR" dirty="0"/>
+              <a:t>04 février 2021</a:t>
+            </a:r>
+            <a:endParaRPr lang="en-US" dirty="0"/>
+          </a:p>
+        </p:txBody>
+      </p:sp>
+      <p:sp>
+        <p:nvSpPr>
+          <p:cNvPr id="11" name="Text Placeholder 10">
+            <a:extLst>
+              <a:ext uri="{FF2B5EF4-FFF2-40B4-BE49-F238E27FC236}">
+                <a16:creationId xmlns:a16="http://schemas.microsoft.com/office/drawing/2014/main" id="{2A6E9779-5059-4C5A-A10E-A924E6ADE536}"/>
+              </a:ext>
+            </a:extLst>
+          </p:cNvPr>
+          <p:cNvSpPr>
+            <a:spLocks noGrp="1"/>
+          </p:cNvSpPr>
+          <p:nvPr>
+            <p:ph type="body" sz="quarter" idx="13"/>
+          </p:nvPr>
+        </p:nvSpPr>
+        <p:spPr/>
+        <p:txBody>
+          <a:bodyPr/>
+          <a:lstStyle/>
+          <a:p>
+            <a:r>
+              <a:rPr lang="en-US" dirty="0"/>
+              <a:t>02</a:t>
+            </a:r>
+          </a:p>
+        </p:txBody>
+      </p:sp>
+      <p:sp>
+        <p:nvSpPr>
+          <p:cNvPr id="6" name="Espace réservé du numéro de diapositive 5">
+            <a:extLst>
+              <a:ext uri="{FF2B5EF4-FFF2-40B4-BE49-F238E27FC236}">
+                <a16:creationId xmlns:a16="http://schemas.microsoft.com/office/drawing/2014/main" id="{437CEC8C-F4A5-49BF-AEA4-CD05EAAA40F7}"/>
+              </a:ext>
+            </a:extLst>
+          </p:cNvPr>
+          <p:cNvSpPr>
+            <a:spLocks noGrp="1"/>
+          </p:cNvSpPr>
+          <p:nvPr>
+            <p:ph type="sldNum" sz="quarter" idx="12"/>
+          </p:nvPr>
+        </p:nvSpPr>
+        <p:spPr/>
+        <p:txBody>
+          <a:bodyPr/>
+          <a:lstStyle/>
+          <a:p>
+            <a:fld id="{D325CB3F-26C9-44D7-A7CB-40F86C5CE4B1}" type="slidenum">
+              <a:rPr lang="en-US" smtClean="0"/>
+              <a:t>17</a:t>
+            </a:fld>
+            <a:endParaRPr lang="en-US"/>
+          </a:p>
+        </p:txBody>
+      </p:sp>
+      <p:sp>
+        <p:nvSpPr>
+          <p:cNvPr id="21" name="Title 6">
+            <a:extLst>
+              <a:ext uri="{FF2B5EF4-FFF2-40B4-BE49-F238E27FC236}">
+                <a16:creationId xmlns:a16="http://schemas.microsoft.com/office/drawing/2014/main" id="{3B6F1FB1-45C7-4D78-9300-6E7B4B05A072}"/>
+              </a:ext>
+            </a:extLst>
+          </p:cNvPr>
           <p:cNvSpPr>
             <a:spLocks noGrp="1"/>
           </p:cNvSpPr>
@@ -30461,36 +31708,12 @@
             <p:ph type="title"/>
           </p:nvPr>
         </p:nvSpPr>
-        <p:spPr/>
-        <p:txBody>
-          <a:bodyPr/>
-          <a:lstStyle/>
-          <a:p>
-            <a:r>
-              <a:rPr lang="fr-FR" dirty="0"/>
-              <a:t>Présentation du </a:t>
-            </a:r>
-            <a:br>
-              <a:rPr lang="fr-FR" dirty="0"/>
-            </a:br>
-            <a:r>
-              <a:rPr lang="fr-FR" dirty="0"/>
-              <a:t>pattern memento</a:t>
-            </a:r>
-          </a:p>
-        </p:txBody>
-      </p:sp>
-      <p:sp>
-        <p:nvSpPr>
-          <p:cNvPr id="16" name="Text Placeholder 15"/>
-          <p:cNvSpPr>
-            <a:spLocks noGrp="1"/>
-          </p:cNvSpPr>
-          <p:nvPr>
-            <p:ph type="body" idx="1"/>
-          </p:nvPr>
-        </p:nvSpPr>
-        <p:spPr/>
+        <p:spPr>
+          <a:xfrm>
+            <a:off x="3503712" y="57758"/>
+            <a:ext cx="7056784" cy="647267"/>
+          </a:xfrm>
+        </p:spPr>
         <p:txBody>
           <a:bodyPr>
             <a:noAutofit/>
@@ -30498,74 +31721,50 @@
           <a:lstStyle/>
           <a:p>
             <a:r>
-              <a:rPr lang="fr-FR" dirty="0"/>
-              <a:t>La mémoire est mère de la sagesse !</a:t>
+              <a:rPr lang="fr-FR" sz="3200" dirty="0">
+                <a:solidFill>
+                  <a:srgbClr val="403551"/>
+                </a:solidFill>
+              </a:rPr>
+              <a:t>Diagramme de classe générique </a:t>
             </a:r>
           </a:p>
         </p:txBody>
       </p:sp>
-      <p:sp>
-        <p:nvSpPr>
-          <p:cNvPr id="38" name="Date Placeholder 37">
+      <p:pic>
+        <p:nvPicPr>
+          <p:cNvPr id="23" name="Image 22">
             <a:extLst>
               <a:ext uri="{FF2B5EF4-FFF2-40B4-BE49-F238E27FC236}">
-                <a16:creationId xmlns:a16="http://schemas.microsoft.com/office/drawing/2014/main" id="{214893A6-5453-4772-A5C3-6E8247B9F7F7}"/>
+                <a16:creationId xmlns:a16="http://schemas.microsoft.com/office/drawing/2014/main" id="{4C79918B-B65F-4035-9FE5-D3DEBC8605ED}"/>
               </a:ext>
             </a:extLst>
           </p:cNvPr>
-          <p:cNvSpPr>
-            <a:spLocks noGrp="1"/>
-          </p:cNvSpPr>
-          <p:nvPr>
-            <p:ph type="dt" sz="half" idx="10"/>
-          </p:nvPr>
-        </p:nvSpPr>
-        <p:spPr/>
-        <p:txBody>
-          <a:bodyPr/>
-          <a:lstStyle/>
-          <a:p>
-            <a:r>
-              <a:rPr lang="fr-FR"/>
-              <a:t>04 février 2021</a:t>
-            </a:r>
-            <a:endParaRPr lang="en-US"/>
-          </a:p>
-        </p:txBody>
-      </p:sp>
-      <p:sp>
-        <p:nvSpPr>
-          <p:cNvPr id="39" name="Footer Placeholder 38">
-            <a:extLst>
-              <a:ext uri="{FF2B5EF4-FFF2-40B4-BE49-F238E27FC236}">
-                <a16:creationId xmlns:a16="http://schemas.microsoft.com/office/drawing/2014/main" id="{19A88EA5-E6FB-4BFB-9421-CB6C4447B890}"/>
-              </a:ext>
-            </a:extLst>
-          </p:cNvPr>
-          <p:cNvSpPr>
-            <a:spLocks noGrp="1"/>
-          </p:cNvSpPr>
-          <p:nvPr>
-            <p:ph type="ftr" sz="quarter" idx="11"/>
-          </p:nvPr>
-        </p:nvSpPr>
-        <p:spPr/>
-        <p:txBody>
-          <a:bodyPr/>
-          <a:lstStyle/>
-          <a:p>
-            <a:r>
-              <a:rPr lang="fr-FR"/>
-              <a:t>Command &amp; Memento - Aurélien BOUDIER</a:t>
-            </a:r>
-            <a:endParaRPr lang="en-US"/>
-          </a:p>
-        </p:txBody>
-      </p:sp>
+          <p:cNvPicPr>
+            <a:picLocks noChangeAspect="1"/>
+          </p:cNvPicPr>
+          <p:nvPr/>
+        </p:nvPicPr>
+        <p:blipFill>
+          <a:blip r:embed="rId3"/>
+          <a:stretch>
+            <a:fillRect/>
+          </a:stretch>
+        </p:blipFill>
+        <p:spPr>
+          <a:xfrm>
+            <a:off x="2279575" y="980729"/>
+            <a:ext cx="9912423" cy="5429650"/>
+          </a:xfrm>
+          <a:prstGeom prst="rect">
+            <a:avLst/>
+          </a:prstGeom>
+        </p:spPr>
+      </p:pic>
     </p:spTree>
     <p:extLst>
       <p:ext uri="{BB962C8B-B14F-4D97-AF65-F5344CB8AC3E}">
-        <p14:creationId xmlns:p14="http://schemas.microsoft.com/office/powerpoint/2010/main" val="3399286523"/>
+        <p14:creationId xmlns:p14="http://schemas.microsoft.com/office/powerpoint/2010/main" val="1052824005"/>
       </p:ext>
     </p:extLst>
   </p:cSld>
@@ -30578,14 +31777,6 @@
 <file path=ppt/slides/slide18.xml><?xml version="1.0" encoding="utf-8"?>
 <p:sld xmlns:a="http://schemas.openxmlformats.org/drawingml/2006/main" xmlns:r="http://schemas.openxmlformats.org/officeDocument/2006/relationships" xmlns:p="http://schemas.openxmlformats.org/presentationml/2006/main">
   <p:cSld>
-    <p:bg>
-      <p:bgPr>
-        <a:solidFill>
-          <a:srgbClr val="403551"/>
-        </a:solidFill>
-        <a:effectLst/>
-      </p:bgPr>
-    </p:bg>
     <p:spTree>
       <p:nvGrpSpPr>
         <p:cNvPr id="1" name=""/>
@@ -30602,7 +31793,7 @@
       </p:grpSpPr>
       <p:sp>
         <p:nvSpPr>
-          <p:cNvPr id="2" name="Title 1"/>
+          <p:cNvPr id="4" name="Title 3"/>
           <p:cNvSpPr>
             <a:spLocks noGrp="1"/>
           </p:cNvSpPr>
@@ -30610,36 +31801,12 @@
             <p:ph type="title"/>
           </p:nvPr>
         </p:nvSpPr>
-        <p:spPr/>
-        <p:txBody>
-          <a:bodyPr/>
-          <a:lstStyle/>
-          <a:p>
-            <a:r>
-              <a:rPr lang="fr-FR" dirty="0"/>
-              <a:t>Présentation d’une </a:t>
-            </a:r>
-            <a:br>
-              <a:rPr lang="fr-FR" dirty="0"/>
-            </a:br>
-            <a:r>
-              <a:rPr lang="fr-FR" dirty="0"/>
-              <a:t>petite implémentation</a:t>
-            </a:r>
-          </a:p>
-        </p:txBody>
-      </p:sp>
-      <p:sp>
-        <p:nvSpPr>
-          <p:cNvPr id="16" name="Text Placeholder 15"/>
-          <p:cNvSpPr>
-            <a:spLocks noGrp="1"/>
-          </p:cNvSpPr>
-          <p:nvPr>
-            <p:ph type="body" idx="1"/>
-          </p:nvPr>
-        </p:nvSpPr>
-        <p:spPr/>
+        <p:spPr>
+          <a:xfrm>
+            <a:off x="2925270" y="136525"/>
+            <a:ext cx="8643338" cy="1672928"/>
+          </a:xfrm>
+        </p:spPr>
         <p:txBody>
           <a:bodyPr>
             <a:noAutofit/>
@@ -30648,20 +31815,143 @@
           <a:p>
             <a:r>
               <a:rPr lang="fr-FR" dirty="0"/>
-              <a:t>Microsoft Word peut trembler !</a:t>
+              <a:t>Avantages et inconvénients du pattern Command</a:t>
             </a:r>
           </a:p>
         </p:txBody>
       </p:sp>
       <p:sp>
         <p:nvSpPr>
-          <p:cNvPr id="38" name="Date Placeholder 37">
-            <a:extLst>
-              <a:ext uri="{FF2B5EF4-FFF2-40B4-BE49-F238E27FC236}">
-                <a16:creationId xmlns:a16="http://schemas.microsoft.com/office/drawing/2014/main" id="{214893A6-5453-4772-A5C3-6E8247B9F7F7}"/>
-              </a:ext>
-            </a:extLst>
-          </p:cNvPr>
+          <p:cNvPr id="16" name="Content Placeholder 15"/>
+          <p:cNvSpPr>
+            <a:spLocks noGrp="1"/>
+          </p:cNvSpPr>
+          <p:nvPr>
+            <p:ph idx="1"/>
+          </p:nvPr>
+        </p:nvSpPr>
+        <p:spPr>
+          <a:xfrm>
+            <a:off x="838200" y="1988840"/>
+            <a:ext cx="10730408" cy="4188123"/>
+          </a:xfrm>
+        </p:spPr>
+        <p:txBody>
+          <a:bodyPr>
+            <a:normAutofit fontScale="92500" lnSpcReduction="10000"/>
+          </a:bodyPr>
+          <a:lstStyle/>
+          <a:p>
+            <a:pPr>
+              <a:lnSpc>
+                <a:spcPct val="100000"/>
+              </a:lnSpc>
+              <a:buClr>
+                <a:srgbClr val="00B050"/>
+              </a:buClr>
+              <a:buSzPct val="130000"/>
+              <a:buFont typeface="Calibri" panose="020F0502020204030204" pitchFamily="34" charset="0"/>
+              <a:buChar char="+"/>
+            </a:pPr>
+            <a:r>
+              <a:rPr lang="fr-FR" dirty="0"/>
+              <a:t> Principe de responsabilité unique</a:t>
+            </a:r>
+          </a:p>
+          <a:p>
+            <a:pPr>
+              <a:lnSpc>
+                <a:spcPct val="100000"/>
+              </a:lnSpc>
+              <a:buClr>
+                <a:srgbClr val="00B050"/>
+              </a:buClr>
+              <a:buSzPct val="130000"/>
+              <a:buFont typeface="Calibri" panose="020F0502020204030204" pitchFamily="34" charset="0"/>
+              <a:buChar char="+"/>
+            </a:pPr>
+            <a:r>
+              <a:rPr lang="fr-FR" dirty="0"/>
+              <a:t>Principe open/</a:t>
+            </a:r>
+            <a:r>
+              <a:rPr lang="fr-FR" dirty="0" err="1"/>
+              <a:t>closed</a:t>
+            </a:r>
+            <a:r>
+              <a:rPr lang="fr-FR" dirty="0"/>
+              <a:t> respecté</a:t>
+            </a:r>
+          </a:p>
+          <a:p>
+            <a:pPr>
+              <a:lnSpc>
+                <a:spcPct val="100000"/>
+              </a:lnSpc>
+              <a:buClr>
+                <a:srgbClr val="00B050"/>
+              </a:buClr>
+              <a:buSzPct val="130000"/>
+              <a:buFont typeface="Calibri" panose="020F0502020204030204" pitchFamily="34" charset="0"/>
+              <a:buChar char="+"/>
+            </a:pPr>
+            <a:r>
+              <a:rPr lang="fr-FR" dirty="0"/>
+              <a:t>Possibilité de mise en place d’une fonctionnalité annuler-rétablir</a:t>
+            </a:r>
+          </a:p>
+          <a:p>
+            <a:pPr>
+              <a:lnSpc>
+                <a:spcPct val="100000"/>
+              </a:lnSpc>
+              <a:buClr>
+                <a:srgbClr val="00B050"/>
+              </a:buClr>
+              <a:buSzPct val="130000"/>
+              <a:buFont typeface="Calibri" panose="020F0502020204030204" pitchFamily="34" charset="0"/>
+              <a:buChar char="+"/>
+            </a:pPr>
+            <a:r>
+              <a:rPr lang="fr-FR" dirty="0"/>
+              <a:t>Possibilité de mise en file d’attente</a:t>
+            </a:r>
+          </a:p>
+          <a:p>
+            <a:pPr>
+              <a:lnSpc>
+                <a:spcPct val="100000"/>
+              </a:lnSpc>
+              <a:buClr>
+                <a:srgbClr val="FF0000"/>
+              </a:buClr>
+              <a:buSzPct val="130000"/>
+              <a:buFont typeface="Calibri" panose="020F0502020204030204" pitchFamily="34" charset="0"/>
+              <a:buChar char="‒"/>
+            </a:pPr>
+            <a:r>
+              <a:rPr lang="fr-FR" dirty="0"/>
+              <a:t>Complexité d’implémentation </a:t>
+            </a:r>
+          </a:p>
+          <a:p>
+            <a:pPr>
+              <a:lnSpc>
+                <a:spcPct val="100000"/>
+              </a:lnSpc>
+              <a:buClr>
+                <a:srgbClr val="00B050"/>
+              </a:buClr>
+              <a:buFont typeface="Calibri" panose="020F0502020204030204" pitchFamily="34" charset="0"/>
+              <a:buChar char="+"/>
+            </a:pPr>
+            <a:endParaRPr lang="fr-FR" dirty="0"/>
+          </a:p>
+        </p:txBody>
+      </p:sp>
+      <p:sp>
+        <p:nvSpPr>
+          <p:cNvPr id="5" name="Date Placeholder 4"/>
           <p:cNvSpPr>
             <a:spLocks noGrp="1"/>
           </p:cNvSpPr>
@@ -30678,19 +31968,13 @@
               <a:rPr lang="fr-FR"/>
               <a:t>04 février 2021</a:t>
             </a:r>
-            <a:endParaRPr lang="en-US"/>
+            <a:endParaRPr lang="en-US" dirty="0"/>
           </a:p>
         </p:txBody>
       </p:sp>
       <p:sp>
         <p:nvSpPr>
-          <p:cNvPr id="39" name="Footer Placeholder 38">
-            <a:extLst>
-              <a:ext uri="{FF2B5EF4-FFF2-40B4-BE49-F238E27FC236}">
-                <a16:creationId xmlns:a16="http://schemas.microsoft.com/office/drawing/2014/main" id="{19A88EA5-E6FB-4BFB-9421-CB6C4447B890}"/>
-              </a:ext>
-            </a:extLst>
-          </p:cNvPr>
+          <p:cNvPr id="6" name="Footer Placeholder 5"/>
           <p:cNvSpPr>
             <a:spLocks noGrp="1"/>
           </p:cNvSpPr>
@@ -30711,10 +31995,67 @@
           </a:p>
         </p:txBody>
       </p:sp>
+      <p:sp>
+        <p:nvSpPr>
+          <p:cNvPr id="2" name="Text Placeholder 1">
+            <a:extLst>
+              <a:ext uri="{FF2B5EF4-FFF2-40B4-BE49-F238E27FC236}">
+                <a16:creationId xmlns:a16="http://schemas.microsoft.com/office/drawing/2014/main" id="{4003455D-F04B-4158-831F-D6226A117419}"/>
+              </a:ext>
+            </a:extLst>
+          </p:cNvPr>
+          <p:cNvSpPr>
+            <a:spLocks noGrp="1"/>
+          </p:cNvSpPr>
+          <p:nvPr>
+            <p:ph type="body" sz="quarter" idx="13"/>
+          </p:nvPr>
+        </p:nvSpPr>
+        <p:spPr/>
+        <p:txBody>
+          <a:bodyPr/>
+          <a:lstStyle/>
+          <a:p>
+            <a:r>
+              <a:rPr lang="en-US"/>
+              <a:t>02</a:t>
+            </a:r>
+          </a:p>
+        </p:txBody>
+      </p:sp>
+      <p:sp>
+        <p:nvSpPr>
+          <p:cNvPr id="3" name="Espace réservé du numéro de diapositive 2">
+            <a:extLst>
+              <a:ext uri="{FF2B5EF4-FFF2-40B4-BE49-F238E27FC236}">
+                <a16:creationId xmlns:a16="http://schemas.microsoft.com/office/drawing/2014/main" id="{9B22A1B9-A199-4C67-8230-73DB261CD53F}"/>
+              </a:ext>
+            </a:extLst>
+          </p:cNvPr>
+          <p:cNvSpPr>
+            <a:spLocks noGrp="1"/>
+          </p:cNvSpPr>
+          <p:nvPr>
+            <p:ph type="sldNum" sz="quarter" idx="12"/>
+          </p:nvPr>
+        </p:nvSpPr>
+        <p:spPr/>
+        <p:txBody>
+          <a:bodyPr/>
+          <a:lstStyle/>
+          <a:p>
+            <a:fld id="{D325CB3F-26C9-44D7-A7CB-40F86C5CE4B1}" type="slidenum">
+              <a:rPr lang="en-US" smtClean="0"/>
+              <a:t>18</a:t>
+            </a:fld>
+            <a:endParaRPr lang="en-US"/>
+          </a:p>
+        </p:txBody>
+      </p:sp>
     </p:spTree>
     <p:extLst>
       <p:ext uri="{BB962C8B-B14F-4D97-AF65-F5344CB8AC3E}">
-        <p14:creationId xmlns:p14="http://schemas.microsoft.com/office/powerpoint/2010/main" val="2565046013"/>
+        <p14:creationId xmlns:p14="http://schemas.microsoft.com/office/powerpoint/2010/main" val="292253333"/>
       </p:ext>
     </p:extLst>
   </p:cSld>
@@ -30758,7 +32099,38 @@
           <a:p>
             <a:r>
               <a:rPr lang="fr-FR" dirty="0"/>
-              <a:t>Diagrammes génériques</a:t>
+              <a:t>Présentation du </a:t>
+            </a:r>
+            <a:br>
+              <a:rPr lang="fr-FR" dirty="0"/>
+            </a:br>
+            <a:r>
+              <a:rPr lang="fr-FR" dirty="0"/>
+              <a:t>pattern memento</a:t>
+            </a:r>
+          </a:p>
+        </p:txBody>
+      </p:sp>
+      <p:sp>
+        <p:nvSpPr>
+          <p:cNvPr id="16" name="Text Placeholder 15"/>
+          <p:cNvSpPr>
+            <a:spLocks noGrp="1"/>
+          </p:cNvSpPr>
+          <p:nvPr>
+            <p:ph type="body" idx="1"/>
+          </p:nvPr>
+        </p:nvSpPr>
+        <p:spPr/>
+        <p:txBody>
+          <a:bodyPr>
+            <a:noAutofit/>
+          </a:bodyPr>
+          <a:lstStyle/>
+          <a:p>
+            <a:r>
+              <a:rPr lang="fr-FR" dirty="0"/>
+              <a:t>La mémoire est mère de la sagesse !</a:t>
             </a:r>
           </a:p>
         </p:txBody>
@@ -30821,10 +32193,39 @@
           </a:p>
         </p:txBody>
       </p:sp>
+      <p:sp>
+        <p:nvSpPr>
+          <p:cNvPr id="3" name="Espace réservé du numéro de diapositive 2">
+            <a:extLst>
+              <a:ext uri="{FF2B5EF4-FFF2-40B4-BE49-F238E27FC236}">
+                <a16:creationId xmlns:a16="http://schemas.microsoft.com/office/drawing/2014/main" id="{1DAFFFF3-CB63-46E0-90A2-5FC4870779E0}"/>
+              </a:ext>
+            </a:extLst>
+          </p:cNvPr>
+          <p:cNvSpPr>
+            <a:spLocks noGrp="1"/>
+          </p:cNvSpPr>
+          <p:nvPr>
+            <p:ph type="sldNum" sz="quarter" idx="12"/>
+          </p:nvPr>
+        </p:nvSpPr>
+        <p:spPr/>
+        <p:txBody>
+          <a:bodyPr/>
+          <a:lstStyle/>
+          <a:p>
+            <a:fld id="{D325CB3F-26C9-44D7-A7CB-40F86C5CE4B1}" type="slidenum">
+              <a:rPr lang="en-US" smtClean="0"/>
+              <a:t>19</a:t>
+            </a:fld>
+            <a:endParaRPr lang="en-US"/>
+          </a:p>
+        </p:txBody>
+      </p:sp>
     </p:spTree>
     <p:extLst>
       <p:ext uri="{BB962C8B-B14F-4D97-AF65-F5344CB8AC3E}">
-        <p14:creationId xmlns:p14="http://schemas.microsoft.com/office/powerpoint/2010/main" val="2376558637"/>
+        <p14:creationId xmlns:p14="http://schemas.microsoft.com/office/powerpoint/2010/main" val="3399286523"/>
       </p:ext>
     </p:extLst>
   </p:cSld>
@@ -30955,6 +32356,35 @@
           </a:p>
         </p:txBody>
       </p:sp>
+      <p:sp>
+        <p:nvSpPr>
+          <p:cNvPr id="3" name="Espace réservé du numéro de diapositive 2">
+            <a:extLst>
+              <a:ext uri="{FF2B5EF4-FFF2-40B4-BE49-F238E27FC236}">
+                <a16:creationId xmlns:a16="http://schemas.microsoft.com/office/drawing/2014/main" id="{2FA11DDC-2E1C-46B3-BC27-1B84B5F1CC5B}"/>
+              </a:ext>
+            </a:extLst>
+          </p:cNvPr>
+          <p:cNvSpPr>
+            <a:spLocks noGrp="1"/>
+          </p:cNvSpPr>
+          <p:nvPr>
+            <p:ph type="sldNum" sz="quarter" idx="12"/>
+          </p:nvPr>
+        </p:nvSpPr>
+        <p:spPr/>
+        <p:txBody>
+          <a:bodyPr/>
+          <a:lstStyle/>
+          <a:p>
+            <a:fld id="{D325CB3F-26C9-44D7-A7CB-40F86C5CE4B1}" type="slidenum">
+              <a:rPr lang="en-US" smtClean="0"/>
+              <a:t>2</a:t>
+            </a:fld>
+            <a:endParaRPr lang="en-US"/>
+          </a:p>
+        </p:txBody>
+      </p:sp>
     </p:spTree>
     <p:extLst>
       <p:ext uri="{BB962C8B-B14F-4D97-AF65-F5344CB8AC3E}">
@@ -30969,6 +32399,612 @@
 </file>
 
 <file path=ppt/slides/slide20.xml><?xml version="1.0" encoding="utf-8"?>
+<p:sld xmlns:a="http://schemas.openxmlformats.org/drawingml/2006/main" xmlns:r="http://schemas.openxmlformats.org/officeDocument/2006/relationships" xmlns:p="http://schemas.openxmlformats.org/presentationml/2006/main">
+  <p:cSld>
+    <p:bg>
+      <p:bgPr>
+        <a:solidFill>
+          <a:srgbClr val="403551"/>
+        </a:solidFill>
+        <a:effectLst/>
+      </p:bgPr>
+    </p:bg>
+    <p:spTree>
+      <p:nvGrpSpPr>
+        <p:cNvPr id="1" name=""/>
+        <p:cNvGrpSpPr/>
+        <p:nvPr/>
+      </p:nvGrpSpPr>
+      <p:grpSpPr>
+        <a:xfrm>
+          <a:off x="0" y="0"/>
+          <a:ext cx="0" cy="0"/>
+          <a:chOff x="0" y="0"/>
+          <a:chExt cx="0" cy="0"/>
+        </a:xfrm>
+      </p:grpSpPr>
+      <p:sp>
+        <p:nvSpPr>
+          <p:cNvPr id="8" name="Text Placeholder 7">
+            <a:extLst>
+              <a:ext uri="{FF2B5EF4-FFF2-40B4-BE49-F238E27FC236}">
+                <a16:creationId xmlns:a16="http://schemas.microsoft.com/office/drawing/2014/main" id="{07704995-E660-48D5-8798-BD60B286721C}"/>
+              </a:ext>
+            </a:extLst>
+          </p:cNvPr>
+          <p:cNvSpPr>
+            <a:spLocks noGrp="1"/>
+          </p:cNvSpPr>
+          <p:nvPr>
+            <p:ph type="body" sz="quarter" idx="13"/>
+          </p:nvPr>
+        </p:nvSpPr>
+        <p:spPr>
+          <a:xfrm>
+            <a:off x="767407" y="2393854"/>
+            <a:ext cx="10153129" cy="3699442"/>
+          </a:xfrm>
+        </p:spPr>
+        <p:txBody>
+          <a:bodyPr>
+            <a:normAutofit/>
+          </a:bodyPr>
+          <a:lstStyle/>
+          <a:p>
+            <a:r>
+              <a:rPr lang="fr-FR" sz="6000" b="1" dirty="0"/>
+              <a:t>Le pattern Memento consiste à capturer et extérioriser l’état d’un objet afin d’être restauré plus tard dans le même état</a:t>
+            </a:r>
+          </a:p>
+        </p:txBody>
+      </p:sp>
+      <p:sp>
+        <p:nvSpPr>
+          <p:cNvPr id="12" name="Date Placeholder 11">
+            <a:extLst>
+              <a:ext uri="{FF2B5EF4-FFF2-40B4-BE49-F238E27FC236}">
+                <a16:creationId xmlns:a16="http://schemas.microsoft.com/office/drawing/2014/main" id="{ECD35940-9A65-430A-B252-2AA11B671BC5}"/>
+              </a:ext>
+            </a:extLst>
+          </p:cNvPr>
+          <p:cNvSpPr>
+            <a:spLocks noGrp="1"/>
+          </p:cNvSpPr>
+          <p:nvPr>
+            <p:ph type="dt" sz="half" idx="10"/>
+          </p:nvPr>
+        </p:nvSpPr>
+        <p:spPr>
+          <a:xfrm>
+            <a:off x="911424" y="6356350"/>
+            <a:ext cx="2669976" cy="365125"/>
+          </a:xfrm>
+        </p:spPr>
+        <p:txBody>
+          <a:bodyPr/>
+          <a:lstStyle/>
+          <a:p>
+            <a:r>
+              <a:rPr lang="fr-FR" dirty="0">
+                <a:solidFill>
+                  <a:srgbClr val="403551"/>
+                </a:solidFill>
+              </a:rPr>
+              <a:t>04 février 2021</a:t>
+            </a:r>
+            <a:endParaRPr lang="en-US" dirty="0">
+              <a:solidFill>
+                <a:srgbClr val="403551"/>
+              </a:solidFill>
+            </a:endParaRPr>
+          </a:p>
+        </p:txBody>
+      </p:sp>
+      <p:sp>
+        <p:nvSpPr>
+          <p:cNvPr id="13" name="Footer Placeholder 12">
+            <a:extLst>
+              <a:ext uri="{FF2B5EF4-FFF2-40B4-BE49-F238E27FC236}">
+                <a16:creationId xmlns:a16="http://schemas.microsoft.com/office/drawing/2014/main" id="{38793FD4-AB63-44F6-A614-0B1CC3F737B5}"/>
+              </a:ext>
+            </a:extLst>
+          </p:cNvPr>
+          <p:cNvSpPr>
+            <a:spLocks noGrp="1"/>
+          </p:cNvSpPr>
+          <p:nvPr>
+            <p:ph type="ftr" sz="quarter" idx="11"/>
+          </p:nvPr>
+        </p:nvSpPr>
+        <p:spPr/>
+        <p:txBody>
+          <a:bodyPr/>
+          <a:lstStyle/>
+          <a:p>
+            <a:r>
+              <a:rPr lang="fr-FR" dirty="0"/>
+              <a:t>Command &amp; Memento - Aurélien BOUDIER</a:t>
+            </a:r>
+            <a:endParaRPr lang="en-US" dirty="0"/>
+          </a:p>
+        </p:txBody>
+      </p:sp>
+      <p:sp>
+        <p:nvSpPr>
+          <p:cNvPr id="2" name="Espace réservé du numéro de diapositive 1">
+            <a:extLst>
+              <a:ext uri="{FF2B5EF4-FFF2-40B4-BE49-F238E27FC236}">
+                <a16:creationId xmlns:a16="http://schemas.microsoft.com/office/drawing/2014/main" id="{A7368F72-AEF8-4571-BC32-E60AF7528B35}"/>
+              </a:ext>
+            </a:extLst>
+          </p:cNvPr>
+          <p:cNvSpPr>
+            <a:spLocks noGrp="1"/>
+          </p:cNvSpPr>
+          <p:nvPr>
+            <p:ph type="sldNum" sz="quarter" idx="12"/>
+          </p:nvPr>
+        </p:nvSpPr>
+        <p:spPr/>
+        <p:txBody>
+          <a:bodyPr/>
+          <a:lstStyle/>
+          <a:p>
+            <a:fld id="{D325CB3F-26C9-44D7-A7CB-40F86C5CE4B1}" type="slidenum">
+              <a:rPr lang="en-US" smtClean="0"/>
+              <a:pPr/>
+              <a:t>20</a:t>
+            </a:fld>
+            <a:endParaRPr lang="en-US" dirty="0"/>
+          </a:p>
+        </p:txBody>
+      </p:sp>
+    </p:spTree>
+    <p:extLst>
+      <p:ext uri="{BB962C8B-B14F-4D97-AF65-F5344CB8AC3E}">
+        <p14:creationId xmlns:p14="http://schemas.microsoft.com/office/powerpoint/2010/main" val="3649537993"/>
+      </p:ext>
+    </p:extLst>
+  </p:cSld>
+  <p:clrMapOvr>
+    <a:masterClrMapping/>
+  </p:clrMapOvr>
+</p:sld>
+</file>
+
+<file path=ppt/slides/slide21.xml><?xml version="1.0" encoding="utf-8"?>
+<p:sld xmlns:a="http://schemas.openxmlformats.org/drawingml/2006/main" xmlns:r="http://schemas.openxmlformats.org/officeDocument/2006/relationships" xmlns:p="http://schemas.openxmlformats.org/presentationml/2006/main">
+  <p:cSld>
+    <p:bg>
+      <p:bgPr>
+        <a:solidFill>
+          <a:srgbClr val="403551"/>
+        </a:solidFill>
+        <a:effectLst/>
+      </p:bgPr>
+    </p:bg>
+    <p:spTree>
+      <p:nvGrpSpPr>
+        <p:cNvPr id="1" name=""/>
+        <p:cNvGrpSpPr/>
+        <p:nvPr/>
+      </p:nvGrpSpPr>
+      <p:grpSpPr>
+        <a:xfrm>
+          <a:off x="0" y="0"/>
+          <a:ext cx="0" cy="0"/>
+          <a:chOff x="0" y="0"/>
+          <a:chExt cx="0" cy="0"/>
+        </a:xfrm>
+      </p:grpSpPr>
+      <p:sp>
+        <p:nvSpPr>
+          <p:cNvPr id="7" name="Title 6"/>
+          <p:cNvSpPr>
+            <a:spLocks noGrp="1"/>
+          </p:cNvSpPr>
+          <p:nvPr>
+            <p:ph type="title"/>
+          </p:nvPr>
+        </p:nvSpPr>
+        <p:spPr/>
+        <p:txBody>
+          <a:bodyPr>
+            <a:noAutofit/>
+          </a:bodyPr>
+          <a:lstStyle/>
+          <a:p>
+            <a:r>
+              <a:rPr lang="fr-FR" dirty="0">
+                <a:solidFill>
+                  <a:srgbClr val="403551"/>
+                </a:solidFill>
+              </a:rPr>
+              <a:t>Petite analogie</a:t>
+            </a:r>
+          </a:p>
+        </p:txBody>
+      </p:sp>
+      <p:sp>
+        <p:nvSpPr>
+          <p:cNvPr id="11" name="Text Placeholder 10">
+            <a:extLst>
+              <a:ext uri="{FF2B5EF4-FFF2-40B4-BE49-F238E27FC236}">
+                <a16:creationId xmlns:a16="http://schemas.microsoft.com/office/drawing/2014/main" id="{2A6E9779-5059-4C5A-A10E-A924E6ADE536}"/>
+              </a:ext>
+            </a:extLst>
+          </p:cNvPr>
+          <p:cNvSpPr>
+            <a:spLocks noGrp="1"/>
+          </p:cNvSpPr>
+          <p:nvPr>
+            <p:ph type="body" sz="quarter" idx="13"/>
+          </p:nvPr>
+        </p:nvSpPr>
+        <p:spPr/>
+        <p:txBody>
+          <a:bodyPr/>
+          <a:lstStyle/>
+          <a:p>
+            <a:r>
+              <a:rPr lang="en-US" dirty="0"/>
+              <a:t>02</a:t>
+            </a:r>
+          </a:p>
+        </p:txBody>
+      </p:sp>
+      <p:sp>
+        <p:nvSpPr>
+          <p:cNvPr id="12" name="Date Placeholder 4">
+            <a:extLst>
+              <a:ext uri="{FF2B5EF4-FFF2-40B4-BE49-F238E27FC236}">
+                <a16:creationId xmlns:a16="http://schemas.microsoft.com/office/drawing/2014/main" id="{5064C70D-D365-4196-811E-A0B93CCC51D8}"/>
+              </a:ext>
+            </a:extLst>
+          </p:cNvPr>
+          <p:cNvSpPr>
+            <a:spLocks noGrp="1"/>
+          </p:cNvSpPr>
+          <p:nvPr>
+            <p:ph type="dt" sz="half" idx="10"/>
+          </p:nvPr>
+        </p:nvSpPr>
+        <p:spPr>
+          <a:xfrm>
+            <a:off x="838200" y="6356350"/>
+            <a:ext cx="2743200" cy="365125"/>
+          </a:xfrm>
+        </p:spPr>
+        <p:txBody>
+          <a:bodyPr/>
+          <a:lstStyle/>
+          <a:p>
+            <a:r>
+              <a:rPr lang="fr-FR"/>
+              <a:t>04 février 2021</a:t>
+            </a:r>
+            <a:endParaRPr lang="en-US" dirty="0"/>
+          </a:p>
+        </p:txBody>
+      </p:sp>
+      <p:sp>
+        <p:nvSpPr>
+          <p:cNvPr id="13" name="Footer Placeholder 5">
+            <a:extLst>
+              <a:ext uri="{FF2B5EF4-FFF2-40B4-BE49-F238E27FC236}">
+                <a16:creationId xmlns:a16="http://schemas.microsoft.com/office/drawing/2014/main" id="{A8609016-FB9B-478F-B9C6-860581DFCE9D}"/>
+              </a:ext>
+            </a:extLst>
+          </p:cNvPr>
+          <p:cNvSpPr>
+            <a:spLocks noGrp="1"/>
+          </p:cNvSpPr>
+          <p:nvPr>
+            <p:ph type="ftr" sz="quarter" idx="11"/>
+          </p:nvPr>
+        </p:nvSpPr>
+        <p:spPr>
+          <a:xfrm>
+            <a:off x="4038600" y="6356350"/>
+            <a:ext cx="4114800" cy="365125"/>
+          </a:xfrm>
+        </p:spPr>
+        <p:txBody>
+          <a:bodyPr/>
+          <a:lstStyle/>
+          <a:p>
+            <a:r>
+              <a:rPr lang="fr-FR"/>
+              <a:t>Command &amp; Memento - Aurélien BOUDIER</a:t>
+            </a:r>
+            <a:endParaRPr lang="en-US"/>
+          </a:p>
+        </p:txBody>
+      </p:sp>
+      <p:sp>
+        <p:nvSpPr>
+          <p:cNvPr id="2" name="Espace réservé du numéro de diapositive 1">
+            <a:extLst>
+              <a:ext uri="{FF2B5EF4-FFF2-40B4-BE49-F238E27FC236}">
+                <a16:creationId xmlns:a16="http://schemas.microsoft.com/office/drawing/2014/main" id="{A34E0306-C894-4A36-9FA5-6303C6383329}"/>
+              </a:ext>
+            </a:extLst>
+          </p:cNvPr>
+          <p:cNvSpPr>
+            <a:spLocks noGrp="1"/>
+          </p:cNvSpPr>
+          <p:nvPr>
+            <p:ph type="sldNum" sz="quarter" idx="12"/>
+          </p:nvPr>
+        </p:nvSpPr>
+        <p:spPr/>
+        <p:txBody>
+          <a:bodyPr/>
+          <a:lstStyle/>
+          <a:p>
+            <a:fld id="{D325CB3F-26C9-44D7-A7CB-40F86C5CE4B1}" type="slidenum">
+              <a:rPr lang="en-US" smtClean="0"/>
+              <a:t>21</a:t>
+            </a:fld>
+            <a:endParaRPr lang="en-US"/>
+          </a:p>
+        </p:txBody>
+      </p:sp>
+      <p:pic>
+        <p:nvPicPr>
+          <p:cNvPr id="6146" name="Picture 2">
+            <a:extLst>
+              <a:ext uri="{FF2B5EF4-FFF2-40B4-BE49-F238E27FC236}">
+                <a16:creationId xmlns:a16="http://schemas.microsoft.com/office/drawing/2014/main" id="{3FCE5CD9-CF90-462F-AD78-1FA4FA218EE7}"/>
+              </a:ext>
+            </a:extLst>
+          </p:cNvPr>
+          <p:cNvPicPr>
+            <a:picLocks noChangeAspect="1" noChangeArrowheads="1"/>
+          </p:cNvPicPr>
+          <p:nvPr/>
+        </p:nvPicPr>
+        <p:blipFill>
+          <a:blip r:embed="rId3">
+            <a:duotone>
+              <a:prstClr val="black"/>
+              <a:schemeClr val="accent3">
+                <a:tint val="45000"/>
+                <a:satMod val="400000"/>
+              </a:schemeClr>
+            </a:duotone>
+            <a:extLst>
+              <a:ext uri="{BEBA8EAE-BF5A-486C-A8C5-ECC9F3942E4B}">
+                <a14:imgProps xmlns:a14="http://schemas.microsoft.com/office/drawing/2010/main">
+                  <a14:imgLayer r:embed="rId4">
+                    <a14:imgEffect>
+                      <a14:artisticPhotocopy/>
+                    </a14:imgEffect>
+                  </a14:imgLayer>
+                </a14:imgProps>
+              </a:ext>
+              <a:ext uri="{28A0092B-C50C-407E-A947-70E740481C1C}">
+                <a14:useLocalDpi xmlns:a14="http://schemas.microsoft.com/office/drawing/2010/main" val="0"/>
+              </a:ext>
+            </a:extLst>
+          </a:blip>
+          <a:srcRect/>
+          <a:stretch>
+            <a:fillRect/>
+          </a:stretch>
+        </p:blipFill>
+        <p:spPr bwMode="auto">
+          <a:xfrm>
+            <a:off x="2049760" y="548680"/>
+            <a:ext cx="9158808" cy="5724255"/>
+          </a:xfrm>
+          <a:prstGeom prst="rect">
+            <a:avLst/>
+          </a:prstGeom>
+          <a:noFill/>
+          <a:extLst>
+            <a:ext uri="{909E8E84-426E-40DD-AFC4-6F175D3DCCD1}">
+              <a14:hiddenFill xmlns:a14="http://schemas.microsoft.com/office/drawing/2010/main">
+                <a:solidFill>
+                  <a:srgbClr val="FFFFFF"/>
+                </a:solidFill>
+              </a14:hiddenFill>
+            </a:ext>
+          </a:extLst>
+        </p:spPr>
+      </p:pic>
+    </p:spTree>
+    <p:extLst>
+      <p:ext uri="{BB962C8B-B14F-4D97-AF65-F5344CB8AC3E}">
+        <p14:creationId xmlns:p14="http://schemas.microsoft.com/office/powerpoint/2010/main" val="1329946214"/>
+      </p:ext>
+    </p:extLst>
+  </p:cSld>
+  <p:clrMapOvr>
+    <a:masterClrMapping/>
+  </p:clrMapOvr>
+</p:sld>
+</file>
+
+<file path=ppt/slides/slide22.xml><?xml version="1.0" encoding="utf-8"?>
+<p:sld xmlns:a="http://schemas.openxmlformats.org/drawingml/2006/main" xmlns:r="http://schemas.openxmlformats.org/officeDocument/2006/relationships" xmlns:p="http://schemas.openxmlformats.org/presentationml/2006/main">
+  <p:cSld>
+    <p:bg>
+      <p:bgPr>
+        <a:solidFill>
+          <a:srgbClr val="403551"/>
+        </a:solidFill>
+        <a:effectLst/>
+      </p:bgPr>
+    </p:bg>
+    <p:spTree>
+      <p:nvGrpSpPr>
+        <p:cNvPr id="1" name=""/>
+        <p:cNvGrpSpPr/>
+        <p:nvPr/>
+      </p:nvGrpSpPr>
+      <p:grpSpPr>
+        <a:xfrm>
+          <a:off x="0" y="0"/>
+          <a:ext cx="0" cy="0"/>
+          <a:chOff x="0" y="0"/>
+          <a:chExt cx="0" cy="0"/>
+        </a:xfrm>
+      </p:grpSpPr>
+      <p:sp>
+        <p:nvSpPr>
+          <p:cNvPr id="2" name="Title 1"/>
+          <p:cNvSpPr>
+            <a:spLocks noGrp="1"/>
+          </p:cNvSpPr>
+          <p:nvPr>
+            <p:ph type="title"/>
+          </p:nvPr>
+        </p:nvSpPr>
+        <p:spPr/>
+        <p:txBody>
+          <a:bodyPr/>
+          <a:lstStyle/>
+          <a:p>
+            <a:r>
+              <a:rPr lang="fr-FR" dirty="0"/>
+              <a:t>Présentation d’une </a:t>
+            </a:r>
+            <a:br>
+              <a:rPr lang="fr-FR" dirty="0"/>
+            </a:br>
+            <a:r>
+              <a:rPr lang="fr-FR" dirty="0"/>
+              <a:t>petite implémentation</a:t>
+            </a:r>
+          </a:p>
+        </p:txBody>
+      </p:sp>
+      <p:sp>
+        <p:nvSpPr>
+          <p:cNvPr id="16" name="Text Placeholder 15"/>
+          <p:cNvSpPr>
+            <a:spLocks noGrp="1"/>
+          </p:cNvSpPr>
+          <p:nvPr>
+            <p:ph type="body" idx="1"/>
+          </p:nvPr>
+        </p:nvSpPr>
+        <p:spPr/>
+        <p:txBody>
+          <a:bodyPr>
+            <a:noAutofit/>
+          </a:bodyPr>
+          <a:lstStyle/>
+          <a:p>
+            <a:r>
+              <a:rPr lang="fr-FR" dirty="0"/>
+              <a:t>Microsoft Word peut trembler !</a:t>
+            </a:r>
+          </a:p>
+        </p:txBody>
+      </p:sp>
+      <p:sp>
+        <p:nvSpPr>
+          <p:cNvPr id="38" name="Date Placeholder 37">
+            <a:extLst>
+              <a:ext uri="{FF2B5EF4-FFF2-40B4-BE49-F238E27FC236}">
+                <a16:creationId xmlns:a16="http://schemas.microsoft.com/office/drawing/2014/main" id="{214893A6-5453-4772-A5C3-6E8247B9F7F7}"/>
+              </a:ext>
+            </a:extLst>
+          </p:cNvPr>
+          <p:cNvSpPr>
+            <a:spLocks noGrp="1"/>
+          </p:cNvSpPr>
+          <p:nvPr>
+            <p:ph type="dt" sz="half" idx="10"/>
+          </p:nvPr>
+        </p:nvSpPr>
+        <p:spPr/>
+        <p:txBody>
+          <a:bodyPr/>
+          <a:lstStyle/>
+          <a:p>
+            <a:r>
+              <a:rPr lang="fr-FR"/>
+              <a:t>04 février 2021</a:t>
+            </a:r>
+            <a:endParaRPr lang="en-US"/>
+          </a:p>
+        </p:txBody>
+      </p:sp>
+      <p:sp>
+        <p:nvSpPr>
+          <p:cNvPr id="39" name="Footer Placeholder 38">
+            <a:extLst>
+              <a:ext uri="{FF2B5EF4-FFF2-40B4-BE49-F238E27FC236}">
+                <a16:creationId xmlns:a16="http://schemas.microsoft.com/office/drawing/2014/main" id="{19A88EA5-E6FB-4BFB-9421-CB6C4447B890}"/>
+              </a:ext>
+            </a:extLst>
+          </p:cNvPr>
+          <p:cNvSpPr>
+            <a:spLocks noGrp="1"/>
+          </p:cNvSpPr>
+          <p:nvPr>
+            <p:ph type="ftr" sz="quarter" idx="11"/>
+          </p:nvPr>
+        </p:nvSpPr>
+        <p:spPr/>
+        <p:txBody>
+          <a:bodyPr/>
+          <a:lstStyle/>
+          <a:p>
+            <a:r>
+              <a:rPr lang="fr-FR"/>
+              <a:t>Command &amp; Memento - Aurélien BOUDIER</a:t>
+            </a:r>
+            <a:endParaRPr lang="en-US"/>
+          </a:p>
+        </p:txBody>
+      </p:sp>
+      <p:sp>
+        <p:nvSpPr>
+          <p:cNvPr id="3" name="Espace réservé du numéro de diapositive 2">
+            <a:extLst>
+              <a:ext uri="{FF2B5EF4-FFF2-40B4-BE49-F238E27FC236}">
+                <a16:creationId xmlns:a16="http://schemas.microsoft.com/office/drawing/2014/main" id="{D6BE44A2-12DA-4E23-AEDD-EC17A32BA32D}"/>
+              </a:ext>
+            </a:extLst>
+          </p:cNvPr>
+          <p:cNvSpPr>
+            <a:spLocks noGrp="1"/>
+          </p:cNvSpPr>
+          <p:nvPr>
+            <p:ph type="sldNum" sz="quarter" idx="12"/>
+          </p:nvPr>
+        </p:nvSpPr>
+        <p:spPr/>
+        <p:txBody>
+          <a:bodyPr/>
+          <a:lstStyle/>
+          <a:p>
+            <a:fld id="{D325CB3F-26C9-44D7-A7CB-40F86C5CE4B1}" type="slidenum">
+              <a:rPr lang="en-US" smtClean="0"/>
+              <a:t>22</a:t>
+            </a:fld>
+            <a:endParaRPr lang="en-US"/>
+          </a:p>
+        </p:txBody>
+      </p:sp>
+    </p:spTree>
+    <p:extLst>
+      <p:ext uri="{BB962C8B-B14F-4D97-AF65-F5344CB8AC3E}">
+        <p14:creationId xmlns:p14="http://schemas.microsoft.com/office/powerpoint/2010/main" val="2565046013"/>
+      </p:ext>
+    </p:extLst>
+  </p:cSld>
+  <p:clrMapOvr>
+    <a:masterClrMapping/>
+  </p:clrMapOvr>
+</p:sld>
+</file>
+
+<file path=ppt/slides/slide23.xml><?xml version="1.0" encoding="utf-8"?>
 <p:sld xmlns:a="http://schemas.openxmlformats.org/drawingml/2006/main" xmlns:r="http://schemas.openxmlformats.org/officeDocument/2006/relationships" xmlns:p="http://schemas.openxmlformats.org/presentationml/2006/main">
   <p:cSld>
     <p:spTree>
@@ -31097,6 +33133,35 @@
           </a:p>
         </p:txBody>
       </p:sp>
+      <p:sp>
+        <p:nvSpPr>
+          <p:cNvPr id="3" name="Espace réservé du numéro de diapositive 2">
+            <a:extLst>
+              <a:ext uri="{FF2B5EF4-FFF2-40B4-BE49-F238E27FC236}">
+                <a16:creationId xmlns:a16="http://schemas.microsoft.com/office/drawing/2014/main" id="{9571B83C-7522-4C66-8BAD-1CF78784B60D}"/>
+              </a:ext>
+            </a:extLst>
+          </p:cNvPr>
+          <p:cNvSpPr>
+            <a:spLocks noGrp="1"/>
+          </p:cNvSpPr>
+          <p:nvPr>
+            <p:ph type="sldNum" sz="quarter" idx="12"/>
+          </p:nvPr>
+        </p:nvSpPr>
+        <p:spPr/>
+        <p:txBody>
+          <a:bodyPr/>
+          <a:lstStyle/>
+          <a:p>
+            <a:fld id="{D325CB3F-26C9-44D7-A7CB-40F86C5CE4B1}" type="slidenum">
+              <a:rPr lang="en-US" smtClean="0"/>
+              <a:t>23</a:t>
+            </a:fld>
+            <a:endParaRPr lang="en-US"/>
+          </a:p>
+        </p:txBody>
+      </p:sp>
     </p:spTree>
     <p:extLst>
       <p:ext uri="{BB962C8B-B14F-4D97-AF65-F5344CB8AC3E}">
@@ -31110,7 +33175,7 @@
 </p:sld>
 </file>
 
-<file path=ppt/slides/slide21.xml><?xml version="1.0" encoding="utf-8"?>
+<file path=ppt/slides/slide24.xml><?xml version="1.0" encoding="utf-8"?>
 <p:sld xmlns:a="http://schemas.openxmlformats.org/drawingml/2006/main" xmlns:r="http://schemas.openxmlformats.org/officeDocument/2006/relationships" xmlns:p="http://schemas.openxmlformats.org/presentationml/2006/main">
   <p:cSld>
     <p:spTree>
@@ -31334,221 +33399,12 @@
           </a:p>
         </p:txBody>
       </p:sp>
-    </p:spTree>
-    <p:extLst>
-      <p:ext uri="{BB962C8B-B14F-4D97-AF65-F5344CB8AC3E}">
-        <p14:creationId xmlns:p14="http://schemas.microsoft.com/office/powerpoint/2010/main" val="292253333"/>
-      </p:ext>
-    </p:extLst>
-  </p:cSld>
-  <p:clrMapOvr>
-    <a:masterClrMapping/>
-  </p:clrMapOvr>
-</p:sld>
-</file>
-
-<file path=ppt/slides/slide22.xml><?xml version="1.0" encoding="utf-8"?>
-<p:sld xmlns:a="http://schemas.openxmlformats.org/drawingml/2006/main" xmlns:r="http://schemas.openxmlformats.org/officeDocument/2006/relationships" xmlns:p="http://schemas.openxmlformats.org/presentationml/2006/main">
-  <p:cSld>
-    <p:spTree>
-      <p:nvGrpSpPr>
-        <p:cNvPr id="1" name=""/>
-        <p:cNvGrpSpPr/>
-        <p:nvPr/>
-      </p:nvGrpSpPr>
-      <p:grpSpPr>
-        <a:xfrm>
-          <a:off x="0" y="0"/>
-          <a:ext cx="0" cy="0"/>
-          <a:chOff x="0" y="0"/>
-          <a:chExt cx="0" cy="0"/>
-        </a:xfrm>
-      </p:grpSpPr>
       <p:sp>
         <p:nvSpPr>
-          <p:cNvPr id="4" name="Title 3"/>
-          <p:cNvSpPr>
-            <a:spLocks noGrp="1"/>
-          </p:cNvSpPr>
-          <p:nvPr>
-            <p:ph type="title"/>
-          </p:nvPr>
-        </p:nvSpPr>
-        <p:spPr/>
-        <p:txBody>
-          <a:bodyPr>
-            <a:noAutofit/>
-          </a:bodyPr>
-          <a:lstStyle/>
-          <a:p>
-            <a:r>
-              <a:rPr lang="en-US"/>
-              <a:t>Using a </a:t>
-            </a:r>
-            <a:r>
-              <a:rPr lang="en-US">
-                <a:solidFill>
-                  <a:schemeClr val="accent4"/>
-                </a:solidFill>
-              </a:rPr>
-              <a:t>light background </a:t>
-            </a:r>
-            <a:r>
-              <a:rPr lang="en-US"/>
-              <a:t>is always an option to be considered</a:t>
-            </a:r>
-          </a:p>
-        </p:txBody>
-      </p:sp>
-      <p:sp>
-        <p:nvSpPr>
-          <p:cNvPr id="16" name="Content Placeholder 15"/>
-          <p:cNvSpPr>
-            <a:spLocks noGrp="1"/>
-          </p:cNvSpPr>
-          <p:nvPr>
-            <p:ph idx="1"/>
-          </p:nvPr>
-        </p:nvSpPr>
-        <p:spPr/>
-        <p:txBody>
-          <a:bodyPr/>
-          <a:lstStyle/>
-          <a:p>
-            <a:pPr marL="569913" indent="-569913">
-              <a:lnSpc>
-                <a:spcPct val="100000"/>
-              </a:lnSpc>
-            </a:pPr>
-            <a:r>
-              <a:rPr lang="en-US"/>
-              <a:t>A </a:t>
-            </a:r>
-            <a:r>
-              <a:rPr lang="en-US">
-                <a:solidFill>
-                  <a:schemeClr val="accent4"/>
-                </a:solidFill>
-              </a:rPr>
-              <a:t>light background </a:t>
-            </a:r>
-            <a:r>
-              <a:rPr lang="en-US"/>
-              <a:t>might be easier to read</a:t>
-            </a:r>
-          </a:p>
-          <a:p>
-            <a:pPr marL="569913" indent="-569913">
-              <a:lnSpc>
-                <a:spcPct val="100000"/>
-              </a:lnSpc>
-            </a:pPr>
-            <a:r>
-              <a:rPr lang="en-US"/>
-              <a:t>Is a better option if you intend to </a:t>
-            </a:r>
-            <a:r>
-              <a:rPr lang="en-US">
-                <a:solidFill>
-                  <a:schemeClr val="accent4"/>
-                </a:solidFill>
-              </a:rPr>
-              <a:t>print</a:t>
-            </a:r>
-            <a:r>
-              <a:rPr lang="en-US"/>
-              <a:t> your document</a:t>
-            </a:r>
-          </a:p>
-          <a:p>
-            <a:pPr marL="569913" indent="-569913">
-              <a:lnSpc>
-                <a:spcPct val="100000"/>
-              </a:lnSpc>
-            </a:pPr>
-            <a:r>
-              <a:rPr lang="en-US"/>
-              <a:t>Suits </a:t>
-            </a:r>
-            <a:r>
-              <a:rPr lang="en-US">
-                <a:solidFill>
-                  <a:schemeClr val="accent4"/>
-                </a:solidFill>
-              </a:rPr>
-              <a:t>diagrams</a:t>
-            </a:r>
-            <a:r>
-              <a:rPr lang="en-US"/>
-              <a:t> or </a:t>
-            </a:r>
-            <a:r>
-              <a:rPr lang="en-US">
-                <a:solidFill>
-                  <a:schemeClr val="accent4"/>
-                </a:solidFill>
-              </a:rPr>
-              <a:t>graphics</a:t>
-            </a:r>
-            <a:r>
-              <a:rPr lang="en-US"/>
-              <a:t> insertion</a:t>
-            </a:r>
-          </a:p>
-        </p:txBody>
-      </p:sp>
-      <p:sp>
-        <p:nvSpPr>
-          <p:cNvPr id="5" name="Date Placeholder 4"/>
-          <p:cNvSpPr>
-            <a:spLocks noGrp="1"/>
-          </p:cNvSpPr>
-          <p:nvPr>
-            <p:ph type="dt" sz="half" idx="10"/>
-          </p:nvPr>
-        </p:nvSpPr>
-        <p:spPr/>
-        <p:txBody>
-          <a:bodyPr/>
-          <a:lstStyle/>
-          <a:p>
-            <a:r>
-              <a:rPr lang="fr-FR"/>
-              <a:t>04 février 2021</a:t>
-            </a:r>
-            <a:endParaRPr lang="en-US"/>
-          </a:p>
-        </p:txBody>
-      </p:sp>
-      <p:sp>
-        <p:nvSpPr>
-          <p:cNvPr id="6" name="Footer Placeholder 5"/>
-          <p:cNvSpPr>
-            <a:spLocks noGrp="1"/>
-          </p:cNvSpPr>
-          <p:nvPr>
-            <p:ph type="ftr" sz="quarter" idx="11"/>
-          </p:nvPr>
-        </p:nvSpPr>
-        <p:spPr/>
-        <p:txBody>
-          <a:bodyPr/>
-          <a:lstStyle/>
-          <a:p>
-            <a:r>
-              <a:rPr lang="fr-FR"/>
-              <a:t>Command &amp; Memento - Aurélien BOUDIER</a:t>
-            </a:r>
-            <a:endParaRPr lang="en-US"/>
-          </a:p>
-        </p:txBody>
-      </p:sp>
-      <p:sp>
-        <p:nvSpPr>
-          <p:cNvPr id="2" name="Text Placeholder 1">
+          <p:cNvPr id="3" name="Espace réservé du numéro de diapositive 2">
             <a:extLst>
               <a:ext uri="{FF2B5EF4-FFF2-40B4-BE49-F238E27FC236}">
-                <a16:creationId xmlns:a16="http://schemas.microsoft.com/office/drawing/2014/main" id="{4003455D-F04B-4158-831F-D6226A117419}"/>
+                <a16:creationId xmlns:a16="http://schemas.microsoft.com/office/drawing/2014/main" id="{0B6F7AAE-F564-435B-9A8F-E3D277E4CC4C}"/>
               </a:ext>
             </a:extLst>
           </p:cNvPr>
@@ -31556,7 +33412,7 @@
             <a:spLocks noGrp="1"/>
           </p:cNvSpPr>
           <p:nvPr>
-            <p:ph type="body" sz="quarter" idx="13"/>
+            <p:ph type="sldNum" sz="quarter" idx="12"/>
           </p:nvPr>
         </p:nvSpPr>
         <p:spPr/>
@@ -31564,10 +33420,11 @@
           <a:bodyPr/>
           <a:lstStyle/>
           <a:p>
-            <a:r>
-              <a:rPr lang="en-US"/>
-              <a:t>02</a:t>
-            </a:r>
+            <a:fld id="{D325CB3F-26C9-44D7-A7CB-40F86C5CE4B1}" type="slidenum">
+              <a:rPr lang="en-US" smtClean="0"/>
+              <a:t>24</a:t>
+            </a:fld>
+            <a:endParaRPr lang="en-US"/>
           </a:p>
         </p:txBody>
       </p:sp>
@@ -31584,7 +33441,7 @@
 </p:sld>
 </file>
 
-<file path=ppt/slides/slide23.xml><?xml version="1.0" encoding="utf-8"?>
+<file path=ppt/slides/slide25.xml><?xml version="1.0" encoding="utf-8"?>
 <p:sld xmlns:a="http://schemas.openxmlformats.org/drawingml/2006/main" xmlns:r="http://schemas.openxmlformats.org/officeDocument/2006/relationships" xmlns:p="http://schemas.openxmlformats.org/presentationml/2006/main">
   <p:cSld>
     <p:spTree>
@@ -31784,6 +33641,35 @@
           </a:p>
         </p:txBody>
       </p:sp>
+      <p:sp>
+        <p:nvSpPr>
+          <p:cNvPr id="2" name="Espace réservé du numéro de diapositive 1">
+            <a:extLst>
+              <a:ext uri="{FF2B5EF4-FFF2-40B4-BE49-F238E27FC236}">
+                <a16:creationId xmlns:a16="http://schemas.microsoft.com/office/drawing/2014/main" id="{8D9C5EF8-A4A0-464B-B4D1-0388FF729F1C}"/>
+              </a:ext>
+            </a:extLst>
+          </p:cNvPr>
+          <p:cNvSpPr>
+            <a:spLocks noGrp="1"/>
+          </p:cNvSpPr>
+          <p:nvPr>
+            <p:ph type="sldNum" sz="quarter" idx="12"/>
+          </p:nvPr>
+        </p:nvSpPr>
+        <p:spPr/>
+        <p:txBody>
+          <a:bodyPr/>
+          <a:lstStyle/>
+          <a:p>
+            <a:fld id="{D325CB3F-26C9-44D7-A7CB-40F86C5CE4B1}" type="slidenum">
+              <a:rPr lang="en-US" smtClean="0"/>
+              <a:t>25</a:t>
+            </a:fld>
+            <a:endParaRPr lang="en-US"/>
+          </a:p>
+        </p:txBody>
+      </p:sp>
     </p:spTree>
     <p:extLst>
       <p:ext uri="{BB962C8B-B14F-4D97-AF65-F5344CB8AC3E}">
@@ -31797,7 +33683,7 @@
 </p:sld>
 </file>
 
-<file path=ppt/slides/slide24.xml><?xml version="1.0" encoding="utf-8"?>
+<file path=ppt/slides/slide26.xml><?xml version="1.0" encoding="utf-8"?>
 <p:sld xmlns:a="http://schemas.openxmlformats.org/drawingml/2006/main" xmlns:r="http://schemas.openxmlformats.org/officeDocument/2006/relationships" xmlns:p="http://schemas.openxmlformats.org/presentationml/2006/main">
   <p:cSld>
     <p:spTree>
@@ -31944,7 +33830,41 @@
             <p:ph type="pic" sz="quarter" idx="13"/>
           </p:nvPr>
         </p:nvSpPr>
+        <p:spPr>
+          <a:xfrm>
+            <a:off x="0" y="692697"/>
+            <a:ext cx="10987850" cy="6165302"/>
+          </a:xfrm>
+        </p:spPr>
+      </p:sp>
+      <p:sp>
+        <p:nvSpPr>
+          <p:cNvPr id="4" name="Espace réservé du numéro de diapositive 3">
+            <a:extLst>
+              <a:ext uri="{FF2B5EF4-FFF2-40B4-BE49-F238E27FC236}">
+                <a16:creationId xmlns:a16="http://schemas.microsoft.com/office/drawing/2014/main" id="{51A2ADA6-B0A9-46B4-A356-0E821E13BE48}"/>
+              </a:ext>
+            </a:extLst>
+          </p:cNvPr>
+          <p:cNvSpPr>
+            <a:spLocks noGrp="1"/>
+          </p:cNvSpPr>
+          <p:nvPr>
+            <p:ph type="sldNum" sz="quarter" idx="12"/>
+          </p:nvPr>
+        </p:nvSpPr>
         <p:spPr/>
+        <p:txBody>
+          <a:bodyPr/>
+          <a:lstStyle/>
+          <a:p>
+            <a:fld id="{D325CB3F-26C9-44D7-A7CB-40F86C5CE4B1}" type="slidenum">
+              <a:rPr lang="en-US" smtClean="0"/>
+              <a:t>26</a:t>
+            </a:fld>
+            <a:endParaRPr lang="en-US"/>
+          </a:p>
+        </p:txBody>
       </p:sp>
     </p:spTree>
     <p:extLst>
@@ -31959,7 +33879,7 @@
 </p:sld>
 </file>
 
-<file path=ppt/slides/slide25.xml><?xml version="1.0" encoding="utf-8"?>
+<file path=ppt/slides/slide27.xml><?xml version="1.0" encoding="utf-8"?>
 <p:sld xmlns:a="http://schemas.openxmlformats.org/drawingml/2006/main" xmlns:r="http://schemas.openxmlformats.org/officeDocument/2006/relationships" xmlns:p="http://schemas.openxmlformats.org/presentationml/2006/main">
   <p:cSld>
     <p:spTree>
@@ -32090,6 +34010,35 @@
           </a:p>
         </p:txBody>
       </p:sp>
+      <p:sp>
+        <p:nvSpPr>
+          <p:cNvPr id="2" name="Espace réservé du numéro de diapositive 1">
+            <a:extLst>
+              <a:ext uri="{FF2B5EF4-FFF2-40B4-BE49-F238E27FC236}">
+                <a16:creationId xmlns:a16="http://schemas.microsoft.com/office/drawing/2014/main" id="{AA11CCAB-D573-4F44-B7D3-BE4E9817AA37}"/>
+              </a:ext>
+            </a:extLst>
+          </p:cNvPr>
+          <p:cNvSpPr>
+            <a:spLocks noGrp="1"/>
+          </p:cNvSpPr>
+          <p:nvPr>
+            <p:ph type="sldNum" sz="quarter" idx="12"/>
+          </p:nvPr>
+        </p:nvSpPr>
+        <p:spPr/>
+        <p:txBody>
+          <a:bodyPr/>
+          <a:lstStyle/>
+          <a:p>
+            <a:fld id="{D325CB3F-26C9-44D7-A7CB-40F86C5CE4B1}" type="slidenum">
+              <a:rPr lang="en-US" smtClean="0"/>
+              <a:t>27</a:t>
+            </a:fld>
+            <a:endParaRPr lang="en-US"/>
+          </a:p>
+        </p:txBody>
+      </p:sp>
     </p:spTree>
     <p:extLst>
       <p:ext uri="{BB962C8B-B14F-4D97-AF65-F5344CB8AC3E}">
@@ -32103,7 +34052,7 @@
 </p:sld>
 </file>
 
-<file path=ppt/slides/slide26.xml><?xml version="1.0" encoding="utf-8"?>
+<file path=ppt/slides/slide28.xml><?xml version="1.0" encoding="utf-8"?>
 <p:sld xmlns:a="http://schemas.openxmlformats.org/drawingml/2006/main" xmlns:r="http://schemas.openxmlformats.org/officeDocument/2006/relationships" xmlns:p="http://schemas.openxmlformats.org/presentationml/2006/main">
   <p:cSld>
     <p:spTree>
@@ -32244,6 +34193,36 @@
           </a:p>
         </p:txBody>
       </p:sp>
+      <p:sp>
+        <p:nvSpPr>
+          <p:cNvPr id="2" name="Espace réservé du numéro de diapositive 1">
+            <a:extLst>
+              <a:ext uri="{FF2B5EF4-FFF2-40B4-BE49-F238E27FC236}">
+                <a16:creationId xmlns:a16="http://schemas.microsoft.com/office/drawing/2014/main" id="{A37D3223-FE12-4CDB-891D-76A7AB69AF65}"/>
+              </a:ext>
+            </a:extLst>
+          </p:cNvPr>
+          <p:cNvSpPr>
+            <a:spLocks noGrp="1"/>
+          </p:cNvSpPr>
+          <p:nvPr>
+            <p:ph type="sldNum" sz="quarter" idx="12"/>
+          </p:nvPr>
+        </p:nvSpPr>
+        <p:spPr/>
+        <p:txBody>
+          <a:bodyPr/>
+          <a:lstStyle/>
+          <a:p>
+            <a:fld id="{D325CB3F-26C9-44D7-A7CB-40F86C5CE4B1}" type="slidenum">
+              <a:rPr lang="en-US" smtClean="0"/>
+              <a:pPr/>
+              <a:t>28</a:t>
+            </a:fld>
+            <a:endParaRPr lang="en-US"/>
+          </a:p>
+        </p:txBody>
+      </p:sp>
     </p:spTree>
     <p:extLst>
       <p:ext uri="{BB962C8B-B14F-4D97-AF65-F5344CB8AC3E}">
@@ -32257,7 +34236,7 @@
 </p:sld>
 </file>
 
-<file path=ppt/slides/slide27.xml><?xml version="1.0" encoding="utf-8"?>
+<file path=ppt/slides/slide29.xml><?xml version="1.0" encoding="utf-8"?>
 <p:sld xmlns:a="http://schemas.openxmlformats.org/drawingml/2006/main" xmlns:r="http://schemas.openxmlformats.org/officeDocument/2006/relationships" xmlns:p="http://schemas.openxmlformats.org/presentationml/2006/main">
   <p:cSld>
     <p:spTree>
@@ -35218,112 +37197,20 @@
           </a:p>
         </p:txBody>
       </p:sp>
-    </p:spTree>
-    <p:extLst>
-      <p:ext uri="{BB962C8B-B14F-4D97-AF65-F5344CB8AC3E}">
-        <p14:creationId xmlns:p14="http://schemas.microsoft.com/office/powerpoint/2010/main" val="2667827378"/>
-      </p:ext>
-    </p:extLst>
-  </p:cSld>
-  <p:clrMapOvr>
-    <a:masterClrMapping/>
-  </p:clrMapOvr>
-</p:sld>
-</file>
-
-<file path=ppt/slides/slide28.xml><?xml version="1.0" encoding="utf-8"?>
-<p:sld xmlns:a="http://schemas.openxmlformats.org/drawingml/2006/main" xmlns:r="http://schemas.openxmlformats.org/officeDocument/2006/relationships" xmlns:p="http://schemas.openxmlformats.org/presentationml/2006/main">
-  <p:cSld>
-    <p:spTree>
-      <p:nvGrpSpPr>
-        <p:cNvPr id="1" name=""/>
-        <p:cNvGrpSpPr/>
-        <p:nvPr/>
-      </p:nvGrpSpPr>
-      <p:grpSpPr>
-        <a:xfrm>
-          <a:off x="0" y="0"/>
-          <a:ext cx="0" cy="0"/>
-          <a:chOff x="0" y="0"/>
-          <a:chExt cx="0" cy="0"/>
-        </a:xfrm>
-      </p:grpSpPr>
       <p:sp>
         <p:nvSpPr>
-          <p:cNvPr id="14" name="Title 13"/>
+          <p:cNvPr id="2" name="Espace réservé du numéro de diapositive 1">
+            <a:extLst>
+              <a:ext uri="{FF2B5EF4-FFF2-40B4-BE49-F238E27FC236}">
+                <a16:creationId xmlns:a16="http://schemas.microsoft.com/office/drawing/2014/main" id="{9E66E998-CB1D-4A7B-9D29-EE1872C82E06}"/>
+              </a:ext>
+            </a:extLst>
+          </p:cNvPr>
           <p:cNvSpPr>
             <a:spLocks noGrp="1"/>
           </p:cNvSpPr>
           <p:nvPr>
-            <p:ph type="title"/>
-          </p:nvPr>
-        </p:nvSpPr>
-        <p:spPr/>
-        <p:txBody>
-          <a:bodyPr>
-            <a:noAutofit/>
-          </a:bodyPr>
-          <a:lstStyle/>
-          <a:p>
-            <a:r>
-              <a:rPr lang="en-US">
-                <a:solidFill>
-                  <a:schemeClr val="accent2"/>
-                </a:solidFill>
-              </a:rPr>
-              <a:t>SmartArt</a:t>
-            </a:r>
-            <a:r>
-              <a:rPr lang="en-US"/>
-              <a:t> graphics are very easy-to-use and so effective!</a:t>
-            </a:r>
-          </a:p>
-        </p:txBody>
-      </p:sp>
-      <p:sp>
-        <p:nvSpPr>
-          <p:cNvPr id="11" name="Content Placeholder 10"/>
-          <p:cNvSpPr>
-            <a:spLocks noGrp="1"/>
-          </p:cNvSpPr>
-          <p:nvPr>
-            <p:ph sz="half" idx="2"/>
-          </p:nvPr>
-        </p:nvSpPr>
-        <p:spPr/>
-        <p:txBody>
-          <a:bodyPr>
-            <a:normAutofit/>
-          </a:bodyPr>
-          <a:lstStyle/>
-          <a:p>
-            <a:r>
-              <a:rPr lang="en-US"/>
-              <a:t>Lorem ipsum dolor sit amet, duis eu. Metus tortor. Eu ut lorem, est sodales amet.</a:t>
-            </a:r>
-          </a:p>
-          <a:p>
-            <a:r>
-              <a:rPr lang="en-US"/>
-              <a:t>Maecenas nam mattis, condimentum semper tristique. Morbi sed diam.</a:t>
-            </a:r>
-          </a:p>
-          <a:p>
-            <a:r>
-              <a:rPr lang="en-US"/>
-              <a:t>Lorem ipsum dolor sit amet, consectetur adipiscing elit, sed do eiusmod tempor incididunt.</a:t>
-            </a:r>
-          </a:p>
-        </p:txBody>
-      </p:sp>
-      <p:sp>
-        <p:nvSpPr>
-          <p:cNvPr id="12" name="Date Placeholder 11"/>
-          <p:cNvSpPr>
-            <a:spLocks noGrp="1"/>
-          </p:cNvSpPr>
-          <p:nvPr>
-            <p:ph type="dt" sz="half" idx="10"/>
+            <p:ph type="sldNum" sz="quarter" idx="12"/>
           </p:nvPr>
         </p:nvSpPr>
         <p:spPr/>
@@ -35331,323 +37218,18 @@
           <a:bodyPr/>
           <a:lstStyle/>
           <a:p>
-            <a:r>
-              <a:rPr lang="fr-FR"/>
-              <a:t>04 février 2021</a:t>
-            </a:r>
+            <a:fld id="{D325CB3F-26C9-44D7-A7CB-40F86C5CE4B1}" type="slidenum">
+              <a:rPr lang="en-US" smtClean="0"/>
+              <a:t>29</a:t>
+            </a:fld>
             <a:endParaRPr lang="en-US"/>
           </a:p>
         </p:txBody>
       </p:sp>
-      <p:sp>
-        <p:nvSpPr>
-          <p:cNvPr id="13" name="Footer Placeholder 12"/>
-          <p:cNvSpPr>
-            <a:spLocks noGrp="1"/>
-          </p:cNvSpPr>
-          <p:nvPr>
-            <p:ph type="ftr" sz="quarter" idx="11"/>
-          </p:nvPr>
-        </p:nvSpPr>
-        <p:spPr/>
-        <p:txBody>
-          <a:bodyPr/>
-          <a:lstStyle/>
-          <a:p>
-            <a:r>
-              <a:rPr lang="fr-FR"/>
-              <a:t>Command &amp; Memento - Aurélien BOUDIER</a:t>
-            </a:r>
-            <a:endParaRPr lang="en-US"/>
-          </a:p>
-        </p:txBody>
-      </p:sp>
-      <p:graphicFrame>
-        <p:nvGraphicFramePr>
-          <p:cNvPr id="3" name="Content Placeholder 2">
-            <a:extLst>
-              <a:ext uri="{FF2B5EF4-FFF2-40B4-BE49-F238E27FC236}">
-                <a16:creationId xmlns:a16="http://schemas.microsoft.com/office/drawing/2014/main" id="{8FE57E10-4F40-4AB0-8FFE-D2AC69882451}"/>
-              </a:ext>
-            </a:extLst>
-          </p:cNvPr>
-          <p:cNvGraphicFramePr>
-            <a:graphicFrameLocks noGrp="1"/>
-          </p:cNvGraphicFramePr>
-          <p:nvPr>
-            <p:ph sz="half" idx="1"/>
-            <p:extLst>
-              <p:ext uri="{D42A27DB-BD31-4B8C-83A1-F6EECF244321}">
-                <p14:modId xmlns:p14="http://schemas.microsoft.com/office/powerpoint/2010/main" val="3999308833"/>
-              </p:ext>
-            </p:extLst>
-          </p:nvPr>
-        </p:nvGraphicFramePr>
-        <p:xfrm>
-          <a:off x="838200" y="1825625"/>
-          <a:ext cx="5181600" cy="4351338"/>
-        </p:xfrm>
-        <a:graphic>
-          <a:graphicData uri="http://schemas.openxmlformats.org/drawingml/2006/diagram">
-            <dgm:relIds xmlns:dgm="http://schemas.openxmlformats.org/drawingml/2006/diagram" xmlns:r="http://schemas.openxmlformats.org/officeDocument/2006/relationships" r:dm="rId3" r:lo="rId4" r:qs="rId5" r:cs="rId6"/>
-          </a:graphicData>
-        </a:graphic>
-      </p:graphicFrame>
     </p:spTree>
     <p:extLst>
       <p:ext uri="{BB962C8B-B14F-4D97-AF65-F5344CB8AC3E}">
-        <p14:creationId xmlns:p14="http://schemas.microsoft.com/office/powerpoint/2010/main" val="1277247308"/>
-      </p:ext>
-    </p:extLst>
-  </p:cSld>
-  <p:clrMapOvr>
-    <a:masterClrMapping/>
-  </p:clrMapOvr>
-</p:sld>
-</file>
-
-<file path=ppt/slides/slide29.xml><?xml version="1.0" encoding="utf-8"?>
-<p:sld xmlns:a="http://schemas.openxmlformats.org/drawingml/2006/main" xmlns:r="http://schemas.openxmlformats.org/officeDocument/2006/relationships" xmlns:p="http://schemas.openxmlformats.org/presentationml/2006/main">
-  <p:cSld>
-    <p:spTree>
-      <p:nvGrpSpPr>
-        <p:cNvPr id="1" name=""/>
-        <p:cNvGrpSpPr/>
-        <p:nvPr/>
-      </p:nvGrpSpPr>
-      <p:grpSpPr>
-        <a:xfrm>
-          <a:off x="0" y="0"/>
-          <a:ext cx="0" cy="0"/>
-          <a:chOff x="0" y="0"/>
-          <a:chExt cx="0" cy="0"/>
-        </a:xfrm>
-      </p:grpSpPr>
-      <p:sp>
-        <p:nvSpPr>
-          <p:cNvPr id="10" name="Title 9"/>
-          <p:cNvSpPr>
-            <a:spLocks noGrp="1"/>
-          </p:cNvSpPr>
-          <p:nvPr>
-            <p:ph type="title"/>
-          </p:nvPr>
-        </p:nvSpPr>
-        <p:spPr/>
-        <p:txBody>
-          <a:bodyPr>
-            <a:noAutofit/>
-          </a:bodyPr>
-          <a:lstStyle/>
-          <a:p>
-            <a:r>
-              <a:rPr lang="en-US"/>
-              <a:t>Use simple and clear </a:t>
-            </a:r>
-            <a:r>
-              <a:rPr lang="en-US">
-                <a:solidFill>
-                  <a:schemeClr val="accent6"/>
-                </a:solidFill>
-              </a:rPr>
-              <a:t>charts</a:t>
-            </a:r>
-            <a:r>
-              <a:rPr lang="en-US"/>
-              <a:t> to make information easier to visualize</a:t>
-            </a:r>
-          </a:p>
-        </p:txBody>
-      </p:sp>
-      <p:sp>
-        <p:nvSpPr>
-          <p:cNvPr id="12" name="Text Placeholder 11"/>
-          <p:cNvSpPr>
-            <a:spLocks noGrp="1"/>
-          </p:cNvSpPr>
-          <p:nvPr>
-            <p:ph sz="half" idx="2"/>
-          </p:nvPr>
-        </p:nvSpPr>
-        <p:spPr/>
-        <p:txBody>
-          <a:bodyPr/>
-          <a:lstStyle/>
-          <a:p>
-            <a:r>
-              <a:rPr lang="en-US"/>
-              <a:t>Lorem ipsum dolor sit amet, duis eu. Metus tortor. Eu ut lorem, est sodales amet.</a:t>
-            </a:r>
-          </a:p>
-          <a:p>
-            <a:r>
-              <a:rPr lang="en-US"/>
-              <a:t>Maecenas nam mattis, condimentum semper tristique. Morbi sed diam.</a:t>
-            </a:r>
-          </a:p>
-          <a:p>
-            <a:r>
-              <a:rPr lang="en-US"/>
-              <a:t>Lorem ipsum dolor sit amet, consectetur adipiscing elit, sed do eiusmod tempor incididunt.</a:t>
-            </a:r>
-          </a:p>
-        </p:txBody>
-      </p:sp>
-      <p:sp>
-        <p:nvSpPr>
-          <p:cNvPr id="4" name="Date Placeholder 3"/>
-          <p:cNvSpPr>
-            <a:spLocks noGrp="1"/>
-          </p:cNvSpPr>
-          <p:nvPr>
-            <p:ph type="dt" sz="half" idx="10"/>
-          </p:nvPr>
-        </p:nvSpPr>
-        <p:spPr/>
-        <p:txBody>
-          <a:bodyPr/>
-          <a:lstStyle/>
-          <a:p>
-            <a:pPr marL="0" marR="0" lvl="0" indent="0" algn="l" defTabSz="914400" rtl="0" eaLnBrk="1" fontAlgn="auto" latinLnBrk="0" hangingPunct="1">
-              <a:lnSpc>
-                <a:spcPct val="100000"/>
-              </a:lnSpc>
-              <a:spcBef>
-                <a:spcPts val="0"/>
-              </a:spcBef>
-              <a:spcAft>
-                <a:spcPts val="0"/>
-              </a:spcAft>
-              <a:buClrTx/>
-              <a:buSzTx/>
-              <a:buFontTx/>
-              <a:buNone/>
-              <a:tabLst/>
-              <a:defRPr/>
-            </a:pPr>
-            <a:r>
-              <a:rPr kumimoji="0" lang="fr-FR" sz="1200" b="0" i="0" u="none" strike="noStrike" kern="1200" cap="none" spc="0" normalizeH="0" baseline="0" noProof="0">
-                <a:ln>
-                  <a:noFill/>
-                </a:ln>
-                <a:effectLst/>
-                <a:uLnTx/>
-                <a:uFillTx/>
-                <a:latin typeface="Calibri" panose="020F0502020204030204"/>
-                <a:ea typeface="+mn-ea"/>
-                <a:cs typeface="+mn-cs"/>
-              </a:rPr>
-              <a:t>04 février 2021</a:t>
-            </a:r>
-            <a:endParaRPr kumimoji="0" lang="en-US" sz="1200" b="0" i="0" u="none" strike="noStrike" kern="1200" cap="none" spc="0" normalizeH="0" baseline="0" noProof="0">
-              <a:ln>
-                <a:noFill/>
-              </a:ln>
-              <a:effectLst/>
-              <a:uLnTx/>
-              <a:uFillTx/>
-              <a:latin typeface="Calibri" panose="020F0502020204030204"/>
-              <a:ea typeface="+mn-ea"/>
-              <a:cs typeface="+mn-cs"/>
-            </a:endParaRPr>
-          </a:p>
-        </p:txBody>
-      </p:sp>
-      <p:sp>
-        <p:nvSpPr>
-          <p:cNvPr id="5" name="Footer Placeholder 4"/>
-          <p:cNvSpPr>
-            <a:spLocks noGrp="1"/>
-          </p:cNvSpPr>
-          <p:nvPr>
-            <p:ph type="ftr" sz="quarter" idx="11"/>
-          </p:nvPr>
-        </p:nvSpPr>
-        <p:spPr/>
-        <p:txBody>
-          <a:bodyPr/>
-          <a:lstStyle/>
-          <a:p>
-            <a:pPr marL="0" marR="0" lvl="0" indent="0" algn="ctr" defTabSz="914400" rtl="0" eaLnBrk="1" fontAlgn="auto" latinLnBrk="0" hangingPunct="1">
-              <a:lnSpc>
-                <a:spcPct val="100000"/>
-              </a:lnSpc>
-              <a:spcBef>
-                <a:spcPts val="0"/>
-              </a:spcBef>
-              <a:spcAft>
-                <a:spcPts val="0"/>
-              </a:spcAft>
-              <a:buClrTx/>
-              <a:buSzTx/>
-              <a:buFontTx/>
-              <a:buNone/>
-              <a:tabLst/>
-              <a:defRPr/>
-            </a:pPr>
-            <a:r>
-              <a:rPr kumimoji="0" lang="fr-FR" sz="1200" b="0" i="0" u="none" strike="noStrike" kern="1200" cap="none" spc="0" normalizeH="0" baseline="0" noProof="0">
-                <a:ln>
-                  <a:noFill/>
-                </a:ln>
-                <a:effectLst/>
-                <a:uLnTx/>
-                <a:uFillTx/>
-                <a:latin typeface="Calibri" panose="020F0502020204030204"/>
-                <a:ea typeface="+mn-ea"/>
-                <a:cs typeface="+mn-cs"/>
-              </a:rPr>
-              <a:t>Command &amp; Memento - Aurélien BOUDIER</a:t>
-            </a:r>
-            <a:endParaRPr kumimoji="0" lang="en-US" sz="1200" b="0" i="0" u="none" strike="noStrike" kern="1200" cap="none" spc="0" normalizeH="0" baseline="0" noProof="0">
-              <a:ln>
-                <a:noFill/>
-              </a:ln>
-              <a:effectLst/>
-              <a:uLnTx/>
-              <a:uFillTx/>
-              <a:latin typeface="Calibri" panose="020F0502020204030204"/>
-              <a:ea typeface="+mn-ea"/>
-              <a:cs typeface="+mn-cs"/>
-            </a:endParaRPr>
-          </a:p>
-        </p:txBody>
-      </p:sp>
-      <p:graphicFrame>
-        <p:nvGraphicFramePr>
-          <p:cNvPr id="8" name="Content Placeholder 7">
-            <a:extLst>
-              <a:ext uri="{FF2B5EF4-FFF2-40B4-BE49-F238E27FC236}">
-                <a16:creationId xmlns:a16="http://schemas.microsoft.com/office/drawing/2014/main" id="{E4775302-2C73-4028-A261-637BD156A892}"/>
-              </a:ext>
-            </a:extLst>
-          </p:cNvPr>
-          <p:cNvGraphicFramePr>
-            <a:graphicFrameLocks noGrp="1"/>
-          </p:cNvGraphicFramePr>
-          <p:nvPr>
-            <p:ph sz="half" idx="1"/>
-            <p:extLst>
-              <p:ext uri="{D42A27DB-BD31-4B8C-83A1-F6EECF244321}">
-                <p14:modId xmlns:p14="http://schemas.microsoft.com/office/powerpoint/2010/main" val="1512585918"/>
-              </p:ext>
-            </p:extLst>
-          </p:nvPr>
-        </p:nvGraphicFramePr>
-        <p:xfrm>
-          <a:off x="838200" y="1825625"/>
-          <a:ext cx="5181600" cy="4351338"/>
-        </p:xfrm>
-        <a:graphic>
-          <a:graphicData uri="http://schemas.openxmlformats.org/drawingml/2006/chart">
-            <c:chart xmlns:c="http://schemas.openxmlformats.org/drawingml/2006/chart" xmlns:r="http://schemas.openxmlformats.org/officeDocument/2006/relationships" r:id="rId3"/>
-          </a:graphicData>
-        </a:graphic>
-      </p:graphicFrame>
-    </p:spTree>
-    <p:extLst>
-      <p:ext uri="{BB962C8B-B14F-4D97-AF65-F5344CB8AC3E}">
-        <p14:creationId xmlns:p14="http://schemas.microsoft.com/office/powerpoint/2010/main" val="759209363"/>
+        <p14:creationId xmlns:p14="http://schemas.microsoft.com/office/powerpoint/2010/main" val="2667827378"/>
       </p:ext>
     </p:extLst>
   </p:cSld>
@@ -35688,7 +37270,7 @@
         </p:nvGrpSpPr>
         <p:grpSpPr>
           <a:xfrm>
-            <a:off x="912800" y="3339974"/>
+            <a:off x="828212" y="4005064"/>
             <a:ext cx="1467402" cy="1199551"/>
             <a:chOff x="1921112" y="114053"/>
             <a:chExt cx="8110307" cy="6629895"/>
@@ -36041,7 +37623,7 @@
                 </a:defRPr>
               </a:pPr>
               <a:r>
-                <a:rPr lang="en-US" sz="3600" b="1" kern="0">
+                <a:rPr lang="en-US" sz="3600" b="1" kern="0" dirty="0">
                   <a:solidFill>
                     <a:srgbClr val="FFFFFF"/>
                   </a:solidFill>
@@ -36056,7 +37638,7 @@
                 </a:rPr>
                 <a:t>02</a:t>
               </a:r>
-              <a:endParaRPr kumimoji="0" sz="3000" b="0" i="0" u="none" strike="noStrike" kern="0" cap="none" spc="0" normalizeH="0" baseline="0" noProof="0">
+              <a:endParaRPr kumimoji="0" sz="3000" b="0" i="0" u="none" strike="noStrike" kern="0" cap="none" spc="0" normalizeH="0" baseline="0" noProof="0" dirty="0">
                 <a:ln>
                   <a:noFill/>
                 </a:ln>
@@ -36471,7 +38053,7 @@
         </p:nvGrpSpPr>
         <p:grpSpPr>
           <a:xfrm>
-            <a:off x="912800" y="4839622"/>
+            <a:off x="6574349" y="1956675"/>
             <a:ext cx="1467402" cy="1199551"/>
             <a:chOff x="1921112" y="114053"/>
             <a:chExt cx="8110307" cy="6629895"/>
@@ -37254,7 +38836,7 @@
         </p:nvGrpSpPr>
         <p:grpSpPr>
           <a:xfrm>
-            <a:off x="912800" y="1840327"/>
+            <a:off x="922094" y="1955187"/>
             <a:ext cx="1467402" cy="1199551"/>
             <a:chOff x="1921112" y="114053"/>
             <a:chExt cx="8110307" cy="6629895"/>
@@ -38107,7 +39689,7 @@
         </p:nvSpPr>
         <p:spPr>
           <a:xfrm>
-            <a:off x="2644859" y="2010564"/>
+            <a:off x="2654153" y="2125424"/>
             <a:ext cx="2982086" cy="923330"/>
           </a:xfrm>
           <a:prstGeom prst="rect">
@@ -38132,789 +39714,6 @@
           </a:p>
         </p:txBody>
       </p:sp>
-      <p:grpSp>
-        <p:nvGrpSpPr>
-          <p:cNvPr id="161" name="Group 160">
-            <a:extLst>
-              <a:ext uri="{FF2B5EF4-FFF2-40B4-BE49-F238E27FC236}">
-                <a16:creationId xmlns:a16="http://schemas.microsoft.com/office/drawing/2014/main" id="{1E05EE1B-405D-423B-BFF4-C9741DD480F0}"/>
-              </a:ext>
-            </a:extLst>
-          </p:cNvPr>
-          <p:cNvGrpSpPr/>
-          <p:nvPr/>
-        </p:nvGrpSpPr>
-        <p:grpSpPr>
-          <a:xfrm>
-            <a:off x="6565056" y="4839622"/>
-            <a:ext cx="1467402" cy="1199551"/>
-            <a:chOff x="1921112" y="114053"/>
-            <a:chExt cx="8110307" cy="6629895"/>
-          </a:xfrm>
-        </p:grpSpPr>
-        <p:sp>
-          <p:nvSpPr>
-            <p:cNvPr id="169" name="Figure">
-              <a:extLst>
-                <a:ext uri="{FF2B5EF4-FFF2-40B4-BE49-F238E27FC236}">
-                  <a16:creationId xmlns:a16="http://schemas.microsoft.com/office/drawing/2014/main" id="{FC0F3616-FA3C-4D6C-9169-F4F4FCEE942E}"/>
-                </a:ext>
-              </a:extLst>
-            </p:cNvPr>
-            <p:cNvSpPr/>
-            <p:nvPr/>
-          </p:nvSpPr>
-          <p:spPr>
-            <a:xfrm>
-              <a:off x="3867079" y="785076"/>
-              <a:ext cx="4801950" cy="5958872"/>
-            </a:xfrm>
-            <a:custGeom>
-              <a:avLst/>
-              <a:gdLst/>
-              <a:ahLst/>
-              <a:cxnLst>
-                <a:cxn ang="0">
-                  <a:pos x="wd2" y="hd2"/>
-                </a:cxn>
-                <a:cxn ang="5400000">
-                  <a:pos x="wd2" y="hd2"/>
-                </a:cxn>
-                <a:cxn ang="10800000">
-                  <a:pos x="wd2" y="hd2"/>
-                </a:cxn>
-                <a:cxn ang="16200000">
-                  <a:pos x="wd2" y="hd2"/>
-                </a:cxn>
-              </a:cxnLst>
-              <a:rect l="0" t="0" r="r" b="b"/>
-              <a:pathLst>
-                <a:path w="20693" h="20744" extrusionOk="0">
-                  <a:moveTo>
-                    <a:pt x="50" y="8912"/>
-                  </a:moveTo>
-                  <a:cubicBezTo>
-                    <a:pt x="599" y="13351"/>
-                    <a:pt x="9033" y="21184"/>
-                    <a:pt x="14691" y="20725"/>
-                  </a:cubicBezTo>
-                  <a:cubicBezTo>
-                    <a:pt x="20349" y="20265"/>
-                    <a:pt x="21091" y="11684"/>
-                    <a:pt x="20542" y="7246"/>
-                  </a:cubicBezTo>
-                  <a:cubicBezTo>
-                    <a:pt x="19992" y="2808"/>
-                    <a:pt x="14951" y="-416"/>
-                    <a:pt x="9293" y="43"/>
-                  </a:cubicBezTo>
-                  <a:cubicBezTo>
-                    <a:pt x="3636" y="503"/>
-                    <a:pt x="-509" y="4474"/>
-                    <a:pt x="50" y="8912"/>
-                  </a:cubicBezTo>
-                  <a:close/>
-                </a:path>
-              </a:pathLst>
-            </a:custGeom>
-            <a:solidFill>
-              <a:schemeClr val="accent6"/>
-            </a:solidFill>
-            <a:ln w="12700">
-              <a:miter lim="400000"/>
-            </a:ln>
-          </p:spPr>
-          <p:txBody>
-            <a:bodyPr lIns="38100" tIns="38100" rIns="38100" bIns="38100" anchor="ctr"/>
-            <a:lstStyle/>
-            <a:p>
-              <a:pPr marL="0" marR="0" lvl="0" indent="0" algn="ctr" defTabSz="457200" eaLnBrk="1" fontAlgn="auto" latinLnBrk="0" hangingPunct="0">
-                <a:lnSpc>
-                  <a:spcPct val="100000"/>
-                </a:lnSpc>
-                <a:spcBef>
-                  <a:spcPts val="0"/>
-                </a:spcBef>
-                <a:spcAft>
-                  <a:spcPts val="0"/>
-                </a:spcAft>
-                <a:buClrTx/>
-                <a:buSzTx/>
-                <a:buFontTx/>
-                <a:buNone/>
-                <a:tabLst/>
-                <a:defRPr sz="3000">
-                  <a:solidFill>
-                    <a:srgbClr val="FFFFFF"/>
-                  </a:solidFill>
-                  <a:effectLst>
-                    <a:outerShdw blurRad="38100" dist="12700" dir="5400000" rotWithShape="0">
-                      <a:srgbClr val="000000">
-                        <a:alpha val="50000"/>
-                      </a:srgbClr>
-                    </a:outerShdw>
-                  </a:effectLst>
-                </a:defRPr>
-              </a:pPr>
-              <a:endParaRPr kumimoji="0" sz="3000" b="0" i="0" u="none" strike="noStrike" kern="0" cap="none" spc="0" normalizeH="0" baseline="0" noProof="0">
-                <a:ln>
-                  <a:noFill/>
-                </a:ln>
-                <a:solidFill>
-                  <a:srgbClr val="FFFFFF"/>
-                </a:solidFill>
-                <a:effectLst>
-                  <a:outerShdw blurRad="38100" dist="12700" dir="5400000" rotWithShape="0">
-                    <a:srgbClr val="000000">
-                      <a:alpha val="50000"/>
-                    </a:srgbClr>
-                  </a:outerShdw>
-                </a:effectLst>
-                <a:uLnTx/>
-                <a:uFillTx/>
-                <a:latin typeface="Gill Sans"/>
-                <a:sym typeface="Gill Sans"/>
-              </a:endParaRPr>
-            </a:p>
-          </p:txBody>
-        </p:sp>
-        <p:sp>
-          <p:nvSpPr>
-            <p:cNvPr id="170" name="Figure">
-              <a:extLst>
-                <a:ext uri="{FF2B5EF4-FFF2-40B4-BE49-F238E27FC236}">
-                  <a16:creationId xmlns:a16="http://schemas.microsoft.com/office/drawing/2014/main" id="{FCF5128E-9A2A-421C-9E94-5AFF30BEB850}"/>
-                </a:ext>
-              </a:extLst>
-            </p:cNvPr>
-            <p:cNvSpPr/>
-            <p:nvPr/>
-          </p:nvSpPr>
-          <p:spPr>
-            <a:xfrm>
-              <a:off x="2927648" y="1746876"/>
-              <a:ext cx="7103771" cy="4829623"/>
-            </a:xfrm>
-            <a:custGeom>
-              <a:avLst/>
-              <a:gdLst/>
-              <a:ahLst/>
-              <a:cxnLst>
-                <a:cxn ang="0">
-                  <a:pos x="wd2" y="hd2"/>
-                </a:cxn>
-                <a:cxn ang="5400000">
-                  <a:pos x="wd2" y="hd2"/>
-                </a:cxn>
-                <a:cxn ang="10800000">
-                  <a:pos x="wd2" y="hd2"/>
-                </a:cxn>
-                <a:cxn ang="16200000">
-                  <a:pos x="wd2" y="hd2"/>
-                </a:cxn>
-              </a:cxnLst>
-              <a:rect l="0" t="0" r="r" b="b"/>
-              <a:pathLst>
-                <a:path w="19589" h="18693" extrusionOk="0">
-                  <a:moveTo>
-                    <a:pt x="245" y="15021"/>
-                  </a:moveTo>
-                  <a:cubicBezTo>
-                    <a:pt x="1306" y="18233"/>
-                    <a:pt x="6123" y="19289"/>
-                    <a:pt x="10101" y="18380"/>
-                  </a:cubicBezTo>
-                  <a:cubicBezTo>
-                    <a:pt x="14080" y="17471"/>
-                    <a:pt x="20377" y="13324"/>
-                    <a:pt x="19507" y="5836"/>
-                  </a:cubicBezTo>
-                  <a:cubicBezTo>
-                    <a:pt x="19168" y="2918"/>
-                    <a:pt x="16966" y="-2311"/>
-                    <a:pt x="8751" y="1135"/>
-                  </a:cubicBezTo>
-                  <a:cubicBezTo>
-                    <a:pt x="4192" y="3048"/>
-                    <a:pt x="-1223" y="10588"/>
-                    <a:pt x="245" y="15021"/>
-                  </a:cubicBezTo>
-                  <a:close/>
-                </a:path>
-              </a:pathLst>
-            </a:custGeom>
-            <a:solidFill>
-              <a:srgbClr val="8DB1C4">
-                <a:alpha val="80000"/>
-              </a:srgbClr>
-            </a:solidFill>
-            <a:ln w="12700">
-              <a:miter lim="400000"/>
-            </a:ln>
-          </p:spPr>
-          <p:txBody>
-            <a:bodyPr lIns="38100" tIns="38100" rIns="38100" bIns="38100" anchor="ctr"/>
-            <a:lstStyle/>
-            <a:p>
-              <a:pPr marL="0" marR="0" lvl="0" indent="0" algn="ctr" defTabSz="457200" eaLnBrk="1" fontAlgn="auto" latinLnBrk="0" hangingPunct="0">
-                <a:lnSpc>
-                  <a:spcPct val="100000"/>
-                </a:lnSpc>
-                <a:spcBef>
-                  <a:spcPts val="0"/>
-                </a:spcBef>
-                <a:spcAft>
-                  <a:spcPts val="0"/>
-                </a:spcAft>
-                <a:buClrTx/>
-                <a:buSzTx/>
-                <a:buFontTx/>
-                <a:buNone/>
-                <a:tabLst/>
-                <a:defRPr sz="3000">
-                  <a:solidFill>
-                    <a:srgbClr val="FFFFFF"/>
-                  </a:solidFill>
-                  <a:effectLst>
-                    <a:outerShdw blurRad="38100" dist="12700" dir="5400000" rotWithShape="0">
-                      <a:srgbClr val="000000">
-                        <a:alpha val="50000"/>
-                      </a:srgbClr>
-                    </a:outerShdw>
-                  </a:effectLst>
-                </a:defRPr>
-              </a:pPr>
-              <a:endParaRPr kumimoji="0" sz="3000" b="0" i="0" u="none" strike="noStrike" kern="0" cap="none" spc="0" normalizeH="0" baseline="0" noProof="0">
-                <a:ln>
-                  <a:noFill/>
-                </a:ln>
-                <a:solidFill>
-                  <a:srgbClr val="FFFFFF"/>
-                </a:solidFill>
-                <a:effectLst>
-                  <a:outerShdw blurRad="38100" dist="12700" dir="5400000" rotWithShape="0">
-                    <a:srgbClr val="000000">
-                      <a:alpha val="50000"/>
-                    </a:srgbClr>
-                  </a:outerShdw>
-                </a:effectLst>
-                <a:uLnTx/>
-                <a:uFillTx/>
-                <a:latin typeface="Gill Sans"/>
-                <a:sym typeface="Gill Sans"/>
-              </a:endParaRPr>
-            </a:p>
-          </p:txBody>
-        </p:sp>
-        <p:sp>
-          <p:nvSpPr>
-            <p:cNvPr id="171" name="Figure">
-              <a:extLst>
-                <a:ext uri="{FF2B5EF4-FFF2-40B4-BE49-F238E27FC236}">
-                  <a16:creationId xmlns:a16="http://schemas.microsoft.com/office/drawing/2014/main" id="{6F0C14B5-BB24-4457-8E54-B936406B896C}"/>
-                </a:ext>
-              </a:extLst>
-            </p:cNvPr>
-            <p:cNvSpPr/>
-            <p:nvPr/>
-          </p:nvSpPr>
-          <p:spPr>
-            <a:xfrm>
-              <a:off x="2368461" y="1388997"/>
-              <a:ext cx="6998772" cy="4812289"/>
-            </a:xfrm>
-            <a:custGeom>
-              <a:avLst/>
-              <a:gdLst/>
-              <a:ahLst/>
-              <a:cxnLst>
-                <a:cxn ang="0">
-                  <a:pos x="wd2" y="hd2"/>
-                </a:cxn>
-                <a:cxn ang="5400000">
-                  <a:pos x="wd2" y="hd2"/>
-                </a:cxn>
-                <a:cxn ang="10800000">
-                  <a:pos x="wd2" y="hd2"/>
-                </a:cxn>
-                <a:cxn ang="16200000">
-                  <a:pos x="wd2" y="hd2"/>
-                </a:cxn>
-              </a:cxnLst>
-              <a:rect l="0" t="0" r="r" b="b"/>
-              <a:pathLst>
-                <a:path w="21600" h="19116" extrusionOk="0">
-                  <a:moveTo>
-                    <a:pt x="0" y="7130"/>
-                  </a:moveTo>
-                  <a:cubicBezTo>
-                    <a:pt x="0" y="12861"/>
-                    <a:pt x="8015" y="19116"/>
-                    <a:pt x="12433" y="19116"/>
-                  </a:cubicBezTo>
-                  <a:cubicBezTo>
-                    <a:pt x="16851" y="19116"/>
-                    <a:pt x="21600" y="12861"/>
-                    <a:pt x="21600" y="7130"/>
-                  </a:cubicBezTo>
-                  <a:cubicBezTo>
-                    <a:pt x="21600" y="1399"/>
-                    <a:pt x="19736" y="-2484"/>
-                    <a:pt x="13206" y="1861"/>
-                  </a:cubicBezTo>
-                  <a:cubicBezTo>
-                    <a:pt x="9285" y="4482"/>
-                    <a:pt x="0" y="1399"/>
-                    <a:pt x="0" y="7130"/>
-                  </a:cubicBezTo>
-                  <a:close/>
-                </a:path>
-              </a:pathLst>
-            </a:custGeom>
-            <a:solidFill>
-              <a:schemeClr val="accent1">
-                <a:alpha val="80000"/>
-              </a:schemeClr>
-            </a:solidFill>
-            <a:ln w="12700">
-              <a:miter lim="400000"/>
-            </a:ln>
-          </p:spPr>
-          <p:txBody>
-            <a:bodyPr lIns="38100" tIns="38100" rIns="38100" bIns="38100" anchor="ctr"/>
-            <a:lstStyle/>
-            <a:p>
-              <a:pPr lvl="0" algn="ctr" defTabSz="457200" hangingPunct="0">
-                <a:defRPr sz="3000">
-                  <a:solidFill>
-                    <a:srgbClr val="FFFFFF"/>
-                  </a:solidFill>
-                  <a:effectLst>
-                    <a:outerShdw blurRad="38100" dist="12700" dir="5400000" rotWithShape="0">
-                      <a:srgbClr val="000000">
-                        <a:alpha val="50000"/>
-                      </a:srgbClr>
-                    </a:outerShdw>
-                  </a:effectLst>
-                </a:defRPr>
-              </a:pPr>
-              <a:r>
-                <a:rPr lang="en-US" sz="3600" b="1" kern="0">
-                  <a:solidFill>
-                    <a:srgbClr val="FFFFFF"/>
-                  </a:solidFill>
-                  <a:effectLst>
-                    <a:outerShdw blurRad="38100" dist="12700" dir="5400000" rotWithShape="0">
-                      <a:srgbClr val="000000">
-                        <a:alpha val="50000"/>
-                      </a:srgbClr>
-                    </a:outerShdw>
-                  </a:effectLst>
-                  <a:sym typeface="Gill Sans"/>
-                </a:rPr>
-                <a:t>06</a:t>
-              </a:r>
-              <a:endParaRPr kumimoji="0" sz="3000" b="0" i="0" u="none" strike="noStrike" kern="0" cap="none" spc="0" normalizeH="0" baseline="0" noProof="0">
-                <a:ln>
-                  <a:noFill/>
-                </a:ln>
-                <a:solidFill>
-                  <a:srgbClr val="FFFFFF"/>
-                </a:solidFill>
-                <a:effectLst>
-                  <a:outerShdw blurRad="38100" dist="12700" dir="5400000" rotWithShape="0">
-                    <a:srgbClr val="000000">
-                      <a:alpha val="50000"/>
-                    </a:srgbClr>
-                  </a:outerShdw>
-                </a:effectLst>
-                <a:uLnTx/>
-                <a:uFillTx/>
-                <a:latin typeface="Gill Sans"/>
-                <a:sym typeface="Gill Sans"/>
-              </a:endParaRPr>
-            </a:p>
-          </p:txBody>
-        </p:sp>
-        <p:sp>
-          <p:nvSpPr>
-            <p:cNvPr id="172" name="Figure">
-              <a:extLst>
-                <a:ext uri="{FF2B5EF4-FFF2-40B4-BE49-F238E27FC236}">
-                  <a16:creationId xmlns:a16="http://schemas.microsoft.com/office/drawing/2014/main" id="{FE837E1F-FDD9-4B72-BE00-FC283DB3B74C}"/>
-                </a:ext>
-              </a:extLst>
-            </p:cNvPr>
-            <p:cNvSpPr/>
-            <p:nvPr/>
-          </p:nvSpPr>
-          <p:spPr>
-            <a:xfrm>
-              <a:off x="6730112" y="114053"/>
-              <a:ext cx="1313884" cy="1186203"/>
-            </a:xfrm>
-            <a:custGeom>
-              <a:avLst/>
-              <a:gdLst/>
-              <a:ahLst/>
-              <a:cxnLst>
-                <a:cxn ang="0">
-                  <a:pos x="wd2" y="hd2"/>
-                </a:cxn>
-                <a:cxn ang="5400000">
-                  <a:pos x="wd2" y="hd2"/>
-                </a:cxn>
-                <a:cxn ang="10800000">
-                  <a:pos x="wd2" y="hd2"/>
-                </a:cxn>
-                <a:cxn ang="16200000">
-                  <a:pos x="wd2" y="hd2"/>
-                </a:cxn>
-              </a:cxnLst>
-              <a:rect l="0" t="0" r="r" b="b"/>
-              <a:pathLst>
-                <a:path w="18415" h="19060" extrusionOk="0">
-                  <a:moveTo>
-                    <a:pt x="1251" y="17706"/>
-                  </a:moveTo>
-                  <a:cubicBezTo>
-                    <a:pt x="3633" y="20258"/>
-                    <a:pt x="13007" y="19180"/>
-                    <a:pt x="16737" y="14651"/>
-                  </a:cubicBezTo>
-                  <a:cubicBezTo>
-                    <a:pt x="20468" y="10087"/>
-                    <a:pt x="17145" y="3797"/>
-                    <a:pt x="14794" y="1210"/>
-                  </a:cubicBezTo>
-                  <a:cubicBezTo>
-                    <a:pt x="12411" y="-1342"/>
-                    <a:pt x="7458" y="275"/>
-                    <a:pt x="3727" y="4804"/>
-                  </a:cubicBezTo>
-                  <a:cubicBezTo>
-                    <a:pt x="-3" y="9368"/>
-                    <a:pt x="-1132" y="15155"/>
-                    <a:pt x="1251" y="17706"/>
-                  </a:cubicBezTo>
-                  <a:close/>
-                </a:path>
-              </a:pathLst>
-            </a:custGeom>
-            <a:solidFill>
-              <a:schemeClr val="accent3"/>
-            </a:solidFill>
-            <a:ln w="12700">
-              <a:miter lim="400000"/>
-            </a:ln>
-          </p:spPr>
-          <p:txBody>
-            <a:bodyPr lIns="38100" tIns="38100" rIns="38100" bIns="38100" anchor="ctr"/>
-            <a:lstStyle/>
-            <a:p>
-              <a:pPr marL="0" marR="0" lvl="0" indent="0" algn="ctr" defTabSz="457200" eaLnBrk="1" fontAlgn="auto" latinLnBrk="0" hangingPunct="0">
-                <a:lnSpc>
-                  <a:spcPct val="100000"/>
-                </a:lnSpc>
-                <a:spcBef>
-                  <a:spcPts val="0"/>
-                </a:spcBef>
-                <a:spcAft>
-                  <a:spcPts val="0"/>
-                </a:spcAft>
-                <a:buClrTx/>
-                <a:buSzTx/>
-                <a:buFontTx/>
-                <a:buNone/>
-                <a:tabLst/>
-                <a:defRPr sz="3000">
-                  <a:solidFill>
-                    <a:srgbClr val="FFFFFF"/>
-                  </a:solidFill>
-                  <a:effectLst>
-                    <a:outerShdw blurRad="38100" dist="12700" dir="5400000" rotWithShape="0">
-                      <a:srgbClr val="000000">
-                        <a:alpha val="50000"/>
-                      </a:srgbClr>
-                    </a:outerShdw>
-                  </a:effectLst>
-                </a:defRPr>
-              </a:pPr>
-              <a:endParaRPr kumimoji="0" sz="3000" b="0" i="0" u="none" strike="noStrike" kern="0" cap="none" spc="0" normalizeH="0" baseline="0" noProof="0">
-                <a:ln>
-                  <a:noFill/>
-                </a:ln>
-                <a:solidFill>
-                  <a:srgbClr val="FFFFFF"/>
-                </a:solidFill>
-                <a:effectLst>
-                  <a:outerShdw blurRad="38100" dist="12700" dir="5400000" rotWithShape="0">
-                    <a:srgbClr val="000000">
-                      <a:alpha val="50000"/>
-                    </a:srgbClr>
-                  </a:outerShdw>
-                </a:effectLst>
-                <a:uLnTx/>
-                <a:uFillTx/>
-                <a:latin typeface="Gill Sans"/>
-                <a:sym typeface="Gill Sans"/>
-              </a:endParaRPr>
-            </a:p>
-          </p:txBody>
-        </p:sp>
-        <p:sp>
-          <p:nvSpPr>
-            <p:cNvPr id="173" name="Figure">
-              <a:extLst>
-                <a:ext uri="{FF2B5EF4-FFF2-40B4-BE49-F238E27FC236}">
-                  <a16:creationId xmlns:a16="http://schemas.microsoft.com/office/drawing/2014/main" id="{0BF1ABAE-9795-4231-8BD0-A7054ED3261F}"/>
-                </a:ext>
-              </a:extLst>
-            </p:cNvPr>
-            <p:cNvSpPr/>
-            <p:nvPr/>
-          </p:nvSpPr>
-          <p:spPr>
-            <a:xfrm>
-              <a:off x="1921112" y="4207292"/>
-              <a:ext cx="875650" cy="892153"/>
-            </a:xfrm>
-            <a:custGeom>
-              <a:avLst/>
-              <a:gdLst/>
-              <a:ahLst/>
-              <a:cxnLst>
-                <a:cxn ang="0">
-                  <a:pos x="wd2" y="hd2"/>
-                </a:cxn>
-                <a:cxn ang="5400000">
-                  <a:pos x="wd2" y="hd2"/>
-                </a:cxn>
-                <a:cxn ang="10800000">
-                  <a:pos x="wd2" y="hd2"/>
-                </a:cxn>
-                <a:cxn ang="16200000">
-                  <a:pos x="wd2" y="hd2"/>
-                </a:cxn>
-              </a:cxnLst>
-              <a:rect l="0" t="0" r="r" b="b"/>
-              <a:pathLst>
-                <a:path w="19088" h="18770" extrusionOk="0">
-                  <a:moveTo>
-                    <a:pt x="18567" y="15982"/>
-                  </a:moveTo>
-                  <a:cubicBezTo>
-                    <a:pt x="20371" y="12782"/>
-                    <a:pt x="17299" y="3276"/>
-                    <a:pt x="12326" y="688"/>
-                  </a:cubicBezTo>
-                  <a:cubicBezTo>
-                    <a:pt x="7352" y="-1900"/>
-                    <a:pt x="2379" y="3418"/>
-                    <a:pt x="575" y="6665"/>
-                  </a:cubicBezTo>
-                  <a:cubicBezTo>
-                    <a:pt x="-1229" y="9865"/>
-                    <a:pt x="1355" y="14571"/>
-                    <a:pt x="6329" y="17159"/>
-                  </a:cubicBezTo>
-                  <a:cubicBezTo>
-                    <a:pt x="11253" y="19700"/>
-                    <a:pt x="16763" y="19182"/>
-                    <a:pt x="18567" y="15982"/>
-                  </a:cubicBezTo>
-                  <a:close/>
-                </a:path>
-              </a:pathLst>
-            </a:custGeom>
-            <a:solidFill>
-              <a:schemeClr val="accent3"/>
-            </a:solidFill>
-            <a:ln w="12700">
-              <a:miter lim="400000"/>
-            </a:ln>
-          </p:spPr>
-          <p:txBody>
-            <a:bodyPr lIns="38100" tIns="38100" rIns="38100" bIns="38100" anchor="ctr"/>
-            <a:lstStyle/>
-            <a:p>
-              <a:pPr marL="0" marR="0" lvl="0" indent="0" algn="ctr" defTabSz="457200" eaLnBrk="1" fontAlgn="auto" latinLnBrk="0" hangingPunct="0">
-                <a:lnSpc>
-                  <a:spcPct val="100000"/>
-                </a:lnSpc>
-                <a:spcBef>
-                  <a:spcPts val="0"/>
-                </a:spcBef>
-                <a:spcAft>
-                  <a:spcPts val="0"/>
-                </a:spcAft>
-                <a:buClrTx/>
-                <a:buSzTx/>
-                <a:buFontTx/>
-                <a:buNone/>
-                <a:tabLst/>
-                <a:defRPr sz="3000">
-                  <a:solidFill>
-                    <a:srgbClr val="FFFFFF"/>
-                  </a:solidFill>
-                  <a:effectLst>
-                    <a:outerShdw blurRad="38100" dist="12700" dir="5400000" rotWithShape="0">
-                      <a:srgbClr val="000000">
-                        <a:alpha val="50000"/>
-                      </a:srgbClr>
-                    </a:outerShdw>
-                  </a:effectLst>
-                </a:defRPr>
-              </a:pPr>
-              <a:endParaRPr kumimoji="0" sz="3000" b="0" i="0" u="none" strike="noStrike" kern="0" cap="none" spc="0" normalizeH="0" baseline="0" noProof="0">
-                <a:ln>
-                  <a:noFill/>
-                </a:ln>
-                <a:solidFill>
-                  <a:srgbClr val="FFFFFF"/>
-                </a:solidFill>
-                <a:effectLst>
-                  <a:outerShdw blurRad="38100" dist="12700" dir="5400000" rotWithShape="0">
-                    <a:srgbClr val="000000">
-                      <a:alpha val="50000"/>
-                    </a:srgbClr>
-                  </a:outerShdw>
-                </a:effectLst>
-                <a:uLnTx/>
-                <a:uFillTx/>
-                <a:latin typeface="Gill Sans"/>
-                <a:sym typeface="Gill Sans"/>
-              </a:endParaRPr>
-            </a:p>
-          </p:txBody>
-        </p:sp>
-        <p:sp>
-          <p:nvSpPr>
-            <p:cNvPr id="174" name="Figure">
-              <a:extLst>
-                <a:ext uri="{FF2B5EF4-FFF2-40B4-BE49-F238E27FC236}">
-                  <a16:creationId xmlns:a16="http://schemas.microsoft.com/office/drawing/2014/main" id="{5CFF1A0D-990A-4C75-8652-00B91227C5BC}"/>
-                </a:ext>
-              </a:extLst>
-            </p:cNvPr>
-            <p:cNvSpPr/>
-            <p:nvPr/>
-          </p:nvSpPr>
-          <p:spPr>
-            <a:xfrm>
-              <a:off x="8765547" y="1031118"/>
-              <a:ext cx="604493" cy="575736"/>
-            </a:xfrm>
-            <a:custGeom>
-              <a:avLst/>
-              <a:gdLst/>
-              <a:ahLst/>
-              <a:cxnLst>
-                <a:cxn ang="0">
-                  <a:pos x="wd2" y="hd2"/>
-                </a:cxn>
-                <a:cxn ang="5400000">
-                  <a:pos x="wd2" y="hd2"/>
-                </a:cxn>
-                <a:cxn ang="10800000">
-                  <a:pos x="wd2" y="hd2"/>
-                </a:cxn>
-                <a:cxn ang="16200000">
-                  <a:pos x="wd2" y="hd2"/>
-                </a:cxn>
-              </a:cxnLst>
-              <a:rect l="0" t="0" r="r" b="b"/>
-              <a:pathLst>
-                <a:path w="19202" h="18783" extrusionOk="0">
-                  <a:moveTo>
-                    <a:pt x="402" y="2508"/>
-                  </a:moveTo>
-                  <a:cubicBezTo>
-                    <a:pt x="-1232" y="5646"/>
-                    <a:pt x="2321" y="15132"/>
-                    <a:pt x="7365" y="17978"/>
-                  </a:cubicBezTo>
-                  <a:cubicBezTo>
-                    <a:pt x="12410" y="20751"/>
-                    <a:pt x="17100" y="15716"/>
-                    <a:pt x="18734" y="12651"/>
-                  </a:cubicBezTo>
-                  <a:cubicBezTo>
-                    <a:pt x="20368" y="9513"/>
-                    <a:pt x="17597" y="4770"/>
-                    <a:pt x="12481" y="1997"/>
-                  </a:cubicBezTo>
-                  <a:cubicBezTo>
-                    <a:pt x="7436" y="-849"/>
-                    <a:pt x="2036" y="-630"/>
-                    <a:pt x="402" y="2508"/>
-                  </a:cubicBezTo>
-                  <a:close/>
-                </a:path>
-              </a:pathLst>
-            </a:custGeom>
-            <a:solidFill>
-              <a:schemeClr val="accent2"/>
-            </a:solidFill>
-            <a:ln w="12700">
-              <a:miter lim="400000"/>
-            </a:ln>
-          </p:spPr>
-          <p:txBody>
-            <a:bodyPr lIns="38100" tIns="38100" rIns="38100" bIns="38100" anchor="ctr"/>
-            <a:lstStyle/>
-            <a:p>
-              <a:pPr marL="0" marR="0" lvl="0" indent="0" algn="ctr" defTabSz="457200" eaLnBrk="1" fontAlgn="auto" latinLnBrk="0" hangingPunct="0">
-                <a:lnSpc>
-                  <a:spcPct val="100000"/>
-                </a:lnSpc>
-                <a:spcBef>
-                  <a:spcPts val="0"/>
-                </a:spcBef>
-                <a:spcAft>
-                  <a:spcPts val="0"/>
-                </a:spcAft>
-                <a:buClrTx/>
-                <a:buSzTx/>
-                <a:buFontTx/>
-                <a:buNone/>
-                <a:tabLst/>
-                <a:defRPr sz="3000">
-                  <a:solidFill>
-                    <a:srgbClr val="FFFFFF"/>
-                  </a:solidFill>
-                  <a:effectLst>
-                    <a:outerShdw blurRad="38100" dist="12700" dir="5400000" rotWithShape="0">
-                      <a:srgbClr val="000000">
-                        <a:alpha val="50000"/>
-                      </a:srgbClr>
-                    </a:outerShdw>
-                  </a:effectLst>
-                </a:defRPr>
-              </a:pPr>
-              <a:endParaRPr kumimoji="0" sz="3000" b="0" i="0" u="none" strike="noStrike" kern="0" cap="none" spc="0" normalizeH="0" baseline="0" noProof="0">
-                <a:ln>
-                  <a:noFill/>
-                </a:ln>
-                <a:solidFill>
-                  <a:srgbClr val="FFFFFF"/>
-                </a:solidFill>
-                <a:effectLst>
-                  <a:outerShdw blurRad="38100" dist="12700" dir="5400000" rotWithShape="0">
-                    <a:srgbClr val="000000">
-                      <a:alpha val="50000"/>
-                    </a:srgbClr>
-                  </a:outerShdw>
-                </a:effectLst>
-                <a:uLnTx/>
-                <a:uFillTx/>
-                <a:latin typeface="Gill Sans"/>
-                <a:sym typeface="Gill Sans"/>
-              </a:endParaRPr>
-            </a:p>
-          </p:txBody>
-        </p:sp>
-      </p:grpSp>
       <p:grpSp>
         <p:nvGrpSpPr>
           <p:cNvPr id="162" name="Group 161">
@@ -38929,7 +39728,7 @@
         </p:nvGrpSpPr>
         <p:grpSpPr>
           <a:xfrm>
-            <a:off x="6565056" y="1840327"/>
+            <a:off x="6454177" y="4008038"/>
             <a:ext cx="1467402" cy="1199551"/>
             <a:chOff x="1921112" y="114053"/>
             <a:chExt cx="8110307" cy="6629895"/>
@@ -39712,7 +40511,7 @@
         </p:nvSpPr>
         <p:spPr>
           <a:xfrm>
-            <a:off x="2644859" y="3505899"/>
+            <a:off x="2560271" y="4170989"/>
             <a:ext cx="2982086" cy="923330"/>
           </a:xfrm>
           <a:prstGeom prst="rect">
@@ -39751,7 +40550,7 @@
         </p:nvSpPr>
         <p:spPr>
           <a:xfrm>
-            <a:off x="2644859" y="4998820"/>
+            <a:off x="8306408" y="2115873"/>
             <a:ext cx="2982086" cy="923330"/>
           </a:xfrm>
           <a:prstGeom prst="rect">
@@ -39772,45 +40571,6 @@
                 </a:solidFill>
               </a:rPr>
               <a:t>Présentation du pattern memento</a:t>
-            </a:r>
-          </a:p>
-        </p:txBody>
-      </p:sp>
-      <p:sp>
-        <p:nvSpPr>
-          <p:cNvPr id="68" name="TextBox 126">
-            <a:extLst>
-              <a:ext uri="{FF2B5EF4-FFF2-40B4-BE49-F238E27FC236}">
-                <a16:creationId xmlns:a16="http://schemas.microsoft.com/office/drawing/2014/main" id="{2CF07D5D-16C8-482C-8EBA-EF4F725EA115}"/>
-              </a:ext>
-            </a:extLst>
-          </p:cNvPr>
-          <p:cNvSpPr txBox="1"/>
-          <p:nvPr/>
-        </p:nvSpPr>
-        <p:spPr>
-          <a:xfrm>
-            <a:off x="8303604" y="5005547"/>
-            <a:ext cx="2982086" cy="923330"/>
-          </a:xfrm>
-          <a:prstGeom prst="rect">
-            <a:avLst/>
-          </a:prstGeom>
-          <a:noFill/>
-        </p:spPr>
-        <p:txBody>
-          <a:bodyPr wrap="square" tIns="182880" bIns="0" rtlCol="0" anchor="b">
-            <a:spAutoFit/>
-          </a:bodyPr>
-          <a:lstStyle/>
-          <a:p>
-            <a:r>
-              <a:rPr lang="fr-FR" sz="2400" b="1" dirty="0">
-                <a:solidFill>
-                  <a:schemeClr val="accent1"/>
-                </a:solidFill>
-              </a:rPr>
-              <a:t>Les avantages et désavantages</a:t>
             </a:r>
           </a:p>
         </p:txBody>
@@ -39829,7 +40589,7 @@
         </p:nvSpPr>
         <p:spPr>
           <a:xfrm>
-            <a:off x="8308781" y="2034871"/>
+            <a:off x="8197902" y="4202582"/>
             <a:ext cx="3071310" cy="923330"/>
           </a:xfrm>
           <a:prstGeom prst="rect">
@@ -39851,6 +40611,35 @@
               </a:rPr>
               <a:t>Présentation d’une petite implémentation</a:t>
             </a:r>
+          </a:p>
+        </p:txBody>
+      </p:sp>
+      <p:sp>
+        <p:nvSpPr>
+          <p:cNvPr id="2" name="Espace réservé du numéro de diapositive 1">
+            <a:extLst>
+              <a:ext uri="{FF2B5EF4-FFF2-40B4-BE49-F238E27FC236}">
+                <a16:creationId xmlns:a16="http://schemas.microsoft.com/office/drawing/2014/main" id="{E715123A-8295-4D63-8CD5-1336971B44E7}"/>
+              </a:ext>
+            </a:extLst>
+          </p:cNvPr>
+          <p:cNvSpPr>
+            <a:spLocks noGrp="1"/>
+          </p:cNvSpPr>
+          <p:nvPr>
+            <p:ph type="sldNum" sz="quarter" idx="12"/>
+          </p:nvPr>
+        </p:nvSpPr>
+        <p:spPr/>
+        <p:txBody>
+          <a:bodyPr/>
+          <a:lstStyle/>
+          <a:p>
+            <a:fld id="{D325CB3F-26C9-44D7-A7CB-40F86C5CE4B1}" type="slidenum">
+              <a:rPr lang="en-US" smtClean="0"/>
+              <a:t>3</a:t>
+            </a:fld>
+            <a:endParaRPr lang="en-US"/>
           </a:p>
         </p:txBody>
       </p:sp>
@@ -39868,6 +40657,490 @@
 </file>
 
 <file path=ppt/slides/slide30.xml><?xml version="1.0" encoding="utf-8"?>
+<p:sld xmlns:a="http://schemas.openxmlformats.org/drawingml/2006/main" xmlns:r="http://schemas.openxmlformats.org/officeDocument/2006/relationships" xmlns:p="http://schemas.openxmlformats.org/presentationml/2006/main">
+  <p:cSld>
+    <p:spTree>
+      <p:nvGrpSpPr>
+        <p:cNvPr id="1" name=""/>
+        <p:cNvGrpSpPr/>
+        <p:nvPr/>
+      </p:nvGrpSpPr>
+      <p:grpSpPr>
+        <a:xfrm>
+          <a:off x="0" y="0"/>
+          <a:ext cx="0" cy="0"/>
+          <a:chOff x="0" y="0"/>
+          <a:chExt cx="0" cy="0"/>
+        </a:xfrm>
+      </p:grpSpPr>
+      <p:sp>
+        <p:nvSpPr>
+          <p:cNvPr id="14" name="Title 13"/>
+          <p:cNvSpPr>
+            <a:spLocks noGrp="1"/>
+          </p:cNvSpPr>
+          <p:nvPr>
+            <p:ph type="title"/>
+          </p:nvPr>
+        </p:nvSpPr>
+        <p:spPr/>
+        <p:txBody>
+          <a:bodyPr>
+            <a:noAutofit/>
+          </a:bodyPr>
+          <a:lstStyle/>
+          <a:p>
+            <a:r>
+              <a:rPr lang="en-US">
+                <a:solidFill>
+                  <a:schemeClr val="accent2"/>
+                </a:solidFill>
+              </a:rPr>
+              <a:t>SmartArt</a:t>
+            </a:r>
+            <a:r>
+              <a:rPr lang="en-US"/>
+              <a:t> graphics are very easy-to-use and so effective!</a:t>
+            </a:r>
+          </a:p>
+        </p:txBody>
+      </p:sp>
+      <p:sp>
+        <p:nvSpPr>
+          <p:cNvPr id="11" name="Content Placeholder 10"/>
+          <p:cNvSpPr>
+            <a:spLocks noGrp="1"/>
+          </p:cNvSpPr>
+          <p:nvPr>
+            <p:ph sz="half" idx="2"/>
+          </p:nvPr>
+        </p:nvSpPr>
+        <p:spPr/>
+        <p:txBody>
+          <a:bodyPr>
+            <a:normAutofit/>
+          </a:bodyPr>
+          <a:lstStyle/>
+          <a:p>
+            <a:r>
+              <a:rPr lang="en-US"/>
+              <a:t>Lorem ipsum dolor sit amet, duis eu. Metus tortor. Eu ut lorem, est sodales amet.</a:t>
+            </a:r>
+          </a:p>
+          <a:p>
+            <a:r>
+              <a:rPr lang="en-US"/>
+              <a:t>Maecenas nam mattis, condimentum semper tristique. Morbi sed diam.</a:t>
+            </a:r>
+          </a:p>
+          <a:p>
+            <a:r>
+              <a:rPr lang="en-US"/>
+              <a:t>Lorem ipsum dolor sit amet, consectetur adipiscing elit, sed do eiusmod tempor incididunt.</a:t>
+            </a:r>
+          </a:p>
+        </p:txBody>
+      </p:sp>
+      <p:sp>
+        <p:nvSpPr>
+          <p:cNvPr id="12" name="Date Placeholder 11"/>
+          <p:cNvSpPr>
+            <a:spLocks noGrp="1"/>
+          </p:cNvSpPr>
+          <p:nvPr>
+            <p:ph type="dt" sz="half" idx="10"/>
+          </p:nvPr>
+        </p:nvSpPr>
+        <p:spPr/>
+        <p:txBody>
+          <a:bodyPr/>
+          <a:lstStyle/>
+          <a:p>
+            <a:r>
+              <a:rPr lang="fr-FR"/>
+              <a:t>04 février 2021</a:t>
+            </a:r>
+            <a:endParaRPr lang="en-US"/>
+          </a:p>
+        </p:txBody>
+      </p:sp>
+      <p:sp>
+        <p:nvSpPr>
+          <p:cNvPr id="13" name="Footer Placeholder 12"/>
+          <p:cNvSpPr>
+            <a:spLocks noGrp="1"/>
+          </p:cNvSpPr>
+          <p:nvPr>
+            <p:ph type="ftr" sz="quarter" idx="11"/>
+          </p:nvPr>
+        </p:nvSpPr>
+        <p:spPr/>
+        <p:txBody>
+          <a:bodyPr/>
+          <a:lstStyle/>
+          <a:p>
+            <a:r>
+              <a:rPr lang="fr-FR"/>
+              <a:t>Command &amp; Memento - Aurélien BOUDIER</a:t>
+            </a:r>
+            <a:endParaRPr lang="en-US"/>
+          </a:p>
+        </p:txBody>
+      </p:sp>
+      <p:graphicFrame>
+        <p:nvGraphicFramePr>
+          <p:cNvPr id="3" name="Content Placeholder 2">
+            <a:extLst>
+              <a:ext uri="{FF2B5EF4-FFF2-40B4-BE49-F238E27FC236}">
+                <a16:creationId xmlns:a16="http://schemas.microsoft.com/office/drawing/2014/main" id="{8FE57E10-4F40-4AB0-8FFE-D2AC69882451}"/>
+              </a:ext>
+            </a:extLst>
+          </p:cNvPr>
+          <p:cNvGraphicFramePr>
+            <a:graphicFrameLocks noGrp="1"/>
+          </p:cNvGraphicFramePr>
+          <p:nvPr>
+            <p:ph sz="half" idx="1"/>
+            <p:extLst>
+              <p:ext uri="{D42A27DB-BD31-4B8C-83A1-F6EECF244321}">
+                <p14:modId xmlns:p14="http://schemas.microsoft.com/office/powerpoint/2010/main" val="3999308833"/>
+              </p:ext>
+            </p:extLst>
+          </p:nvPr>
+        </p:nvGraphicFramePr>
+        <p:xfrm>
+          <a:off x="838200" y="1825625"/>
+          <a:ext cx="5181600" cy="4351338"/>
+        </p:xfrm>
+        <a:graphic>
+          <a:graphicData uri="http://schemas.openxmlformats.org/drawingml/2006/diagram">
+            <dgm:relIds xmlns:dgm="http://schemas.openxmlformats.org/drawingml/2006/diagram" xmlns:r="http://schemas.openxmlformats.org/officeDocument/2006/relationships" r:dm="rId3" r:lo="rId4" r:qs="rId5" r:cs="rId6"/>
+          </a:graphicData>
+        </a:graphic>
+      </p:graphicFrame>
+      <p:sp>
+        <p:nvSpPr>
+          <p:cNvPr id="2" name="Espace réservé du numéro de diapositive 1">
+            <a:extLst>
+              <a:ext uri="{FF2B5EF4-FFF2-40B4-BE49-F238E27FC236}">
+                <a16:creationId xmlns:a16="http://schemas.microsoft.com/office/drawing/2014/main" id="{C1FD1FC0-7E2B-4DB6-A3F0-BA01B144D63B}"/>
+              </a:ext>
+            </a:extLst>
+          </p:cNvPr>
+          <p:cNvSpPr>
+            <a:spLocks noGrp="1"/>
+          </p:cNvSpPr>
+          <p:nvPr>
+            <p:ph type="sldNum" sz="quarter" idx="12"/>
+          </p:nvPr>
+        </p:nvSpPr>
+        <p:spPr/>
+        <p:txBody>
+          <a:bodyPr/>
+          <a:lstStyle/>
+          <a:p>
+            <a:fld id="{D325CB3F-26C9-44D7-A7CB-40F86C5CE4B1}" type="slidenum">
+              <a:rPr lang="en-US" smtClean="0"/>
+              <a:t>30</a:t>
+            </a:fld>
+            <a:endParaRPr lang="en-US"/>
+          </a:p>
+        </p:txBody>
+      </p:sp>
+    </p:spTree>
+    <p:extLst>
+      <p:ext uri="{BB962C8B-B14F-4D97-AF65-F5344CB8AC3E}">
+        <p14:creationId xmlns:p14="http://schemas.microsoft.com/office/powerpoint/2010/main" val="1277247308"/>
+      </p:ext>
+    </p:extLst>
+  </p:cSld>
+  <p:clrMapOvr>
+    <a:masterClrMapping/>
+  </p:clrMapOvr>
+</p:sld>
+</file>
+
+<file path=ppt/slides/slide31.xml><?xml version="1.0" encoding="utf-8"?>
+<p:sld xmlns:a="http://schemas.openxmlformats.org/drawingml/2006/main" xmlns:r="http://schemas.openxmlformats.org/officeDocument/2006/relationships" xmlns:p="http://schemas.openxmlformats.org/presentationml/2006/main">
+  <p:cSld>
+    <p:spTree>
+      <p:nvGrpSpPr>
+        <p:cNvPr id="1" name=""/>
+        <p:cNvGrpSpPr/>
+        <p:nvPr/>
+      </p:nvGrpSpPr>
+      <p:grpSpPr>
+        <a:xfrm>
+          <a:off x="0" y="0"/>
+          <a:ext cx="0" cy="0"/>
+          <a:chOff x="0" y="0"/>
+          <a:chExt cx="0" cy="0"/>
+        </a:xfrm>
+      </p:grpSpPr>
+      <p:sp>
+        <p:nvSpPr>
+          <p:cNvPr id="10" name="Title 9"/>
+          <p:cNvSpPr>
+            <a:spLocks noGrp="1"/>
+          </p:cNvSpPr>
+          <p:nvPr>
+            <p:ph type="title"/>
+          </p:nvPr>
+        </p:nvSpPr>
+        <p:spPr/>
+        <p:txBody>
+          <a:bodyPr>
+            <a:noAutofit/>
+          </a:bodyPr>
+          <a:lstStyle/>
+          <a:p>
+            <a:r>
+              <a:rPr lang="en-US"/>
+              <a:t>Use simple and clear </a:t>
+            </a:r>
+            <a:r>
+              <a:rPr lang="en-US">
+                <a:solidFill>
+                  <a:schemeClr val="accent6"/>
+                </a:solidFill>
+              </a:rPr>
+              <a:t>charts</a:t>
+            </a:r>
+            <a:r>
+              <a:rPr lang="en-US"/>
+              <a:t> to make information easier to visualize</a:t>
+            </a:r>
+          </a:p>
+        </p:txBody>
+      </p:sp>
+      <p:sp>
+        <p:nvSpPr>
+          <p:cNvPr id="12" name="Text Placeholder 11"/>
+          <p:cNvSpPr>
+            <a:spLocks noGrp="1"/>
+          </p:cNvSpPr>
+          <p:nvPr>
+            <p:ph sz="half" idx="2"/>
+          </p:nvPr>
+        </p:nvSpPr>
+        <p:spPr/>
+        <p:txBody>
+          <a:bodyPr/>
+          <a:lstStyle/>
+          <a:p>
+            <a:r>
+              <a:rPr lang="en-US"/>
+              <a:t>Lorem ipsum dolor sit amet, duis eu. Metus tortor. Eu ut lorem, est sodales amet.</a:t>
+            </a:r>
+          </a:p>
+          <a:p>
+            <a:r>
+              <a:rPr lang="en-US"/>
+              <a:t>Maecenas nam mattis, condimentum semper tristique. Morbi sed diam.</a:t>
+            </a:r>
+          </a:p>
+          <a:p>
+            <a:r>
+              <a:rPr lang="en-US"/>
+              <a:t>Lorem ipsum dolor sit amet, consectetur adipiscing elit, sed do eiusmod tempor incididunt.</a:t>
+            </a:r>
+          </a:p>
+        </p:txBody>
+      </p:sp>
+      <p:sp>
+        <p:nvSpPr>
+          <p:cNvPr id="4" name="Date Placeholder 3"/>
+          <p:cNvSpPr>
+            <a:spLocks noGrp="1"/>
+          </p:cNvSpPr>
+          <p:nvPr>
+            <p:ph type="dt" sz="half" idx="10"/>
+          </p:nvPr>
+        </p:nvSpPr>
+        <p:spPr/>
+        <p:txBody>
+          <a:bodyPr/>
+          <a:lstStyle/>
+          <a:p>
+            <a:pPr marL="0" marR="0" lvl="0" indent="0" algn="l" defTabSz="914400" rtl="0" eaLnBrk="1" fontAlgn="auto" latinLnBrk="0" hangingPunct="1">
+              <a:lnSpc>
+                <a:spcPct val="100000"/>
+              </a:lnSpc>
+              <a:spcBef>
+                <a:spcPts val="0"/>
+              </a:spcBef>
+              <a:spcAft>
+                <a:spcPts val="0"/>
+              </a:spcAft>
+              <a:buClrTx/>
+              <a:buSzTx/>
+              <a:buFontTx/>
+              <a:buNone/>
+              <a:tabLst/>
+              <a:defRPr/>
+            </a:pPr>
+            <a:r>
+              <a:rPr kumimoji="0" lang="fr-FR" sz="1200" b="0" i="0" u="none" strike="noStrike" kern="1200" cap="none" spc="0" normalizeH="0" baseline="0" noProof="0">
+                <a:ln>
+                  <a:noFill/>
+                </a:ln>
+                <a:effectLst/>
+                <a:uLnTx/>
+                <a:uFillTx/>
+                <a:latin typeface="Calibri" panose="020F0502020204030204"/>
+                <a:ea typeface="+mn-ea"/>
+                <a:cs typeface="+mn-cs"/>
+              </a:rPr>
+              <a:t>04 février 2021</a:t>
+            </a:r>
+            <a:endParaRPr kumimoji="0" lang="en-US" sz="1200" b="0" i="0" u="none" strike="noStrike" kern="1200" cap="none" spc="0" normalizeH="0" baseline="0" noProof="0">
+              <a:ln>
+                <a:noFill/>
+              </a:ln>
+              <a:effectLst/>
+              <a:uLnTx/>
+              <a:uFillTx/>
+              <a:latin typeface="Calibri" panose="020F0502020204030204"/>
+              <a:ea typeface="+mn-ea"/>
+              <a:cs typeface="+mn-cs"/>
+            </a:endParaRPr>
+          </a:p>
+        </p:txBody>
+      </p:sp>
+      <p:sp>
+        <p:nvSpPr>
+          <p:cNvPr id="5" name="Footer Placeholder 4"/>
+          <p:cNvSpPr>
+            <a:spLocks noGrp="1"/>
+          </p:cNvSpPr>
+          <p:nvPr>
+            <p:ph type="ftr" sz="quarter" idx="11"/>
+          </p:nvPr>
+        </p:nvSpPr>
+        <p:spPr/>
+        <p:txBody>
+          <a:bodyPr/>
+          <a:lstStyle/>
+          <a:p>
+            <a:pPr marL="0" marR="0" lvl="0" indent="0" algn="ctr" defTabSz="914400" rtl="0" eaLnBrk="1" fontAlgn="auto" latinLnBrk="0" hangingPunct="1">
+              <a:lnSpc>
+                <a:spcPct val="100000"/>
+              </a:lnSpc>
+              <a:spcBef>
+                <a:spcPts val="0"/>
+              </a:spcBef>
+              <a:spcAft>
+                <a:spcPts val="0"/>
+              </a:spcAft>
+              <a:buClrTx/>
+              <a:buSzTx/>
+              <a:buFontTx/>
+              <a:buNone/>
+              <a:tabLst/>
+              <a:defRPr/>
+            </a:pPr>
+            <a:r>
+              <a:rPr kumimoji="0" lang="fr-FR" sz="1200" b="0" i="0" u="none" strike="noStrike" kern="1200" cap="none" spc="0" normalizeH="0" baseline="0" noProof="0">
+                <a:ln>
+                  <a:noFill/>
+                </a:ln>
+                <a:effectLst/>
+                <a:uLnTx/>
+                <a:uFillTx/>
+                <a:latin typeface="Calibri" panose="020F0502020204030204"/>
+                <a:ea typeface="+mn-ea"/>
+                <a:cs typeface="+mn-cs"/>
+              </a:rPr>
+              <a:t>Command &amp; Memento - Aurélien BOUDIER</a:t>
+            </a:r>
+            <a:endParaRPr kumimoji="0" lang="en-US" sz="1200" b="0" i="0" u="none" strike="noStrike" kern="1200" cap="none" spc="0" normalizeH="0" baseline="0" noProof="0">
+              <a:ln>
+                <a:noFill/>
+              </a:ln>
+              <a:effectLst/>
+              <a:uLnTx/>
+              <a:uFillTx/>
+              <a:latin typeface="Calibri" panose="020F0502020204030204"/>
+              <a:ea typeface="+mn-ea"/>
+              <a:cs typeface="+mn-cs"/>
+            </a:endParaRPr>
+          </a:p>
+        </p:txBody>
+      </p:sp>
+      <p:graphicFrame>
+        <p:nvGraphicFramePr>
+          <p:cNvPr id="8" name="Content Placeholder 7">
+            <a:extLst>
+              <a:ext uri="{FF2B5EF4-FFF2-40B4-BE49-F238E27FC236}">
+                <a16:creationId xmlns:a16="http://schemas.microsoft.com/office/drawing/2014/main" id="{E4775302-2C73-4028-A261-637BD156A892}"/>
+              </a:ext>
+            </a:extLst>
+          </p:cNvPr>
+          <p:cNvGraphicFramePr>
+            <a:graphicFrameLocks noGrp="1"/>
+          </p:cNvGraphicFramePr>
+          <p:nvPr>
+            <p:ph sz="half" idx="1"/>
+            <p:extLst>
+              <p:ext uri="{D42A27DB-BD31-4B8C-83A1-F6EECF244321}">
+                <p14:modId xmlns:p14="http://schemas.microsoft.com/office/powerpoint/2010/main" val="1512585918"/>
+              </p:ext>
+            </p:extLst>
+          </p:nvPr>
+        </p:nvGraphicFramePr>
+        <p:xfrm>
+          <a:off x="838200" y="1825625"/>
+          <a:ext cx="5181600" cy="4351338"/>
+        </p:xfrm>
+        <a:graphic>
+          <a:graphicData uri="http://schemas.openxmlformats.org/drawingml/2006/chart">
+            <c:chart xmlns:c="http://schemas.openxmlformats.org/drawingml/2006/chart" xmlns:r="http://schemas.openxmlformats.org/officeDocument/2006/relationships" r:id="rId3"/>
+          </a:graphicData>
+        </a:graphic>
+      </p:graphicFrame>
+      <p:sp>
+        <p:nvSpPr>
+          <p:cNvPr id="2" name="Espace réservé du numéro de diapositive 1">
+            <a:extLst>
+              <a:ext uri="{FF2B5EF4-FFF2-40B4-BE49-F238E27FC236}">
+                <a16:creationId xmlns:a16="http://schemas.microsoft.com/office/drawing/2014/main" id="{41BC5EB4-4991-4787-8AC9-2F6438991B89}"/>
+              </a:ext>
+            </a:extLst>
+          </p:cNvPr>
+          <p:cNvSpPr>
+            <a:spLocks noGrp="1"/>
+          </p:cNvSpPr>
+          <p:nvPr>
+            <p:ph type="sldNum" sz="quarter" idx="12"/>
+          </p:nvPr>
+        </p:nvSpPr>
+        <p:spPr/>
+        <p:txBody>
+          <a:bodyPr/>
+          <a:lstStyle/>
+          <a:p>
+            <a:fld id="{D325CB3F-26C9-44D7-A7CB-40F86C5CE4B1}" type="slidenum">
+              <a:rPr lang="en-US" smtClean="0"/>
+              <a:t>31</a:t>
+            </a:fld>
+            <a:endParaRPr lang="en-US"/>
+          </a:p>
+        </p:txBody>
+      </p:sp>
+    </p:spTree>
+    <p:extLst>
+      <p:ext uri="{BB962C8B-B14F-4D97-AF65-F5344CB8AC3E}">
+        <p14:creationId xmlns:p14="http://schemas.microsoft.com/office/powerpoint/2010/main" val="759209363"/>
+      </p:ext>
+    </p:extLst>
+  </p:cSld>
+  <p:clrMapOvr>
+    <a:masterClrMapping/>
+  </p:clrMapOvr>
+</p:sld>
+</file>
+
+<file path=ppt/slides/slide32.xml><?xml version="1.0" encoding="utf-8"?>
 <p:sld xmlns:a="http://schemas.openxmlformats.org/drawingml/2006/main" xmlns:r="http://schemas.openxmlformats.org/officeDocument/2006/relationships" xmlns:p="http://schemas.openxmlformats.org/presentationml/2006/main">
   <p:cSld>
     <p:spTree>
@@ -40979,6 +42252,35 @@
           </a:p>
         </p:txBody>
       </p:sp>
+      <p:sp>
+        <p:nvSpPr>
+          <p:cNvPr id="2" name="Espace réservé du numéro de diapositive 1">
+            <a:extLst>
+              <a:ext uri="{FF2B5EF4-FFF2-40B4-BE49-F238E27FC236}">
+                <a16:creationId xmlns:a16="http://schemas.microsoft.com/office/drawing/2014/main" id="{66915BCF-29FF-4C3E-80AB-73030DB21DEF}"/>
+              </a:ext>
+            </a:extLst>
+          </p:cNvPr>
+          <p:cNvSpPr>
+            <a:spLocks noGrp="1"/>
+          </p:cNvSpPr>
+          <p:nvPr>
+            <p:ph type="sldNum" sz="quarter" idx="12"/>
+          </p:nvPr>
+        </p:nvSpPr>
+        <p:spPr/>
+        <p:txBody>
+          <a:bodyPr/>
+          <a:lstStyle/>
+          <a:p>
+            <a:fld id="{D325CB3F-26C9-44D7-A7CB-40F86C5CE4B1}" type="slidenum">
+              <a:rPr lang="en-US" smtClean="0"/>
+              <a:t>32</a:t>
+            </a:fld>
+            <a:endParaRPr lang="en-US"/>
+          </a:p>
+        </p:txBody>
+      </p:sp>
     </p:spTree>
     <p:extLst>
       <p:ext uri="{BB962C8B-B14F-4D97-AF65-F5344CB8AC3E}">
@@ -40992,7 +42294,7 @@
 </p:sld>
 </file>
 
-<file path=ppt/slides/slide31.xml><?xml version="1.0" encoding="utf-8"?>
+<file path=ppt/slides/slide33.xml><?xml version="1.0" encoding="utf-8"?>
 <p:sld xmlns:a="http://schemas.openxmlformats.org/drawingml/2006/main" xmlns:r="http://schemas.openxmlformats.org/officeDocument/2006/relationships" xmlns:p="http://schemas.openxmlformats.org/presentationml/2006/main">
   <p:cSld>
     <p:spTree>
@@ -46099,6 +47401,35 @@
           </a:prstGeom>
         </p:spPr>
       </p:pic>
+      <p:sp>
+        <p:nvSpPr>
+          <p:cNvPr id="3" name="Espace réservé du numéro de diapositive 2">
+            <a:extLst>
+              <a:ext uri="{FF2B5EF4-FFF2-40B4-BE49-F238E27FC236}">
+                <a16:creationId xmlns:a16="http://schemas.microsoft.com/office/drawing/2014/main" id="{2DB58851-C6BC-41A3-9F82-8B7B0E1888D2}"/>
+              </a:ext>
+            </a:extLst>
+          </p:cNvPr>
+          <p:cNvSpPr>
+            <a:spLocks noGrp="1"/>
+          </p:cNvSpPr>
+          <p:nvPr>
+            <p:ph type="sldNum" sz="quarter" idx="12"/>
+          </p:nvPr>
+        </p:nvSpPr>
+        <p:spPr/>
+        <p:txBody>
+          <a:bodyPr/>
+          <a:lstStyle/>
+          <a:p>
+            <a:fld id="{D325CB3F-26C9-44D7-A7CB-40F86C5CE4B1}" type="slidenum">
+              <a:rPr lang="en-US" smtClean="0"/>
+              <a:t>33</a:t>
+            </a:fld>
+            <a:endParaRPr lang="en-US"/>
+          </a:p>
+        </p:txBody>
+      </p:sp>
     </p:spTree>
     <p:extLst>
       <p:ext uri="{BB962C8B-B14F-4D97-AF65-F5344CB8AC3E}">
@@ -46112,7 +47443,7 @@
 </p:sld>
 </file>
 
-<file path=ppt/slides/slide32.xml><?xml version="1.0" encoding="utf-8"?>
+<file path=ppt/slides/slide34.xml><?xml version="1.0" encoding="utf-8"?>
 <p:sld xmlns:a="http://schemas.openxmlformats.org/drawingml/2006/main" xmlns:r="http://schemas.openxmlformats.org/officeDocument/2006/relationships" xmlns:p="http://schemas.openxmlformats.org/presentationml/2006/main">
   <p:cSld>
     <p:spTree>
@@ -46285,6 +47616,35 @@
         </p:blipFill>
         <p:spPr/>
       </p:pic>
+      <p:sp>
+        <p:nvSpPr>
+          <p:cNvPr id="3" name="Espace réservé du numéro de diapositive 2">
+            <a:extLst>
+              <a:ext uri="{FF2B5EF4-FFF2-40B4-BE49-F238E27FC236}">
+                <a16:creationId xmlns:a16="http://schemas.microsoft.com/office/drawing/2014/main" id="{9DF373DC-E327-4E26-9C15-4C50707C255C}"/>
+              </a:ext>
+            </a:extLst>
+          </p:cNvPr>
+          <p:cNvSpPr>
+            <a:spLocks noGrp="1"/>
+          </p:cNvSpPr>
+          <p:nvPr>
+            <p:ph type="sldNum" sz="quarter" idx="12"/>
+          </p:nvPr>
+        </p:nvSpPr>
+        <p:spPr/>
+        <p:txBody>
+          <a:bodyPr/>
+          <a:lstStyle/>
+          <a:p>
+            <a:fld id="{D325CB3F-26C9-44D7-A7CB-40F86C5CE4B1}" type="slidenum">
+              <a:rPr lang="en-US" smtClean="0"/>
+              <a:t>34</a:t>
+            </a:fld>
+            <a:endParaRPr lang="en-US"/>
+          </a:p>
+        </p:txBody>
+      </p:sp>
     </p:spTree>
     <p:extLst>
       <p:ext uri="{BB962C8B-B14F-4D97-AF65-F5344CB8AC3E}">
@@ -46423,6 +47783,35 @@
               <a:rPr lang="fr-FR"/>
               <a:t>Command &amp; Memento - Aurélien BOUDIER</a:t>
             </a:r>
+            <a:endParaRPr lang="en-US"/>
+          </a:p>
+        </p:txBody>
+      </p:sp>
+      <p:sp>
+        <p:nvSpPr>
+          <p:cNvPr id="3" name="Espace réservé du numéro de diapositive 2">
+            <a:extLst>
+              <a:ext uri="{FF2B5EF4-FFF2-40B4-BE49-F238E27FC236}">
+                <a16:creationId xmlns:a16="http://schemas.microsoft.com/office/drawing/2014/main" id="{8EFFE6FE-77DF-45C4-BD32-76A85DD77F80}"/>
+              </a:ext>
+            </a:extLst>
+          </p:cNvPr>
+          <p:cNvSpPr>
+            <a:spLocks noGrp="1"/>
+          </p:cNvSpPr>
+          <p:nvPr>
+            <p:ph type="sldNum" sz="quarter" idx="12"/>
+          </p:nvPr>
+        </p:nvSpPr>
+        <p:spPr/>
+        <p:txBody>
+          <a:bodyPr/>
+          <a:lstStyle/>
+          <a:p>
+            <a:fld id="{D325CB3F-26C9-44D7-A7CB-40F86C5CE4B1}" type="slidenum">
+              <a:rPr lang="en-US" smtClean="0"/>
+              <a:t>4</a:t>
+            </a:fld>
             <a:endParaRPr lang="en-US"/>
           </a:p>
         </p:txBody>
@@ -47497,6 +48886,35 @@
           </p:style>
         </p:cxnSp>
       </p:grpSp>
+      <p:sp>
+        <p:nvSpPr>
+          <p:cNvPr id="2" name="Espace réservé du numéro de diapositive 1">
+            <a:extLst>
+              <a:ext uri="{FF2B5EF4-FFF2-40B4-BE49-F238E27FC236}">
+                <a16:creationId xmlns:a16="http://schemas.microsoft.com/office/drawing/2014/main" id="{7230A743-FBE5-4D64-97FA-EE465DF26341}"/>
+              </a:ext>
+            </a:extLst>
+          </p:cNvPr>
+          <p:cNvSpPr>
+            <a:spLocks noGrp="1"/>
+          </p:cNvSpPr>
+          <p:nvPr>
+            <p:ph type="sldNum" sz="quarter" idx="12"/>
+          </p:nvPr>
+        </p:nvSpPr>
+        <p:spPr/>
+        <p:txBody>
+          <a:bodyPr/>
+          <a:lstStyle/>
+          <a:p>
+            <a:fld id="{D325CB3F-26C9-44D7-A7CB-40F86C5CE4B1}" type="slidenum">
+              <a:rPr lang="en-US" smtClean="0"/>
+              <a:t>5</a:t>
+            </a:fld>
+            <a:endParaRPr lang="en-US"/>
+          </a:p>
+        </p:txBody>
+      </p:sp>
     </p:spTree>
     <p:extLst>
       <p:ext uri="{BB962C8B-B14F-4D97-AF65-F5344CB8AC3E}">
@@ -47661,6 +49079,35 @@
           </a:extLst>
         </p:spPr>
       </p:pic>
+      <p:sp>
+        <p:nvSpPr>
+          <p:cNvPr id="2" name="Espace réservé du numéro de diapositive 1">
+            <a:extLst>
+              <a:ext uri="{FF2B5EF4-FFF2-40B4-BE49-F238E27FC236}">
+                <a16:creationId xmlns:a16="http://schemas.microsoft.com/office/drawing/2014/main" id="{2143045F-78FA-4DAE-BC13-E527F2B3CF8C}"/>
+              </a:ext>
+            </a:extLst>
+          </p:cNvPr>
+          <p:cNvSpPr>
+            <a:spLocks noGrp="1"/>
+          </p:cNvSpPr>
+          <p:nvPr>
+            <p:ph type="sldNum" sz="quarter" idx="12"/>
+          </p:nvPr>
+        </p:nvSpPr>
+        <p:spPr/>
+        <p:txBody>
+          <a:bodyPr/>
+          <a:lstStyle/>
+          <a:p>
+            <a:fld id="{D325CB3F-26C9-44D7-A7CB-40F86C5CE4B1}" type="slidenum">
+              <a:rPr lang="en-US" smtClean="0"/>
+              <a:t>6</a:t>
+            </a:fld>
+            <a:endParaRPr lang="en-US"/>
+          </a:p>
+        </p:txBody>
+      </p:sp>
     </p:spTree>
     <p:extLst>
       <p:ext uri="{BB962C8B-B14F-4D97-AF65-F5344CB8AC3E}">
@@ -48292,6 +49739,35 @@
           </a:fontRef>
         </p:style>
       </p:cxnSp>
+      <p:sp>
+        <p:nvSpPr>
+          <p:cNvPr id="35" name="Espace réservé du numéro de diapositive 34">
+            <a:extLst>
+              <a:ext uri="{FF2B5EF4-FFF2-40B4-BE49-F238E27FC236}">
+                <a16:creationId xmlns:a16="http://schemas.microsoft.com/office/drawing/2014/main" id="{5AD9A336-1B36-4254-AE66-D5971F8283D6}"/>
+              </a:ext>
+            </a:extLst>
+          </p:cNvPr>
+          <p:cNvSpPr>
+            <a:spLocks noGrp="1"/>
+          </p:cNvSpPr>
+          <p:nvPr>
+            <p:ph type="sldNum" sz="quarter" idx="12"/>
+          </p:nvPr>
+        </p:nvSpPr>
+        <p:spPr/>
+        <p:txBody>
+          <a:bodyPr/>
+          <a:lstStyle/>
+          <a:p>
+            <a:fld id="{D325CB3F-26C9-44D7-A7CB-40F86C5CE4B1}" type="slidenum">
+              <a:rPr lang="en-US" smtClean="0"/>
+              <a:t>7</a:t>
+            </a:fld>
+            <a:endParaRPr lang="en-US"/>
+          </a:p>
+        </p:txBody>
+      </p:sp>
     </p:spTree>
     <p:extLst>
       <p:ext uri="{BB962C8B-B14F-4D97-AF65-F5344CB8AC3E}">
@@ -48390,7 +49866,7 @@
           <a:lstStyle/>
           <a:p>
             <a:r>
-              <a:rPr lang="fr-FR" dirty="0"/>
+              <a:rPr lang="fr-FR"/>
               <a:t>04 février 2021</a:t>
             </a:r>
             <a:endParaRPr lang="en-US" dirty="0"/>
@@ -48422,6 +49898,36 @@
               <a:rPr lang="fr-FR"/>
               <a:t>Command &amp; Memento - Aurélien BOUDIER</a:t>
             </a:r>
+            <a:endParaRPr lang="en-US"/>
+          </a:p>
+        </p:txBody>
+      </p:sp>
+      <p:sp>
+        <p:nvSpPr>
+          <p:cNvPr id="5" name="Espace réservé du numéro de diapositive 4">
+            <a:extLst>
+              <a:ext uri="{FF2B5EF4-FFF2-40B4-BE49-F238E27FC236}">
+                <a16:creationId xmlns:a16="http://schemas.microsoft.com/office/drawing/2014/main" id="{F234690B-1F05-4556-AEBD-CB2B2D332BCF}"/>
+              </a:ext>
+            </a:extLst>
+          </p:cNvPr>
+          <p:cNvSpPr>
+            <a:spLocks noGrp="1"/>
+          </p:cNvSpPr>
+          <p:nvPr>
+            <p:ph type="sldNum" sz="quarter" idx="12"/>
+          </p:nvPr>
+        </p:nvSpPr>
+        <p:spPr/>
+        <p:txBody>
+          <a:bodyPr/>
+          <a:lstStyle/>
+          <a:p>
+            <a:fld id="{D325CB3F-26C9-44D7-A7CB-40F86C5CE4B1}" type="slidenum">
+              <a:rPr lang="en-US" smtClean="0"/>
+              <a:pPr/>
+              <a:t>8</a:t>
+            </a:fld>
             <a:endParaRPr lang="en-US"/>
           </a:p>
         </p:txBody>
@@ -48953,6 +50459,35 @@
           </a:fontRef>
         </p:style>
       </p:cxnSp>
+      <p:sp>
+        <p:nvSpPr>
+          <p:cNvPr id="13" name="Espace réservé du numéro de diapositive 12">
+            <a:extLst>
+              <a:ext uri="{FF2B5EF4-FFF2-40B4-BE49-F238E27FC236}">
+                <a16:creationId xmlns:a16="http://schemas.microsoft.com/office/drawing/2014/main" id="{217A2AC6-A0A5-404D-BA37-197987951FF8}"/>
+              </a:ext>
+            </a:extLst>
+          </p:cNvPr>
+          <p:cNvSpPr>
+            <a:spLocks noGrp="1"/>
+          </p:cNvSpPr>
+          <p:nvPr>
+            <p:ph type="sldNum" sz="quarter" idx="12"/>
+          </p:nvPr>
+        </p:nvSpPr>
+        <p:spPr/>
+        <p:txBody>
+          <a:bodyPr/>
+          <a:lstStyle/>
+          <a:p>
+            <a:fld id="{D325CB3F-26C9-44D7-A7CB-40F86C5CE4B1}" type="slidenum">
+              <a:rPr lang="en-US" smtClean="0"/>
+              <a:t>9</a:t>
+            </a:fld>
+            <a:endParaRPr lang="en-US"/>
+          </a:p>
+        </p:txBody>
+      </p:sp>
     </p:spTree>
     <p:extLst>
       <p:ext uri="{BB962C8B-B14F-4D97-AF65-F5344CB8AC3E}">
